--- a/course/compiler/LectureNotes/(Spring2017)Lecture3.pptx
+++ b/course/compiler/LectureNotes/(Spring2017)Lecture3.pptx
@@ -5,10 +5,10 @@
     <p:sldMasterId id="2147483648" r:id="rId4"/>
   </p:sldMasterIdLst>
   <p:notesMasterIdLst>
-    <p:notesMasterId r:id="rId20"/>
+    <p:notesMasterId r:id="rId33"/>
   </p:notesMasterIdLst>
   <p:handoutMasterIdLst>
-    <p:handoutMasterId r:id="rId21"/>
+    <p:handoutMasterId r:id="rId34"/>
   </p:handoutMasterIdLst>
   <p:sldIdLst>
     <p:sldId id="256" r:id="rId5"/>
@@ -26,6 +26,19 @@
     <p:sldId id="272" r:id="rId17"/>
     <p:sldId id="273" r:id="rId18"/>
     <p:sldId id="274" r:id="rId19"/>
+    <p:sldId id="275" r:id="rId20"/>
+    <p:sldId id="276" r:id="rId21"/>
+    <p:sldId id="277" r:id="rId22"/>
+    <p:sldId id="278" r:id="rId23"/>
+    <p:sldId id="279" r:id="rId24"/>
+    <p:sldId id="280" r:id="rId25"/>
+    <p:sldId id="281" r:id="rId26"/>
+    <p:sldId id="282" r:id="rId27"/>
+    <p:sldId id="283" r:id="rId28"/>
+    <p:sldId id="284" r:id="rId29"/>
+    <p:sldId id="285" r:id="rId30"/>
+    <p:sldId id="286" r:id="rId31"/>
+    <p:sldId id="287" r:id="rId32"/>
   </p:sldIdLst>
   <p:sldSz cx="9144000" cy="6858000" type="screen4x3"/>
   <p:notesSz cx="6858000" cy="9144000"/>
@@ -1433,6 +1446,396 @@
       <dsp:cNvGrpSpPr/>
     </dsp:nvGrpSpPr>
     <dsp:grpSpPr/>
+    <dsp:sp modelId="{21512F9D-CB85-41E5-9782-82FB2BC55C5A}">
+      <dsp:nvSpPr>
+        <dsp:cNvPr id="0" name=""/>
+        <dsp:cNvSpPr/>
+      </dsp:nvSpPr>
+      <dsp:spPr>
+        <a:xfrm>
+          <a:off x="0" y="0"/>
+          <a:ext cx="7942390" cy="584603"/>
+        </a:xfrm>
+        <a:prstGeom prst="roundRect">
+          <a:avLst/>
+        </a:prstGeom>
+        <a:solidFill>
+          <a:schemeClr val="accent5">
+            <a:hueOff val="0"/>
+            <a:satOff val="0"/>
+            <a:lumOff val="0"/>
+            <a:alphaOff val="0"/>
+          </a:schemeClr>
+        </a:solidFill>
+        <a:ln w="48000" cap="flat" cmpd="thickThin" algn="ctr">
+          <a:solidFill>
+            <a:schemeClr val="lt1">
+              <a:hueOff val="0"/>
+              <a:satOff val="0"/>
+              <a:lumOff val="0"/>
+              <a:alphaOff val="0"/>
+            </a:schemeClr>
+          </a:solidFill>
+          <a:prstDash val="solid"/>
+        </a:ln>
+        <a:effectLst/>
+      </dsp:spPr>
+      <dsp:style>
+        <a:lnRef idx="2">
+          <a:scrgbClr r="0" g="0" b="0"/>
+        </a:lnRef>
+        <a:fillRef idx="1">
+          <a:scrgbClr r="0" g="0" b="0"/>
+        </a:fillRef>
+        <a:effectRef idx="0">
+          <a:scrgbClr r="0" g="0" b="0"/>
+        </a:effectRef>
+        <a:fontRef idx="minor">
+          <a:schemeClr val="lt1"/>
+        </a:fontRef>
+      </dsp:style>
+      <dsp:txBody>
+        <a:bodyPr spcFirstLastPara="0" vert="horz" wrap="square" lIns="91440" tIns="91440" rIns="91440" bIns="91440" numCol="1" spcCol="1270" anchor="ctr" anchorCtr="0">
+          <a:noAutofit/>
+        </a:bodyPr>
+        <a:lstStyle/>
+        <a:p>
+          <a:pPr lvl="0" algn="l" defTabSz="1066800" rtl="0">
+            <a:lnSpc>
+              <a:spcPct val="90000"/>
+            </a:lnSpc>
+            <a:spcBef>
+              <a:spcPct val="0"/>
+            </a:spcBef>
+            <a:spcAft>
+              <a:spcPct val="35000"/>
+            </a:spcAft>
+          </a:pPr>
+          <a:r>
+            <a:rPr lang="en-US" altLang="zh-CN" sz="2400" b="1" kern="1200" dirty="0" smtClean="0"/>
+            <a:t>Token name</a:t>
+          </a:r>
+          <a:endParaRPr lang="zh-CN" sz="2400" b="1" kern="1200" dirty="0"/>
+        </a:p>
+      </dsp:txBody>
+      <dsp:txXfrm>
+        <a:off x="28538" y="28538"/>
+        <a:ext cx="7885314" cy="527527"/>
+      </dsp:txXfrm>
+    </dsp:sp>
+    <dsp:sp modelId="{1FD7BE0E-4983-47C5-BFC4-098EA77686C0}">
+      <dsp:nvSpPr>
+        <dsp:cNvPr id="0" name=""/>
+        <dsp:cNvSpPr/>
+      </dsp:nvSpPr>
+      <dsp:spPr>
+        <a:xfrm>
+          <a:off x="0" y="917105"/>
+          <a:ext cx="7942390" cy="2285280"/>
+        </a:xfrm>
+        <a:prstGeom prst="rect">
+          <a:avLst/>
+        </a:prstGeom>
+        <a:noFill/>
+        <a:ln>
+          <a:noFill/>
+        </a:ln>
+        <a:effectLst/>
+      </dsp:spPr>
+      <dsp:style>
+        <a:lnRef idx="0">
+          <a:scrgbClr r="0" g="0" b="0"/>
+        </a:lnRef>
+        <a:fillRef idx="0">
+          <a:scrgbClr r="0" g="0" b="0"/>
+        </a:fillRef>
+        <a:effectRef idx="0">
+          <a:scrgbClr r="0" g="0" b="0"/>
+        </a:effectRef>
+        <a:fontRef idx="minor"/>
+      </dsp:style>
+      <dsp:txBody>
+        <a:bodyPr spcFirstLastPara="0" vert="horz" wrap="square" lIns="252171" tIns="30480" rIns="170688" bIns="30480" numCol="1" spcCol="1270" anchor="t" anchorCtr="0">
+          <a:noAutofit/>
+        </a:bodyPr>
+        <a:lstStyle/>
+        <a:p>
+          <a:pPr marL="171450" lvl="1" indent="-171450" algn="l" defTabSz="844550" rtl="0">
+            <a:lnSpc>
+              <a:spcPct val="90000"/>
+            </a:lnSpc>
+            <a:spcBef>
+              <a:spcPct val="0"/>
+            </a:spcBef>
+            <a:spcAft>
+              <a:spcPct val="20000"/>
+            </a:spcAft>
+            <a:buChar char="••"/>
+          </a:pPr>
+          <a:r>
+            <a:rPr lang="en-US" sz="1900" kern="1200" dirty="0" smtClean="0">
+              <a:solidFill>
+                <a:srgbClr val="7030A0"/>
+              </a:solidFill>
+            </a:rPr>
+            <a:t>Keyword</a:t>
+          </a:r>
+          <a:r>
+            <a:rPr lang="zh-CN" sz="1900" kern="1200" dirty="0" smtClean="0">
+              <a:solidFill>
+                <a:srgbClr val="7030A0"/>
+              </a:solidFill>
+            </a:rPr>
+            <a:t>：</a:t>
+          </a:r>
+          <a:r>
+            <a:rPr lang="en-US" sz="1900" kern="1200" dirty="0" smtClean="0"/>
+            <a:t>if, while, switch, … (</a:t>
+          </a:r>
+          <a:r>
+            <a:rPr lang="en-US" altLang="zh-CN" sz="1900" kern="1200" dirty="0" smtClean="0">
+              <a:solidFill>
+                <a:srgbClr val="00B050"/>
+              </a:solidFill>
+            </a:rPr>
+            <a:t>any keyword as a token name</a:t>
+          </a:r>
+          <a:r>
+            <a:rPr lang="en-US" sz="1900" kern="1200" dirty="0" smtClean="0"/>
+            <a:t>)</a:t>
+          </a:r>
+          <a:endParaRPr lang="zh-CN" sz="1900" kern="1200" dirty="0"/>
+        </a:p>
+        <a:p>
+          <a:pPr marL="171450" lvl="1" indent="-171450" algn="l" defTabSz="844550" rtl="0">
+            <a:lnSpc>
+              <a:spcPct val="90000"/>
+            </a:lnSpc>
+            <a:spcBef>
+              <a:spcPct val="0"/>
+            </a:spcBef>
+            <a:spcAft>
+              <a:spcPct val="20000"/>
+            </a:spcAft>
+            <a:buChar char="••"/>
+          </a:pPr>
+          <a:r>
+            <a:rPr lang="en-US" sz="1900" kern="1200" dirty="0" smtClean="0">
+              <a:solidFill>
+                <a:srgbClr val="7030A0"/>
+              </a:solidFill>
+            </a:rPr>
+            <a:t>Identifier</a:t>
+          </a:r>
+          <a:r>
+            <a:rPr lang="zh-CN" sz="1900" kern="1200" dirty="0" smtClean="0">
+              <a:solidFill>
+                <a:srgbClr val="7030A0"/>
+              </a:solidFill>
+            </a:rPr>
+            <a:t>：</a:t>
+          </a:r>
+          <a:r>
+            <a:rPr lang="en-US" altLang="zh-CN" sz="1900" kern="1200" dirty="0" smtClean="0"/>
+            <a:t>variables, functions, classes… defined by users </a:t>
+          </a:r>
+          <a:r>
+            <a:rPr lang="en-US" sz="1900" kern="1200" dirty="0" smtClean="0"/>
+            <a:t>…  (</a:t>
+          </a:r>
+          <a:r>
+            <a:rPr lang="en-US" altLang="zh-CN" sz="1900" kern="1200" dirty="0" smtClean="0">
+              <a:solidFill>
+                <a:srgbClr val="00B050"/>
+              </a:solidFill>
+            </a:rPr>
+            <a:t>all identifiers have one token name </a:t>
+          </a:r>
+          <a:r>
+            <a:rPr lang="en-US" altLang="zh-CN" sz="1900" b="1" kern="1200" dirty="0" smtClean="0">
+              <a:solidFill>
+                <a:schemeClr val="tx2"/>
+              </a:solidFill>
+            </a:rPr>
+            <a:t>id</a:t>
+          </a:r>
+          <a:r>
+            <a:rPr lang="en-US" sz="1900" kern="1200" dirty="0" smtClean="0"/>
+            <a:t>)</a:t>
+          </a:r>
+          <a:endParaRPr lang="zh-CN" sz="1900" kern="1200" dirty="0"/>
+        </a:p>
+        <a:p>
+          <a:pPr marL="171450" lvl="1" indent="-171450" algn="l" defTabSz="844550" rtl="0">
+            <a:lnSpc>
+              <a:spcPct val="90000"/>
+            </a:lnSpc>
+            <a:spcBef>
+              <a:spcPct val="0"/>
+            </a:spcBef>
+            <a:spcAft>
+              <a:spcPct val="20000"/>
+            </a:spcAft>
+            <a:buChar char="••"/>
+          </a:pPr>
+          <a:r>
+            <a:rPr lang="en-US" sz="1900" kern="1200" dirty="0" smtClean="0">
+              <a:solidFill>
+                <a:srgbClr val="7030A0"/>
+              </a:solidFill>
+            </a:rPr>
+            <a:t>Constant</a:t>
+          </a:r>
+          <a:r>
+            <a:rPr lang="zh-CN" sz="1900" kern="1200" dirty="0" smtClean="0">
+              <a:solidFill>
+                <a:srgbClr val="7030A0"/>
+              </a:solidFill>
+            </a:rPr>
+            <a:t>：</a:t>
+          </a:r>
+          <a:r>
+            <a:rPr lang="en-US" altLang="zh-CN" sz="1900" kern="1200" dirty="0" smtClean="0"/>
+            <a:t>integer</a:t>
+          </a:r>
+          <a:r>
+            <a:rPr lang="zh-CN" sz="1900" kern="1200" dirty="0" smtClean="0"/>
+            <a:t>，</a:t>
+          </a:r>
+          <a:r>
+            <a:rPr lang="en-US" altLang="zh-CN" sz="1900" kern="1200" dirty="0" smtClean="0"/>
+            <a:t>float, Boolean</a:t>
+          </a:r>
+          <a:r>
+            <a:rPr lang="zh-CN" sz="1900" kern="1200" dirty="0" smtClean="0"/>
+            <a:t>，</a:t>
+          </a:r>
+          <a:r>
+            <a:rPr lang="en-US" altLang="zh-CN" sz="1900" kern="1200" dirty="0" smtClean="0"/>
+            <a:t>literature </a:t>
+          </a:r>
+          <a:r>
+            <a:rPr lang="zh-CN" altLang="en-US" sz="1900" kern="1200" dirty="0" smtClean="0"/>
+            <a:t>（</a:t>
+          </a:r>
+          <a:r>
+            <a:rPr lang="en-US" altLang="zh-CN" sz="1900" kern="1200" dirty="0" smtClean="0">
+              <a:solidFill>
+                <a:srgbClr val="00B050"/>
+              </a:solidFill>
+            </a:rPr>
+            <a:t>Each type has a token name</a:t>
+          </a:r>
+          <a:r>
+            <a:rPr lang="zh-CN" altLang="en-US" sz="1900" kern="1200" dirty="0" smtClean="0"/>
+            <a:t>）</a:t>
+          </a:r>
+          <a:endParaRPr lang="zh-CN" sz="1900" kern="1200" dirty="0"/>
+        </a:p>
+        <a:p>
+          <a:pPr marL="171450" lvl="1" indent="-171450" algn="l" defTabSz="844550" rtl="0">
+            <a:lnSpc>
+              <a:spcPct val="90000"/>
+            </a:lnSpc>
+            <a:spcBef>
+              <a:spcPct val="0"/>
+            </a:spcBef>
+            <a:spcAft>
+              <a:spcPct val="20000"/>
+            </a:spcAft>
+            <a:buChar char="••"/>
+          </a:pPr>
+          <a:r>
+            <a:rPr lang="en-US" sz="1900" kern="1200" dirty="0" smtClean="0">
+              <a:solidFill>
+                <a:srgbClr val="7030A0"/>
+              </a:solidFill>
+            </a:rPr>
+            <a:t>Operator</a:t>
+          </a:r>
+          <a:r>
+            <a:rPr lang="zh-CN" sz="1900" kern="1200" dirty="0" smtClean="0">
+              <a:solidFill>
+                <a:srgbClr val="7030A0"/>
+              </a:solidFill>
+            </a:rPr>
+            <a:t>：</a:t>
+          </a:r>
+          <a:r>
+            <a:rPr lang="en-US" sz="1900" kern="1200" dirty="0" smtClean="0"/>
+            <a:t>+, -, *, /, %, … </a:t>
+          </a:r>
+          <a:r>
+            <a:rPr lang="zh-CN" altLang="en-US" sz="1900" kern="1200" dirty="0" smtClean="0"/>
+            <a:t>（</a:t>
+          </a:r>
+          <a:r>
+            <a:rPr lang="en-US" altLang="zh-CN" sz="1900" kern="1200" dirty="0" smtClean="0">
+              <a:solidFill>
+                <a:srgbClr val="00B050"/>
+              </a:solidFill>
+            </a:rPr>
+            <a:t>each operator has a token name or each type has a token</a:t>
+          </a:r>
+          <a:r>
+            <a:rPr lang="zh-CN" altLang="en-US" sz="1900" kern="1200" dirty="0" smtClean="0"/>
+            <a:t>）</a:t>
+          </a:r>
+          <a:endParaRPr lang="zh-CN" sz="1900" kern="1200" dirty="0"/>
+        </a:p>
+        <a:p>
+          <a:pPr marL="171450" lvl="1" indent="-171450" algn="l" defTabSz="844550" rtl="0">
+            <a:lnSpc>
+              <a:spcPct val="90000"/>
+            </a:lnSpc>
+            <a:spcBef>
+              <a:spcPct val="0"/>
+            </a:spcBef>
+            <a:spcAft>
+              <a:spcPct val="20000"/>
+            </a:spcAft>
+            <a:buChar char="••"/>
+          </a:pPr>
+          <a:r>
+            <a:rPr lang="en-US" sz="1900" kern="1200" dirty="0" smtClean="0">
+              <a:solidFill>
+                <a:srgbClr val="7030A0"/>
+              </a:solidFill>
+            </a:rPr>
+            <a:t>Delimiter</a:t>
+          </a:r>
+          <a:r>
+            <a:rPr lang="zh-CN" sz="1900" kern="1200" dirty="0" smtClean="0">
+              <a:solidFill>
+                <a:srgbClr val="7030A0"/>
+              </a:solidFill>
+            </a:rPr>
+            <a:t>：</a:t>
+          </a:r>
+          <a:r>
+            <a:rPr lang="en-US" sz="1900" kern="1200" dirty="0" smtClean="0"/>
+            <a:t>;, {, /**/, … (</a:t>
+          </a:r>
+          <a:r>
+            <a:rPr lang="en-US" altLang="zh-CN" sz="1900" kern="1200" dirty="0" smtClean="0">
+              <a:solidFill>
+                <a:srgbClr val="00B050"/>
+              </a:solidFill>
+            </a:rPr>
+            <a:t>each delimiter has as token name</a:t>
+          </a:r>
+          <a:r>
+            <a:rPr lang="en-US" sz="1900" kern="1200" dirty="0" smtClean="0"/>
+            <a:t>)</a:t>
+          </a:r>
+          <a:endParaRPr lang="zh-CN" sz="1900" kern="1200" dirty="0"/>
+        </a:p>
+      </dsp:txBody>
+      <dsp:txXfrm>
+        <a:off x="0" y="917105"/>
+        <a:ext cx="7942390" cy="2285280"/>
+      </dsp:txXfrm>
+    </dsp:sp>
   </dsp:spTree>
 </dsp:drawing>
 </file>
@@ -2729,7 +3132,7 @@
                 <a:ea typeface="微软雅黑" panose="020B0503020204020204" pitchFamily="34" charset="-122"/>
               </a:rPr>
               <a:pPr algn="r" rtl="0"/>
-              <a:t>2017/4/17</a:t>
+              <a:t>2017/4/18</a:t>
             </a:fld>
             <a:endParaRPr lang="zh-CN" altLang="en-US" dirty="0">
               <a:latin typeface="微软雅黑" panose="020B0503020204020204" pitchFamily="34" charset="-122"/>
@@ -2916,7 +3319,7 @@
             <a:fld id="{229B22C3-6CB1-491B-AD00-E0837F23A3F3}" type="datetime1">
               <a:rPr lang="zh-CN" altLang="en-US" smtClean="0"/>
               <a:pPr/>
-              <a:t>2017/4/17</a:t>
+              <a:t>2017/4/18</a:t>
             </a:fld>
             <a:endParaRPr lang="zh-CN" altLang="en-US" dirty="0"/>
           </a:p>
@@ -3512,7 +3915,7 @@
             <a:fld id="{A7392AAC-879E-4B39-8824-AF6B730A809E}" type="datetime1">
               <a:rPr lang="zh-CN" altLang="en-US" smtClean="0"/>
               <a:pPr/>
-              <a:t>2017/4/17</a:t>
+              <a:t>2017/4/18</a:t>
             </a:fld>
             <a:endParaRPr lang="zh-CN" altLang="en-US" dirty="0"/>
           </a:p>
@@ -3853,7 +4256,7 @@
             <a:fld id="{7118C275-B304-48F5-8C4F-015CBCF4E7C1}" type="datetime1">
               <a:rPr lang="zh-CN" altLang="en-US" smtClean="0"/>
               <a:pPr/>
-              <a:t>2017/4/17</a:t>
+              <a:t>2017/4/18</a:t>
             </a:fld>
             <a:r>
               <a:rPr lang="zh-CN" altLang="en-US" dirty="0"/>
@@ -4059,7 +4462,7 @@
             <a:fld id="{98791AA9-DDCB-4BA8-AD1D-963A3AA00622}" type="datetime1">
               <a:rPr lang="zh-CN" altLang="en-US" smtClean="0"/>
               <a:pPr/>
-              <a:t>2017/4/17</a:t>
+              <a:t>2017/4/18</a:t>
             </a:fld>
             <a:endParaRPr lang="zh-CN" altLang="en-US" dirty="0"/>
           </a:p>
@@ -4263,7 +4666,7 @@
             <a:fld id="{9170426F-E661-472B-BE42-25E072CD46D9}" type="datetime1">
               <a:rPr lang="zh-CN" altLang="en-US" smtClean="0"/>
               <a:pPr/>
-              <a:t>2017/4/17</a:t>
+              <a:t>2017/4/18</a:t>
             </a:fld>
             <a:endParaRPr lang="zh-CN" altLang="en-US" dirty="0"/>
           </a:p>
@@ -4585,7 +4988,7 @@
             <a:fld id="{9BA78444-6099-4C0A-A3A9-C6F3C5D7F289}" type="datetime1">
               <a:rPr lang="zh-CN" altLang="en-US" smtClean="0"/>
               <a:pPr/>
-              <a:t>2017/4/17</a:t>
+              <a:t>2017/4/18</a:t>
             </a:fld>
             <a:endParaRPr lang="zh-CN" altLang="en-US" dirty="0"/>
           </a:p>
@@ -5697,7 +6100,7 @@
             <a:fld id="{AF5F6A19-70BF-4380-9A40-68C9536408C6}" type="datetime1">
               <a:rPr lang="zh-CN" altLang="en-US" smtClean="0"/>
               <a:pPr/>
-              <a:t>2017/4/17</a:t>
+              <a:t>2017/4/18</a:t>
             </a:fld>
             <a:endParaRPr lang="zh-CN" altLang="en-US" dirty="0"/>
           </a:p>
@@ -6096,7 +6499,7 @@
             <a:fld id="{6017EB90-196C-4C15-BD31-13E0E0436C73}" type="datetime1">
               <a:rPr lang="zh-CN" altLang="en-US" smtClean="0"/>
               <a:pPr/>
-              <a:t>2017/4/17</a:t>
+              <a:t>2017/4/18</a:t>
             </a:fld>
             <a:r>
               <a:rPr lang="zh-CN" altLang="en-US" dirty="0"/>
@@ -6578,7 +6981,7 @@
             <a:fld id="{C2EC0F41-B48F-4298-A7F6-618EB9D22195}" type="datetime1">
               <a:rPr lang="zh-CN" altLang="en-US" smtClean="0"/>
               <a:pPr/>
-              <a:t>2017/4/17</a:t>
+              <a:t>2017/4/18</a:t>
             </a:fld>
             <a:endParaRPr lang="zh-CN" altLang="en-US" dirty="0"/>
           </a:p>
@@ -6729,7 +7132,7 @@
             <a:fld id="{7DB2D836-56E8-4B15-857C-14B1A5B3B67B}" type="datetime1">
               <a:rPr lang="zh-CN" altLang="en-US" smtClean="0"/>
               <a:pPr/>
-              <a:t>2017/4/17</a:t>
+              <a:t>2017/4/18</a:t>
             </a:fld>
             <a:endParaRPr lang="zh-CN" altLang="en-US" dirty="0"/>
           </a:p>
@@ -6847,7 +7250,7 @@
             <a:fld id="{038D929F-7D8C-4CC3-8AC7-BB9B8FE2DEBF}" type="datetime1">
               <a:rPr lang="zh-CN" altLang="en-US" smtClean="0"/>
               <a:pPr/>
-              <a:t>2017/4/17</a:t>
+              <a:t>2017/4/18</a:t>
             </a:fld>
             <a:endParaRPr lang="zh-CN" altLang="en-US" dirty="0"/>
           </a:p>
@@ -7150,7 +7553,7 @@
             <a:fld id="{F7892ACC-8BC8-4C9E-9D2B-0669DA5038B6}" type="datetime1">
               <a:rPr lang="zh-CN" altLang="en-US" smtClean="0"/>
               <a:pPr/>
-              <a:t>2017/4/17</a:t>
+              <a:t>2017/4/18</a:t>
             </a:fld>
             <a:endParaRPr lang="zh-CN" altLang="en-US" dirty="0"/>
           </a:p>
@@ -7416,7 +7819,7 @@
             <a:fld id="{660B6A15-7713-4A08-BBFD-F297CCC2B976}" type="datetime1">
               <a:rPr lang="zh-CN" altLang="en-US" smtClean="0"/>
               <a:pPr/>
-              <a:t>2017/4/17</a:t>
+              <a:t>2017/4/18</a:t>
             </a:fld>
             <a:r>
               <a:rPr lang="zh-CN" altLang="en-US" dirty="0"/>
@@ -9443,7 +9846,7 @@
           <a:graphicData uri="http://schemas.openxmlformats.org/presentationml/2006/ole">
             <mc:AlternateContent xmlns:mc="http://schemas.openxmlformats.org/markup-compatibility/2006">
               <mc:Choice xmlns:v="urn:schemas-microsoft-com:vml" Requires="v">
-                <p:oleObj spid="_x0000_s1027" name="Equation" r:id="rId3" imgW="711000" imgH="253800" progId="Equation.DSMT4">
+                <p:oleObj spid="_x0000_s1047" name="Equation" r:id="rId3" imgW="711000" imgH="253800" progId="Equation.DSMT4">
                   <p:embed/>
                 </p:oleObj>
               </mc:Choice>
@@ -9630,7 +10033,19 @@
               <a:rPr lang="en-US" altLang="zh-CN" sz="2000" dirty="0">
                 <a:latin typeface="Cambria Math"/>
               </a:rPr>
-              <a:t>starting with b followed zero or more a</a:t>
+              <a:t>starting with b followed </a:t>
+            </a:r>
+            <a:r>
+              <a:rPr lang="en-US" altLang="zh-CN" sz="2000" dirty="0" smtClean="0">
+                <a:latin typeface="Cambria Math"/>
+              </a:rPr>
+              <a:t>by zero </a:t>
+            </a:r>
+            <a:r>
+              <a:rPr lang="en-US" altLang="zh-CN" sz="2000" dirty="0">
+                <a:latin typeface="Cambria Math"/>
+              </a:rPr>
+              <a:t>or more a</a:t>
             </a:r>
           </a:p>
           <a:p>
@@ -9850,6 +10265,2353 @@
     <p:extLst>
       <p:ext uri="{BB962C8B-B14F-4D97-AF65-F5344CB8AC3E}">
         <p14:creationId xmlns:p14="http://schemas.microsoft.com/office/powerpoint/2010/main" val="3689700560"/>
+      </p:ext>
+    </p:extLst>
+  </p:cSld>
+  <p:clrMapOvr>
+    <a:masterClrMapping/>
+  </p:clrMapOvr>
+  <mc:AlternateContent xmlns:mc="http://schemas.openxmlformats.org/markup-compatibility/2006" xmlns:p14="http://schemas.microsoft.com/office/powerpoint/2010/main">
+    <mc:Choice Requires="p14">
+      <p:transition spd="med" p14:dur="700">
+        <p:fade/>
+      </p:transition>
+    </mc:Choice>
+    <mc:Fallback xmlns="">
+      <p:transition spd="med">
+        <p:fade/>
+      </p:transition>
+    </mc:Fallback>
+  </mc:AlternateContent>
+</p:sld>
+</file>
+
+<file path=ppt/slides/slide16.xml><?xml version="1.0" encoding="utf-8"?>
+<p:sld xmlns:a="http://schemas.openxmlformats.org/drawingml/2006/main" xmlns:r="http://schemas.openxmlformats.org/officeDocument/2006/relationships" xmlns:p="http://schemas.openxmlformats.org/presentationml/2006/main">
+  <p:cSld>
+    <p:spTree>
+      <p:nvGrpSpPr>
+        <p:cNvPr id="1" name=""/>
+        <p:cNvGrpSpPr/>
+        <p:nvPr/>
+      </p:nvGrpSpPr>
+      <p:grpSpPr>
+        <a:xfrm>
+          <a:off x="0" y="0"/>
+          <a:ext cx="0" cy="0"/>
+          <a:chOff x="0" y="0"/>
+          <a:chExt cx="0" cy="0"/>
+        </a:xfrm>
+      </p:grpSpPr>
+      <p:sp>
+        <p:nvSpPr>
+          <p:cNvPr id="2" name="标题 1"/>
+          <p:cNvSpPr>
+            <a:spLocks noGrp="1"/>
+          </p:cNvSpPr>
+          <p:nvPr>
+            <p:ph type="title"/>
+          </p:nvPr>
+        </p:nvSpPr>
+        <p:spPr/>
+        <p:txBody>
+          <a:bodyPr/>
+          <a:lstStyle/>
+          <a:p>
+            <a:r>
+              <a:rPr lang="en-US" altLang="zh-CN" sz="2400" dirty="0"/>
+              <a:t>3.2 Regular Expression, Regular Set </a:t>
+            </a:r>
+            <a:r>
+              <a:rPr lang="en-US" altLang="zh-CN" sz="2400" dirty="0" smtClean="0"/>
+              <a:t>- Characteristics</a:t>
+            </a:r>
+            <a:endParaRPr lang="zh-CN" altLang="en-US" dirty="0"/>
+          </a:p>
+        </p:txBody>
+      </p:sp>
+      <p:pic>
+        <p:nvPicPr>
+          <p:cNvPr id="4" name="Picture 2"/>
+          <p:cNvPicPr>
+            <a:picLocks noChangeAspect="1" noChangeArrowheads="1"/>
+          </p:cNvPicPr>
+          <p:nvPr/>
+        </p:nvPicPr>
+        <p:blipFill>
+          <a:blip r:embed="rId2">
+            <a:extLst>
+              <a:ext uri="{28A0092B-C50C-407E-A947-70E740481C1C}">
+                <a14:useLocalDpi xmlns:a14="http://schemas.microsoft.com/office/drawing/2010/main" val="0"/>
+              </a:ext>
+            </a:extLst>
+          </a:blip>
+          <a:srcRect/>
+          <a:stretch>
+            <a:fillRect/>
+          </a:stretch>
+        </p:blipFill>
+        <p:spPr bwMode="auto">
+          <a:xfrm>
+            <a:off x="1050062" y="1650544"/>
+            <a:ext cx="7264125" cy="3191619"/>
+          </a:xfrm>
+          <a:prstGeom prst="rect">
+            <a:avLst/>
+          </a:prstGeom>
+          <a:noFill/>
+          <a:ln>
+            <a:noFill/>
+          </a:ln>
+          <a:extLst>
+            <a:ext uri="{909E8E84-426E-40DD-AFC4-6F175D3DCCD1}">
+              <a14:hiddenFill xmlns:a14="http://schemas.microsoft.com/office/drawing/2010/main">
+                <a:solidFill>
+                  <a:schemeClr val="accent1"/>
+                </a:solidFill>
+              </a14:hiddenFill>
+            </a:ext>
+            <a:ext uri="{91240B29-F687-4F45-9708-019B960494DF}">
+              <a14:hiddenLine xmlns:a14="http://schemas.microsoft.com/office/drawing/2010/main" w="9525">
+                <a:solidFill>
+                  <a:schemeClr val="tx1"/>
+                </a:solidFill>
+                <a:miter lim="800000"/>
+                <a:headEnd/>
+                <a:tailEnd/>
+              </a14:hiddenLine>
+            </a:ext>
+          </a:extLst>
+        </p:spPr>
+      </p:pic>
+    </p:spTree>
+    <p:extLst>
+      <p:ext uri="{BB962C8B-B14F-4D97-AF65-F5344CB8AC3E}">
+        <p14:creationId xmlns:p14="http://schemas.microsoft.com/office/powerpoint/2010/main" val="2479920828"/>
+      </p:ext>
+    </p:extLst>
+  </p:cSld>
+  <p:clrMapOvr>
+    <a:masterClrMapping/>
+  </p:clrMapOvr>
+  <mc:AlternateContent xmlns:mc="http://schemas.openxmlformats.org/markup-compatibility/2006" xmlns:p14="http://schemas.microsoft.com/office/powerpoint/2010/main">
+    <mc:Choice Requires="p14">
+      <p:transition spd="med" p14:dur="700">
+        <p:fade/>
+      </p:transition>
+    </mc:Choice>
+    <mc:Fallback xmlns="">
+      <p:transition spd="med">
+        <p:fade/>
+      </p:transition>
+    </mc:Fallback>
+  </mc:AlternateContent>
+</p:sld>
+</file>
+
+<file path=ppt/slides/slide17.xml><?xml version="1.0" encoding="utf-8"?>
+<p:sld xmlns:a="http://schemas.openxmlformats.org/drawingml/2006/main" xmlns:r="http://schemas.openxmlformats.org/officeDocument/2006/relationships" xmlns:p="http://schemas.openxmlformats.org/presentationml/2006/main">
+  <p:cSld>
+    <p:spTree>
+      <p:nvGrpSpPr>
+        <p:cNvPr id="1" name=""/>
+        <p:cNvGrpSpPr/>
+        <p:nvPr/>
+      </p:nvGrpSpPr>
+      <p:grpSpPr>
+        <a:xfrm>
+          <a:off x="0" y="0"/>
+          <a:ext cx="0" cy="0"/>
+          <a:chOff x="0" y="0"/>
+          <a:chExt cx="0" cy="0"/>
+        </a:xfrm>
+      </p:grpSpPr>
+      <p:sp>
+        <p:nvSpPr>
+          <p:cNvPr id="2" name="标题 1"/>
+          <p:cNvSpPr>
+            <a:spLocks noGrp="1"/>
+          </p:cNvSpPr>
+          <p:nvPr>
+            <p:ph type="title"/>
+          </p:nvPr>
+        </p:nvSpPr>
+        <p:spPr/>
+        <p:txBody>
+          <a:bodyPr/>
+          <a:lstStyle/>
+          <a:p>
+            <a:r>
+              <a:rPr lang="en-US" altLang="zh-CN" dirty="0"/>
+              <a:t>3.2 Regular Expression, Regular </a:t>
+            </a:r>
+            <a:r>
+              <a:rPr lang="en-US" altLang="zh-CN" dirty="0" smtClean="0"/>
+              <a:t>Set - </a:t>
+            </a:r>
+            <a:r>
+              <a:rPr lang="en-US" altLang="zh-CN" sz="2400" dirty="0" smtClean="0"/>
+              <a:t>Regular Definition</a:t>
+            </a:r>
+            <a:endParaRPr lang="zh-CN" altLang="en-US" dirty="0"/>
+          </a:p>
+        </p:txBody>
+      </p:sp>
+      <p:sp>
+        <p:nvSpPr>
+          <p:cNvPr id="3" name="内容占位符 2"/>
+          <p:cNvSpPr>
+            <a:spLocks noGrp="1"/>
+          </p:cNvSpPr>
+          <p:nvPr>
+            <p:ph idx="1"/>
+          </p:nvPr>
+        </p:nvSpPr>
+        <p:spPr/>
+        <p:txBody>
+          <a:bodyPr>
+            <a:normAutofit/>
+          </a:bodyPr>
+          <a:lstStyle/>
+          <a:p>
+            <a:r>
+              <a:rPr lang="en-US" altLang="zh-CN" sz="2000" dirty="0"/>
+              <a:t>For notational convenience, we may wish to give names to certain regular </a:t>
+            </a:r>
+            <a:r>
+              <a:rPr lang="en-US" altLang="zh-CN" sz="2000" dirty="0" smtClean="0"/>
+              <a:t>expressions and </a:t>
+            </a:r>
+            <a:r>
+              <a:rPr lang="en-US" altLang="zh-CN" sz="2000" dirty="0"/>
+              <a:t>use those names in subsequent expressions, as if the names </a:t>
+            </a:r>
+            <a:r>
+              <a:rPr lang="en-US" altLang="zh-CN" sz="2000" dirty="0" smtClean="0"/>
+              <a:t>were themselves </a:t>
+            </a:r>
+            <a:r>
+              <a:rPr lang="en-US" altLang="zh-CN" sz="2000" dirty="0"/>
+              <a:t>symbols. </a:t>
+            </a:r>
+            <a:r>
+              <a:rPr lang="en-US" altLang="zh-CN" sz="2000" dirty="0" smtClean="0"/>
+              <a:t>If         is </a:t>
+            </a:r>
+            <a:r>
+              <a:rPr lang="en-US" altLang="zh-CN" sz="2000" dirty="0"/>
+              <a:t>an alphabet of basic symbols, then a </a:t>
+            </a:r>
+            <a:r>
+              <a:rPr lang="en-US" altLang="zh-CN" sz="2000" b="1" dirty="0">
+                <a:solidFill>
+                  <a:srgbClr val="7030A0"/>
+                </a:solidFill>
+              </a:rPr>
+              <a:t>regular </a:t>
+            </a:r>
+            <a:r>
+              <a:rPr lang="en-US" altLang="zh-CN" sz="2000" b="1" dirty="0" smtClean="0">
+                <a:solidFill>
+                  <a:srgbClr val="7030A0"/>
+                </a:solidFill>
+              </a:rPr>
+              <a:t>definition</a:t>
+            </a:r>
+            <a:r>
+              <a:rPr lang="en-US" altLang="zh-CN" sz="2000" dirty="0" smtClean="0"/>
+              <a:t> is </a:t>
+            </a:r>
+            <a:r>
+              <a:rPr lang="en-US" altLang="zh-CN" sz="2000" dirty="0"/>
+              <a:t>a sequence of definitions of the form</a:t>
+            </a:r>
+            <a:r>
+              <a:rPr lang="en-US" altLang="zh-CN" sz="2000" dirty="0" smtClean="0"/>
+              <a:t>:</a:t>
+            </a:r>
+          </a:p>
+          <a:p>
+            <a:endParaRPr lang="en-US" altLang="zh-CN" sz="2000" dirty="0"/>
+          </a:p>
+          <a:p>
+            <a:endParaRPr lang="en-US" altLang="zh-CN" sz="2000" dirty="0" smtClean="0"/>
+          </a:p>
+          <a:p>
+            <a:endParaRPr lang="en-US" altLang="zh-CN" sz="2000" dirty="0"/>
+          </a:p>
+          <a:p>
+            <a:endParaRPr lang="en-US" altLang="zh-CN" sz="2000" dirty="0" smtClean="0"/>
+          </a:p>
+          <a:p>
+            <a:pPr marL="0" indent="0">
+              <a:buNone/>
+            </a:pPr>
+            <a:r>
+              <a:rPr lang="en-US" altLang="zh-CN" sz="2000" dirty="0" smtClean="0"/>
+              <a:t>Where (1) each      is a new symbol, not in      and not the same as any other of the </a:t>
+            </a:r>
+            <a:r>
+              <a:rPr lang="en-US" altLang="zh-CN" sz="2000" i="1" dirty="0" smtClean="0"/>
+              <a:t>d’s</a:t>
+            </a:r>
+            <a:r>
+              <a:rPr lang="en-US" altLang="zh-CN" sz="2000" dirty="0" smtClean="0"/>
+              <a:t>, and</a:t>
+            </a:r>
+          </a:p>
+          <a:p>
+            <a:pPr marL="0" indent="0">
+              <a:buNone/>
+            </a:pPr>
+            <a:r>
+              <a:rPr lang="en-US" altLang="zh-CN" sz="2000" dirty="0" smtClean="0"/>
+              <a:t>(2) Each     is a regular expression over the alphabet </a:t>
+            </a:r>
+            <a:endParaRPr lang="zh-CN" altLang="en-US" sz="2000" dirty="0"/>
+          </a:p>
+        </p:txBody>
+      </p:sp>
+      <p:graphicFrame>
+        <p:nvGraphicFramePr>
+          <p:cNvPr id="4" name="对象 3"/>
+          <p:cNvGraphicFramePr>
+            <a:graphicFrameLocks noChangeAspect="1"/>
+          </p:cNvGraphicFramePr>
+          <p:nvPr>
+            <p:extLst>
+              <p:ext uri="{D42A27DB-BD31-4B8C-83A1-F6EECF244321}">
+                <p14:modId xmlns:p14="http://schemas.microsoft.com/office/powerpoint/2010/main" val="2707356020"/>
+              </p:ext>
+            </p:extLst>
+          </p:nvPr>
+        </p:nvGraphicFramePr>
+        <p:xfrm>
+          <a:off x="2407227" y="2342428"/>
+          <a:ext cx="377536" cy="453043"/>
+        </p:xfrm>
+        <a:graphic>
+          <a:graphicData uri="http://schemas.openxmlformats.org/presentationml/2006/ole">
+            <mc:AlternateContent xmlns:mc="http://schemas.openxmlformats.org/markup-compatibility/2006">
+              <mc:Choice xmlns:v="urn:schemas-microsoft-com:vml" Requires="v">
+                <p:oleObj spid="_x0000_s2136" name="Equation" r:id="rId3" imgW="126720" imgH="152280" progId="Equation.DSMT4">
+                  <p:embed/>
+                </p:oleObj>
+              </mc:Choice>
+              <mc:Fallback>
+                <p:oleObj name="Equation" r:id="rId3" imgW="126720" imgH="152280" progId="Equation.DSMT4">
+                  <p:embed/>
+                  <p:pic>
+                    <p:nvPicPr>
+                      <p:cNvPr id="0" name=""/>
+                      <p:cNvPicPr/>
+                      <p:nvPr/>
+                    </p:nvPicPr>
+                    <p:blipFill>
+                      <a:blip r:embed="rId4"/>
+                      <a:stretch>
+                        <a:fillRect/>
+                      </a:stretch>
+                    </p:blipFill>
+                    <p:spPr>
+                      <a:xfrm>
+                        <a:off x="2407227" y="2342428"/>
+                        <a:ext cx="377536" cy="453043"/>
+                      </a:xfrm>
+                      <a:prstGeom prst="rect">
+                        <a:avLst/>
+                      </a:prstGeom>
+                    </p:spPr>
+                  </p:pic>
+                </p:oleObj>
+              </mc:Fallback>
+            </mc:AlternateContent>
+          </a:graphicData>
+        </a:graphic>
+      </p:graphicFrame>
+      <p:pic>
+        <p:nvPicPr>
+          <p:cNvPr id="6" name="图片 5"/>
+          <p:cNvPicPr>
+            <a:picLocks noChangeAspect="1"/>
+          </p:cNvPicPr>
+          <p:nvPr/>
+        </p:nvPicPr>
+        <p:blipFill>
+          <a:blip r:embed="rId5"/>
+          <a:stretch>
+            <a:fillRect/>
+          </a:stretch>
+        </p:blipFill>
+        <p:spPr>
+          <a:xfrm>
+            <a:off x="2784763" y="3222509"/>
+            <a:ext cx="3267739" cy="1432684"/>
+          </a:xfrm>
+          <a:prstGeom prst="rect">
+            <a:avLst/>
+          </a:prstGeom>
+        </p:spPr>
+      </p:pic>
+      <p:graphicFrame>
+        <p:nvGraphicFramePr>
+          <p:cNvPr id="7" name="对象 6"/>
+          <p:cNvGraphicFramePr>
+            <a:graphicFrameLocks noChangeAspect="1"/>
+          </p:cNvGraphicFramePr>
+          <p:nvPr>
+            <p:extLst>
+              <p:ext uri="{D42A27DB-BD31-4B8C-83A1-F6EECF244321}">
+                <p14:modId xmlns:p14="http://schemas.microsoft.com/office/powerpoint/2010/main" val="1615540810"/>
+              </p:ext>
+            </p:extLst>
+          </p:nvPr>
+        </p:nvGraphicFramePr>
+        <p:xfrm>
+          <a:off x="5947063" y="4855709"/>
+          <a:ext cx="377536" cy="453043"/>
+        </p:xfrm>
+        <a:graphic>
+          <a:graphicData uri="http://schemas.openxmlformats.org/presentationml/2006/ole">
+            <mc:AlternateContent xmlns:mc="http://schemas.openxmlformats.org/markup-compatibility/2006">
+              <mc:Choice xmlns:v="urn:schemas-microsoft-com:vml" Requires="v">
+                <p:oleObj spid="_x0000_s2137" name="Equation" r:id="rId6" imgW="126720" imgH="152280" progId="Equation.DSMT4">
+                  <p:embed/>
+                </p:oleObj>
+              </mc:Choice>
+              <mc:Fallback>
+                <p:oleObj name="Equation" r:id="rId6" imgW="126720" imgH="152280" progId="Equation.DSMT4">
+                  <p:embed/>
+                  <p:pic>
+                    <p:nvPicPr>
+                      <p:cNvPr id="0" name=""/>
+                      <p:cNvPicPr/>
+                      <p:nvPr/>
+                    </p:nvPicPr>
+                    <p:blipFill>
+                      <a:blip r:embed="rId7"/>
+                      <a:stretch>
+                        <a:fillRect/>
+                      </a:stretch>
+                    </p:blipFill>
+                    <p:spPr>
+                      <a:xfrm>
+                        <a:off x="5947063" y="4855709"/>
+                        <a:ext cx="377536" cy="453043"/>
+                      </a:xfrm>
+                      <a:prstGeom prst="rect">
+                        <a:avLst/>
+                      </a:prstGeom>
+                    </p:spPr>
+                  </p:pic>
+                </p:oleObj>
+              </mc:Fallback>
+            </mc:AlternateContent>
+          </a:graphicData>
+        </a:graphic>
+      </p:graphicFrame>
+      <p:graphicFrame>
+        <p:nvGraphicFramePr>
+          <p:cNvPr id="8" name="对象 7"/>
+          <p:cNvGraphicFramePr>
+            <a:graphicFrameLocks noChangeAspect="1"/>
+          </p:cNvGraphicFramePr>
+          <p:nvPr>
+            <p:extLst>
+              <p:ext uri="{D42A27DB-BD31-4B8C-83A1-F6EECF244321}">
+                <p14:modId xmlns:p14="http://schemas.microsoft.com/office/powerpoint/2010/main" val="4081693725"/>
+              </p:ext>
+            </p:extLst>
+          </p:nvPr>
+        </p:nvGraphicFramePr>
+        <p:xfrm>
+          <a:off x="2722417" y="4886882"/>
+          <a:ext cx="376237" cy="527050"/>
+        </p:xfrm>
+        <a:graphic>
+          <a:graphicData uri="http://schemas.openxmlformats.org/presentationml/2006/ole">
+            <mc:AlternateContent xmlns:mc="http://schemas.openxmlformats.org/markup-compatibility/2006">
+              <mc:Choice xmlns:v="urn:schemas-microsoft-com:vml" Requires="v">
+                <p:oleObj spid="_x0000_s2138" name="Equation" r:id="rId8" imgW="126720" imgH="177480" progId="Equation.DSMT4">
+                  <p:embed/>
+                </p:oleObj>
+              </mc:Choice>
+              <mc:Fallback>
+                <p:oleObj name="Equation" r:id="rId8" imgW="126720" imgH="177480" progId="Equation.DSMT4">
+                  <p:embed/>
+                  <p:pic>
+                    <p:nvPicPr>
+                      <p:cNvPr id="0" name=""/>
+                      <p:cNvPicPr/>
+                      <p:nvPr/>
+                    </p:nvPicPr>
+                    <p:blipFill>
+                      <a:blip r:embed="rId9"/>
+                      <a:stretch>
+                        <a:fillRect/>
+                      </a:stretch>
+                    </p:blipFill>
+                    <p:spPr>
+                      <a:xfrm>
+                        <a:off x="2722417" y="4886882"/>
+                        <a:ext cx="376237" cy="527050"/>
+                      </a:xfrm>
+                      <a:prstGeom prst="rect">
+                        <a:avLst/>
+                      </a:prstGeom>
+                    </p:spPr>
+                  </p:pic>
+                </p:oleObj>
+              </mc:Fallback>
+            </mc:AlternateContent>
+          </a:graphicData>
+        </a:graphic>
+      </p:graphicFrame>
+      <p:graphicFrame>
+        <p:nvGraphicFramePr>
+          <p:cNvPr id="9" name="对象 8"/>
+          <p:cNvGraphicFramePr>
+            <a:graphicFrameLocks noChangeAspect="1"/>
+          </p:cNvGraphicFramePr>
+          <p:nvPr>
+            <p:extLst>
+              <p:ext uri="{D42A27DB-BD31-4B8C-83A1-F6EECF244321}">
+                <p14:modId xmlns:p14="http://schemas.microsoft.com/office/powerpoint/2010/main" val="1529245287"/>
+              </p:ext>
+            </p:extLst>
+          </p:nvPr>
+        </p:nvGraphicFramePr>
+        <p:xfrm>
+          <a:off x="1801813" y="5568950"/>
+          <a:ext cx="300037" cy="527050"/>
+        </p:xfrm>
+        <a:graphic>
+          <a:graphicData uri="http://schemas.openxmlformats.org/presentationml/2006/ole">
+            <mc:AlternateContent xmlns:mc="http://schemas.openxmlformats.org/markup-compatibility/2006">
+              <mc:Choice xmlns:v="urn:schemas-microsoft-com:vml" Requires="v">
+                <p:oleObj spid="_x0000_s2139" name="Equation" r:id="rId10" imgW="101520" imgH="177480" progId="Equation.DSMT4">
+                  <p:embed/>
+                </p:oleObj>
+              </mc:Choice>
+              <mc:Fallback>
+                <p:oleObj name="Equation" r:id="rId10" imgW="101520" imgH="177480" progId="Equation.DSMT4">
+                  <p:embed/>
+                  <p:pic>
+                    <p:nvPicPr>
+                      <p:cNvPr id="0" name=""/>
+                      <p:cNvPicPr/>
+                      <p:nvPr/>
+                    </p:nvPicPr>
+                    <p:blipFill>
+                      <a:blip r:embed="rId11"/>
+                      <a:stretch>
+                        <a:fillRect/>
+                      </a:stretch>
+                    </p:blipFill>
+                    <p:spPr>
+                      <a:xfrm>
+                        <a:off x="1801813" y="5568950"/>
+                        <a:ext cx="300037" cy="527050"/>
+                      </a:xfrm>
+                      <a:prstGeom prst="rect">
+                        <a:avLst/>
+                      </a:prstGeom>
+                    </p:spPr>
+                  </p:pic>
+                </p:oleObj>
+              </mc:Fallback>
+            </mc:AlternateContent>
+          </a:graphicData>
+        </a:graphic>
+      </p:graphicFrame>
+      <p:graphicFrame>
+        <p:nvGraphicFramePr>
+          <p:cNvPr id="10" name="对象 9"/>
+          <p:cNvGraphicFramePr>
+            <a:graphicFrameLocks noChangeAspect="1"/>
+          </p:cNvGraphicFramePr>
+          <p:nvPr>
+            <p:extLst>
+              <p:ext uri="{D42A27DB-BD31-4B8C-83A1-F6EECF244321}">
+                <p14:modId xmlns:p14="http://schemas.microsoft.com/office/powerpoint/2010/main" val="3771521283"/>
+              </p:ext>
+            </p:extLst>
+          </p:nvPr>
+        </p:nvGraphicFramePr>
+        <p:xfrm>
+          <a:off x="3981449" y="6008933"/>
+          <a:ext cx="2343150" cy="527050"/>
+        </p:xfrm>
+        <a:graphic>
+          <a:graphicData uri="http://schemas.openxmlformats.org/presentationml/2006/ole">
+            <mc:AlternateContent xmlns:mc="http://schemas.openxmlformats.org/markup-compatibility/2006">
+              <mc:Choice xmlns:v="urn:schemas-microsoft-com:vml" Requires="v">
+                <p:oleObj spid="_x0000_s2140" name="Equation" r:id="rId12" imgW="787320" imgH="177480" progId="Equation.DSMT4">
+                  <p:embed/>
+                </p:oleObj>
+              </mc:Choice>
+              <mc:Fallback>
+                <p:oleObj name="Equation" r:id="rId12" imgW="787320" imgH="177480" progId="Equation.DSMT4">
+                  <p:embed/>
+                  <p:pic>
+                    <p:nvPicPr>
+                      <p:cNvPr id="0" name=""/>
+                      <p:cNvPicPr/>
+                      <p:nvPr/>
+                    </p:nvPicPr>
+                    <p:blipFill>
+                      <a:blip r:embed="rId13"/>
+                      <a:stretch>
+                        <a:fillRect/>
+                      </a:stretch>
+                    </p:blipFill>
+                    <p:spPr>
+                      <a:xfrm>
+                        <a:off x="3981449" y="6008933"/>
+                        <a:ext cx="2343150" cy="527050"/>
+                      </a:xfrm>
+                      <a:prstGeom prst="rect">
+                        <a:avLst/>
+                      </a:prstGeom>
+                    </p:spPr>
+                  </p:pic>
+                </p:oleObj>
+              </mc:Fallback>
+            </mc:AlternateContent>
+          </a:graphicData>
+        </a:graphic>
+      </p:graphicFrame>
+    </p:spTree>
+    <p:extLst>
+      <p:ext uri="{BB962C8B-B14F-4D97-AF65-F5344CB8AC3E}">
+        <p14:creationId xmlns:p14="http://schemas.microsoft.com/office/powerpoint/2010/main" val="2294961940"/>
+      </p:ext>
+    </p:extLst>
+  </p:cSld>
+  <p:clrMapOvr>
+    <a:masterClrMapping/>
+  </p:clrMapOvr>
+  <mc:AlternateContent xmlns:mc="http://schemas.openxmlformats.org/markup-compatibility/2006" xmlns:p14="http://schemas.microsoft.com/office/powerpoint/2010/main">
+    <mc:Choice Requires="p14">
+      <p:transition spd="med" p14:dur="700">
+        <p:fade/>
+      </p:transition>
+    </mc:Choice>
+    <mc:Fallback xmlns="">
+      <p:transition spd="med">
+        <p:fade/>
+      </p:transition>
+    </mc:Fallback>
+  </mc:AlternateContent>
+</p:sld>
+</file>
+
+<file path=ppt/slides/slide18.xml><?xml version="1.0" encoding="utf-8"?>
+<p:sld xmlns:a="http://schemas.openxmlformats.org/drawingml/2006/main" xmlns:r="http://schemas.openxmlformats.org/officeDocument/2006/relationships" xmlns:p="http://schemas.openxmlformats.org/presentationml/2006/main">
+  <p:cSld>
+    <p:spTree>
+      <p:nvGrpSpPr>
+        <p:cNvPr id="1" name=""/>
+        <p:cNvGrpSpPr/>
+        <p:nvPr/>
+      </p:nvGrpSpPr>
+      <p:grpSpPr>
+        <a:xfrm>
+          <a:off x="0" y="0"/>
+          <a:ext cx="0" cy="0"/>
+          <a:chOff x="0" y="0"/>
+          <a:chExt cx="0" cy="0"/>
+        </a:xfrm>
+      </p:grpSpPr>
+      <p:sp>
+        <p:nvSpPr>
+          <p:cNvPr id="2" name="标题 1"/>
+          <p:cNvSpPr>
+            <a:spLocks noGrp="1"/>
+          </p:cNvSpPr>
+          <p:nvPr>
+            <p:ph type="title"/>
+          </p:nvPr>
+        </p:nvSpPr>
+        <p:spPr/>
+        <p:txBody>
+          <a:bodyPr/>
+          <a:lstStyle/>
+          <a:p>
+            <a:r>
+              <a:rPr lang="en-US" altLang="zh-CN" dirty="0"/>
+              <a:t>3.2 Regular Expression, Regular Set - </a:t>
+            </a:r>
+            <a:r>
+              <a:rPr lang="en-US" altLang="zh-CN" sz="2400" dirty="0"/>
+              <a:t>Regular </a:t>
+            </a:r>
+            <a:r>
+              <a:rPr lang="en-US" altLang="zh-CN" sz="2400" dirty="0" smtClean="0"/>
+              <a:t>Definition Example</a:t>
+            </a:r>
+            <a:endParaRPr lang="zh-CN" altLang="en-US" dirty="0"/>
+          </a:p>
+        </p:txBody>
+      </p:sp>
+      <p:sp>
+        <p:nvSpPr>
+          <p:cNvPr id="4" name="内容占位符 4"/>
+          <p:cNvSpPr>
+            <a:spLocks noGrp="1"/>
+          </p:cNvSpPr>
+          <p:nvPr>
+            <p:ph sz="half" idx="1"/>
+          </p:nvPr>
+        </p:nvSpPr>
+        <p:spPr>
+          <a:xfrm>
+            <a:off x="828675" y="1600202"/>
+            <a:ext cx="3686175" cy="473528"/>
+          </a:xfrm>
+        </p:spPr>
+        <p:txBody>
+          <a:bodyPr/>
+          <a:lstStyle/>
+          <a:p>
+            <a:r>
+              <a:rPr lang="en-US" altLang="zh-CN" dirty="0" smtClean="0"/>
+              <a:t>Identifies in C programming language </a:t>
+            </a:r>
+            <a:endParaRPr lang="zh-CN" altLang="en-US" dirty="0"/>
+          </a:p>
+        </p:txBody>
+      </p:sp>
+      <p:sp>
+        <p:nvSpPr>
+          <p:cNvPr id="5" name="内容占位符 5"/>
+          <p:cNvSpPr txBox="1">
+            <a:spLocks/>
+          </p:cNvSpPr>
+          <p:nvPr/>
+        </p:nvSpPr>
+        <p:spPr>
+          <a:xfrm>
+            <a:off x="889907" y="3641272"/>
+            <a:ext cx="6342166" cy="604157"/>
+          </a:xfrm>
+          <a:prstGeom prst="rect">
+            <a:avLst/>
+          </a:prstGeom>
+        </p:spPr>
+        <p:txBody>
+          <a:bodyPr/>
+          <a:lstStyle>
+            <a:lvl1pPr marL="171450" indent="-171450" algn="l" defTabSz="685800" rtl="0" eaLnBrk="1" latinLnBrk="0" hangingPunct="1">
+              <a:lnSpc>
+                <a:spcPct val="90000"/>
+              </a:lnSpc>
+              <a:spcBef>
+                <a:spcPts val="1350"/>
+              </a:spcBef>
+              <a:buFont typeface="Wingdings" panose="05000000000000000000" pitchFamily="2" charset="2"/>
+              <a:buChar char="§"/>
+              <a:defRPr sz="1500" kern="1200">
+                <a:solidFill>
+                  <a:schemeClr val="tx1"/>
+                </a:solidFill>
+                <a:latin typeface="微软雅黑" panose="020B0503020204020204" pitchFamily="34" charset="-122"/>
+                <a:ea typeface="微软雅黑" panose="020B0503020204020204" pitchFamily="34" charset="-122"/>
+                <a:cs typeface="+mn-cs"/>
+              </a:defRPr>
+            </a:lvl1pPr>
+            <a:lvl2pPr marL="514350" indent="-171450" algn="l" defTabSz="685800" rtl="0" eaLnBrk="1" latinLnBrk="0" hangingPunct="1">
+              <a:lnSpc>
+                <a:spcPct val="90000"/>
+              </a:lnSpc>
+              <a:spcBef>
+                <a:spcPts val="450"/>
+              </a:spcBef>
+              <a:buFont typeface="Wingdings" panose="05000000000000000000" pitchFamily="2" charset="2"/>
+              <a:buChar char="§"/>
+              <a:defRPr sz="1200" kern="1200">
+                <a:solidFill>
+                  <a:schemeClr val="tx1"/>
+                </a:solidFill>
+                <a:latin typeface="微软雅黑" panose="020B0503020204020204" pitchFamily="34" charset="-122"/>
+                <a:ea typeface="微软雅黑" panose="020B0503020204020204" pitchFamily="34" charset="-122"/>
+                <a:cs typeface="+mn-cs"/>
+              </a:defRPr>
+            </a:lvl2pPr>
+            <a:lvl3pPr marL="857250" indent="-171450" algn="l" defTabSz="685800" rtl="0" eaLnBrk="1" latinLnBrk="0" hangingPunct="1">
+              <a:lnSpc>
+                <a:spcPct val="90000"/>
+              </a:lnSpc>
+              <a:spcBef>
+                <a:spcPts val="450"/>
+              </a:spcBef>
+              <a:buFont typeface="Wingdings" panose="05000000000000000000" pitchFamily="2" charset="2"/>
+              <a:buChar char="§"/>
+              <a:defRPr sz="1050" kern="1200">
+                <a:solidFill>
+                  <a:schemeClr val="tx1"/>
+                </a:solidFill>
+                <a:latin typeface="微软雅黑" panose="020B0503020204020204" pitchFamily="34" charset="-122"/>
+                <a:ea typeface="微软雅黑" panose="020B0503020204020204" pitchFamily="34" charset="-122"/>
+                <a:cs typeface="+mn-cs"/>
+              </a:defRPr>
+            </a:lvl3pPr>
+            <a:lvl4pPr marL="1200150" indent="-171450" algn="l" defTabSz="685800" rtl="0" eaLnBrk="1" latinLnBrk="0" hangingPunct="1">
+              <a:lnSpc>
+                <a:spcPct val="90000"/>
+              </a:lnSpc>
+              <a:spcBef>
+                <a:spcPts val="450"/>
+              </a:spcBef>
+              <a:buFont typeface="Wingdings" panose="05000000000000000000" pitchFamily="2" charset="2"/>
+              <a:buChar char="§"/>
+              <a:defRPr sz="1050" kern="1200">
+                <a:solidFill>
+                  <a:schemeClr val="tx1"/>
+                </a:solidFill>
+                <a:latin typeface="微软雅黑" panose="020B0503020204020204" pitchFamily="34" charset="-122"/>
+                <a:ea typeface="微软雅黑" panose="020B0503020204020204" pitchFamily="34" charset="-122"/>
+                <a:cs typeface="+mn-cs"/>
+              </a:defRPr>
+            </a:lvl4pPr>
+            <a:lvl5pPr marL="1543050" indent="-171450" algn="l" defTabSz="685800" rtl="0" eaLnBrk="1" latinLnBrk="0" hangingPunct="1">
+              <a:lnSpc>
+                <a:spcPct val="90000"/>
+              </a:lnSpc>
+              <a:spcBef>
+                <a:spcPts val="450"/>
+              </a:spcBef>
+              <a:buFont typeface="Wingdings" panose="05000000000000000000" pitchFamily="2" charset="2"/>
+              <a:buChar char="§"/>
+              <a:defRPr sz="1050" kern="1200">
+                <a:solidFill>
+                  <a:schemeClr val="tx1"/>
+                </a:solidFill>
+                <a:latin typeface="微软雅黑" panose="020B0503020204020204" pitchFamily="34" charset="-122"/>
+                <a:ea typeface="微软雅黑" panose="020B0503020204020204" pitchFamily="34" charset="-122"/>
+                <a:cs typeface="+mn-cs"/>
+              </a:defRPr>
+            </a:lvl5pPr>
+            <a:lvl6pPr marL="1885950" indent="-171450" algn="l" defTabSz="685800" rtl="0" eaLnBrk="1" latinLnBrk="0" hangingPunct="1">
+              <a:lnSpc>
+                <a:spcPct val="90000"/>
+              </a:lnSpc>
+              <a:spcBef>
+                <a:spcPts val="375"/>
+              </a:spcBef>
+              <a:buFont typeface="Wingdings" panose="05000000000000000000" pitchFamily="2" charset="2"/>
+              <a:buChar char="§"/>
+              <a:defRPr sz="1050" kern="1200">
+                <a:solidFill>
+                  <a:schemeClr val="tx1"/>
+                </a:solidFill>
+                <a:latin typeface="微软雅黑" panose="020B0503020204020204" pitchFamily="34" charset="-122"/>
+                <a:ea typeface="微软雅黑" panose="020B0503020204020204" pitchFamily="34" charset="-122"/>
+                <a:cs typeface="+mn-cs"/>
+              </a:defRPr>
+            </a:lvl6pPr>
+            <a:lvl7pPr marL="2228850" indent="-171450" algn="l" defTabSz="685800" rtl="0" eaLnBrk="1" latinLnBrk="0" hangingPunct="1">
+              <a:lnSpc>
+                <a:spcPct val="90000"/>
+              </a:lnSpc>
+              <a:spcBef>
+                <a:spcPts val="375"/>
+              </a:spcBef>
+              <a:buFont typeface="Wingdings" panose="05000000000000000000" pitchFamily="2" charset="2"/>
+              <a:buChar char="§"/>
+              <a:defRPr sz="1050" kern="1200">
+                <a:solidFill>
+                  <a:schemeClr val="tx1"/>
+                </a:solidFill>
+                <a:latin typeface="微软雅黑" panose="020B0503020204020204" pitchFamily="34" charset="-122"/>
+                <a:ea typeface="微软雅黑" panose="020B0503020204020204" pitchFamily="34" charset="-122"/>
+                <a:cs typeface="+mn-cs"/>
+              </a:defRPr>
+            </a:lvl7pPr>
+            <a:lvl8pPr marL="2571750" indent="-171450" algn="l" defTabSz="685800" rtl="0" eaLnBrk="1" latinLnBrk="0" hangingPunct="1">
+              <a:lnSpc>
+                <a:spcPct val="90000"/>
+              </a:lnSpc>
+              <a:spcBef>
+                <a:spcPts val="375"/>
+              </a:spcBef>
+              <a:buFont typeface="Wingdings" panose="05000000000000000000" pitchFamily="2" charset="2"/>
+              <a:buChar char="§"/>
+              <a:defRPr sz="1050" kern="1200">
+                <a:solidFill>
+                  <a:schemeClr val="tx1"/>
+                </a:solidFill>
+                <a:latin typeface="微软雅黑" panose="020B0503020204020204" pitchFamily="34" charset="-122"/>
+                <a:ea typeface="微软雅黑" panose="020B0503020204020204" pitchFamily="34" charset="-122"/>
+                <a:cs typeface="+mn-cs"/>
+              </a:defRPr>
+            </a:lvl8pPr>
+            <a:lvl9pPr marL="2914650" indent="-171450" algn="l" defTabSz="685800" rtl="0" eaLnBrk="1" latinLnBrk="0" hangingPunct="1">
+              <a:lnSpc>
+                <a:spcPct val="90000"/>
+              </a:lnSpc>
+              <a:spcBef>
+                <a:spcPts val="375"/>
+              </a:spcBef>
+              <a:buFont typeface="Wingdings" panose="05000000000000000000" pitchFamily="2" charset="2"/>
+              <a:buChar char="§"/>
+              <a:defRPr sz="1050" kern="1200">
+                <a:solidFill>
+                  <a:schemeClr val="tx1"/>
+                </a:solidFill>
+                <a:latin typeface="微软雅黑" panose="020B0503020204020204" pitchFamily="34" charset="-122"/>
+                <a:ea typeface="微软雅黑" panose="020B0503020204020204" pitchFamily="34" charset="-122"/>
+                <a:cs typeface="+mn-cs"/>
+              </a:defRPr>
+            </a:lvl9pPr>
+          </a:lstStyle>
+          <a:p>
+            <a:r>
+              <a:rPr lang="en-US" altLang="zh-CN" dirty="0" smtClean="0"/>
+              <a:t>Unsigned number (integer or float) in C programming language</a:t>
+            </a:r>
+            <a:endParaRPr lang="zh-CN" altLang="en-US" dirty="0"/>
+          </a:p>
+        </p:txBody>
+      </p:sp>
+      <p:sp>
+        <p:nvSpPr>
+          <p:cNvPr id="6" name="内容占位符 2"/>
+          <p:cNvSpPr txBox="1">
+            <a:spLocks/>
+          </p:cNvSpPr>
+          <p:nvPr/>
+        </p:nvSpPr>
+        <p:spPr>
+          <a:xfrm>
+            <a:off x="1095374" y="2193472"/>
+            <a:ext cx="5321754" cy="1219200"/>
+          </a:xfrm>
+          <a:prstGeom prst="rect">
+            <a:avLst/>
+          </a:prstGeom>
+        </p:spPr>
+        <p:style>
+          <a:lnRef idx="1">
+            <a:schemeClr val="accent6"/>
+          </a:lnRef>
+          <a:fillRef idx="2">
+            <a:schemeClr val="accent6"/>
+          </a:fillRef>
+          <a:effectRef idx="1">
+            <a:schemeClr val="accent6"/>
+          </a:effectRef>
+          <a:fontRef idx="minor">
+            <a:schemeClr val="dk1"/>
+          </a:fontRef>
+        </p:style>
+        <p:txBody>
+          <a:bodyPr vert="horz" lIns="0" tIns="45720" rIns="0" bIns="45720" rtlCol="0">
+            <a:noAutofit/>
+          </a:bodyPr>
+          <a:lstStyle>
+            <a:lvl1pPr marL="228600" indent="-228600" algn="l" defTabSz="914400" rtl="0" eaLnBrk="1" latinLnBrk="0" hangingPunct="1">
+              <a:lnSpc>
+                <a:spcPct val="90000"/>
+              </a:lnSpc>
+              <a:spcBef>
+                <a:spcPts val="1800"/>
+              </a:spcBef>
+              <a:buFont typeface="Wingdings" panose="05000000000000000000" pitchFamily="2" charset="2"/>
+              <a:buChar char="§"/>
+              <a:defRPr lang="zh-CN" sz="2000" kern="1200">
+                <a:solidFill>
+                  <a:schemeClr val="dk1"/>
+                </a:solidFill>
+                <a:latin typeface="+mn-lt"/>
+                <a:ea typeface="+mn-ea"/>
+                <a:cs typeface="+mn-cs"/>
+              </a:defRPr>
+            </a:lvl1pPr>
+            <a:lvl2pPr marL="685800" indent="-228600" algn="l" defTabSz="914400" rtl="0" eaLnBrk="1" latinLnBrk="0" hangingPunct="1">
+              <a:lnSpc>
+                <a:spcPct val="90000"/>
+              </a:lnSpc>
+              <a:spcBef>
+                <a:spcPts val="600"/>
+              </a:spcBef>
+              <a:buFont typeface="Wingdings" panose="05000000000000000000" pitchFamily="2" charset="2"/>
+              <a:buChar char="§"/>
+              <a:defRPr lang="zh-CN" sz="1600" kern="1200">
+                <a:solidFill>
+                  <a:schemeClr val="dk1"/>
+                </a:solidFill>
+                <a:latin typeface="+mn-lt"/>
+                <a:ea typeface="+mn-ea"/>
+                <a:cs typeface="+mn-cs"/>
+              </a:defRPr>
+            </a:lvl2pPr>
+            <a:lvl3pPr marL="1143000" indent="-228600" algn="l" defTabSz="914400" rtl="0" eaLnBrk="1" latinLnBrk="0" hangingPunct="1">
+              <a:lnSpc>
+                <a:spcPct val="90000"/>
+              </a:lnSpc>
+              <a:spcBef>
+                <a:spcPts val="600"/>
+              </a:spcBef>
+              <a:buFont typeface="Wingdings" panose="05000000000000000000" pitchFamily="2" charset="2"/>
+              <a:buChar char="§"/>
+              <a:defRPr lang="zh-CN" sz="1400" kern="1200">
+                <a:solidFill>
+                  <a:schemeClr val="dk1"/>
+                </a:solidFill>
+                <a:latin typeface="+mn-lt"/>
+                <a:ea typeface="+mn-ea"/>
+                <a:cs typeface="+mn-cs"/>
+              </a:defRPr>
+            </a:lvl3pPr>
+            <a:lvl4pPr marL="1600200" indent="-228600" algn="l" defTabSz="914400" rtl="0" eaLnBrk="1" latinLnBrk="0" hangingPunct="1">
+              <a:lnSpc>
+                <a:spcPct val="90000"/>
+              </a:lnSpc>
+              <a:spcBef>
+                <a:spcPts val="600"/>
+              </a:spcBef>
+              <a:buFont typeface="Wingdings" panose="05000000000000000000" pitchFamily="2" charset="2"/>
+              <a:buChar char="§"/>
+              <a:defRPr lang="zh-CN" sz="1400" kern="1200">
+                <a:solidFill>
+                  <a:schemeClr val="dk1"/>
+                </a:solidFill>
+                <a:latin typeface="+mn-lt"/>
+                <a:ea typeface="+mn-ea"/>
+                <a:cs typeface="+mn-cs"/>
+              </a:defRPr>
+            </a:lvl4pPr>
+            <a:lvl5pPr marL="2057400" indent="-228600" algn="l" defTabSz="914400" rtl="0" eaLnBrk="1" latinLnBrk="0" hangingPunct="1">
+              <a:lnSpc>
+                <a:spcPct val="90000"/>
+              </a:lnSpc>
+              <a:spcBef>
+                <a:spcPts val="600"/>
+              </a:spcBef>
+              <a:buFont typeface="Wingdings" panose="05000000000000000000" pitchFamily="2" charset="2"/>
+              <a:buChar char="§"/>
+              <a:defRPr lang="zh-CN" sz="1400" kern="1200">
+                <a:solidFill>
+                  <a:schemeClr val="dk1"/>
+                </a:solidFill>
+                <a:latin typeface="+mn-lt"/>
+                <a:ea typeface="+mn-ea"/>
+                <a:cs typeface="+mn-cs"/>
+              </a:defRPr>
+            </a:lvl5pPr>
+            <a:lvl6pPr marL="2514600" indent="-228600" algn="l" defTabSz="914400" rtl="0" eaLnBrk="1" latinLnBrk="0" hangingPunct="1">
+              <a:lnSpc>
+                <a:spcPct val="90000"/>
+              </a:lnSpc>
+              <a:spcBef>
+                <a:spcPts val="500"/>
+              </a:spcBef>
+              <a:buFont typeface="Wingdings" panose="05000000000000000000" pitchFamily="2" charset="2"/>
+              <a:buChar char="§"/>
+              <a:defRPr lang="zh-CN" sz="1400" kern="1200">
+                <a:solidFill>
+                  <a:schemeClr val="dk1"/>
+                </a:solidFill>
+                <a:latin typeface="+mn-lt"/>
+                <a:ea typeface="+mn-ea"/>
+                <a:cs typeface="+mn-cs"/>
+              </a:defRPr>
+            </a:lvl6pPr>
+            <a:lvl7pPr marL="2971800" indent="-228600" algn="l" defTabSz="914400" rtl="0" eaLnBrk="1" latinLnBrk="0" hangingPunct="1">
+              <a:lnSpc>
+                <a:spcPct val="90000"/>
+              </a:lnSpc>
+              <a:spcBef>
+                <a:spcPts val="500"/>
+              </a:spcBef>
+              <a:buFont typeface="Wingdings" panose="05000000000000000000" pitchFamily="2" charset="2"/>
+              <a:buChar char="§"/>
+              <a:defRPr lang="zh-CN" sz="1400" kern="1200">
+                <a:solidFill>
+                  <a:schemeClr val="dk1"/>
+                </a:solidFill>
+                <a:latin typeface="+mn-lt"/>
+                <a:ea typeface="+mn-ea"/>
+                <a:cs typeface="+mn-cs"/>
+              </a:defRPr>
+            </a:lvl7pPr>
+            <a:lvl8pPr marL="3429000" indent="-228600" algn="l" defTabSz="914400" rtl="0" eaLnBrk="1" latinLnBrk="0" hangingPunct="1">
+              <a:lnSpc>
+                <a:spcPct val="90000"/>
+              </a:lnSpc>
+              <a:spcBef>
+                <a:spcPts val="500"/>
+              </a:spcBef>
+              <a:buFont typeface="Wingdings" panose="05000000000000000000" pitchFamily="2" charset="2"/>
+              <a:buChar char="§"/>
+              <a:defRPr lang="zh-CN" sz="1400" kern="1200">
+                <a:solidFill>
+                  <a:schemeClr val="dk1"/>
+                </a:solidFill>
+                <a:latin typeface="+mn-lt"/>
+                <a:ea typeface="+mn-ea"/>
+                <a:cs typeface="+mn-cs"/>
+              </a:defRPr>
+            </a:lvl8pPr>
+            <a:lvl9pPr marL="3886200" indent="-228600" algn="l" defTabSz="914400" rtl="0" eaLnBrk="1" latinLnBrk="0" hangingPunct="1">
+              <a:lnSpc>
+                <a:spcPct val="90000"/>
+              </a:lnSpc>
+              <a:spcBef>
+                <a:spcPts val="500"/>
+              </a:spcBef>
+              <a:buFont typeface="Wingdings" panose="05000000000000000000" pitchFamily="2" charset="2"/>
+              <a:buChar char="§"/>
+              <a:defRPr lang="zh-CN" sz="1400" kern="1200">
+                <a:solidFill>
+                  <a:schemeClr val="dk1"/>
+                </a:solidFill>
+                <a:latin typeface="+mn-lt"/>
+                <a:ea typeface="+mn-ea"/>
+                <a:cs typeface="+mn-cs"/>
+              </a:defRPr>
+            </a:lvl9pPr>
+          </a:lstStyle>
+          <a:p>
+            <a:pPr marL="0" indent="0">
+              <a:lnSpc>
+                <a:spcPct val="120000"/>
+              </a:lnSpc>
+              <a:spcBef>
+                <a:spcPts val="0"/>
+              </a:spcBef>
+              <a:buNone/>
+            </a:pPr>
+            <a:r>
+              <a:rPr lang="en-US" altLang="zh-CN" i="1" dirty="0">
+                <a:latin typeface="Times New Roman" panose="02020603050405020304" pitchFamily="18" charset="0"/>
+                <a:cs typeface="Times New Roman" panose="02020603050405020304" pitchFamily="18" charset="0"/>
+              </a:rPr>
+              <a:t>l</a:t>
+            </a:r>
+            <a:r>
+              <a:rPr lang="en-US" altLang="zh-CN" i="1" dirty="0" smtClean="0">
+                <a:latin typeface="Times New Roman" panose="02020603050405020304" pitchFamily="18" charset="0"/>
+                <a:cs typeface="Times New Roman" panose="02020603050405020304" pitchFamily="18" charset="0"/>
+              </a:rPr>
+              <a:t>etter_ </a:t>
+            </a:r>
+            <a:r>
+              <a:rPr lang="en-US" altLang="zh-CN" i="1" dirty="0" smtClean="0">
+                <a:latin typeface="Times New Roman" panose="02020603050405020304" pitchFamily="18" charset="0"/>
+                <a:ea typeface="Cambria Math"/>
+                <a:cs typeface="Times New Roman" panose="02020603050405020304" pitchFamily="18" charset="0"/>
+              </a:rPr>
+              <a:t>→ </a:t>
+            </a:r>
+            <a:r>
+              <a:rPr lang="en-US" altLang="zh-CN" dirty="0" smtClean="0">
+                <a:latin typeface="Courier" pitchFamily="49" charset="0"/>
+                <a:ea typeface="Cambria Math"/>
+                <a:cs typeface="Courier New" panose="02070309020205020404" pitchFamily="49" charset="0"/>
+              </a:rPr>
+              <a:t>A|B|...|</a:t>
+            </a:r>
+            <a:r>
+              <a:rPr lang="en-US" altLang="zh-CN" dirty="0" err="1" smtClean="0">
+                <a:latin typeface="Courier" pitchFamily="49" charset="0"/>
+                <a:ea typeface="Cambria Math"/>
+                <a:cs typeface="Courier New" panose="02070309020205020404" pitchFamily="49" charset="0"/>
+              </a:rPr>
+              <a:t>Z|a|b</a:t>
+            </a:r>
+            <a:r>
+              <a:rPr lang="en-US" altLang="zh-CN" dirty="0" smtClean="0">
+                <a:latin typeface="Courier" pitchFamily="49" charset="0"/>
+                <a:ea typeface="Cambria Math"/>
+                <a:cs typeface="Courier New" panose="02070309020205020404" pitchFamily="49" charset="0"/>
+              </a:rPr>
+              <a:t>|...|z|_</a:t>
+            </a:r>
+          </a:p>
+          <a:p>
+            <a:pPr marL="0" indent="0">
+              <a:lnSpc>
+                <a:spcPct val="120000"/>
+              </a:lnSpc>
+              <a:spcBef>
+                <a:spcPts val="0"/>
+              </a:spcBef>
+              <a:buNone/>
+            </a:pPr>
+            <a:r>
+              <a:rPr lang="en-US" altLang="en-US" i="1" dirty="0" smtClean="0">
+                <a:latin typeface="Times New Roman" panose="02020603050405020304" pitchFamily="18" charset="0"/>
+                <a:ea typeface="Cambria Math"/>
+                <a:cs typeface="Times New Roman" panose="02020603050405020304" pitchFamily="18" charset="0"/>
+              </a:rPr>
+              <a:t>digit</a:t>
+            </a:r>
+            <a:r>
+              <a:rPr lang="en-US" altLang="zh-CN" i="1" dirty="0">
+                <a:latin typeface="Times New Roman" panose="02020603050405020304" pitchFamily="18" charset="0"/>
+                <a:ea typeface="Cambria Math"/>
+                <a:cs typeface="Times New Roman" panose="02020603050405020304" pitchFamily="18" charset="0"/>
+              </a:rPr>
+              <a:t> </a:t>
+            </a:r>
+            <a:r>
+              <a:rPr lang="en-US" altLang="zh-CN" i="1" dirty="0" smtClean="0">
+                <a:latin typeface="Times New Roman" panose="02020603050405020304" pitchFamily="18" charset="0"/>
+                <a:ea typeface="Cambria Math"/>
+                <a:cs typeface="Times New Roman" panose="02020603050405020304" pitchFamily="18" charset="0"/>
+              </a:rPr>
+              <a:t>   → </a:t>
+            </a:r>
+            <a:r>
+              <a:rPr lang="en-US" altLang="zh-CN" dirty="0" smtClean="0">
+                <a:latin typeface="Courier" pitchFamily="49" charset="0"/>
+                <a:ea typeface="Cambria Math"/>
+                <a:cs typeface="Arial" panose="020B0604020202020204" pitchFamily="34" charset="0"/>
+              </a:rPr>
+              <a:t>0|1|...|9</a:t>
+            </a:r>
+          </a:p>
+          <a:p>
+            <a:pPr marL="0" indent="0">
+              <a:lnSpc>
+                <a:spcPct val="120000"/>
+              </a:lnSpc>
+              <a:spcBef>
+                <a:spcPts val="0"/>
+              </a:spcBef>
+              <a:buNone/>
+            </a:pPr>
+            <a:r>
+              <a:rPr lang="en-US" altLang="en-US" i="1" dirty="0" smtClean="0">
+                <a:latin typeface="Times New Roman" panose="02020603050405020304" pitchFamily="18" charset="0"/>
+                <a:ea typeface="Cambria Math"/>
+                <a:cs typeface="Times New Roman" panose="02020603050405020304" pitchFamily="18" charset="0"/>
+              </a:rPr>
+              <a:t>id</a:t>
+            </a:r>
+            <a:r>
+              <a:rPr lang="en-US" altLang="zh-CN" i="1" dirty="0">
+                <a:latin typeface="Times New Roman" panose="02020603050405020304" pitchFamily="18" charset="0"/>
+                <a:ea typeface="Cambria Math"/>
+                <a:cs typeface="Times New Roman" panose="02020603050405020304" pitchFamily="18" charset="0"/>
+              </a:rPr>
+              <a:t> </a:t>
+            </a:r>
+            <a:r>
+              <a:rPr lang="en-US" altLang="zh-CN" i="1" dirty="0" smtClean="0">
+                <a:latin typeface="Times New Roman" panose="02020603050405020304" pitchFamily="18" charset="0"/>
+                <a:ea typeface="Cambria Math"/>
+                <a:cs typeface="Times New Roman" panose="02020603050405020304" pitchFamily="18" charset="0"/>
+              </a:rPr>
+              <a:t>→ letter_(</a:t>
+            </a:r>
+            <a:r>
+              <a:rPr lang="en-US" altLang="zh-CN" i="1" dirty="0" err="1" smtClean="0">
+                <a:latin typeface="Times New Roman" panose="02020603050405020304" pitchFamily="18" charset="0"/>
+                <a:ea typeface="Cambria Math"/>
+                <a:cs typeface="Times New Roman" panose="02020603050405020304" pitchFamily="18" charset="0"/>
+              </a:rPr>
+              <a:t>letter_|digit</a:t>
+            </a:r>
+            <a:r>
+              <a:rPr lang="en-US" altLang="zh-CN" i="1" dirty="0" smtClean="0">
+                <a:latin typeface="Times New Roman" panose="02020603050405020304" pitchFamily="18" charset="0"/>
+                <a:ea typeface="Cambria Math"/>
+                <a:cs typeface="Times New Roman" panose="02020603050405020304" pitchFamily="18" charset="0"/>
+              </a:rPr>
+              <a:t>)*</a:t>
+            </a:r>
+            <a:endParaRPr lang="en-US" altLang="en-US" dirty="0">
+              <a:latin typeface="Arial" panose="020B0604020202020204" pitchFamily="34" charset="0"/>
+              <a:cs typeface="Arial" panose="020B0604020202020204" pitchFamily="34" charset="0"/>
+            </a:endParaRPr>
+          </a:p>
+        </p:txBody>
+      </p:sp>
+      <p:sp>
+        <p:nvSpPr>
+          <p:cNvPr id="7" name="内容占位符 2"/>
+          <p:cNvSpPr txBox="1">
+            <a:spLocks/>
+          </p:cNvSpPr>
+          <p:nvPr/>
+        </p:nvSpPr>
+        <p:spPr>
+          <a:xfrm>
+            <a:off x="1095374" y="4076700"/>
+            <a:ext cx="6219826" cy="1883229"/>
+          </a:xfrm>
+          <a:prstGeom prst="rect">
+            <a:avLst/>
+          </a:prstGeom>
+        </p:spPr>
+        <p:style>
+          <a:lnRef idx="1">
+            <a:schemeClr val="accent6"/>
+          </a:lnRef>
+          <a:fillRef idx="2">
+            <a:schemeClr val="accent6"/>
+          </a:fillRef>
+          <a:effectRef idx="1">
+            <a:schemeClr val="accent6"/>
+          </a:effectRef>
+          <a:fontRef idx="minor">
+            <a:schemeClr val="dk1"/>
+          </a:fontRef>
+        </p:style>
+        <p:txBody>
+          <a:bodyPr vert="horz" lIns="0" tIns="45720" rIns="0" bIns="45720" rtlCol="0">
+            <a:noAutofit/>
+          </a:bodyPr>
+          <a:lstStyle>
+            <a:lvl1pPr marL="228600" indent="-228600" algn="l" defTabSz="914400" rtl="0" eaLnBrk="1" latinLnBrk="0" hangingPunct="1">
+              <a:lnSpc>
+                <a:spcPct val="90000"/>
+              </a:lnSpc>
+              <a:spcBef>
+                <a:spcPts val="1800"/>
+              </a:spcBef>
+              <a:buFont typeface="Wingdings" panose="05000000000000000000" pitchFamily="2" charset="2"/>
+              <a:buChar char="§"/>
+              <a:defRPr lang="zh-CN" sz="2000" kern="1200">
+                <a:solidFill>
+                  <a:schemeClr val="dk1"/>
+                </a:solidFill>
+                <a:latin typeface="+mn-lt"/>
+                <a:ea typeface="+mn-ea"/>
+                <a:cs typeface="+mn-cs"/>
+              </a:defRPr>
+            </a:lvl1pPr>
+            <a:lvl2pPr marL="685800" indent="-228600" algn="l" defTabSz="914400" rtl="0" eaLnBrk="1" latinLnBrk="0" hangingPunct="1">
+              <a:lnSpc>
+                <a:spcPct val="90000"/>
+              </a:lnSpc>
+              <a:spcBef>
+                <a:spcPts val="600"/>
+              </a:spcBef>
+              <a:buFont typeface="Wingdings" panose="05000000000000000000" pitchFamily="2" charset="2"/>
+              <a:buChar char="§"/>
+              <a:defRPr lang="zh-CN" sz="1600" kern="1200">
+                <a:solidFill>
+                  <a:schemeClr val="dk1"/>
+                </a:solidFill>
+                <a:latin typeface="+mn-lt"/>
+                <a:ea typeface="+mn-ea"/>
+                <a:cs typeface="+mn-cs"/>
+              </a:defRPr>
+            </a:lvl2pPr>
+            <a:lvl3pPr marL="1143000" indent="-228600" algn="l" defTabSz="914400" rtl="0" eaLnBrk="1" latinLnBrk="0" hangingPunct="1">
+              <a:lnSpc>
+                <a:spcPct val="90000"/>
+              </a:lnSpc>
+              <a:spcBef>
+                <a:spcPts val="600"/>
+              </a:spcBef>
+              <a:buFont typeface="Wingdings" panose="05000000000000000000" pitchFamily="2" charset="2"/>
+              <a:buChar char="§"/>
+              <a:defRPr lang="zh-CN" sz="1400" kern="1200">
+                <a:solidFill>
+                  <a:schemeClr val="dk1"/>
+                </a:solidFill>
+                <a:latin typeface="+mn-lt"/>
+                <a:ea typeface="+mn-ea"/>
+                <a:cs typeface="+mn-cs"/>
+              </a:defRPr>
+            </a:lvl3pPr>
+            <a:lvl4pPr marL="1600200" indent="-228600" algn="l" defTabSz="914400" rtl="0" eaLnBrk="1" latinLnBrk="0" hangingPunct="1">
+              <a:lnSpc>
+                <a:spcPct val="90000"/>
+              </a:lnSpc>
+              <a:spcBef>
+                <a:spcPts val="600"/>
+              </a:spcBef>
+              <a:buFont typeface="Wingdings" panose="05000000000000000000" pitchFamily="2" charset="2"/>
+              <a:buChar char="§"/>
+              <a:defRPr lang="zh-CN" sz="1400" kern="1200">
+                <a:solidFill>
+                  <a:schemeClr val="dk1"/>
+                </a:solidFill>
+                <a:latin typeface="+mn-lt"/>
+                <a:ea typeface="+mn-ea"/>
+                <a:cs typeface="+mn-cs"/>
+              </a:defRPr>
+            </a:lvl4pPr>
+            <a:lvl5pPr marL="2057400" indent="-228600" algn="l" defTabSz="914400" rtl="0" eaLnBrk="1" latinLnBrk="0" hangingPunct="1">
+              <a:lnSpc>
+                <a:spcPct val="90000"/>
+              </a:lnSpc>
+              <a:spcBef>
+                <a:spcPts val="600"/>
+              </a:spcBef>
+              <a:buFont typeface="Wingdings" panose="05000000000000000000" pitchFamily="2" charset="2"/>
+              <a:buChar char="§"/>
+              <a:defRPr lang="zh-CN" sz="1400" kern="1200">
+                <a:solidFill>
+                  <a:schemeClr val="dk1"/>
+                </a:solidFill>
+                <a:latin typeface="+mn-lt"/>
+                <a:ea typeface="+mn-ea"/>
+                <a:cs typeface="+mn-cs"/>
+              </a:defRPr>
+            </a:lvl5pPr>
+            <a:lvl6pPr marL="2514600" indent="-228600" algn="l" defTabSz="914400" rtl="0" eaLnBrk="1" latinLnBrk="0" hangingPunct="1">
+              <a:lnSpc>
+                <a:spcPct val="90000"/>
+              </a:lnSpc>
+              <a:spcBef>
+                <a:spcPts val="500"/>
+              </a:spcBef>
+              <a:buFont typeface="Wingdings" panose="05000000000000000000" pitchFamily="2" charset="2"/>
+              <a:buChar char="§"/>
+              <a:defRPr lang="zh-CN" sz="1400" kern="1200">
+                <a:solidFill>
+                  <a:schemeClr val="dk1"/>
+                </a:solidFill>
+                <a:latin typeface="+mn-lt"/>
+                <a:ea typeface="+mn-ea"/>
+                <a:cs typeface="+mn-cs"/>
+              </a:defRPr>
+            </a:lvl6pPr>
+            <a:lvl7pPr marL="2971800" indent="-228600" algn="l" defTabSz="914400" rtl="0" eaLnBrk="1" latinLnBrk="0" hangingPunct="1">
+              <a:lnSpc>
+                <a:spcPct val="90000"/>
+              </a:lnSpc>
+              <a:spcBef>
+                <a:spcPts val="500"/>
+              </a:spcBef>
+              <a:buFont typeface="Wingdings" panose="05000000000000000000" pitchFamily="2" charset="2"/>
+              <a:buChar char="§"/>
+              <a:defRPr lang="zh-CN" sz="1400" kern="1200">
+                <a:solidFill>
+                  <a:schemeClr val="dk1"/>
+                </a:solidFill>
+                <a:latin typeface="+mn-lt"/>
+                <a:ea typeface="+mn-ea"/>
+                <a:cs typeface="+mn-cs"/>
+              </a:defRPr>
+            </a:lvl7pPr>
+            <a:lvl8pPr marL="3429000" indent="-228600" algn="l" defTabSz="914400" rtl="0" eaLnBrk="1" latinLnBrk="0" hangingPunct="1">
+              <a:lnSpc>
+                <a:spcPct val="90000"/>
+              </a:lnSpc>
+              <a:spcBef>
+                <a:spcPts val="500"/>
+              </a:spcBef>
+              <a:buFont typeface="Wingdings" panose="05000000000000000000" pitchFamily="2" charset="2"/>
+              <a:buChar char="§"/>
+              <a:defRPr lang="zh-CN" sz="1400" kern="1200">
+                <a:solidFill>
+                  <a:schemeClr val="dk1"/>
+                </a:solidFill>
+                <a:latin typeface="+mn-lt"/>
+                <a:ea typeface="+mn-ea"/>
+                <a:cs typeface="+mn-cs"/>
+              </a:defRPr>
+            </a:lvl8pPr>
+            <a:lvl9pPr marL="3886200" indent="-228600" algn="l" defTabSz="914400" rtl="0" eaLnBrk="1" latinLnBrk="0" hangingPunct="1">
+              <a:lnSpc>
+                <a:spcPct val="90000"/>
+              </a:lnSpc>
+              <a:spcBef>
+                <a:spcPts val="500"/>
+              </a:spcBef>
+              <a:buFont typeface="Wingdings" panose="05000000000000000000" pitchFamily="2" charset="2"/>
+              <a:buChar char="§"/>
+              <a:defRPr lang="zh-CN" sz="1400" kern="1200">
+                <a:solidFill>
+                  <a:schemeClr val="dk1"/>
+                </a:solidFill>
+                <a:latin typeface="+mn-lt"/>
+                <a:ea typeface="+mn-ea"/>
+                <a:cs typeface="+mn-cs"/>
+              </a:defRPr>
+            </a:lvl9pPr>
+          </a:lstStyle>
+          <a:p>
+            <a:pPr marL="0" indent="0">
+              <a:lnSpc>
+                <a:spcPct val="120000"/>
+              </a:lnSpc>
+              <a:spcBef>
+                <a:spcPts val="0"/>
+              </a:spcBef>
+              <a:buNone/>
+            </a:pPr>
+            <a:r>
+              <a:rPr lang="en-US" altLang="en-US" i="1" dirty="0" smtClean="0">
+                <a:latin typeface="Times New Roman" panose="02020603050405020304" pitchFamily="18" charset="0"/>
+                <a:ea typeface="Cambria Math"/>
+                <a:cs typeface="Times New Roman" panose="02020603050405020304" pitchFamily="18" charset="0"/>
+              </a:rPr>
+              <a:t>digit</a:t>
+            </a:r>
+            <a:r>
+              <a:rPr lang="en-US" altLang="zh-CN" i="1" dirty="0" smtClean="0">
+                <a:latin typeface="Times New Roman" panose="02020603050405020304" pitchFamily="18" charset="0"/>
+                <a:ea typeface="Cambria Math"/>
+                <a:cs typeface="Times New Roman" panose="02020603050405020304" pitchFamily="18" charset="0"/>
+              </a:rPr>
+              <a:t>  → </a:t>
+            </a:r>
+            <a:r>
+              <a:rPr lang="en-US" altLang="zh-CN" dirty="0" smtClean="0">
+                <a:latin typeface="Courier" pitchFamily="49" charset="0"/>
+                <a:ea typeface="Cambria Math"/>
+                <a:cs typeface="Arial" panose="020B0604020202020204" pitchFamily="34" charset="0"/>
+              </a:rPr>
+              <a:t>0|1|...|9</a:t>
+            </a:r>
+          </a:p>
+          <a:p>
+            <a:pPr marL="0" indent="0">
+              <a:lnSpc>
+                <a:spcPct val="120000"/>
+              </a:lnSpc>
+              <a:spcBef>
+                <a:spcPts val="0"/>
+              </a:spcBef>
+              <a:buNone/>
+            </a:pPr>
+            <a:r>
+              <a:rPr lang="en-US" altLang="zh-CN" i="1" dirty="0" err="1" smtClean="0">
+                <a:latin typeface="Times New Roman" panose="02020603050405020304" pitchFamily="18" charset="0"/>
+                <a:cs typeface="Times New Roman" panose="02020603050405020304" pitchFamily="18" charset="0"/>
+              </a:rPr>
+              <a:t>ligits</a:t>
+            </a:r>
+            <a:r>
+              <a:rPr lang="en-US" altLang="zh-CN" i="1" dirty="0" smtClean="0">
+                <a:latin typeface="Times New Roman" panose="02020603050405020304" pitchFamily="18" charset="0"/>
+                <a:cs typeface="Times New Roman" panose="02020603050405020304" pitchFamily="18" charset="0"/>
+              </a:rPr>
+              <a:t> </a:t>
+            </a:r>
+            <a:r>
+              <a:rPr lang="en-US" altLang="zh-CN" i="1" dirty="0" smtClean="0">
+                <a:latin typeface="Times New Roman" panose="02020603050405020304" pitchFamily="18" charset="0"/>
+                <a:ea typeface="Cambria Math"/>
+                <a:cs typeface="Times New Roman" panose="02020603050405020304" pitchFamily="18" charset="0"/>
+              </a:rPr>
+              <a:t>→  digit digit*</a:t>
+            </a:r>
+          </a:p>
+          <a:p>
+            <a:pPr marL="0" indent="0">
+              <a:lnSpc>
+                <a:spcPct val="120000"/>
+              </a:lnSpc>
+              <a:spcBef>
+                <a:spcPts val="0"/>
+              </a:spcBef>
+              <a:buNone/>
+            </a:pPr>
+            <a:r>
+              <a:rPr lang="en-US" altLang="zh-CN" i="1" dirty="0" err="1" smtClean="0">
+                <a:latin typeface="Times New Roman" panose="02020603050405020304" pitchFamily="18" charset="0"/>
+                <a:ea typeface="Cambria Math"/>
+                <a:cs typeface="Times New Roman" panose="02020603050405020304" pitchFamily="18" charset="0"/>
+              </a:rPr>
+              <a:t>optionalFraction</a:t>
+            </a:r>
+            <a:r>
+              <a:rPr lang="en-US" altLang="zh-CN" i="1" dirty="0" smtClean="0">
+                <a:latin typeface="Times New Roman" panose="02020603050405020304" pitchFamily="18" charset="0"/>
+                <a:ea typeface="Cambria Math"/>
+                <a:cs typeface="Times New Roman" panose="02020603050405020304" pitchFamily="18" charset="0"/>
+              </a:rPr>
+              <a:t>  → </a:t>
+            </a:r>
+            <a:r>
+              <a:rPr lang="en-US" altLang="zh-CN" i="1" dirty="0" smtClean="0">
+                <a:latin typeface="Courier" pitchFamily="49" charset="0"/>
+                <a:ea typeface="Cambria Math"/>
+                <a:cs typeface="Times New Roman" panose="02020603050405020304" pitchFamily="18" charset="0"/>
+              </a:rPr>
+              <a:t>.</a:t>
+            </a:r>
+            <a:r>
+              <a:rPr lang="en-US" altLang="zh-CN" i="1" dirty="0" smtClean="0">
+                <a:latin typeface="Times New Roman" panose="02020603050405020304" pitchFamily="18" charset="0"/>
+                <a:ea typeface="Cambria Math"/>
+                <a:cs typeface="Times New Roman" panose="02020603050405020304" pitchFamily="18" charset="0"/>
+              </a:rPr>
+              <a:t>digits | </a:t>
+            </a:r>
+            <a:r>
+              <a:rPr lang="el-GR" altLang="zh-CN" dirty="0" smtClean="0">
+                <a:latin typeface="Times New Roman" panose="02020603050405020304" pitchFamily="18" charset="0"/>
+                <a:ea typeface="Cambria Math"/>
+                <a:cs typeface="Times New Roman" panose="02020603050405020304" pitchFamily="18" charset="0"/>
+              </a:rPr>
+              <a:t>ε</a:t>
+            </a:r>
+            <a:endParaRPr lang="en-US" altLang="zh-CN" i="1" dirty="0" smtClean="0">
+              <a:latin typeface="Times New Roman" panose="02020603050405020304" pitchFamily="18" charset="0"/>
+              <a:ea typeface="Cambria Math"/>
+              <a:cs typeface="Times New Roman" panose="02020603050405020304" pitchFamily="18" charset="0"/>
+            </a:endParaRPr>
+          </a:p>
+          <a:p>
+            <a:pPr marL="0" indent="0">
+              <a:lnSpc>
+                <a:spcPct val="120000"/>
+              </a:lnSpc>
+              <a:spcBef>
+                <a:spcPts val="0"/>
+              </a:spcBef>
+              <a:buNone/>
+            </a:pPr>
+            <a:r>
+              <a:rPr lang="en-US" altLang="en-US" i="1" dirty="0" err="1" smtClean="0">
+                <a:latin typeface="Times New Roman" panose="02020603050405020304" pitchFamily="18" charset="0"/>
+                <a:ea typeface="Cambria Math"/>
+                <a:cs typeface="Times New Roman" panose="02020603050405020304" pitchFamily="18" charset="0"/>
+              </a:rPr>
+              <a:t>optionalExponent</a:t>
+            </a:r>
+            <a:r>
+              <a:rPr lang="en-US" altLang="zh-CN" i="1" dirty="0" smtClean="0">
+                <a:latin typeface="Times New Roman" panose="02020603050405020304" pitchFamily="18" charset="0"/>
+                <a:ea typeface="Cambria Math"/>
+                <a:cs typeface="Times New Roman" panose="02020603050405020304" pitchFamily="18" charset="0"/>
+              </a:rPr>
+              <a:t>  →  </a:t>
+            </a:r>
+            <a:r>
+              <a:rPr lang="en-US" altLang="zh-CN" dirty="0" smtClean="0">
+                <a:latin typeface="Times New Roman" panose="02020603050405020304" pitchFamily="18" charset="0"/>
+                <a:ea typeface="Cambria Math"/>
+                <a:cs typeface="Times New Roman" panose="02020603050405020304" pitchFamily="18" charset="0"/>
+              </a:rPr>
+              <a:t>(</a:t>
+            </a:r>
+            <a:r>
+              <a:rPr lang="en-US" altLang="zh-CN" dirty="0" smtClean="0">
+                <a:latin typeface="Courier" pitchFamily="49" charset="0"/>
+                <a:ea typeface="Cambria Math"/>
+                <a:cs typeface="Times New Roman" panose="02020603050405020304" pitchFamily="18" charset="0"/>
+              </a:rPr>
+              <a:t>E</a:t>
+            </a:r>
+            <a:r>
+              <a:rPr lang="en-US" altLang="zh-CN" dirty="0" smtClean="0">
+                <a:latin typeface="Times New Roman" panose="02020603050405020304" pitchFamily="18" charset="0"/>
+                <a:ea typeface="Cambria Math"/>
+                <a:cs typeface="Times New Roman" panose="02020603050405020304" pitchFamily="18" charset="0"/>
+              </a:rPr>
+              <a:t>(</a:t>
+            </a:r>
+            <a:r>
+              <a:rPr lang="en-US" altLang="zh-CN" dirty="0" smtClean="0">
+                <a:latin typeface="Courier" pitchFamily="49" charset="0"/>
+                <a:ea typeface="Cambria Math"/>
+                <a:cs typeface="Times New Roman" panose="02020603050405020304" pitchFamily="18" charset="0"/>
+              </a:rPr>
+              <a:t>+</a:t>
+            </a:r>
+            <a:r>
+              <a:rPr lang="en-US" altLang="zh-CN" dirty="0" smtClean="0">
+                <a:latin typeface="Times New Roman" panose="02020603050405020304" pitchFamily="18" charset="0"/>
+                <a:ea typeface="Cambria Math"/>
+                <a:cs typeface="Times New Roman" panose="02020603050405020304" pitchFamily="18" charset="0"/>
+              </a:rPr>
+              <a:t>|</a:t>
+            </a:r>
+            <a:r>
+              <a:rPr lang="en-US" altLang="zh-CN" dirty="0" smtClean="0">
+                <a:latin typeface="Courier" pitchFamily="49" charset="0"/>
+                <a:ea typeface="Cambria Math"/>
+                <a:cs typeface="Times New Roman" panose="02020603050405020304" pitchFamily="18" charset="0"/>
+              </a:rPr>
+              <a:t>-</a:t>
+            </a:r>
+            <a:r>
+              <a:rPr lang="en-US" altLang="zh-CN" dirty="0" smtClean="0">
+                <a:latin typeface="Times New Roman" panose="02020603050405020304" pitchFamily="18" charset="0"/>
+                <a:ea typeface="Cambria Math"/>
+                <a:cs typeface="Times New Roman" panose="02020603050405020304" pitchFamily="18" charset="0"/>
+              </a:rPr>
+              <a:t>|</a:t>
+            </a:r>
+            <a:r>
+              <a:rPr lang="el-GR" altLang="zh-CN" dirty="0">
+                <a:latin typeface="Cambria Math"/>
+                <a:ea typeface="Cambria Math"/>
+              </a:rPr>
+              <a:t> ε</a:t>
+            </a:r>
+            <a:r>
+              <a:rPr lang="en-US" altLang="zh-CN" dirty="0" smtClean="0">
+                <a:latin typeface="Times New Roman" panose="02020603050405020304" pitchFamily="18" charset="0"/>
+                <a:ea typeface="Cambria Math"/>
+                <a:cs typeface="Times New Roman" panose="02020603050405020304" pitchFamily="18" charset="0"/>
+              </a:rPr>
+              <a:t>)</a:t>
+            </a:r>
+            <a:r>
+              <a:rPr lang="en-US" altLang="zh-CN" i="1" dirty="0" smtClean="0">
+                <a:latin typeface="Times New Roman" panose="02020603050405020304" pitchFamily="18" charset="0"/>
+                <a:ea typeface="Cambria Math"/>
+                <a:cs typeface="Times New Roman" panose="02020603050405020304" pitchFamily="18" charset="0"/>
+              </a:rPr>
+              <a:t> digits</a:t>
+            </a:r>
+            <a:r>
+              <a:rPr lang="en-US" altLang="zh-CN" dirty="0" smtClean="0">
+                <a:latin typeface="Times New Roman" panose="02020603050405020304" pitchFamily="18" charset="0"/>
+                <a:ea typeface="Cambria Math"/>
+                <a:cs typeface="Times New Roman" panose="02020603050405020304" pitchFamily="18" charset="0"/>
+              </a:rPr>
+              <a:t> )|</a:t>
+            </a:r>
+            <a:r>
+              <a:rPr lang="el-GR" altLang="zh-CN" dirty="0">
+                <a:latin typeface="Cambria Math"/>
+                <a:ea typeface="Cambria Math"/>
+              </a:rPr>
+              <a:t> </a:t>
+            </a:r>
+            <a:r>
+              <a:rPr lang="el-GR" altLang="zh-CN" dirty="0" smtClean="0">
+                <a:latin typeface="Times New Roman" panose="02020603050405020304" pitchFamily="18" charset="0"/>
+                <a:ea typeface="Cambria Math"/>
+                <a:cs typeface="Times New Roman" panose="02020603050405020304" pitchFamily="18" charset="0"/>
+              </a:rPr>
+              <a:t>ε</a:t>
+            </a:r>
+            <a:endParaRPr lang="en-US" altLang="zh-CN" dirty="0" smtClean="0">
+              <a:latin typeface="Times New Roman" panose="02020603050405020304" pitchFamily="18" charset="0"/>
+              <a:ea typeface="Cambria Math"/>
+              <a:cs typeface="Times New Roman" panose="02020603050405020304" pitchFamily="18" charset="0"/>
+            </a:endParaRPr>
+          </a:p>
+          <a:p>
+            <a:pPr marL="0" indent="0">
+              <a:lnSpc>
+                <a:spcPct val="120000"/>
+              </a:lnSpc>
+              <a:spcBef>
+                <a:spcPts val="0"/>
+              </a:spcBef>
+              <a:buNone/>
+            </a:pPr>
+            <a:r>
+              <a:rPr lang="en-US" altLang="zh-CN" i="1" dirty="0">
+                <a:latin typeface="Times New Roman" panose="02020603050405020304" pitchFamily="18" charset="0"/>
+                <a:ea typeface="Cambria Math"/>
+                <a:cs typeface="Times New Roman" panose="02020603050405020304" pitchFamily="18" charset="0"/>
+              </a:rPr>
+              <a:t>n</a:t>
+            </a:r>
+            <a:r>
+              <a:rPr lang="en-US" altLang="zh-CN" i="1" dirty="0" smtClean="0">
+                <a:latin typeface="Times New Roman" panose="02020603050405020304" pitchFamily="18" charset="0"/>
+                <a:ea typeface="Cambria Math"/>
+                <a:cs typeface="Times New Roman" panose="02020603050405020304" pitchFamily="18" charset="0"/>
+              </a:rPr>
+              <a:t>umber </a:t>
+            </a:r>
+            <a:r>
+              <a:rPr lang="en-US" altLang="zh-CN" i="1" dirty="0">
+                <a:latin typeface="Times New Roman" panose="02020603050405020304" pitchFamily="18" charset="0"/>
+                <a:ea typeface="Cambria Math"/>
+                <a:cs typeface="Times New Roman" panose="02020603050405020304" pitchFamily="18" charset="0"/>
+              </a:rPr>
+              <a:t>→ </a:t>
+            </a:r>
+            <a:r>
+              <a:rPr lang="en-US" altLang="zh-CN" i="1" dirty="0" smtClean="0">
+                <a:latin typeface="Times New Roman" panose="02020603050405020304" pitchFamily="18" charset="0"/>
+                <a:ea typeface="Cambria Math"/>
+                <a:cs typeface="Times New Roman" panose="02020603050405020304" pitchFamily="18" charset="0"/>
+              </a:rPr>
+              <a:t>digits </a:t>
+            </a:r>
+            <a:r>
+              <a:rPr lang="en-US" altLang="zh-CN" i="1" dirty="0" err="1" smtClean="0">
+                <a:latin typeface="Times New Roman" panose="02020603050405020304" pitchFamily="18" charset="0"/>
+                <a:ea typeface="Cambria Math"/>
+                <a:cs typeface="Times New Roman" panose="02020603050405020304" pitchFamily="18" charset="0"/>
+              </a:rPr>
+              <a:t>optionalFraction</a:t>
+            </a:r>
+            <a:r>
+              <a:rPr lang="en-US" altLang="zh-CN" i="1" dirty="0" smtClean="0">
+                <a:latin typeface="Times New Roman" panose="02020603050405020304" pitchFamily="18" charset="0"/>
+                <a:ea typeface="Cambria Math"/>
+                <a:cs typeface="Times New Roman" panose="02020603050405020304" pitchFamily="18" charset="0"/>
+              </a:rPr>
+              <a:t> </a:t>
+            </a:r>
+            <a:r>
+              <a:rPr lang="en-US" altLang="zh-CN" i="1" dirty="0" err="1" smtClean="0">
+                <a:latin typeface="Times New Roman" panose="02020603050405020304" pitchFamily="18" charset="0"/>
+                <a:ea typeface="Cambria Math"/>
+                <a:cs typeface="Times New Roman" panose="02020603050405020304" pitchFamily="18" charset="0"/>
+              </a:rPr>
+              <a:t>optionalExponent</a:t>
+            </a:r>
+            <a:endParaRPr lang="en-US" altLang="zh-CN" i="1" dirty="0" smtClean="0">
+              <a:latin typeface="Times New Roman" panose="02020603050405020304" pitchFamily="18" charset="0"/>
+              <a:ea typeface="Cambria Math"/>
+              <a:cs typeface="Times New Roman" panose="02020603050405020304" pitchFamily="18" charset="0"/>
+            </a:endParaRPr>
+          </a:p>
+        </p:txBody>
+      </p:sp>
+    </p:spTree>
+    <p:extLst>
+      <p:ext uri="{BB962C8B-B14F-4D97-AF65-F5344CB8AC3E}">
+        <p14:creationId xmlns:p14="http://schemas.microsoft.com/office/powerpoint/2010/main" val="1448094458"/>
+      </p:ext>
+    </p:extLst>
+  </p:cSld>
+  <p:clrMapOvr>
+    <a:masterClrMapping/>
+  </p:clrMapOvr>
+  <mc:AlternateContent xmlns:mc="http://schemas.openxmlformats.org/markup-compatibility/2006" xmlns:p14="http://schemas.microsoft.com/office/powerpoint/2010/main">
+    <mc:Choice Requires="p14">
+      <p:transition spd="med" p14:dur="700">
+        <p:fade/>
+      </p:transition>
+    </mc:Choice>
+    <mc:Fallback xmlns="">
+      <p:transition spd="med">
+        <p:fade/>
+      </p:transition>
+    </mc:Fallback>
+  </mc:AlternateContent>
+</p:sld>
+</file>
+
+<file path=ppt/slides/slide19.xml><?xml version="1.0" encoding="utf-8"?>
+<p:sld xmlns:a="http://schemas.openxmlformats.org/drawingml/2006/main" xmlns:r="http://schemas.openxmlformats.org/officeDocument/2006/relationships" xmlns:p="http://schemas.openxmlformats.org/presentationml/2006/main">
+  <p:cSld>
+    <p:spTree>
+      <p:nvGrpSpPr>
+        <p:cNvPr id="1" name=""/>
+        <p:cNvGrpSpPr/>
+        <p:nvPr/>
+      </p:nvGrpSpPr>
+      <p:grpSpPr>
+        <a:xfrm>
+          <a:off x="0" y="0"/>
+          <a:ext cx="0" cy="0"/>
+          <a:chOff x="0" y="0"/>
+          <a:chExt cx="0" cy="0"/>
+        </a:xfrm>
+      </p:grpSpPr>
+      <p:sp>
+        <p:nvSpPr>
+          <p:cNvPr id="2" name="标题 1"/>
+          <p:cNvSpPr>
+            <a:spLocks noGrp="1"/>
+          </p:cNvSpPr>
+          <p:nvPr>
+            <p:ph type="title"/>
+          </p:nvPr>
+        </p:nvSpPr>
+        <p:spPr/>
+        <p:txBody>
+          <a:bodyPr/>
+          <a:lstStyle/>
+          <a:p>
+            <a:r>
+              <a:rPr lang="en-US" altLang="zh-CN" dirty="0"/>
+              <a:t>3.2 Regular Expression, Regular Set </a:t>
+            </a:r>
+            <a:r>
+              <a:rPr lang="en-US" altLang="zh-CN" dirty="0" smtClean="0"/>
+              <a:t>– Extensions for </a:t>
+            </a:r>
+            <a:r>
+              <a:rPr lang="en-US" altLang="zh-CN" sz="2400" dirty="0" smtClean="0"/>
+              <a:t>Regular Definition</a:t>
+            </a:r>
+            <a:endParaRPr lang="zh-CN" altLang="en-US" dirty="0"/>
+          </a:p>
+        </p:txBody>
+      </p:sp>
+      <p:sp>
+        <p:nvSpPr>
+          <p:cNvPr id="4" name="内容占位符 4"/>
+          <p:cNvSpPr>
+            <a:spLocks noGrp="1"/>
+          </p:cNvSpPr>
+          <p:nvPr>
+            <p:ph idx="1"/>
+          </p:nvPr>
+        </p:nvSpPr>
+        <p:spPr>
+          <a:xfrm>
+            <a:off x="828675" y="1600200"/>
+            <a:ext cx="7486650" cy="4572000"/>
+          </a:xfrm>
+        </p:spPr>
+        <p:txBody>
+          <a:bodyPr/>
+          <a:lstStyle/>
+          <a:p>
+            <a:r>
+              <a:rPr lang="en-US" altLang="zh-CN" sz="2400" dirty="0" smtClean="0"/>
+              <a:t>One or more instance</a:t>
+            </a:r>
+            <a:r>
+              <a:rPr lang="zh-CN" altLang="en-US" sz="2400" dirty="0" smtClean="0"/>
+              <a:t>：</a:t>
+            </a:r>
+            <a:r>
+              <a:rPr lang="en-US" altLang="zh-CN" sz="2400" dirty="0" smtClean="0"/>
+              <a:t>+</a:t>
+            </a:r>
+          </a:p>
+          <a:p>
+            <a:pPr lvl="1"/>
+            <a:r>
+              <a:rPr lang="en-US" altLang="zh-CN" sz="2000" i="1" dirty="0" smtClean="0">
+                <a:latin typeface="Times New Roman" panose="02020603050405020304" pitchFamily="18" charset="0"/>
+                <a:cs typeface="Times New Roman" panose="02020603050405020304" pitchFamily="18" charset="0"/>
+              </a:rPr>
+              <a:t>r+ = </a:t>
+            </a:r>
+            <a:r>
+              <a:rPr lang="en-US" altLang="zh-CN" sz="2000" i="1" dirty="0" err="1" smtClean="0">
+                <a:latin typeface="Times New Roman" panose="02020603050405020304" pitchFamily="18" charset="0"/>
+                <a:cs typeface="Times New Roman" panose="02020603050405020304" pitchFamily="18" charset="0"/>
+              </a:rPr>
+              <a:t>rr</a:t>
+            </a:r>
+            <a:r>
+              <a:rPr lang="en-US" altLang="zh-CN" sz="2000" i="1" dirty="0" smtClean="0">
+                <a:latin typeface="Times New Roman" panose="02020603050405020304" pitchFamily="18" charset="0"/>
+                <a:cs typeface="Times New Roman" panose="02020603050405020304" pitchFamily="18" charset="0"/>
+              </a:rPr>
+              <a:t>*</a:t>
+            </a:r>
+          </a:p>
+          <a:p>
+            <a:pPr lvl="1"/>
+            <a:r>
+              <a:rPr lang="en-US" altLang="zh-CN" sz="2000" i="1" dirty="0">
+                <a:latin typeface="Times New Roman" panose="02020603050405020304" pitchFamily="18" charset="0"/>
+                <a:cs typeface="Times New Roman" panose="02020603050405020304" pitchFamily="18" charset="0"/>
+              </a:rPr>
+              <a:t>r</a:t>
+            </a:r>
+            <a:r>
+              <a:rPr lang="en-US" altLang="zh-CN" sz="2000" i="1" dirty="0" smtClean="0">
+                <a:latin typeface="Times New Roman" panose="02020603050405020304" pitchFamily="18" charset="0"/>
+                <a:cs typeface="Times New Roman" panose="02020603050405020304" pitchFamily="18" charset="0"/>
+              </a:rPr>
+              <a:t>* = r+|</a:t>
+            </a:r>
+            <a:r>
+              <a:rPr lang="el-GR" altLang="zh-CN" sz="2000" dirty="0">
+                <a:latin typeface="Times New Roman" panose="02020603050405020304" pitchFamily="18" charset="0"/>
+                <a:ea typeface="Cambria Math"/>
+                <a:cs typeface="Times New Roman" panose="02020603050405020304" pitchFamily="18" charset="0"/>
+              </a:rPr>
+              <a:t> </a:t>
+            </a:r>
+            <a:r>
+              <a:rPr lang="el-GR" altLang="zh-CN" sz="2000" dirty="0" smtClean="0">
+                <a:latin typeface="Times New Roman" panose="02020603050405020304" pitchFamily="18" charset="0"/>
+                <a:ea typeface="Cambria Math"/>
+                <a:cs typeface="Times New Roman" panose="02020603050405020304" pitchFamily="18" charset="0"/>
+              </a:rPr>
+              <a:t>ε</a:t>
+            </a:r>
+            <a:endParaRPr lang="en-US" altLang="zh-CN" sz="2000" dirty="0" smtClean="0">
+              <a:latin typeface="Times New Roman" panose="02020603050405020304" pitchFamily="18" charset="0"/>
+              <a:ea typeface="Cambria Math"/>
+              <a:cs typeface="Times New Roman" panose="02020603050405020304" pitchFamily="18" charset="0"/>
+            </a:endParaRPr>
+          </a:p>
+          <a:p>
+            <a:r>
+              <a:rPr lang="en-US" altLang="zh-CN" sz="2400" dirty="0" smtClean="0">
+                <a:latin typeface="Times New Roman" panose="02020603050405020304" pitchFamily="18" charset="0"/>
+                <a:cs typeface="Times New Roman" panose="02020603050405020304" pitchFamily="18" charset="0"/>
+              </a:rPr>
+              <a:t>Zero or one instances</a:t>
+            </a:r>
+            <a:r>
+              <a:rPr lang="zh-CN" altLang="en-US" sz="2400" dirty="0" smtClean="0">
+                <a:latin typeface="Times New Roman" panose="02020603050405020304" pitchFamily="18" charset="0"/>
+                <a:cs typeface="Times New Roman" panose="02020603050405020304" pitchFamily="18" charset="0"/>
+              </a:rPr>
+              <a:t>：</a:t>
+            </a:r>
+            <a:r>
+              <a:rPr lang="zh-CN" altLang="en-US" sz="2400" dirty="0" smtClean="0">
+                <a:latin typeface="Times New Roman" panose="02020603050405020304" pitchFamily="18" charset="0"/>
+                <a:cs typeface="Times New Roman" panose="02020603050405020304" pitchFamily="18" charset="0"/>
+              </a:rPr>
+              <a:t>？</a:t>
+            </a:r>
+            <a:endParaRPr lang="en-US" altLang="zh-CN" sz="2400" dirty="0" smtClean="0">
+              <a:latin typeface="Times New Roman" panose="02020603050405020304" pitchFamily="18" charset="0"/>
+              <a:cs typeface="Times New Roman" panose="02020603050405020304" pitchFamily="18" charset="0"/>
+            </a:endParaRPr>
+          </a:p>
+          <a:p>
+            <a:pPr lvl="1"/>
+            <a:r>
+              <a:rPr lang="en-US" altLang="zh-CN" sz="2000" i="1" dirty="0" smtClean="0">
+                <a:latin typeface="Times New Roman" panose="02020603050405020304" pitchFamily="18" charset="0"/>
+                <a:cs typeface="Times New Roman" panose="02020603050405020304" pitchFamily="18" charset="0"/>
+              </a:rPr>
+              <a:t>r? </a:t>
+            </a:r>
+            <a:r>
+              <a:rPr lang="en-US" altLang="zh-CN" sz="2000" i="1" dirty="0">
+                <a:latin typeface="Times New Roman" panose="02020603050405020304" pitchFamily="18" charset="0"/>
+                <a:cs typeface="Times New Roman" panose="02020603050405020304" pitchFamily="18" charset="0"/>
+              </a:rPr>
+              <a:t>= </a:t>
+            </a:r>
+            <a:r>
+              <a:rPr lang="en-US" altLang="zh-CN" sz="2000" i="1" dirty="0" smtClean="0">
+                <a:latin typeface="Times New Roman" panose="02020603050405020304" pitchFamily="18" charset="0"/>
+                <a:cs typeface="Times New Roman" panose="02020603050405020304" pitchFamily="18" charset="0"/>
+              </a:rPr>
+              <a:t>r | </a:t>
+            </a:r>
+            <a:r>
+              <a:rPr lang="el-GR" altLang="zh-CN" sz="2000" dirty="0" smtClean="0">
+                <a:latin typeface="Times New Roman" panose="02020603050405020304" pitchFamily="18" charset="0"/>
+                <a:ea typeface="Cambria Math"/>
+                <a:cs typeface="Times New Roman" panose="02020603050405020304" pitchFamily="18" charset="0"/>
+              </a:rPr>
+              <a:t>ε</a:t>
+            </a:r>
+            <a:endParaRPr lang="en-US" altLang="zh-CN" sz="2000" i="1" dirty="0" smtClean="0">
+              <a:latin typeface="Times New Roman" panose="02020603050405020304" pitchFamily="18" charset="0"/>
+              <a:cs typeface="Times New Roman" panose="02020603050405020304" pitchFamily="18" charset="0"/>
+            </a:endParaRPr>
+          </a:p>
+          <a:p>
+            <a:r>
+              <a:rPr lang="en-US" altLang="zh-CN" sz="2400" dirty="0" smtClean="0">
+                <a:latin typeface="Times New Roman" panose="02020603050405020304" pitchFamily="18" charset="0"/>
+                <a:ea typeface="Cambria Math"/>
+                <a:cs typeface="Times New Roman" panose="02020603050405020304" pitchFamily="18" charset="0"/>
+              </a:rPr>
+              <a:t>Character class</a:t>
+            </a:r>
+            <a:endParaRPr lang="en-US" altLang="zh-CN" sz="2400" dirty="0" smtClean="0">
+              <a:latin typeface="Times New Roman" panose="02020603050405020304" pitchFamily="18" charset="0"/>
+              <a:ea typeface="Cambria Math"/>
+              <a:cs typeface="Times New Roman" panose="02020603050405020304" pitchFamily="18" charset="0"/>
+            </a:endParaRPr>
+          </a:p>
+          <a:p>
+            <a:pPr lvl="1"/>
+            <a:r>
+              <a:rPr lang="en-US" altLang="zh-CN" sz="2000" dirty="0" smtClean="0">
+                <a:latin typeface="Times New Roman" panose="02020603050405020304" pitchFamily="18" charset="0"/>
+                <a:ea typeface="Cambria Math"/>
+                <a:cs typeface="Times New Roman" panose="02020603050405020304" pitchFamily="18" charset="0"/>
+              </a:rPr>
+              <a:t>[</a:t>
+            </a:r>
+            <a:r>
+              <a:rPr lang="en-US" altLang="zh-CN" sz="2000" dirty="0" smtClean="0">
+                <a:latin typeface="Courier" pitchFamily="49" charset="0"/>
+                <a:ea typeface="Cambria Math"/>
+                <a:cs typeface="Times New Roman" panose="02020603050405020304" pitchFamily="18" charset="0"/>
+              </a:rPr>
+              <a:t>a</a:t>
+            </a:r>
+            <a:r>
+              <a:rPr lang="en-US" altLang="zh-CN" sz="2000" baseline="-25000" dirty="0" smtClean="0">
+                <a:latin typeface="Courier" pitchFamily="49" charset="0"/>
+                <a:ea typeface="Cambria Math"/>
+                <a:cs typeface="Times New Roman" panose="02020603050405020304" pitchFamily="18" charset="0"/>
+              </a:rPr>
+              <a:t>1</a:t>
+            </a:r>
+            <a:r>
+              <a:rPr lang="en-US" altLang="zh-CN" sz="2000" dirty="0">
+                <a:latin typeface="Courier" pitchFamily="49" charset="0"/>
+                <a:ea typeface="Cambria Math"/>
+                <a:cs typeface="Times New Roman" panose="02020603050405020304" pitchFamily="18" charset="0"/>
+              </a:rPr>
+              <a:t> </a:t>
+            </a:r>
+            <a:r>
+              <a:rPr lang="en-US" altLang="zh-CN" sz="2000" dirty="0" smtClean="0">
+                <a:latin typeface="Courier" pitchFamily="49" charset="0"/>
+                <a:ea typeface="Cambria Math"/>
+                <a:cs typeface="Times New Roman" panose="02020603050405020304" pitchFamily="18" charset="0"/>
+              </a:rPr>
+              <a:t>a</a:t>
+            </a:r>
+            <a:r>
+              <a:rPr lang="en-US" altLang="zh-CN" sz="2000" baseline="-25000" dirty="0" smtClean="0">
+                <a:latin typeface="Courier" pitchFamily="49" charset="0"/>
+                <a:ea typeface="Cambria Math"/>
+                <a:cs typeface="Times New Roman" panose="02020603050405020304" pitchFamily="18" charset="0"/>
+              </a:rPr>
+              <a:t>2</a:t>
+            </a:r>
+            <a:r>
+              <a:rPr lang="en-US" altLang="zh-CN" sz="2000" dirty="0" smtClean="0">
+                <a:latin typeface="Courier" pitchFamily="49" charset="0"/>
+                <a:ea typeface="Cambria Math"/>
+                <a:cs typeface="Times New Roman" panose="02020603050405020304" pitchFamily="18" charset="0"/>
+              </a:rPr>
+              <a:t> a</a:t>
+            </a:r>
+            <a:r>
+              <a:rPr lang="en-US" altLang="zh-CN" sz="2000" baseline="-25000" dirty="0" smtClean="0">
+                <a:latin typeface="Courier" pitchFamily="49" charset="0"/>
+                <a:ea typeface="Cambria Math"/>
+                <a:cs typeface="Times New Roman" panose="02020603050405020304" pitchFamily="18" charset="0"/>
+              </a:rPr>
+              <a:t>3...</a:t>
+            </a:r>
+            <a:r>
+              <a:rPr lang="en-US" altLang="zh-CN" sz="2000" dirty="0" smtClean="0">
+                <a:latin typeface="Courier" pitchFamily="49" charset="0"/>
+                <a:ea typeface="Cambria Math"/>
+                <a:cs typeface="Times New Roman" panose="02020603050405020304" pitchFamily="18" charset="0"/>
+              </a:rPr>
+              <a:t> a</a:t>
+            </a:r>
+            <a:r>
+              <a:rPr lang="en-US" altLang="zh-CN" sz="2000" baseline="-25000" dirty="0" smtClean="0">
+                <a:latin typeface="Courier" pitchFamily="49" charset="0"/>
+                <a:ea typeface="Cambria Math"/>
+                <a:cs typeface="Times New Roman" panose="02020603050405020304" pitchFamily="18" charset="0"/>
+              </a:rPr>
+              <a:t>n</a:t>
+            </a:r>
+            <a:r>
+              <a:rPr lang="en-US" altLang="zh-CN" sz="2000" dirty="0" smtClean="0">
+                <a:latin typeface="Times New Roman" panose="02020603050405020304" pitchFamily="18" charset="0"/>
+                <a:ea typeface="Cambria Math"/>
+                <a:cs typeface="Times New Roman" panose="02020603050405020304" pitchFamily="18" charset="0"/>
+              </a:rPr>
+              <a:t>] </a:t>
+            </a:r>
+            <a:r>
+              <a:rPr lang="zh-CN" altLang="en-US" sz="2000" dirty="0">
+                <a:latin typeface="Times New Roman" panose="02020603050405020304" pitchFamily="18" charset="0"/>
+                <a:ea typeface="Cambria Math"/>
+                <a:cs typeface="Times New Roman" panose="02020603050405020304" pitchFamily="18" charset="0"/>
+              </a:rPr>
+              <a:t> </a:t>
+            </a:r>
+            <a:r>
+              <a:rPr lang="en-US" altLang="zh-CN" sz="2000" dirty="0">
+                <a:latin typeface="Times New Roman" panose="02020603050405020304" pitchFamily="18" charset="0"/>
+                <a:ea typeface="Cambria Math"/>
+                <a:cs typeface="Times New Roman" panose="02020603050405020304" pitchFamily="18" charset="0"/>
+              </a:rPr>
+              <a:t>is equivalent to </a:t>
+            </a:r>
+            <a:r>
+              <a:rPr lang="en-US" altLang="zh-CN" sz="2000" dirty="0" smtClean="0">
+                <a:latin typeface="Courier" pitchFamily="49" charset="0"/>
+                <a:ea typeface="Cambria Math"/>
+                <a:cs typeface="Times New Roman" panose="02020603050405020304" pitchFamily="18" charset="0"/>
+              </a:rPr>
+              <a:t>a</a:t>
+            </a:r>
+            <a:r>
+              <a:rPr lang="en-US" altLang="zh-CN" sz="2000" baseline="-25000" dirty="0" smtClean="0">
+                <a:latin typeface="Courier" pitchFamily="49" charset="0"/>
+                <a:ea typeface="Cambria Math"/>
+                <a:cs typeface="Times New Roman" panose="02020603050405020304" pitchFamily="18" charset="0"/>
+              </a:rPr>
+              <a:t>1</a:t>
+            </a:r>
+            <a:r>
+              <a:rPr lang="en-US" altLang="zh-CN" sz="2000" dirty="0" smtClean="0">
+                <a:latin typeface="Courier" pitchFamily="49" charset="0"/>
+                <a:ea typeface="Cambria Math"/>
+                <a:cs typeface="Times New Roman" panose="02020603050405020304" pitchFamily="18" charset="0"/>
+              </a:rPr>
+              <a:t> </a:t>
+            </a:r>
+            <a:r>
+              <a:rPr lang="en-US" altLang="zh-CN" sz="2000" dirty="0" smtClean="0">
+                <a:latin typeface="Courier" pitchFamily="49" charset="0"/>
+                <a:ea typeface="Cambria Math"/>
+                <a:cs typeface="Times New Roman" panose="02020603050405020304" pitchFamily="18" charset="0"/>
+              </a:rPr>
+              <a:t>|a</a:t>
+            </a:r>
+            <a:r>
+              <a:rPr lang="en-US" altLang="zh-CN" sz="2000" baseline="-25000" dirty="0" smtClean="0">
+                <a:latin typeface="Courier" pitchFamily="49" charset="0"/>
+                <a:ea typeface="Cambria Math"/>
+                <a:cs typeface="Times New Roman" panose="02020603050405020304" pitchFamily="18" charset="0"/>
+              </a:rPr>
+              <a:t>2</a:t>
+            </a:r>
+            <a:r>
+              <a:rPr lang="en-US" altLang="zh-CN" sz="2000" dirty="0" smtClean="0">
+                <a:latin typeface="Courier" pitchFamily="49" charset="0"/>
+                <a:ea typeface="Cambria Math"/>
+                <a:cs typeface="Times New Roman" panose="02020603050405020304" pitchFamily="18" charset="0"/>
+              </a:rPr>
+              <a:t>|a</a:t>
+            </a:r>
+            <a:r>
+              <a:rPr lang="en-US" altLang="zh-CN" sz="2000" baseline="-25000" dirty="0" smtClean="0">
+                <a:latin typeface="Courier" pitchFamily="49" charset="0"/>
+                <a:ea typeface="Cambria Math"/>
+                <a:cs typeface="Times New Roman" panose="02020603050405020304" pitchFamily="18" charset="0"/>
+              </a:rPr>
+              <a:t>3</a:t>
+            </a:r>
+            <a:r>
+              <a:rPr lang="en-US" altLang="zh-CN" sz="2000" dirty="0" smtClean="0">
+                <a:latin typeface="Courier" pitchFamily="49" charset="0"/>
+                <a:ea typeface="Cambria Math"/>
+                <a:cs typeface="Times New Roman" panose="02020603050405020304" pitchFamily="18" charset="0"/>
+              </a:rPr>
+              <a:t>|</a:t>
+            </a:r>
+            <a:r>
+              <a:rPr lang="en-US" altLang="zh-CN" sz="2000" baseline="-25000" dirty="0" smtClean="0">
+                <a:latin typeface="Courier" pitchFamily="49" charset="0"/>
+                <a:ea typeface="Cambria Math"/>
+                <a:cs typeface="Times New Roman" panose="02020603050405020304" pitchFamily="18" charset="0"/>
+              </a:rPr>
+              <a:t>...</a:t>
+            </a:r>
+            <a:r>
+              <a:rPr lang="en-US" altLang="zh-CN" sz="2000" dirty="0" smtClean="0">
+                <a:latin typeface="Courier" pitchFamily="49" charset="0"/>
+                <a:ea typeface="Cambria Math"/>
+                <a:cs typeface="Times New Roman" panose="02020603050405020304" pitchFamily="18" charset="0"/>
+              </a:rPr>
+              <a:t> |a</a:t>
+            </a:r>
+            <a:r>
+              <a:rPr lang="en-US" altLang="zh-CN" sz="2000" baseline="-25000" dirty="0" smtClean="0">
+                <a:latin typeface="Courier" pitchFamily="49" charset="0"/>
+                <a:ea typeface="Cambria Math"/>
+                <a:cs typeface="Times New Roman" panose="02020603050405020304" pitchFamily="18" charset="0"/>
+              </a:rPr>
+              <a:t>n</a:t>
+            </a:r>
+            <a:r>
+              <a:rPr lang="en-US" altLang="zh-CN" sz="2000" dirty="0" smtClean="0">
+                <a:latin typeface="Times New Roman" panose="02020603050405020304" pitchFamily="18" charset="0"/>
+                <a:ea typeface="Cambria Math"/>
+                <a:cs typeface="Times New Roman" panose="02020603050405020304" pitchFamily="18" charset="0"/>
+              </a:rPr>
+              <a:t> </a:t>
+            </a:r>
+          </a:p>
+          <a:p>
+            <a:pPr lvl="1"/>
+            <a:r>
+              <a:rPr lang="en-US" altLang="zh-CN" sz="2000" dirty="0">
+                <a:latin typeface="Times New Roman" panose="02020603050405020304" pitchFamily="18" charset="0"/>
+                <a:ea typeface="Cambria Math"/>
+                <a:cs typeface="Times New Roman" panose="02020603050405020304" pitchFamily="18" charset="0"/>
+              </a:rPr>
+              <a:t>[</a:t>
+            </a:r>
+            <a:r>
+              <a:rPr lang="en-US" altLang="zh-CN" sz="2000" dirty="0" smtClean="0">
+                <a:latin typeface="Courier" pitchFamily="49" charset="0"/>
+                <a:ea typeface="Cambria Math"/>
+                <a:cs typeface="Times New Roman" panose="02020603050405020304" pitchFamily="18" charset="0"/>
+              </a:rPr>
+              <a:t>a-z</a:t>
+            </a:r>
+            <a:r>
+              <a:rPr lang="en-US" altLang="zh-CN" sz="2000" dirty="0" smtClean="0">
+                <a:latin typeface="Times New Roman" panose="02020603050405020304" pitchFamily="18" charset="0"/>
+                <a:ea typeface="Cambria Math"/>
+                <a:cs typeface="Times New Roman" panose="02020603050405020304" pitchFamily="18" charset="0"/>
+              </a:rPr>
+              <a:t>] </a:t>
+            </a:r>
+            <a:r>
+              <a:rPr lang="zh-CN" altLang="en-US" sz="2000" dirty="0" smtClean="0">
+                <a:latin typeface="Times New Roman" panose="02020603050405020304" pitchFamily="18" charset="0"/>
+                <a:ea typeface="Cambria Math"/>
+                <a:cs typeface="Times New Roman" panose="02020603050405020304" pitchFamily="18" charset="0"/>
+              </a:rPr>
+              <a:t>  </a:t>
+            </a:r>
+            <a:r>
+              <a:rPr lang="en-US" altLang="zh-CN" sz="2000" dirty="0">
+                <a:latin typeface="Times New Roman" panose="02020603050405020304" pitchFamily="18" charset="0"/>
+                <a:ea typeface="Cambria Math"/>
+                <a:cs typeface="Times New Roman" panose="02020603050405020304" pitchFamily="18" charset="0"/>
+              </a:rPr>
+              <a:t>is equivalent </a:t>
+            </a:r>
+            <a:r>
+              <a:rPr lang="en-US" altLang="zh-CN" sz="2000" dirty="0" smtClean="0">
+                <a:latin typeface="Times New Roman" panose="02020603050405020304" pitchFamily="18" charset="0"/>
+                <a:ea typeface="Cambria Math"/>
+                <a:cs typeface="Times New Roman" panose="02020603050405020304" pitchFamily="18" charset="0"/>
+              </a:rPr>
+              <a:t> to  </a:t>
+            </a:r>
+            <a:r>
+              <a:rPr lang="en-US" altLang="zh-CN" sz="2000" dirty="0" err="1" smtClean="0">
+                <a:latin typeface="Courier" pitchFamily="49" charset="0"/>
+                <a:ea typeface="Cambria Math"/>
+                <a:cs typeface="Times New Roman" panose="02020603050405020304" pitchFamily="18" charset="0"/>
+              </a:rPr>
+              <a:t>a|b|c</a:t>
+            </a:r>
+            <a:r>
+              <a:rPr lang="en-US" altLang="zh-CN" sz="2000" dirty="0" smtClean="0">
+                <a:latin typeface="Courier" pitchFamily="49" charset="0"/>
+                <a:ea typeface="Cambria Math"/>
+                <a:cs typeface="Times New Roman" panose="02020603050405020304" pitchFamily="18" charset="0"/>
+              </a:rPr>
+              <a:t>|</a:t>
+            </a:r>
+            <a:r>
+              <a:rPr lang="en-US" altLang="zh-CN" sz="2000" baseline="-25000" dirty="0" smtClean="0">
+                <a:latin typeface="Courier" pitchFamily="49" charset="0"/>
+                <a:ea typeface="Cambria Math"/>
+                <a:cs typeface="Times New Roman" panose="02020603050405020304" pitchFamily="18" charset="0"/>
+              </a:rPr>
+              <a:t>...</a:t>
+            </a:r>
+            <a:r>
+              <a:rPr lang="en-US" altLang="zh-CN" sz="2000" dirty="0" smtClean="0">
+                <a:latin typeface="Courier" pitchFamily="49" charset="0"/>
+                <a:ea typeface="Cambria Math"/>
+                <a:cs typeface="Times New Roman" panose="02020603050405020304" pitchFamily="18" charset="0"/>
+              </a:rPr>
+              <a:t>|</a:t>
+            </a:r>
+            <a:r>
+              <a:rPr lang="en-US" altLang="zh-CN" sz="2000" dirty="0" smtClean="0">
+                <a:latin typeface="Courier" pitchFamily="49" charset="0"/>
+                <a:ea typeface="Cambria Math"/>
+                <a:cs typeface="Times New Roman" panose="02020603050405020304" pitchFamily="18" charset="0"/>
+              </a:rPr>
+              <a:t>z</a:t>
+            </a:r>
+            <a:endParaRPr lang="en-US" altLang="zh-CN" sz="2000" dirty="0">
+              <a:latin typeface="Times New Roman" panose="02020603050405020304" pitchFamily="18" charset="0"/>
+              <a:ea typeface="Cambria Math"/>
+              <a:cs typeface="Times New Roman" panose="02020603050405020304" pitchFamily="18" charset="0"/>
+            </a:endParaRPr>
+          </a:p>
+        </p:txBody>
+      </p:sp>
+    </p:spTree>
+    <p:extLst>
+      <p:ext uri="{BB962C8B-B14F-4D97-AF65-F5344CB8AC3E}">
+        <p14:creationId xmlns:p14="http://schemas.microsoft.com/office/powerpoint/2010/main" val="1264207972"/>
       </p:ext>
     </p:extLst>
   </p:cSld>
@@ -9957,6 +12719,2732 @@
 </p:sld>
 </file>
 
+<file path=ppt/slides/slide20.xml><?xml version="1.0" encoding="utf-8"?>
+<p:sld xmlns:a="http://schemas.openxmlformats.org/drawingml/2006/main" xmlns:r="http://schemas.openxmlformats.org/officeDocument/2006/relationships" xmlns:p="http://schemas.openxmlformats.org/presentationml/2006/main">
+  <p:cSld>
+    <p:spTree>
+      <p:nvGrpSpPr>
+        <p:cNvPr id="1" name=""/>
+        <p:cNvGrpSpPr/>
+        <p:nvPr/>
+      </p:nvGrpSpPr>
+      <p:grpSpPr>
+        <a:xfrm>
+          <a:off x="0" y="0"/>
+          <a:ext cx="0" cy="0"/>
+          <a:chOff x="0" y="0"/>
+          <a:chExt cx="0" cy="0"/>
+        </a:xfrm>
+      </p:grpSpPr>
+      <p:sp>
+        <p:nvSpPr>
+          <p:cNvPr id="2" name="标题 1"/>
+          <p:cNvSpPr>
+            <a:spLocks noGrp="1"/>
+          </p:cNvSpPr>
+          <p:nvPr>
+            <p:ph type="title"/>
+          </p:nvPr>
+        </p:nvSpPr>
+        <p:spPr/>
+        <p:txBody>
+          <a:bodyPr/>
+          <a:lstStyle/>
+          <a:p>
+            <a:r>
+              <a:rPr lang="en-US" altLang="zh-CN" dirty="0"/>
+              <a:t>3.2 Regular Expression, Regular Set – Extensions for </a:t>
+            </a:r>
+            <a:r>
+              <a:rPr lang="en-US" altLang="zh-CN" sz="2400" dirty="0"/>
+              <a:t>Regular Definition</a:t>
+            </a:r>
+            <a:endParaRPr lang="zh-CN" altLang="en-US" dirty="0"/>
+          </a:p>
+        </p:txBody>
+      </p:sp>
+      <p:sp>
+        <p:nvSpPr>
+          <p:cNvPr id="3" name="内容占位符 2"/>
+          <p:cNvSpPr>
+            <a:spLocks noGrp="1"/>
+          </p:cNvSpPr>
+          <p:nvPr>
+            <p:ph idx="1"/>
+          </p:nvPr>
+        </p:nvSpPr>
+        <p:spPr>
+          <a:xfrm>
+            <a:off x="828675" y="1340428"/>
+            <a:ext cx="7486650" cy="571500"/>
+          </a:xfrm>
+        </p:spPr>
+        <p:txBody>
+          <a:bodyPr>
+            <a:normAutofit/>
+          </a:bodyPr>
+          <a:lstStyle/>
+          <a:p>
+            <a:r>
+              <a:rPr lang="en-US" altLang="zh-CN" sz="1600" dirty="0" smtClean="0"/>
+              <a:t>Some software defines more complicated extensions for regular expression</a:t>
+            </a:r>
+          </a:p>
+        </p:txBody>
+      </p:sp>
+      <p:pic>
+        <p:nvPicPr>
+          <p:cNvPr id="4" name="图片 3"/>
+          <p:cNvPicPr>
+            <a:picLocks noChangeAspect="1"/>
+          </p:cNvPicPr>
+          <p:nvPr/>
+        </p:nvPicPr>
+        <p:blipFill>
+          <a:blip r:embed="rId2">
+            <a:extLst>
+              <a:ext uri="{28A0092B-C50C-407E-A947-70E740481C1C}">
+                <a14:useLocalDpi xmlns:a14="http://schemas.microsoft.com/office/drawing/2010/main" val="0"/>
+              </a:ext>
+            </a:extLst>
+          </a:blip>
+          <a:stretch>
+            <a:fillRect/>
+          </a:stretch>
+        </p:blipFill>
+        <p:spPr>
+          <a:xfrm>
+            <a:off x="1553331" y="1626178"/>
+            <a:ext cx="5758894" cy="5011718"/>
+          </a:xfrm>
+          <a:prstGeom prst="rect">
+            <a:avLst/>
+          </a:prstGeom>
+        </p:spPr>
+      </p:pic>
+    </p:spTree>
+    <p:extLst>
+      <p:ext uri="{BB962C8B-B14F-4D97-AF65-F5344CB8AC3E}">
+        <p14:creationId xmlns:p14="http://schemas.microsoft.com/office/powerpoint/2010/main" val="4237041430"/>
+      </p:ext>
+    </p:extLst>
+  </p:cSld>
+  <p:clrMapOvr>
+    <a:masterClrMapping/>
+  </p:clrMapOvr>
+  <mc:AlternateContent xmlns:mc="http://schemas.openxmlformats.org/markup-compatibility/2006" xmlns:p14="http://schemas.microsoft.com/office/powerpoint/2010/main">
+    <mc:Choice Requires="p14">
+      <p:transition spd="med" p14:dur="700">
+        <p:fade/>
+      </p:transition>
+    </mc:Choice>
+    <mc:Fallback xmlns="">
+      <p:transition spd="med">
+        <p:fade/>
+      </p:transition>
+    </mc:Fallback>
+  </mc:AlternateContent>
+</p:sld>
+</file>
+
+<file path=ppt/slides/slide21.xml><?xml version="1.0" encoding="utf-8"?>
+<p:sld xmlns:a="http://schemas.openxmlformats.org/drawingml/2006/main" xmlns:r="http://schemas.openxmlformats.org/officeDocument/2006/relationships" xmlns:p="http://schemas.openxmlformats.org/presentationml/2006/main">
+  <p:cSld>
+    <p:spTree>
+      <p:nvGrpSpPr>
+        <p:cNvPr id="1" name=""/>
+        <p:cNvGrpSpPr/>
+        <p:nvPr/>
+      </p:nvGrpSpPr>
+      <p:grpSpPr>
+        <a:xfrm>
+          <a:off x="0" y="0"/>
+          <a:ext cx="0" cy="0"/>
+          <a:chOff x="0" y="0"/>
+          <a:chExt cx="0" cy="0"/>
+        </a:xfrm>
+      </p:grpSpPr>
+      <p:sp>
+        <p:nvSpPr>
+          <p:cNvPr id="2" name="标题 1"/>
+          <p:cNvSpPr>
+            <a:spLocks noGrp="1"/>
+          </p:cNvSpPr>
+          <p:nvPr>
+            <p:ph type="title"/>
+          </p:nvPr>
+        </p:nvSpPr>
+        <p:spPr/>
+        <p:txBody>
+          <a:bodyPr/>
+          <a:lstStyle/>
+          <a:p>
+            <a:r>
+              <a:rPr lang="en-US" altLang="zh-CN" dirty="0"/>
+              <a:t>3.2 Regular Expression, Regular Set </a:t>
+            </a:r>
+            <a:r>
+              <a:rPr lang="en-US" altLang="zh-CN" dirty="0" smtClean="0"/>
+              <a:t>– </a:t>
+            </a:r>
+            <a:r>
+              <a:rPr lang="en-US" altLang="zh-CN" sz="2400" dirty="0" smtClean="0"/>
+              <a:t>Regular Grammar</a:t>
+            </a:r>
+            <a:endParaRPr lang="zh-CN" altLang="en-US" dirty="0"/>
+          </a:p>
+        </p:txBody>
+      </p:sp>
+      <p:sp>
+        <p:nvSpPr>
+          <p:cNvPr id="4" name="内容占位符 2"/>
+          <p:cNvSpPr>
+            <a:spLocks noGrp="1"/>
+          </p:cNvSpPr>
+          <p:nvPr>
+            <p:ph idx="1"/>
+          </p:nvPr>
+        </p:nvSpPr>
+        <p:spPr>
+          <a:xfrm>
+            <a:off x="828675" y="1600200"/>
+            <a:ext cx="7486650" cy="2743200"/>
+          </a:xfrm>
+        </p:spPr>
+        <p:txBody>
+          <a:bodyPr>
+            <a:normAutofit lnSpcReduction="10000"/>
+          </a:bodyPr>
+          <a:lstStyle/>
+          <a:p>
+            <a:r>
+              <a:rPr lang="en-US" altLang="zh-CN" sz="2400" dirty="0" smtClean="0"/>
+              <a:t>【</a:t>
+            </a:r>
+            <a:r>
+              <a:rPr lang="en-US" altLang="zh-CN" sz="2400" dirty="0" err="1" smtClean="0"/>
+              <a:t>Review】Chomsky</a:t>
+            </a:r>
+            <a:r>
+              <a:rPr lang="en-US" altLang="zh-CN" sz="2400" dirty="0" smtClean="0"/>
+              <a:t> Type-3 Grammar</a:t>
+            </a:r>
+          </a:p>
+          <a:p>
+            <a:r>
+              <a:rPr lang="zh-CN" altLang="en-US" sz="2400" dirty="0" smtClean="0"/>
+              <a:t> </a:t>
+            </a:r>
+            <a:r>
+              <a:rPr lang="en-US" altLang="zh-CN" sz="2400" dirty="0" smtClean="0">
+                <a:latin typeface="Times New Roman" panose="02020603050405020304" pitchFamily="18" charset="0"/>
+                <a:cs typeface="Times New Roman" panose="02020603050405020304" pitchFamily="18" charset="0"/>
+              </a:rPr>
+              <a:t>G</a:t>
+            </a:r>
+            <a:r>
+              <a:rPr lang="en-US" altLang="zh-CN" sz="2400" dirty="0" smtClean="0">
+                <a:latin typeface="Times New Roman" panose="02020603050405020304" pitchFamily="18" charset="0"/>
+                <a:cs typeface="Times New Roman" panose="02020603050405020304" pitchFamily="18" charset="0"/>
+              </a:rPr>
+              <a:t>=(V</a:t>
+            </a:r>
+            <a:r>
+              <a:rPr lang="en-US" altLang="zh-CN" sz="2400" baseline="-25000" dirty="0" smtClean="0">
+                <a:latin typeface="Times New Roman" panose="02020603050405020304" pitchFamily="18" charset="0"/>
+                <a:cs typeface="Times New Roman" panose="02020603050405020304" pitchFamily="18" charset="0"/>
+              </a:rPr>
+              <a:t>T</a:t>
+            </a:r>
+            <a:r>
+              <a:rPr lang="en-US" altLang="zh-CN" sz="2400" dirty="0" smtClean="0">
+                <a:latin typeface="Times New Roman" panose="02020603050405020304" pitchFamily="18" charset="0"/>
+                <a:cs typeface="Times New Roman" panose="02020603050405020304" pitchFamily="18" charset="0"/>
+              </a:rPr>
+              <a:t>, V</a:t>
+            </a:r>
+            <a:r>
+              <a:rPr lang="en-US" altLang="zh-CN" sz="2400" baseline="-25000" dirty="0" smtClean="0">
+                <a:latin typeface="Times New Roman" panose="02020603050405020304" pitchFamily="18" charset="0"/>
+                <a:cs typeface="Times New Roman" panose="02020603050405020304" pitchFamily="18" charset="0"/>
+              </a:rPr>
+              <a:t>N</a:t>
+            </a:r>
+            <a:r>
+              <a:rPr lang="en-US" altLang="zh-CN" sz="2400" dirty="0" smtClean="0">
+                <a:latin typeface="Times New Roman" panose="02020603050405020304" pitchFamily="18" charset="0"/>
+                <a:cs typeface="Times New Roman" panose="02020603050405020304" pitchFamily="18" charset="0"/>
+              </a:rPr>
+              <a:t>, S, </a:t>
+            </a:r>
+            <a:r>
+              <a:rPr lang="zh-CN" altLang="en-US" sz="2400" dirty="0" smtClean="0">
+                <a:latin typeface="Times New Roman" panose="02020603050405020304" pitchFamily="18" charset="0"/>
+                <a:cs typeface="Times New Roman" panose="02020603050405020304" pitchFamily="18" charset="0"/>
+              </a:rPr>
+              <a:t>𝓟</a:t>
+            </a:r>
+            <a:r>
+              <a:rPr lang="en-US" altLang="zh-CN" sz="2400" dirty="0" smtClean="0">
+                <a:latin typeface="Times New Roman" panose="02020603050405020304" pitchFamily="18" charset="0"/>
+                <a:cs typeface="Times New Roman" panose="02020603050405020304" pitchFamily="18" charset="0"/>
+              </a:rPr>
+              <a:t>), where each production has the form: </a:t>
+            </a:r>
+            <a:r>
+              <a:rPr lang="zh-CN" altLang="en-US" sz="2400" dirty="0" smtClean="0">
+                <a:latin typeface="Times New Roman" panose="02020603050405020304" pitchFamily="18" charset="0"/>
+                <a:cs typeface="Times New Roman" panose="02020603050405020304" pitchFamily="18" charset="0"/>
+              </a:rPr>
+              <a:t>（</a:t>
+            </a:r>
+            <a:r>
+              <a:rPr lang="en-US" altLang="zh-CN" sz="2400" dirty="0" smtClean="0">
+                <a:latin typeface="Times New Roman" panose="02020603050405020304" pitchFamily="18" charset="0"/>
+                <a:cs typeface="Times New Roman" panose="02020603050405020304" pitchFamily="18" charset="0"/>
+              </a:rPr>
+              <a:t>1</a:t>
+            </a:r>
+            <a:r>
+              <a:rPr lang="zh-CN" altLang="en-US" sz="2400" dirty="0" smtClean="0">
+                <a:latin typeface="Times New Roman" panose="02020603050405020304" pitchFamily="18" charset="0"/>
+                <a:cs typeface="Times New Roman" panose="02020603050405020304" pitchFamily="18" charset="0"/>
+              </a:rPr>
+              <a:t>）</a:t>
+            </a:r>
+            <a:r>
+              <a:rPr lang="en-US" altLang="zh-CN" sz="2400" dirty="0" smtClean="0">
+                <a:latin typeface="Times New Roman" panose="02020603050405020304" pitchFamily="18" charset="0"/>
+                <a:cs typeface="Times New Roman" panose="02020603050405020304" pitchFamily="18" charset="0"/>
+              </a:rPr>
+              <a:t>A</a:t>
+            </a:r>
+            <a:r>
+              <a:rPr lang="en-US" altLang="zh-CN" sz="2400" i="1" dirty="0" smtClean="0">
+                <a:latin typeface="Times New Roman" panose="02020603050405020304" pitchFamily="18" charset="0"/>
+                <a:ea typeface="Cambria Math"/>
+                <a:cs typeface="Times New Roman" panose="02020603050405020304" pitchFamily="18" charset="0"/>
+              </a:rPr>
+              <a:t> → </a:t>
+            </a:r>
+            <a:r>
+              <a:rPr lang="el-GR" altLang="zh-CN" sz="2400" dirty="0" smtClean="0">
+                <a:latin typeface="Times New Roman" panose="02020603050405020304" pitchFamily="18" charset="0"/>
+                <a:ea typeface="宋体"/>
+                <a:cs typeface="Times New Roman" panose="02020603050405020304" pitchFamily="18" charset="0"/>
+              </a:rPr>
+              <a:t>α</a:t>
+            </a:r>
+            <a:r>
+              <a:rPr lang="en-US" altLang="zh-CN" sz="2400" dirty="0" smtClean="0">
+                <a:latin typeface="Times New Roman" panose="02020603050405020304" pitchFamily="18" charset="0"/>
+                <a:ea typeface="宋体"/>
+                <a:cs typeface="Times New Roman" panose="02020603050405020304" pitchFamily="18" charset="0"/>
+              </a:rPr>
+              <a:t>B|</a:t>
+            </a:r>
+            <a:r>
+              <a:rPr lang="el-GR" altLang="zh-CN" sz="2400" dirty="0">
+                <a:latin typeface="Times New Roman" panose="02020603050405020304" pitchFamily="18" charset="0"/>
+                <a:ea typeface="宋体"/>
+                <a:cs typeface="Times New Roman" panose="02020603050405020304" pitchFamily="18" charset="0"/>
+              </a:rPr>
+              <a:t> </a:t>
+            </a:r>
+            <a:r>
+              <a:rPr lang="el-GR" altLang="zh-CN" sz="2400" dirty="0" smtClean="0">
+                <a:latin typeface="Times New Roman" panose="02020603050405020304" pitchFamily="18" charset="0"/>
+                <a:ea typeface="宋体"/>
+                <a:cs typeface="Times New Roman" panose="02020603050405020304" pitchFamily="18" charset="0"/>
+              </a:rPr>
+              <a:t>α</a:t>
+            </a:r>
+            <a:r>
+              <a:rPr lang="zh-CN" altLang="en-US" sz="2400" dirty="0" smtClean="0">
+                <a:latin typeface="Times New Roman" panose="02020603050405020304" pitchFamily="18" charset="0"/>
+                <a:ea typeface="宋体"/>
+                <a:cs typeface="Times New Roman" panose="02020603050405020304" pitchFamily="18" charset="0"/>
+              </a:rPr>
+              <a:t>，</a:t>
+            </a:r>
+            <a:r>
+              <a:rPr lang="en-US" altLang="zh-CN" sz="2400" dirty="0" smtClean="0">
+                <a:latin typeface="Times New Roman" panose="02020603050405020304" pitchFamily="18" charset="0"/>
+                <a:ea typeface="宋体"/>
+                <a:cs typeface="Times New Roman" panose="02020603050405020304" pitchFamily="18" charset="0"/>
+              </a:rPr>
+              <a:t>where </a:t>
+            </a:r>
+            <a:r>
+              <a:rPr lang="el-GR" altLang="zh-CN" sz="2400" dirty="0" smtClean="0">
+                <a:latin typeface="Times New Roman" panose="02020603050405020304" pitchFamily="18" charset="0"/>
+                <a:ea typeface="宋体"/>
+                <a:cs typeface="Times New Roman" panose="02020603050405020304" pitchFamily="18" charset="0"/>
+              </a:rPr>
+              <a:t>α</a:t>
+            </a:r>
+            <a:r>
+              <a:rPr lang="el-GR" altLang="zh-CN" sz="2400" dirty="0" smtClean="0">
+                <a:latin typeface="Cambria Math"/>
+                <a:ea typeface="Cambria Math"/>
+                <a:cs typeface="Times New Roman" panose="02020603050405020304" pitchFamily="18" charset="0"/>
+              </a:rPr>
+              <a:t>∊</a:t>
+            </a:r>
+            <a:r>
+              <a:rPr lang="en-US" altLang="zh-CN" sz="2400" dirty="0">
+                <a:latin typeface="Times New Roman" panose="02020603050405020304" pitchFamily="18" charset="0"/>
+                <a:cs typeface="Times New Roman" panose="02020603050405020304" pitchFamily="18" charset="0"/>
+              </a:rPr>
+              <a:t> </a:t>
+            </a:r>
+            <a:r>
+              <a:rPr lang="en-US" altLang="zh-CN" sz="2400" dirty="0" smtClean="0">
+                <a:latin typeface="Times New Roman" panose="02020603050405020304" pitchFamily="18" charset="0"/>
+                <a:cs typeface="Times New Roman" panose="02020603050405020304" pitchFamily="18" charset="0"/>
+              </a:rPr>
+              <a:t>V</a:t>
+            </a:r>
+            <a:r>
+              <a:rPr lang="en-US" altLang="zh-CN" sz="2400" baseline="-25000" dirty="0" smtClean="0">
+                <a:latin typeface="Times New Roman" panose="02020603050405020304" pitchFamily="18" charset="0"/>
+                <a:cs typeface="Times New Roman" panose="02020603050405020304" pitchFamily="18" charset="0"/>
+              </a:rPr>
+              <a:t>T</a:t>
+            </a:r>
+            <a:r>
+              <a:rPr lang="zh-CN" altLang="en-US" sz="2400" dirty="0" smtClean="0">
+                <a:latin typeface="Times New Roman" panose="02020603050405020304" pitchFamily="18" charset="0"/>
+                <a:cs typeface="Times New Roman" panose="02020603050405020304" pitchFamily="18" charset="0"/>
+              </a:rPr>
+              <a:t>*，</a:t>
+            </a:r>
+            <a:r>
+              <a:rPr lang="en-US" altLang="zh-CN" sz="2400" dirty="0">
+                <a:latin typeface="Times New Roman" panose="02020603050405020304" pitchFamily="18" charset="0"/>
+                <a:ea typeface="宋体"/>
+                <a:cs typeface="Times New Roman" panose="02020603050405020304" pitchFamily="18" charset="0"/>
+              </a:rPr>
+              <a:t> </a:t>
+            </a:r>
+            <a:r>
+              <a:rPr lang="en-US" altLang="zh-CN" sz="2400" dirty="0" smtClean="0">
+                <a:latin typeface="Times New Roman" panose="02020603050405020304" pitchFamily="18" charset="0"/>
+                <a:ea typeface="宋体"/>
+                <a:cs typeface="Times New Roman" panose="02020603050405020304" pitchFamily="18" charset="0"/>
+              </a:rPr>
+              <a:t>B</a:t>
+            </a:r>
+            <a:r>
+              <a:rPr lang="el-GR" altLang="zh-CN" sz="2400" dirty="0">
+                <a:latin typeface="Cambria Math"/>
+                <a:ea typeface="Cambria Math"/>
+                <a:cs typeface="Times New Roman" panose="02020603050405020304" pitchFamily="18" charset="0"/>
+              </a:rPr>
+              <a:t> ∊</a:t>
+            </a:r>
+            <a:r>
+              <a:rPr lang="en-US" altLang="zh-CN" sz="2400" dirty="0">
+                <a:latin typeface="Times New Roman" panose="02020603050405020304" pitchFamily="18" charset="0"/>
+                <a:cs typeface="Times New Roman" panose="02020603050405020304" pitchFamily="18" charset="0"/>
+              </a:rPr>
+              <a:t> </a:t>
+            </a:r>
+            <a:r>
+              <a:rPr lang="en-US" altLang="zh-CN" sz="2400" dirty="0" smtClean="0">
+                <a:latin typeface="Times New Roman" panose="02020603050405020304" pitchFamily="18" charset="0"/>
+                <a:cs typeface="Times New Roman" panose="02020603050405020304" pitchFamily="18" charset="0"/>
+              </a:rPr>
+              <a:t>V</a:t>
+            </a:r>
+            <a:r>
+              <a:rPr lang="en-US" altLang="zh-CN" sz="2400" baseline="-25000" dirty="0" smtClean="0">
+                <a:latin typeface="Times New Roman" panose="02020603050405020304" pitchFamily="18" charset="0"/>
+                <a:cs typeface="Times New Roman" panose="02020603050405020304" pitchFamily="18" charset="0"/>
+              </a:rPr>
+              <a:t>N</a:t>
+            </a:r>
+            <a:r>
+              <a:rPr lang="zh-CN" altLang="en-US" sz="2400" dirty="0" smtClean="0">
+                <a:latin typeface="Times New Roman" panose="02020603050405020304" pitchFamily="18" charset="0"/>
+                <a:cs typeface="Times New Roman" panose="02020603050405020304" pitchFamily="18" charset="0"/>
+              </a:rPr>
+              <a:t>（</a:t>
+            </a:r>
+            <a:r>
+              <a:rPr lang="en-US" altLang="zh-CN" sz="2400" dirty="0" smtClean="0">
+                <a:latin typeface="Times New Roman" panose="02020603050405020304" pitchFamily="18" charset="0"/>
+                <a:cs typeface="Times New Roman" panose="02020603050405020304" pitchFamily="18" charset="0"/>
+              </a:rPr>
+              <a:t>right linear grammar</a:t>
+            </a:r>
+            <a:r>
+              <a:rPr lang="zh-CN" altLang="en-US" sz="2400" dirty="0" smtClean="0">
+                <a:latin typeface="Times New Roman" panose="02020603050405020304" pitchFamily="18" charset="0"/>
+                <a:cs typeface="Times New Roman" panose="02020603050405020304" pitchFamily="18" charset="0"/>
+              </a:rPr>
+              <a:t>）</a:t>
+            </a:r>
+            <a:endParaRPr lang="en-US" altLang="zh-CN" sz="2400" baseline="-25000" dirty="0" smtClean="0">
+              <a:latin typeface="Times New Roman" panose="02020603050405020304" pitchFamily="18" charset="0"/>
+              <a:cs typeface="Times New Roman" panose="02020603050405020304" pitchFamily="18" charset="0"/>
+            </a:endParaRPr>
+          </a:p>
+          <a:p>
+            <a:pPr marL="0" indent="0">
+              <a:buNone/>
+            </a:pPr>
+            <a:r>
+              <a:rPr lang="en-US" altLang="zh-CN" sz="2400" dirty="0" smtClean="0">
+                <a:latin typeface="Times New Roman" panose="02020603050405020304" pitchFamily="18" charset="0"/>
+                <a:cs typeface="Times New Roman" panose="02020603050405020304" pitchFamily="18" charset="0"/>
+              </a:rPr>
+              <a:t>Or</a:t>
+            </a:r>
+            <a:r>
+              <a:rPr lang="zh-CN" altLang="en-US" sz="2400" dirty="0" smtClean="0">
+                <a:latin typeface="Times New Roman" panose="02020603050405020304" pitchFamily="18" charset="0"/>
+                <a:cs typeface="Times New Roman" panose="02020603050405020304" pitchFamily="18" charset="0"/>
+              </a:rPr>
+              <a:t>，</a:t>
+            </a:r>
+            <a:endParaRPr lang="en-US" altLang="zh-CN" sz="2400" dirty="0" smtClean="0">
+              <a:latin typeface="Times New Roman" panose="02020603050405020304" pitchFamily="18" charset="0"/>
+              <a:cs typeface="Times New Roman" panose="02020603050405020304" pitchFamily="18" charset="0"/>
+            </a:endParaRPr>
+          </a:p>
+          <a:p>
+            <a:pPr marL="0" indent="0">
+              <a:buNone/>
+            </a:pPr>
+            <a:r>
+              <a:rPr lang="zh-CN" altLang="en-US" sz="2400" dirty="0" smtClean="0">
+                <a:latin typeface="Times New Roman" panose="02020603050405020304" pitchFamily="18" charset="0"/>
+                <a:cs typeface="Times New Roman" panose="02020603050405020304" pitchFamily="18" charset="0"/>
+              </a:rPr>
+              <a:t>（</a:t>
+            </a:r>
+            <a:r>
+              <a:rPr lang="en-US" altLang="zh-CN" sz="2400" dirty="0" smtClean="0">
+                <a:latin typeface="Times New Roman" panose="02020603050405020304" pitchFamily="18" charset="0"/>
+                <a:cs typeface="Times New Roman" panose="02020603050405020304" pitchFamily="18" charset="0"/>
+              </a:rPr>
+              <a:t>2</a:t>
+            </a:r>
+            <a:r>
+              <a:rPr lang="zh-CN" altLang="en-US" sz="2400" dirty="0" smtClean="0">
+                <a:latin typeface="Times New Roman" panose="02020603050405020304" pitchFamily="18" charset="0"/>
+                <a:cs typeface="Times New Roman" panose="02020603050405020304" pitchFamily="18" charset="0"/>
+              </a:rPr>
+              <a:t>）</a:t>
+            </a:r>
+            <a:r>
+              <a:rPr lang="en-US" altLang="zh-CN" sz="2400" dirty="0">
+                <a:latin typeface="Times New Roman" panose="02020603050405020304" pitchFamily="18" charset="0"/>
+                <a:cs typeface="Times New Roman" panose="02020603050405020304" pitchFamily="18" charset="0"/>
+              </a:rPr>
+              <a:t>A</a:t>
+            </a:r>
+            <a:r>
+              <a:rPr lang="en-US" altLang="zh-CN" sz="2400" i="1" dirty="0">
+                <a:latin typeface="Times New Roman" panose="02020603050405020304" pitchFamily="18" charset="0"/>
+                <a:ea typeface="Cambria Math"/>
+                <a:cs typeface="Times New Roman" panose="02020603050405020304" pitchFamily="18" charset="0"/>
+              </a:rPr>
+              <a:t> → </a:t>
+            </a:r>
+            <a:r>
+              <a:rPr lang="en-US" altLang="zh-CN" sz="2400" dirty="0" smtClean="0">
+                <a:latin typeface="Times New Roman" panose="02020603050405020304" pitchFamily="18" charset="0"/>
+                <a:ea typeface="宋体"/>
+                <a:cs typeface="Times New Roman" panose="02020603050405020304" pitchFamily="18" charset="0"/>
+              </a:rPr>
+              <a:t>B</a:t>
+            </a:r>
+            <a:r>
+              <a:rPr lang="el-GR" altLang="zh-CN" sz="2400" dirty="0">
+                <a:latin typeface="Times New Roman" panose="02020603050405020304" pitchFamily="18" charset="0"/>
+                <a:ea typeface="宋体"/>
+                <a:cs typeface="Times New Roman" panose="02020603050405020304" pitchFamily="18" charset="0"/>
+              </a:rPr>
+              <a:t>α</a:t>
+            </a:r>
+            <a:r>
+              <a:rPr lang="en-US" altLang="zh-CN" sz="2400" dirty="0" smtClean="0">
+                <a:latin typeface="Times New Roman" panose="02020603050405020304" pitchFamily="18" charset="0"/>
+                <a:ea typeface="宋体"/>
+                <a:cs typeface="Times New Roman" panose="02020603050405020304" pitchFamily="18" charset="0"/>
+              </a:rPr>
+              <a:t>|</a:t>
+            </a:r>
+            <a:r>
+              <a:rPr lang="el-GR" altLang="zh-CN" sz="2400" dirty="0" smtClean="0">
+                <a:latin typeface="Times New Roman" panose="02020603050405020304" pitchFamily="18" charset="0"/>
+                <a:ea typeface="宋体"/>
+                <a:cs typeface="Times New Roman" panose="02020603050405020304" pitchFamily="18" charset="0"/>
+              </a:rPr>
+              <a:t> </a:t>
+            </a:r>
+            <a:r>
+              <a:rPr lang="el-GR" altLang="zh-CN" sz="2400" dirty="0">
+                <a:latin typeface="Times New Roman" panose="02020603050405020304" pitchFamily="18" charset="0"/>
+                <a:ea typeface="宋体"/>
+                <a:cs typeface="Times New Roman" panose="02020603050405020304" pitchFamily="18" charset="0"/>
+              </a:rPr>
+              <a:t>α</a:t>
+            </a:r>
+            <a:r>
+              <a:rPr lang="zh-CN" altLang="en-US" sz="2400" dirty="0" smtClean="0">
+                <a:latin typeface="Times New Roman" panose="02020603050405020304" pitchFamily="18" charset="0"/>
+                <a:ea typeface="宋体"/>
+                <a:cs typeface="Times New Roman" panose="02020603050405020304" pitchFamily="18" charset="0"/>
+              </a:rPr>
+              <a:t>，</a:t>
+            </a:r>
+            <a:r>
+              <a:rPr lang="en-US" altLang="zh-CN" sz="2400" dirty="0" smtClean="0">
+                <a:latin typeface="Times New Roman" panose="02020603050405020304" pitchFamily="18" charset="0"/>
+                <a:ea typeface="宋体"/>
+                <a:cs typeface="Times New Roman" panose="02020603050405020304" pitchFamily="18" charset="0"/>
+              </a:rPr>
+              <a:t>where </a:t>
+            </a:r>
+            <a:r>
+              <a:rPr lang="el-GR" altLang="zh-CN" sz="2400" dirty="0" smtClean="0">
+                <a:latin typeface="Times New Roman" panose="02020603050405020304" pitchFamily="18" charset="0"/>
+                <a:ea typeface="宋体"/>
+                <a:cs typeface="Times New Roman" panose="02020603050405020304" pitchFamily="18" charset="0"/>
+              </a:rPr>
+              <a:t>α</a:t>
+            </a:r>
+            <a:r>
+              <a:rPr lang="el-GR" altLang="zh-CN" sz="2400" dirty="0">
+                <a:latin typeface="Cambria Math"/>
+                <a:ea typeface="Cambria Math"/>
+                <a:cs typeface="Times New Roman" panose="02020603050405020304" pitchFamily="18" charset="0"/>
+              </a:rPr>
+              <a:t>∊</a:t>
+            </a:r>
+            <a:r>
+              <a:rPr lang="en-US" altLang="zh-CN" sz="2400" dirty="0">
+                <a:latin typeface="Times New Roman" panose="02020603050405020304" pitchFamily="18" charset="0"/>
+                <a:cs typeface="Times New Roman" panose="02020603050405020304" pitchFamily="18" charset="0"/>
+              </a:rPr>
+              <a:t> V</a:t>
+            </a:r>
+            <a:r>
+              <a:rPr lang="en-US" altLang="zh-CN" sz="2400" baseline="-25000" dirty="0">
+                <a:latin typeface="Times New Roman" panose="02020603050405020304" pitchFamily="18" charset="0"/>
+                <a:cs typeface="Times New Roman" panose="02020603050405020304" pitchFamily="18" charset="0"/>
+              </a:rPr>
+              <a:t>T</a:t>
+            </a:r>
+            <a:r>
+              <a:rPr lang="zh-CN" altLang="en-US" sz="2400" dirty="0">
+                <a:latin typeface="Times New Roman" panose="02020603050405020304" pitchFamily="18" charset="0"/>
+                <a:cs typeface="Times New Roman" panose="02020603050405020304" pitchFamily="18" charset="0"/>
+              </a:rPr>
+              <a:t>*，</a:t>
+            </a:r>
+            <a:r>
+              <a:rPr lang="en-US" altLang="zh-CN" sz="2400" dirty="0">
+                <a:latin typeface="Times New Roman" panose="02020603050405020304" pitchFamily="18" charset="0"/>
+                <a:ea typeface="宋体"/>
+                <a:cs typeface="Times New Roman" panose="02020603050405020304" pitchFamily="18" charset="0"/>
+              </a:rPr>
+              <a:t> B</a:t>
+            </a:r>
+            <a:r>
+              <a:rPr lang="el-GR" altLang="zh-CN" sz="2400" dirty="0">
+                <a:latin typeface="Cambria Math"/>
+                <a:ea typeface="Cambria Math"/>
+                <a:cs typeface="Times New Roman" panose="02020603050405020304" pitchFamily="18" charset="0"/>
+              </a:rPr>
+              <a:t> ∊</a:t>
+            </a:r>
+            <a:r>
+              <a:rPr lang="en-US" altLang="zh-CN" sz="2400" dirty="0">
+                <a:latin typeface="Times New Roman" panose="02020603050405020304" pitchFamily="18" charset="0"/>
+                <a:cs typeface="Times New Roman" panose="02020603050405020304" pitchFamily="18" charset="0"/>
+              </a:rPr>
+              <a:t> </a:t>
+            </a:r>
+            <a:r>
+              <a:rPr lang="en-US" altLang="zh-CN" sz="2400" dirty="0" smtClean="0">
+                <a:latin typeface="Times New Roman" panose="02020603050405020304" pitchFamily="18" charset="0"/>
+                <a:cs typeface="Times New Roman" panose="02020603050405020304" pitchFamily="18" charset="0"/>
+              </a:rPr>
+              <a:t>V</a:t>
+            </a:r>
+            <a:r>
+              <a:rPr lang="en-US" altLang="zh-CN" sz="2400" baseline="-25000" dirty="0" smtClean="0">
+                <a:latin typeface="Times New Roman" panose="02020603050405020304" pitchFamily="18" charset="0"/>
+                <a:cs typeface="Times New Roman" panose="02020603050405020304" pitchFamily="18" charset="0"/>
+              </a:rPr>
+              <a:t>N</a:t>
+            </a:r>
+            <a:r>
+              <a:rPr lang="zh-CN" altLang="en-US" sz="2400" dirty="0" smtClean="0">
+                <a:latin typeface="Times New Roman" panose="02020603050405020304" pitchFamily="18" charset="0"/>
+                <a:cs typeface="Times New Roman" panose="02020603050405020304" pitchFamily="18" charset="0"/>
+              </a:rPr>
+              <a:t>（</a:t>
+            </a:r>
+            <a:r>
+              <a:rPr lang="en-US" altLang="zh-CN" sz="2400" dirty="0" smtClean="0">
+                <a:latin typeface="Times New Roman" panose="02020603050405020304" pitchFamily="18" charset="0"/>
+                <a:cs typeface="Times New Roman" panose="02020603050405020304" pitchFamily="18" charset="0"/>
+              </a:rPr>
+              <a:t>left linear grammar</a:t>
+            </a:r>
+            <a:r>
+              <a:rPr lang="zh-CN" altLang="en-US" sz="2400" dirty="0" smtClean="0">
+                <a:latin typeface="Times New Roman" panose="02020603050405020304" pitchFamily="18" charset="0"/>
+                <a:cs typeface="Times New Roman" panose="02020603050405020304" pitchFamily="18" charset="0"/>
+              </a:rPr>
+              <a:t>）</a:t>
+            </a:r>
+            <a:endParaRPr lang="en-US" altLang="zh-CN" sz="2400" baseline="-25000" dirty="0">
+              <a:latin typeface="Times New Roman" panose="02020603050405020304" pitchFamily="18" charset="0"/>
+              <a:cs typeface="Times New Roman" panose="02020603050405020304" pitchFamily="18" charset="0"/>
+            </a:endParaRPr>
+          </a:p>
+        </p:txBody>
+      </p:sp>
+      <p:sp>
+        <p:nvSpPr>
+          <p:cNvPr id="5" name="矩形 4"/>
+          <p:cNvSpPr/>
+          <p:nvPr/>
+        </p:nvSpPr>
+        <p:spPr>
+          <a:xfrm>
+            <a:off x="529936" y="4800599"/>
+            <a:ext cx="2311239" cy="849086"/>
+          </a:xfrm>
+          <a:prstGeom prst="rect">
+            <a:avLst/>
+          </a:prstGeom>
+        </p:spPr>
+        <p:style>
+          <a:lnRef idx="3">
+            <a:schemeClr val="lt1"/>
+          </a:lnRef>
+          <a:fillRef idx="1">
+            <a:schemeClr val="accent2"/>
+          </a:fillRef>
+          <a:effectRef idx="1">
+            <a:schemeClr val="accent2"/>
+          </a:effectRef>
+          <a:fontRef idx="minor">
+            <a:schemeClr val="lt1"/>
+          </a:fontRef>
+        </p:style>
+        <p:txBody>
+          <a:bodyPr rtlCol="0" anchor="ctr"/>
+          <a:lstStyle/>
+          <a:p>
+            <a:pPr algn="ctr"/>
+            <a:r>
+              <a:rPr lang="en-US" altLang="zh-CN" dirty="0" smtClean="0"/>
+              <a:t>Regular Expression</a:t>
+            </a:r>
+            <a:endParaRPr lang="en-US" altLang="zh-CN" dirty="0" smtClean="0"/>
+          </a:p>
+          <a:p>
+            <a:pPr algn="ctr"/>
+            <a:r>
+              <a:rPr lang="en-US" altLang="zh-CN" dirty="0" smtClean="0"/>
+              <a:t>Regular Definition</a:t>
+            </a:r>
+            <a:endParaRPr lang="zh-CN" altLang="en-US" dirty="0"/>
+          </a:p>
+        </p:txBody>
+      </p:sp>
+      <p:sp>
+        <p:nvSpPr>
+          <p:cNvPr id="6" name="矩形 5"/>
+          <p:cNvSpPr/>
+          <p:nvPr/>
+        </p:nvSpPr>
+        <p:spPr>
+          <a:xfrm>
+            <a:off x="6117775" y="4800599"/>
+            <a:ext cx="2122216" cy="849086"/>
+          </a:xfrm>
+          <a:prstGeom prst="rect">
+            <a:avLst/>
+          </a:prstGeom>
+        </p:spPr>
+        <p:style>
+          <a:lnRef idx="3">
+            <a:schemeClr val="lt1"/>
+          </a:lnRef>
+          <a:fillRef idx="1">
+            <a:schemeClr val="accent2"/>
+          </a:fillRef>
+          <a:effectRef idx="1">
+            <a:schemeClr val="accent2"/>
+          </a:effectRef>
+          <a:fontRef idx="minor">
+            <a:schemeClr val="lt1"/>
+          </a:fontRef>
+        </p:style>
+        <p:txBody>
+          <a:bodyPr rtlCol="0" anchor="ctr"/>
+          <a:lstStyle/>
+          <a:p>
+            <a:pPr algn="ctr"/>
+            <a:r>
+              <a:rPr lang="en-US" altLang="zh-CN" dirty="0" smtClean="0"/>
+              <a:t>Regular Grammar</a:t>
+            </a:r>
+            <a:endParaRPr lang="en-US" altLang="zh-CN" dirty="0" smtClean="0"/>
+          </a:p>
+        </p:txBody>
+      </p:sp>
+      <p:sp>
+        <p:nvSpPr>
+          <p:cNvPr id="7" name="椭圆 6"/>
+          <p:cNvSpPr/>
+          <p:nvPr/>
+        </p:nvSpPr>
+        <p:spPr>
+          <a:xfrm>
+            <a:off x="3614065" y="4629148"/>
+            <a:ext cx="1747157" cy="1191985"/>
+          </a:xfrm>
+          <a:prstGeom prst="ellipse">
+            <a:avLst/>
+          </a:prstGeom>
+        </p:spPr>
+        <p:style>
+          <a:lnRef idx="2">
+            <a:schemeClr val="accent1">
+              <a:shade val="50000"/>
+            </a:schemeClr>
+          </a:lnRef>
+          <a:fillRef idx="1">
+            <a:schemeClr val="accent1"/>
+          </a:fillRef>
+          <a:effectRef idx="0">
+            <a:schemeClr val="accent1"/>
+          </a:effectRef>
+          <a:fontRef idx="minor">
+            <a:schemeClr val="lt1"/>
+          </a:fontRef>
+        </p:style>
+        <p:txBody>
+          <a:bodyPr rtlCol="0" anchor="ctr"/>
+          <a:lstStyle/>
+          <a:p>
+            <a:pPr algn="ctr"/>
+            <a:r>
+              <a:rPr lang="en-US" altLang="zh-CN" dirty="0" smtClean="0"/>
+              <a:t>Regular Language</a:t>
+            </a:r>
+            <a:endParaRPr lang="en-US" altLang="zh-CN" dirty="0" smtClean="0"/>
+          </a:p>
+          <a:p>
+            <a:pPr algn="ctr"/>
+            <a:r>
+              <a:rPr lang="en-US" altLang="zh-CN" dirty="0" smtClean="0"/>
+              <a:t>Regular Set</a:t>
+            </a:r>
+            <a:endParaRPr lang="zh-CN" altLang="en-US" dirty="0"/>
+          </a:p>
+        </p:txBody>
+      </p:sp>
+      <p:cxnSp>
+        <p:nvCxnSpPr>
+          <p:cNvPr id="8" name="直接箭头连接符 7"/>
+          <p:cNvCxnSpPr>
+            <a:stCxn id="5" idx="3"/>
+            <a:endCxn id="7" idx="2"/>
+          </p:cNvCxnSpPr>
+          <p:nvPr/>
+        </p:nvCxnSpPr>
+        <p:spPr>
+          <a:xfrm flipV="1">
+            <a:off x="2841175" y="5225141"/>
+            <a:ext cx="772890" cy="1"/>
+          </a:xfrm>
+          <a:prstGeom prst="straightConnector1">
+            <a:avLst/>
+          </a:prstGeom>
+          <a:ln w="25400">
+            <a:solidFill>
+              <a:schemeClr val="accent1"/>
+            </a:solidFill>
+            <a:headEnd type="arrow"/>
+            <a:tailEnd type="arrow"/>
+          </a:ln>
+        </p:spPr>
+        <p:style>
+          <a:lnRef idx="1">
+            <a:schemeClr val="accent1"/>
+          </a:lnRef>
+          <a:fillRef idx="0">
+            <a:schemeClr val="accent1"/>
+          </a:fillRef>
+          <a:effectRef idx="0">
+            <a:schemeClr val="accent1"/>
+          </a:effectRef>
+          <a:fontRef idx="minor">
+            <a:schemeClr val="tx1"/>
+          </a:fontRef>
+        </p:style>
+      </p:cxnSp>
+      <p:cxnSp>
+        <p:nvCxnSpPr>
+          <p:cNvPr id="9" name="直接箭头连接符 8"/>
+          <p:cNvCxnSpPr>
+            <a:stCxn id="7" idx="6"/>
+            <a:endCxn id="6" idx="1"/>
+          </p:cNvCxnSpPr>
+          <p:nvPr/>
+        </p:nvCxnSpPr>
+        <p:spPr>
+          <a:xfrm>
+            <a:off x="5361222" y="5225141"/>
+            <a:ext cx="756553" cy="1"/>
+          </a:xfrm>
+          <a:prstGeom prst="straightConnector1">
+            <a:avLst/>
+          </a:prstGeom>
+          <a:ln w="25400">
+            <a:solidFill>
+              <a:schemeClr val="accent1"/>
+            </a:solidFill>
+            <a:headEnd type="arrow"/>
+            <a:tailEnd type="arrow"/>
+          </a:ln>
+        </p:spPr>
+        <p:style>
+          <a:lnRef idx="1">
+            <a:schemeClr val="accent1"/>
+          </a:lnRef>
+          <a:fillRef idx="0">
+            <a:schemeClr val="accent1"/>
+          </a:fillRef>
+          <a:effectRef idx="0">
+            <a:schemeClr val="accent1"/>
+          </a:effectRef>
+          <a:fontRef idx="minor">
+            <a:schemeClr val="tx1"/>
+          </a:fontRef>
+        </p:style>
+      </p:cxnSp>
+    </p:spTree>
+    <p:extLst>
+      <p:ext uri="{BB962C8B-B14F-4D97-AF65-F5344CB8AC3E}">
+        <p14:creationId xmlns:p14="http://schemas.microsoft.com/office/powerpoint/2010/main" val="3363996080"/>
+      </p:ext>
+    </p:extLst>
+  </p:cSld>
+  <p:clrMapOvr>
+    <a:masterClrMapping/>
+  </p:clrMapOvr>
+  <mc:AlternateContent xmlns:mc="http://schemas.openxmlformats.org/markup-compatibility/2006" xmlns:p14="http://schemas.microsoft.com/office/powerpoint/2010/main">
+    <mc:Choice Requires="p14">
+      <p:transition spd="med" p14:dur="700">
+        <p:fade/>
+      </p:transition>
+    </mc:Choice>
+    <mc:Fallback xmlns="">
+      <p:transition spd="med">
+        <p:fade/>
+      </p:transition>
+    </mc:Fallback>
+  </mc:AlternateContent>
+</p:sld>
+</file>
+
+<file path=ppt/slides/slide22.xml><?xml version="1.0" encoding="utf-8"?>
+<p:sld xmlns:a="http://schemas.openxmlformats.org/drawingml/2006/main" xmlns:r="http://schemas.openxmlformats.org/officeDocument/2006/relationships" xmlns:p="http://schemas.openxmlformats.org/presentationml/2006/main">
+  <p:cSld>
+    <p:spTree>
+      <p:nvGrpSpPr>
+        <p:cNvPr id="1" name=""/>
+        <p:cNvGrpSpPr/>
+        <p:nvPr/>
+      </p:nvGrpSpPr>
+      <p:grpSpPr>
+        <a:xfrm>
+          <a:off x="0" y="0"/>
+          <a:ext cx="0" cy="0"/>
+          <a:chOff x="0" y="0"/>
+          <a:chExt cx="0" cy="0"/>
+        </a:xfrm>
+      </p:grpSpPr>
+      <p:sp>
+        <p:nvSpPr>
+          <p:cNvPr id="2" name="标题 1"/>
+          <p:cNvSpPr>
+            <a:spLocks noGrp="1"/>
+          </p:cNvSpPr>
+          <p:nvPr>
+            <p:ph type="title"/>
+          </p:nvPr>
+        </p:nvSpPr>
+        <p:spPr/>
+        <p:txBody>
+          <a:bodyPr/>
+          <a:lstStyle/>
+          <a:p>
+            <a:r>
+              <a:rPr lang="en-US" altLang="zh-CN" sz="2400" dirty="0" smtClean="0"/>
+              <a:t>3.3 Transition Diagram – Recognition of Token</a:t>
+            </a:r>
+            <a:endParaRPr lang="zh-CN" altLang="en-US" dirty="0"/>
+          </a:p>
+        </p:txBody>
+      </p:sp>
+      <p:sp>
+        <p:nvSpPr>
+          <p:cNvPr id="3" name="内容占位符 2"/>
+          <p:cNvSpPr>
+            <a:spLocks noGrp="1"/>
+          </p:cNvSpPr>
+          <p:nvPr>
+            <p:ph idx="1"/>
+          </p:nvPr>
+        </p:nvSpPr>
+        <p:spPr/>
+        <p:txBody>
+          <a:bodyPr/>
+          <a:lstStyle/>
+          <a:p>
+            <a:r>
+              <a:rPr lang="en-US" altLang="zh-CN" dirty="0" smtClean="0"/>
+              <a:t>A small running example – A grammar for branching statements</a:t>
+            </a:r>
+          </a:p>
+          <a:p>
+            <a:pPr marL="0" indent="0">
+              <a:lnSpc>
+                <a:spcPct val="100000"/>
+              </a:lnSpc>
+              <a:spcBef>
+                <a:spcPts val="0"/>
+              </a:spcBef>
+              <a:buNone/>
+            </a:pPr>
+            <a:r>
+              <a:rPr lang="en-US" altLang="zh-CN" i="1" dirty="0" smtClean="0"/>
+              <a:t>            </a:t>
+            </a:r>
+            <a:r>
+              <a:rPr lang="en-US" altLang="zh-CN" i="1" dirty="0" err="1" smtClean="0"/>
+              <a:t>stmt</a:t>
+            </a:r>
+            <a:r>
+              <a:rPr lang="en-US" altLang="zh-CN" dirty="0" smtClean="0"/>
+              <a:t> -&gt; </a:t>
+            </a:r>
+            <a:r>
+              <a:rPr lang="en-US" altLang="zh-CN" b="1" dirty="0" smtClean="0"/>
+              <a:t>if</a:t>
+            </a:r>
+            <a:r>
+              <a:rPr lang="en-US" altLang="zh-CN" dirty="0" smtClean="0"/>
+              <a:t> </a:t>
+            </a:r>
+            <a:r>
+              <a:rPr lang="en-US" altLang="zh-CN" i="1" dirty="0" smtClean="0"/>
+              <a:t>expr</a:t>
+            </a:r>
+            <a:r>
+              <a:rPr lang="en-US" altLang="zh-CN" dirty="0" smtClean="0"/>
+              <a:t> </a:t>
+            </a:r>
+            <a:r>
+              <a:rPr lang="en-US" altLang="zh-CN" b="1" dirty="0" smtClean="0"/>
+              <a:t>then</a:t>
+            </a:r>
+            <a:r>
+              <a:rPr lang="en-US" altLang="zh-CN" dirty="0" smtClean="0"/>
+              <a:t> </a:t>
+            </a:r>
+            <a:r>
+              <a:rPr lang="en-US" altLang="zh-CN" i="1" dirty="0" err="1" smtClean="0"/>
+              <a:t>stmt</a:t>
+            </a:r>
+            <a:r>
+              <a:rPr lang="en-US" altLang="zh-CN" dirty="0" smtClean="0"/>
+              <a:t> |</a:t>
+            </a:r>
+            <a:r>
+              <a:rPr lang="en-US" altLang="zh-CN" b="1" dirty="0" smtClean="0"/>
+              <a:t> if </a:t>
+            </a:r>
+            <a:r>
+              <a:rPr lang="en-US" altLang="zh-CN" i="1" dirty="0" smtClean="0"/>
+              <a:t>expr</a:t>
+            </a:r>
+            <a:r>
+              <a:rPr lang="en-US" altLang="zh-CN" dirty="0" smtClean="0"/>
+              <a:t> </a:t>
+            </a:r>
+            <a:r>
+              <a:rPr lang="en-US" altLang="zh-CN" b="1" dirty="0" smtClean="0"/>
+              <a:t>then</a:t>
+            </a:r>
+            <a:r>
+              <a:rPr lang="en-US" altLang="zh-CN" dirty="0" smtClean="0"/>
+              <a:t> </a:t>
+            </a:r>
+            <a:r>
+              <a:rPr lang="en-US" altLang="zh-CN" i="1" dirty="0" err="1" smtClean="0"/>
+              <a:t>stmt</a:t>
+            </a:r>
+            <a:r>
+              <a:rPr lang="en-US" altLang="zh-CN" dirty="0" smtClean="0"/>
+              <a:t> </a:t>
+            </a:r>
+            <a:r>
+              <a:rPr lang="en-US" altLang="zh-CN" b="1" dirty="0" smtClean="0"/>
+              <a:t>else</a:t>
+            </a:r>
+            <a:r>
+              <a:rPr lang="en-US" altLang="zh-CN" dirty="0" smtClean="0"/>
+              <a:t> </a:t>
+            </a:r>
+            <a:r>
+              <a:rPr lang="en-US" altLang="zh-CN" i="1" dirty="0" err="1" smtClean="0"/>
+              <a:t>stmt</a:t>
+            </a:r>
+            <a:r>
+              <a:rPr lang="zh-CN" altLang="en-US" dirty="0" smtClean="0"/>
+              <a:t> </a:t>
+            </a:r>
+            <a:r>
+              <a:rPr lang="en-US" altLang="zh-CN" dirty="0" smtClean="0"/>
+              <a:t>| </a:t>
+            </a:r>
+            <a:r>
+              <a:rPr lang="en-US" altLang="zh-CN" i="1" dirty="0" smtClean="0">
+                <a:sym typeface="Symbol" panose="05050102010706020507" pitchFamily="18" charset="2"/>
+              </a:rPr>
+              <a:t></a:t>
+            </a:r>
+          </a:p>
+          <a:p>
+            <a:pPr marL="0" indent="0">
+              <a:lnSpc>
+                <a:spcPct val="100000"/>
+              </a:lnSpc>
+              <a:spcBef>
+                <a:spcPts val="0"/>
+              </a:spcBef>
+              <a:buNone/>
+            </a:pPr>
+            <a:r>
+              <a:rPr lang="en-US" altLang="zh-CN" i="1" dirty="0" smtClean="0">
+                <a:sym typeface="Symbol" panose="05050102010706020507" pitchFamily="18" charset="2"/>
+              </a:rPr>
+              <a:t>            expr</a:t>
+            </a:r>
+            <a:r>
+              <a:rPr lang="en-US" altLang="zh-CN" dirty="0" smtClean="0">
+                <a:sym typeface="Symbol" panose="05050102010706020507" pitchFamily="18" charset="2"/>
+              </a:rPr>
+              <a:t> -&gt; </a:t>
+            </a:r>
+            <a:r>
+              <a:rPr lang="en-US" altLang="zh-CN" i="1" dirty="0" smtClean="0">
+                <a:sym typeface="Symbol" panose="05050102010706020507" pitchFamily="18" charset="2"/>
+              </a:rPr>
+              <a:t>term</a:t>
+            </a:r>
+            <a:r>
+              <a:rPr lang="en-US" altLang="zh-CN" dirty="0" smtClean="0">
+                <a:sym typeface="Symbol" panose="05050102010706020507" pitchFamily="18" charset="2"/>
+              </a:rPr>
+              <a:t> </a:t>
+            </a:r>
+            <a:r>
+              <a:rPr lang="en-US" altLang="zh-CN" b="1" dirty="0" err="1" smtClean="0">
+                <a:sym typeface="Symbol" panose="05050102010706020507" pitchFamily="18" charset="2"/>
+              </a:rPr>
+              <a:t>relop</a:t>
+            </a:r>
+            <a:r>
+              <a:rPr lang="en-US" altLang="zh-CN" dirty="0" smtClean="0">
+                <a:sym typeface="Symbol" panose="05050102010706020507" pitchFamily="18" charset="2"/>
+              </a:rPr>
+              <a:t> </a:t>
+            </a:r>
+            <a:r>
+              <a:rPr lang="en-US" altLang="zh-CN" i="1" dirty="0" smtClean="0">
+                <a:sym typeface="Symbol" panose="05050102010706020507" pitchFamily="18" charset="2"/>
+              </a:rPr>
+              <a:t>term</a:t>
+            </a:r>
+            <a:r>
+              <a:rPr lang="en-US" altLang="zh-CN" dirty="0" smtClean="0">
+                <a:sym typeface="Symbol" panose="05050102010706020507" pitchFamily="18" charset="2"/>
+              </a:rPr>
+              <a:t> | </a:t>
+            </a:r>
+            <a:r>
+              <a:rPr lang="en-US" altLang="zh-CN" i="1" dirty="0" smtClean="0">
+                <a:sym typeface="Symbol" panose="05050102010706020507" pitchFamily="18" charset="2"/>
+              </a:rPr>
+              <a:t>term</a:t>
+            </a:r>
+          </a:p>
+          <a:p>
+            <a:pPr marL="0" indent="0">
+              <a:lnSpc>
+                <a:spcPct val="100000"/>
+              </a:lnSpc>
+              <a:spcBef>
+                <a:spcPts val="0"/>
+              </a:spcBef>
+              <a:buNone/>
+            </a:pPr>
+            <a:r>
+              <a:rPr lang="en-US" altLang="zh-CN" i="1" dirty="0" smtClean="0">
+                <a:sym typeface="Symbol" panose="05050102010706020507" pitchFamily="18" charset="2"/>
+              </a:rPr>
+              <a:t>            term</a:t>
+            </a:r>
+            <a:r>
+              <a:rPr lang="en-US" altLang="zh-CN" dirty="0" smtClean="0">
+                <a:sym typeface="Symbol" panose="05050102010706020507" pitchFamily="18" charset="2"/>
+              </a:rPr>
+              <a:t> -&gt; </a:t>
+            </a:r>
+            <a:r>
+              <a:rPr lang="en-US" altLang="zh-CN" b="1" dirty="0" smtClean="0">
+                <a:sym typeface="Symbol" panose="05050102010706020507" pitchFamily="18" charset="2"/>
+              </a:rPr>
+              <a:t>id</a:t>
+            </a:r>
+            <a:r>
+              <a:rPr lang="en-US" altLang="zh-CN" dirty="0" smtClean="0">
+                <a:sym typeface="Symbol" panose="05050102010706020507" pitchFamily="18" charset="2"/>
+              </a:rPr>
+              <a:t> | </a:t>
+            </a:r>
+            <a:r>
+              <a:rPr lang="en-US" altLang="zh-CN" b="1" dirty="0" smtClean="0">
+                <a:sym typeface="Symbol" panose="05050102010706020507" pitchFamily="18" charset="2"/>
+              </a:rPr>
+              <a:t>number</a:t>
+            </a:r>
+          </a:p>
+          <a:p>
+            <a:r>
+              <a:rPr lang="en-US" altLang="zh-CN" dirty="0" smtClean="0"/>
+              <a:t>The goal for the lexical analyzer.</a:t>
+            </a:r>
+          </a:p>
+          <a:p>
+            <a:pPr marL="0" indent="0">
+              <a:buNone/>
+            </a:pPr>
+            <a:endParaRPr lang="en-US" altLang="zh-CN" dirty="0"/>
+          </a:p>
+          <a:p>
+            <a:pPr marL="0" indent="0">
+              <a:lnSpc>
+                <a:spcPct val="100000"/>
+              </a:lnSpc>
+              <a:spcBef>
+                <a:spcPts val="0"/>
+              </a:spcBef>
+              <a:buNone/>
+            </a:pPr>
+            <a:endParaRPr lang="en-US" altLang="zh-CN" b="1" dirty="0" smtClean="0"/>
+          </a:p>
+        </p:txBody>
+      </p:sp>
+      <p:pic>
+        <p:nvPicPr>
+          <p:cNvPr id="4" name="图片 3"/>
+          <p:cNvPicPr>
+            <a:picLocks noChangeAspect="1"/>
+          </p:cNvPicPr>
+          <p:nvPr/>
+        </p:nvPicPr>
+        <p:blipFill>
+          <a:blip r:embed="rId2">
+            <a:extLst>
+              <a:ext uri="{28A0092B-C50C-407E-A947-70E740481C1C}">
+                <a14:useLocalDpi xmlns:a14="http://schemas.microsoft.com/office/drawing/2010/main" val="0"/>
+              </a:ext>
+            </a:extLst>
+          </a:blip>
+          <a:stretch>
+            <a:fillRect/>
+          </a:stretch>
+        </p:blipFill>
+        <p:spPr>
+          <a:xfrm>
+            <a:off x="2261547" y="2989085"/>
+            <a:ext cx="4619767" cy="3415828"/>
+          </a:xfrm>
+          <a:prstGeom prst="rect">
+            <a:avLst/>
+          </a:prstGeom>
+        </p:spPr>
+      </p:pic>
+    </p:spTree>
+    <p:extLst>
+      <p:ext uri="{BB962C8B-B14F-4D97-AF65-F5344CB8AC3E}">
+        <p14:creationId xmlns:p14="http://schemas.microsoft.com/office/powerpoint/2010/main" val="2340819097"/>
+      </p:ext>
+    </p:extLst>
+  </p:cSld>
+  <p:clrMapOvr>
+    <a:masterClrMapping/>
+  </p:clrMapOvr>
+  <mc:AlternateContent xmlns:mc="http://schemas.openxmlformats.org/markup-compatibility/2006" xmlns:p14="http://schemas.microsoft.com/office/powerpoint/2010/main">
+    <mc:Choice Requires="p14">
+      <p:transition spd="med" p14:dur="700">
+        <p:fade/>
+      </p:transition>
+    </mc:Choice>
+    <mc:Fallback xmlns="">
+      <p:transition spd="med">
+        <p:fade/>
+      </p:transition>
+    </mc:Fallback>
+  </mc:AlternateContent>
+</p:sld>
+</file>
+
+<file path=ppt/slides/slide23.xml><?xml version="1.0" encoding="utf-8"?>
+<p:sld xmlns:a="http://schemas.openxmlformats.org/drawingml/2006/main" xmlns:r="http://schemas.openxmlformats.org/officeDocument/2006/relationships" xmlns:p="http://schemas.openxmlformats.org/presentationml/2006/main">
+  <p:cSld>
+    <p:spTree>
+      <p:nvGrpSpPr>
+        <p:cNvPr id="1" name=""/>
+        <p:cNvGrpSpPr/>
+        <p:nvPr/>
+      </p:nvGrpSpPr>
+      <p:grpSpPr>
+        <a:xfrm>
+          <a:off x="0" y="0"/>
+          <a:ext cx="0" cy="0"/>
+          <a:chOff x="0" y="0"/>
+          <a:chExt cx="0" cy="0"/>
+        </a:xfrm>
+      </p:grpSpPr>
+      <p:sp>
+        <p:nvSpPr>
+          <p:cNvPr id="2" name="标题 1"/>
+          <p:cNvSpPr>
+            <a:spLocks noGrp="1"/>
+          </p:cNvSpPr>
+          <p:nvPr>
+            <p:ph type="title"/>
+          </p:nvPr>
+        </p:nvSpPr>
+        <p:spPr/>
+        <p:txBody>
+          <a:bodyPr/>
+          <a:lstStyle/>
+          <a:p>
+            <a:r>
+              <a:rPr lang="en-US" altLang="zh-CN" sz="2000" dirty="0" smtClean="0"/>
+              <a:t>3.3 Transition </a:t>
+            </a:r>
+            <a:r>
+              <a:rPr lang="en-US" altLang="zh-CN" sz="2000" dirty="0"/>
+              <a:t>Diagram – Recognition of Token</a:t>
+            </a:r>
+            <a:endParaRPr lang="zh-CN" altLang="en-US" dirty="0"/>
+          </a:p>
+        </p:txBody>
+      </p:sp>
+      <p:sp>
+        <p:nvSpPr>
+          <p:cNvPr id="3" name="内容占位符 2"/>
+          <p:cNvSpPr>
+            <a:spLocks noGrp="1"/>
+          </p:cNvSpPr>
+          <p:nvPr>
+            <p:ph idx="1"/>
+          </p:nvPr>
+        </p:nvSpPr>
+        <p:spPr/>
+        <p:txBody>
+          <a:bodyPr/>
+          <a:lstStyle/>
+          <a:p>
+            <a:r>
+              <a:rPr lang="en-US" altLang="zh-CN" dirty="0" smtClean="0"/>
+              <a:t>Patterns for token of the example</a:t>
+            </a:r>
+            <a:endParaRPr lang="zh-CN" altLang="en-US" dirty="0"/>
+          </a:p>
+        </p:txBody>
+      </p:sp>
+      <p:pic>
+        <p:nvPicPr>
+          <p:cNvPr id="4" name="图片 3"/>
+          <p:cNvPicPr>
+            <a:picLocks noChangeAspect="1"/>
+          </p:cNvPicPr>
+          <p:nvPr/>
+        </p:nvPicPr>
+        <p:blipFill>
+          <a:blip r:embed="rId2">
+            <a:extLst>
+              <a:ext uri="{28A0092B-C50C-407E-A947-70E740481C1C}">
+                <a14:useLocalDpi xmlns:a14="http://schemas.microsoft.com/office/drawing/2010/main" val="0"/>
+              </a:ext>
+            </a:extLst>
+          </a:blip>
+          <a:stretch>
+            <a:fillRect/>
+          </a:stretch>
+        </p:blipFill>
+        <p:spPr>
+          <a:xfrm>
+            <a:off x="2009401" y="2265891"/>
+            <a:ext cx="5353797" cy="2762636"/>
+          </a:xfrm>
+          <a:prstGeom prst="rect">
+            <a:avLst/>
+          </a:prstGeom>
+        </p:spPr>
+      </p:pic>
+      <p:pic>
+        <p:nvPicPr>
+          <p:cNvPr id="5" name="图片 4"/>
+          <p:cNvPicPr>
+            <a:picLocks noChangeAspect="1"/>
+          </p:cNvPicPr>
+          <p:nvPr/>
+        </p:nvPicPr>
+        <p:blipFill>
+          <a:blip r:embed="rId3"/>
+          <a:stretch>
+            <a:fillRect/>
+          </a:stretch>
+        </p:blipFill>
+        <p:spPr>
+          <a:xfrm>
+            <a:off x="2556596" y="4785976"/>
+            <a:ext cx="3781425" cy="542925"/>
+          </a:xfrm>
+          <a:prstGeom prst="rect">
+            <a:avLst/>
+          </a:prstGeom>
+        </p:spPr>
+      </p:pic>
+    </p:spTree>
+    <p:extLst>
+      <p:ext uri="{BB962C8B-B14F-4D97-AF65-F5344CB8AC3E}">
+        <p14:creationId xmlns:p14="http://schemas.microsoft.com/office/powerpoint/2010/main" val="1317597026"/>
+      </p:ext>
+    </p:extLst>
+  </p:cSld>
+  <p:clrMapOvr>
+    <a:masterClrMapping/>
+  </p:clrMapOvr>
+  <mc:AlternateContent xmlns:mc="http://schemas.openxmlformats.org/markup-compatibility/2006" xmlns:p14="http://schemas.microsoft.com/office/powerpoint/2010/main">
+    <mc:Choice Requires="p14">
+      <p:transition spd="med" p14:dur="700">
+        <p:fade/>
+      </p:transition>
+    </mc:Choice>
+    <mc:Fallback xmlns="">
+      <p:transition spd="med">
+        <p:fade/>
+      </p:transition>
+    </mc:Fallback>
+  </mc:AlternateContent>
+</p:sld>
+</file>
+
+<file path=ppt/slides/slide24.xml><?xml version="1.0" encoding="utf-8"?>
+<p:sld xmlns:a="http://schemas.openxmlformats.org/drawingml/2006/main" xmlns:r="http://schemas.openxmlformats.org/officeDocument/2006/relationships" xmlns:p="http://schemas.openxmlformats.org/presentationml/2006/main">
+  <p:cSld>
+    <p:spTree>
+      <p:nvGrpSpPr>
+        <p:cNvPr id="1" name=""/>
+        <p:cNvGrpSpPr/>
+        <p:nvPr/>
+      </p:nvGrpSpPr>
+      <p:grpSpPr>
+        <a:xfrm>
+          <a:off x="0" y="0"/>
+          <a:ext cx="0" cy="0"/>
+          <a:chOff x="0" y="0"/>
+          <a:chExt cx="0" cy="0"/>
+        </a:xfrm>
+      </p:grpSpPr>
+      <p:sp>
+        <p:nvSpPr>
+          <p:cNvPr id="2" name="标题 1"/>
+          <p:cNvSpPr>
+            <a:spLocks noGrp="1"/>
+          </p:cNvSpPr>
+          <p:nvPr>
+            <p:ph type="title"/>
+          </p:nvPr>
+        </p:nvSpPr>
+        <p:spPr/>
+        <p:txBody>
+          <a:bodyPr/>
+          <a:lstStyle/>
+          <a:p>
+            <a:r>
+              <a:rPr lang="en-US" altLang="zh-CN" sz="2000" dirty="0" smtClean="0"/>
+              <a:t>3.3 Transition </a:t>
+            </a:r>
+            <a:r>
+              <a:rPr lang="en-US" altLang="zh-CN" sz="2000" dirty="0"/>
+              <a:t>Diagram – Recognition of Token</a:t>
+            </a:r>
+            <a:endParaRPr lang="zh-CN" altLang="en-US" dirty="0"/>
+          </a:p>
+        </p:txBody>
+      </p:sp>
+      <p:sp>
+        <p:nvSpPr>
+          <p:cNvPr id="3" name="内容占位符 2"/>
+          <p:cNvSpPr>
+            <a:spLocks noGrp="1"/>
+          </p:cNvSpPr>
+          <p:nvPr>
+            <p:ph idx="1"/>
+          </p:nvPr>
+        </p:nvSpPr>
+        <p:spPr/>
+        <p:txBody>
+          <a:bodyPr>
+            <a:normAutofit/>
+          </a:bodyPr>
+          <a:lstStyle/>
+          <a:p>
+            <a:r>
+              <a:rPr lang="en-US" altLang="zh-CN" sz="1600" dirty="0" smtClean="0"/>
+              <a:t>Transition Diagrams is a technical method to recognize regular expression</a:t>
+            </a:r>
+          </a:p>
+          <a:p>
+            <a:pPr>
+              <a:lnSpc>
+                <a:spcPct val="100000"/>
+              </a:lnSpc>
+            </a:pPr>
+            <a:r>
+              <a:rPr lang="en-US" altLang="zh-CN" sz="1600" dirty="0" smtClean="0"/>
+              <a:t>Transition Diagram is a finite directed graph, where nodes (circles) are called </a:t>
+            </a:r>
+            <a:r>
+              <a:rPr lang="en-US" altLang="zh-CN" sz="1600" i="1" dirty="0">
+                <a:solidFill>
+                  <a:srgbClr val="7030A0"/>
+                </a:solidFill>
+              </a:rPr>
+              <a:t>states</a:t>
+            </a:r>
+            <a:r>
+              <a:rPr lang="en-US" altLang="zh-CN" sz="1600" i="1" dirty="0"/>
+              <a:t>. </a:t>
+            </a:r>
+            <a:r>
+              <a:rPr lang="en-US" altLang="zh-CN" sz="1600" dirty="0" smtClean="0"/>
+              <a:t>Each </a:t>
+            </a:r>
+            <a:r>
+              <a:rPr lang="en-US" altLang="zh-CN" sz="1600" i="1" dirty="0" smtClean="0">
+                <a:solidFill>
+                  <a:srgbClr val="7030A0"/>
+                </a:solidFill>
+              </a:rPr>
+              <a:t>state</a:t>
+            </a:r>
+            <a:r>
+              <a:rPr lang="en-US" altLang="zh-CN" sz="1600" dirty="0" smtClean="0">
+                <a:solidFill>
+                  <a:srgbClr val="7030A0"/>
+                </a:solidFill>
+              </a:rPr>
+              <a:t> </a:t>
+            </a:r>
+            <a:r>
+              <a:rPr lang="en-US" altLang="zh-CN" sz="1600" dirty="0"/>
+              <a:t>represents a condition that could occur during the process of </a:t>
+            </a:r>
+            <a:r>
+              <a:rPr lang="en-US" altLang="zh-CN" sz="1600" dirty="0" smtClean="0"/>
+              <a:t>scanning the </a:t>
+            </a:r>
+            <a:r>
+              <a:rPr lang="en-US" altLang="zh-CN" sz="1600" dirty="0"/>
+              <a:t>input looking for a lexeme that matches one of several patterns. </a:t>
+            </a:r>
+            <a:r>
+              <a:rPr lang="en-US" altLang="zh-CN" sz="1600" i="1" dirty="0">
+                <a:solidFill>
+                  <a:srgbClr val="7030A0"/>
+                </a:solidFill>
+              </a:rPr>
+              <a:t>Edges</a:t>
+            </a:r>
+            <a:r>
+              <a:rPr lang="en-US" altLang="zh-CN" sz="1600" dirty="0"/>
+              <a:t> are directed from one state of the transition diagram to </a:t>
+            </a:r>
+            <a:r>
+              <a:rPr lang="en-US" altLang="zh-CN" sz="1600" dirty="0" smtClean="0"/>
+              <a:t>another. Each </a:t>
+            </a:r>
+            <a:r>
+              <a:rPr lang="en-US" altLang="zh-CN" sz="1600" i="1" dirty="0">
+                <a:solidFill>
+                  <a:srgbClr val="7030A0"/>
+                </a:solidFill>
+              </a:rPr>
+              <a:t>edge</a:t>
+            </a:r>
+            <a:r>
+              <a:rPr lang="en-US" altLang="zh-CN" sz="1600" dirty="0">
+                <a:solidFill>
+                  <a:srgbClr val="7030A0"/>
+                </a:solidFill>
+              </a:rPr>
+              <a:t> </a:t>
+            </a:r>
+            <a:r>
+              <a:rPr lang="en-US" altLang="zh-CN" sz="1600" dirty="0"/>
+              <a:t>is labeled by a symbol or set of symbols. If we are in some </a:t>
+            </a:r>
+            <a:r>
+              <a:rPr lang="en-US" altLang="zh-CN" sz="1600" dirty="0" smtClean="0"/>
+              <a:t>state </a:t>
+            </a:r>
+            <a:r>
+              <a:rPr lang="en-US" altLang="zh-CN" sz="1600" i="1" dirty="0" smtClean="0"/>
+              <a:t>s</a:t>
+            </a:r>
+            <a:r>
+              <a:rPr lang="en-US" altLang="zh-CN" sz="1600" dirty="0" smtClean="0"/>
+              <a:t> </a:t>
+            </a:r>
+            <a:r>
+              <a:rPr lang="en-US" altLang="zh-CN" sz="1600" dirty="0"/>
+              <a:t>, and the next input symbol is </a:t>
+            </a:r>
+            <a:r>
+              <a:rPr lang="en-US" altLang="zh-CN" sz="1600" i="1" dirty="0"/>
+              <a:t>a</a:t>
+            </a:r>
+            <a:r>
+              <a:rPr lang="en-US" altLang="zh-CN" sz="1600" dirty="0"/>
+              <a:t>, we look for an edge out of </a:t>
+            </a:r>
+            <a:r>
+              <a:rPr lang="en-US" altLang="zh-CN" sz="1600" dirty="0" err="1" smtClean="0"/>
+              <a:t>staXte</a:t>
+            </a:r>
+            <a:r>
+              <a:rPr lang="en-US" altLang="zh-CN" sz="1600" dirty="0" smtClean="0"/>
+              <a:t> </a:t>
+            </a:r>
+            <a:r>
+              <a:rPr lang="en-US" altLang="zh-CN" sz="1600" i="1" dirty="0"/>
+              <a:t>s</a:t>
+            </a:r>
+            <a:r>
+              <a:rPr lang="en-US" altLang="zh-CN" sz="1600" dirty="0"/>
+              <a:t> </a:t>
+            </a:r>
+            <a:r>
+              <a:rPr lang="en-US" altLang="zh-CN" sz="1600" dirty="0" smtClean="0"/>
+              <a:t>labeled by </a:t>
+            </a:r>
+            <a:r>
+              <a:rPr lang="en-US" altLang="zh-CN" sz="1600" i="1" dirty="0"/>
+              <a:t>a</a:t>
+            </a:r>
+            <a:r>
+              <a:rPr lang="en-US" altLang="zh-CN" sz="1600" dirty="0"/>
+              <a:t> (and perhaps by other symbols, as well). If we find such an edge, </a:t>
+            </a:r>
+            <a:r>
+              <a:rPr lang="en-US" altLang="zh-CN" sz="1600" dirty="0" smtClean="0"/>
+              <a:t>we advance </a:t>
+            </a:r>
+            <a:r>
+              <a:rPr lang="en-US" altLang="zh-CN" sz="1600" dirty="0"/>
+              <a:t>the </a:t>
+            </a:r>
+            <a:r>
+              <a:rPr lang="en-US" altLang="zh-CN" sz="1600" i="1" dirty="0"/>
+              <a:t>forward</a:t>
+            </a:r>
+            <a:r>
+              <a:rPr lang="en-US" altLang="zh-CN" sz="1600" dirty="0"/>
+              <a:t> pointer </a:t>
+            </a:r>
+            <a:r>
+              <a:rPr lang="en-US" altLang="zh-CN" sz="1600" dirty="0" smtClean="0"/>
+              <a:t>and </a:t>
+            </a:r>
+            <a:r>
+              <a:rPr lang="en-US" altLang="zh-CN" sz="1600" dirty="0"/>
+              <a:t>enter the state of the transition diagram </a:t>
+            </a:r>
+            <a:r>
+              <a:rPr lang="en-US" altLang="zh-CN" sz="1600" dirty="0" smtClean="0"/>
+              <a:t>to which </a:t>
+            </a:r>
+            <a:r>
+              <a:rPr lang="en-US" altLang="zh-CN" sz="1600" dirty="0"/>
+              <a:t>that edge leads</a:t>
+            </a:r>
+            <a:r>
+              <a:rPr lang="en-US" altLang="zh-CN" sz="1600" dirty="0" smtClean="0"/>
+              <a:t>. A transition diagram include finite states, in where one is designated the </a:t>
+            </a:r>
+            <a:r>
+              <a:rPr lang="en-US" altLang="zh-CN" sz="1600" i="1" dirty="0" smtClean="0">
+                <a:solidFill>
+                  <a:srgbClr val="7030A0"/>
+                </a:solidFill>
+              </a:rPr>
+              <a:t>start (initial) </a:t>
+            </a:r>
+            <a:r>
+              <a:rPr lang="en-US" altLang="zh-CN" sz="1600" dirty="0" smtClean="0"/>
+              <a:t>state and at least one is said to be the </a:t>
+            </a:r>
+            <a:r>
+              <a:rPr lang="en-US" altLang="zh-CN" sz="1600" i="1" dirty="0" smtClean="0">
+                <a:solidFill>
+                  <a:srgbClr val="7030A0"/>
+                </a:solidFill>
+              </a:rPr>
+              <a:t>accepting (final)</a:t>
+            </a:r>
+            <a:r>
+              <a:rPr lang="en-US" altLang="zh-CN" sz="1600" dirty="0" smtClean="0">
+                <a:solidFill>
+                  <a:srgbClr val="7030A0"/>
+                </a:solidFill>
+              </a:rPr>
+              <a:t> </a:t>
+            </a:r>
+            <a:r>
+              <a:rPr lang="en-US" altLang="zh-CN" sz="1600" dirty="0" smtClean="0"/>
+              <a:t>state (double circle). </a:t>
+            </a:r>
+            <a:endParaRPr lang="en-US" altLang="zh-CN" sz="1600" dirty="0"/>
+          </a:p>
+        </p:txBody>
+      </p:sp>
+    </p:spTree>
+    <p:extLst>
+      <p:ext uri="{BB962C8B-B14F-4D97-AF65-F5344CB8AC3E}">
+        <p14:creationId xmlns:p14="http://schemas.microsoft.com/office/powerpoint/2010/main" val="4109168423"/>
+      </p:ext>
+    </p:extLst>
+  </p:cSld>
+  <p:clrMapOvr>
+    <a:masterClrMapping/>
+  </p:clrMapOvr>
+  <mc:AlternateContent xmlns:mc="http://schemas.openxmlformats.org/markup-compatibility/2006" xmlns:p14="http://schemas.microsoft.com/office/powerpoint/2010/main">
+    <mc:Choice Requires="p14">
+      <p:transition spd="med" p14:dur="700">
+        <p:fade/>
+      </p:transition>
+    </mc:Choice>
+    <mc:Fallback xmlns="">
+      <p:transition spd="med">
+        <p:fade/>
+      </p:transition>
+    </mc:Fallback>
+  </mc:AlternateContent>
+</p:sld>
+</file>
+
+<file path=ppt/slides/slide25.xml><?xml version="1.0" encoding="utf-8"?>
+<p:sld xmlns:a="http://schemas.openxmlformats.org/drawingml/2006/main" xmlns:r="http://schemas.openxmlformats.org/officeDocument/2006/relationships" xmlns:p="http://schemas.openxmlformats.org/presentationml/2006/main">
+  <p:cSld>
+    <p:spTree>
+      <p:nvGrpSpPr>
+        <p:cNvPr id="1" name=""/>
+        <p:cNvGrpSpPr/>
+        <p:nvPr/>
+      </p:nvGrpSpPr>
+      <p:grpSpPr>
+        <a:xfrm>
+          <a:off x="0" y="0"/>
+          <a:ext cx="0" cy="0"/>
+          <a:chOff x="0" y="0"/>
+          <a:chExt cx="0" cy="0"/>
+        </a:xfrm>
+      </p:grpSpPr>
+      <p:sp>
+        <p:nvSpPr>
+          <p:cNvPr id="2" name="标题 1"/>
+          <p:cNvSpPr>
+            <a:spLocks noGrp="1"/>
+          </p:cNvSpPr>
+          <p:nvPr>
+            <p:ph type="title"/>
+          </p:nvPr>
+        </p:nvSpPr>
+        <p:spPr/>
+        <p:txBody>
+          <a:bodyPr/>
+          <a:lstStyle/>
+          <a:p>
+            <a:r>
+              <a:rPr lang="en-US" altLang="zh-CN" sz="2400" dirty="0"/>
+              <a:t>3.3 Transition </a:t>
+            </a:r>
+            <a:r>
+              <a:rPr lang="en-US" altLang="zh-CN" sz="2400" dirty="0" smtClean="0"/>
+              <a:t>Diagram – Recognition of relation operator</a:t>
+            </a:r>
+            <a:endParaRPr lang="zh-CN" altLang="en-US" dirty="0"/>
+          </a:p>
+        </p:txBody>
+      </p:sp>
+      <p:pic>
+        <p:nvPicPr>
+          <p:cNvPr id="4" name="Picture 2"/>
+          <p:cNvPicPr>
+            <a:picLocks noChangeAspect="1" noChangeArrowheads="1"/>
+          </p:cNvPicPr>
+          <p:nvPr/>
+        </p:nvPicPr>
+        <p:blipFill>
+          <a:blip r:embed="rId2">
+            <a:extLst>
+              <a:ext uri="{28A0092B-C50C-407E-A947-70E740481C1C}">
+                <a14:useLocalDpi xmlns:a14="http://schemas.microsoft.com/office/drawing/2010/main" val="0"/>
+              </a:ext>
+            </a:extLst>
+          </a:blip>
+          <a:srcRect/>
+          <a:stretch>
+            <a:fillRect/>
+          </a:stretch>
+        </p:blipFill>
+        <p:spPr bwMode="auto">
+          <a:xfrm>
+            <a:off x="920578" y="1671450"/>
+            <a:ext cx="5434701" cy="3926341"/>
+          </a:xfrm>
+          <a:prstGeom prst="rect">
+            <a:avLst/>
+          </a:prstGeom>
+          <a:noFill/>
+          <a:ln>
+            <a:noFill/>
+          </a:ln>
+          <a:extLst>
+            <a:ext uri="{909E8E84-426E-40DD-AFC4-6F175D3DCCD1}">
+              <a14:hiddenFill xmlns:a14="http://schemas.microsoft.com/office/drawing/2010/main">
+                <a:solidFill>
+                  <a:schemeClr val="accent1"/>
+                </a:solidFill>
+              </a14:hiddenFill>
+            </a:ext>
+            <a:ext uri="{91240B29-F687-4F45-9708-019B960494DF}">
+              <a14:hiddenLine xmlns:a14="http://schemas.microsoft.com/office/drawing/2010/main" w="9525">
+                <a:solidFill>
+                  <a:schemeClr val="tx1"/>
+                </a:solidFill>
+                <a:miter lim="800000"/>
+                <a:headEnd/>
+                <a:tailEnd/>
+              </a14:hiddenLine>
+            </a:ext>
+          </a:extLst>
+        </p:spPr>
+      </p:pic>
+      <p:sp>
+        <p:nvSpPr>
+          <p:cNvPr id="5" name="文本框 4"/>
+          <p:cNvSpPr txBox="1"/>
+          <p:nvPr/>
+        </p:nvSpPr>
+        <p:spPr>
+          <a:xfrm>
+            <a:off x="6954417" y="3270236"/>
+            <a:ext cx="1785546" cy="1477328"/>
+          </a:xfrm>
+          <a:prstGeom prst="rect">
+            <a:avLst/>
+          </a:prstGeom>
+          <a:noFill/>
+        </p:spPr>
+        <p:txBody>
+          <a:bodyPr wrap="square" rtlCol="0">
+            <a:spAutoFit/>
+          </a:bodyPr>
+          <a:lstStyle/>
+          <a:p>
+            <a:r>
+              <a:rPr lang="en-US" altLang="zh-CN" b="1" dirty="0" smtClean="0">
+                <a:solidFill>
+                  <a:srgbClr val="0070C0"/>
+                </a:solidFill>
+              </a:rPr>
+              <a:t>to indicate that we must retract the input one position</a:t>
+            </a:r>
+            <a:endParaRPr lang="zh-CN" altLang="en-US" b="1" dirty="0">
+              <a:solidFill>
+                <a:srgbClr val="0070C0"/>
+              </a:solidFill>
+            </a:endParaRPr>
+          </a:p>
+        </p:txBody>
+      </p:sp>
+      <p:cxnSp>
+        <p:nvCxnSpPr>
+          <p:cNvPr id="7" name="直接箭头连接符 6"/>
+          <p:cNvCxnSpPr/>
+          <p:nvPr/>
+        </p:nvCxnSpPr>
+        <p:spPr>
+          <a:xfrm>
+            <a:off x="4763386" y="3115340"/>
+            <a:ext cx="2191031" cy="701748"/>
+          </a:xfrm>
+          <a:prstGeom prst="straightConnector1">
+            <a:avLst/>
+          </a:prstGeom>
+          <a:ln>
+            <a:solidFill>
+              <a:schemeClr val="accent1"/>
+            </a:solidFill>
+            <a:tailEnd type="triangle"/>
+          </a:ln>
+        </p:spPr>
+        <p:style>
+          <a:lnRef idx="1">
+            <a:schemeClr val="accent1"/>
+          </a:lnRef>
+          <a:fillRef idx="0">
+            <a:schemeClr val="accent1"/>
+          </a:fillRef>
+          <a:effectRef idx="0">
+            <a:schemeClr val="accent1"/>
+          </a:effectRef>
+          <a:fontRef idx="minor">
+            <a:schemeClr val="tx1"/>
+          </a:fontRef>
+        </p:style>
+      </p:cxnSp>
+      <p:cxnSp>
+        <p:nvCxnSpPr>
+          <p:cNvPr id="9" name="直接箭头连接符 8"/>
+          <p:cNvCxnSpPr/>
+          <p:nvPr/>
+        </p:nvCxnSpPr>
+        <p:spPr>
+          <a:xfrm flipV="1">
+            <a:off x="4688958" y="3838353"/>
+            <a:ext cx="2265459" cy="1180214"/>
+          </a:xfrm>
+          <a:prstGeom prst="straightConnector1">
+            <a:avLst/>
+          </a:prstGeom>
+          <a:ln>
+            <a:solidFill>
+              <a:schemeClr val="accent1"/>
+            </a:solidFill>
+            <a:tailEnd type="triangle"/>
+          </a:ln>
+        </p:spPr>
+        <p:style>
+          <a:lnRef idx="1">
+            <a:schemeClr val="accent1"/>
+          </a:lnRef>
+          <a:fillRef idx="0">
+            <a:schemeClr val="accent1"/>
+          </a:fillRef>
+          <a:effectRef idx="0">
+            <a:schemeClr val="accent1"/>
+          </a:effectRef>
+          <a:fontRef idx="minor">
+            <a:schemeClr val="tx1"/>
+          </a:fontRef>
+        </p:style>
+      </p:cxnSp>
+    </p:spTree>
+    <p:extLst>
+      <p:ext uri="{BB962C8B-B14F-4D97-AF65-F5344CB8AC3E}">
+        <p14:creationId xmlns:p14="http://schemas.microsoft.com/office/powerpoint/2010/main" val="3160608259"/>
+      </p:ext>
+    </p:extLst>
+  </p:cSld>
+  <p:clrMapOvr>
+    <a:masterClrMapping/>
+  </p:clrMapOvr>
+  <mc:AlternateContent xmlns:mc="http://schemas.openxmlformats.org/markup-compatibility/2006" xmlns:p14="http://schemas.microsoft.com/office/powerpoint/2010/main">
+    <mc:Choice Requires="p14">
+      <p:transition spd="med" p14:dur="700">
+        <p:fade/>
+      </p:transition>
+    </mc:Choice>
+    <mc:Fallback xmlns="">
+      <p:transition spd="med">
+        <p:fade/>
+      </p:transition>
+    </mc:Fallback>
+  </mc:AlternateContent>
+</p:sld>
+</file>
+
+<file path=ppt/slides/slide26.xml><?xml version="1.0" encoding="utf-8"?>
+<p:sld xmlns:a="http://schemas.openxmlformats.org/drawingml/2006/main" xmlns:r="http://schemas.openxmlformats.org/officeDocument/2006/relationships" xmlns:p="http://schemas.openxmlformats.org/presentationml/2006/main">
+  <p:cSld>
+    <p:spTree>
+      <p:nvGrpSpPr>
+        <p:cNvPr id="1" name=""/>
+        <p:cNvGrpSpPr/>
+        <p:nvPr/>
+      </p:nvGrpSpPr>
+      <p:grpSpPr>
+        <a:xfrm>
+          <a:off x="0" y="0"/>
+          <a:ext cx="0" cy="0"/>
+          <a:chOff x="0" y="0"/>
+          <a:chExt cx="0" cy="0"/>
+        </a:xfrm>
+      </p:grpSpPr>
+      <p:sp>
+        <p:nvSpPr>
+          <p:cNvPr id="2" name="标题 1"/>
+          <p:cNvSpPr>
+            <a:spLocks noGrp="1"/>
+          </p:cNvSpPr>
+          <p:nvPr>
+            <p:ph type="title"/>
+          </p:nvPr>
+        </p:nvSpPr>
+        <p:spPr/>
+        <p:txBody>
+          <a:bodyPr/>
+          <a:lstStyle/>
+          <a:p>
+            <a:r>
+              <a:rPr lang="en-US" altLang="zh-CN" sz="2000" dirty="0"/>
+              <a:t>3.3 Transition Diagram – Recognition of </a:t>
+            </a:r>
+            <a:r>
+              <a:rPr lang="en-US" altLang="zh-CN" sz="2000" dirty="0" smtClean="0"/>
+              <a:t>reserved words and identifiers</a:t>
+            </a:r>
+            <a:endParaRPr lang="zh-CN" altLang="en-US" dirty="0"/>
+          </a:p>
+        </p:txBody>
+      </p:sp>
+      <p:pic>
+        <p:nvPicPr>
+          <p:cNvPr id="4" name="Picture 2"/>
+          <p:cNvPicPr>
+            <a:picLocks noChangeAspect="1" noChangeArrowheads="1"/>
+          </p:cNvPicPr>
+          <p:nvPr/>
+        </p:nvPicPr>
+        <p:blipFill>
+          <a:blip r:embed="rId2">
+            <a:extLst>
+              <a:ext uri="{28A0092B-C50C-407E-A947-70E740481C1C}">
+                <a14:useLocalDpi xmlns:a14="http://schemas.microsoft.com/office/drawing/2010/main" val="0"/>
+              </a:ext>
+            </a:extLst>
+          </a:blip>
+          <a:srcRect/>
+          <a:stretch>
+            <a:fillRect/>
+          </a:stretch>
+        </p:blipFill>
+        <p:spPr bwMode="auto">
+          <a:xfrm>
+            <a:off x="1059429" y="2035139"/>
+            <a:ext cx="7024004" cy="1271587"/>
+          </a:xfrm>
+          <a:prstGeom prst="rect">
+            <a:avLst/>
+          </a:prstGeom>
+          <a:noFill/>
+          <a:ln>
+            <a:noFill/>
+          </a:ln>
+          <a:extLst>
+            <a:ext uri="{909E8E84-426E-40DD-AFC4-6F175D3DCCD1}">
+              <a14:hiddenFill xmlns:a14="http://schemas.microsoft.com/office/drawing/2010/main">
+                <a:solidFill>
+                  <a:schemeClr val="accent1"/>
+                </a:solidFill>
+              </a14:hiddenFill>
+            </a:ext>
+            <a:ext uri="{91240B29-F687-4F45-9708-019B960494DF}">
+              <a14:hiddenLine xmlns:a14="http://schemas.microsoft.com/office/drawing/2010/main" w="9525">
+                <a:solidFill>
+                  <a:schemeClr val="tx1"/>
+                </a:solidFill>
+                <a:miter lim="800000"/>
+                <a:headEnd/>
+                <a:tailEnd/>
+              </a14:hiddenLine>
+            </a:ext>
+          </a:extLst>
+        </p:spPr>
+      </p:pic>
+      <p:pic>
+        <p:nvPicPr>
+          <p:cNvPr id="6" name="图片 5"/>
+          <p:cNvPicPr>
+            <a:picLocks noChangeAspect="1"/>
+          </p:cNvPicPr>
+          <p:nvPr/>
+        </p:nvPicPr>
+        <p:blipFill>
+          <a:blip r:embed="rId3">
+            <a:extLst>
+              <a:ext uri="{28A0092B-C50C-407E-A947-70E740481C1C}">
+                <a14:useLocalDpi xmlns:a14="http://schemas.microsoft.com/office/drawing/2010/main" val="0"/>
+              </a:ext>
+            </a:extLst>
+          </a:blip>
+          <a:stretch>
+            <a:fillRect/>
+          </a:stretch>
+        </p:blipFill>
+        <p:spPr>
+          <a:xfrm>
+            <a:off x="641608" y="3784858"/>
+            <a:ext cx="8201025" cy="1457325"/>
+          </a:xfrm>
+          <a:prstGeom prst="rect">
+            <a:avLst/>
+          </a:prstGeom>
+        </p:spPr>
+      </p:pic>
+    </p:spTree>
+    <p:extLst>
+      <p:ext uri="{BB962C8B-B14F-4D97-AF65-F5344CB8AC3E}">
+        <p14:creationId xmlns:p14="http://schemas.microsoft.com/office/powerpoint/2010/main" val="3020395979"/>
+      </p:ext>
+    </p:extLst>
+  </p:cSld>
+  <p:clrMapOvr>
+    <a:masterClrMapping/>
+  </p:clrMapOvr>
+  <mc:AlternateContent xmlns:mc="http://schemas.openxmlformats.org/markup-compatibility/2006" xmlns:p14="http://schemas.microsoft.com/office/powerpoint/2010/main">
+    <mc:Choice Requires="p14">
+      <p:transition spd="med" p14:dur="700">
+        <p:fade/>
+      </p:transition>
+    </mc:Choice>
+    <mc:Fallback xmlns="">
+      <p:transition spd="med">
+        <p:fade/>
+      </p:transition>
+    </mc:Fallback>
+  </mc:AlternateContent>
+</p:sld>
+</file>
+
+<file path=ppt/slides/slide27.xml><?xml version="1.0" encoding="utf-8"?>
+<p:sld xmlns:a="http://schemas.openxmlformats.org/drawingml/2006/main" xmlns:r="http://schemas.openxmlformats.org/officeDocument/2006/relationships" xmlns:p="http://schemas.openxmlformats.org/presentationml/2006/main">
+  <p:cSld>
+    <p:spTree>
+      <p:nvGrpSpPr>
+        <p:cNvPr id="1" name=""/>
+        <p:cNvGrpSpPr/>
+        <p:nvPr/>
+      </p:nvGrpSpPr>
+      <p:grpSpPr>
+        <a:xfrm>
+          <a:off x="0" y="0"/>
+          <a:ext cx="0" cy="0"/>
+          <a:chOff x="0" y="0"/>
+          <a:chExt cx="0" cy="0"/>
+        </a:xfrm>
+      </p:grpSpPr>
+      <p:sp>
+        <p:nvSpPr>
+          <p:cNvPr id="2" name="标题 1"/>
+          <p:cNvSpPr>
+            <a:spLocks noGrp="1"/>
+          </p:cNvSpPr>
+          <p:nvPr>
+            <p:ph type="title"/>
+          </p:nvPr>
+        </p:nvSpPr>
+        <p:spPr/>
+        <p:txBody>
+          <a:bodyPr/>
+          <a:lstStyle/>
+          <a:p>
+            <a:r>
+              <a:rPr lang="en-US" altLang="zh-CN" sz="2400" dirty="0"/>
+              <a:t>3.3 Transition Diagram – Recognition of </a:t>
+            </a:r>
+            <a:r>
+              <a:rPr lang="en-US" altLang="zh-CN" sz="2400" dirty="0" smtClean="0"/>
+              <a:t>unsigned number and others</a:t>
+            </a:r>
+            <a:endParaRPr lang="zh-CN" altLang="en-US" dirty="0"/>
+          </a:p>
+        </p:txBody>
+      </p:sp>
+      <p:pic>
+        <p:nvPicPr>
+          <p:cNvPr id="4" name="Picture 3"/>
+          <p:cNvPicPr>
+            <a:picLocks noChangeAspect="1" noChangeArrowheads="1"/>
+          </p:cNvPicPr>
+          <p:nvPr/>
+        </p:nvPicPr>
+        <p:blipFill>
+          <a:blip r:embed="rId2">
+            <a:extLst>
+              <a:ext uri="{28A0092B-C50C-407E-A947-70E740481C1C}">
+                <a14:useLocalDpi xmlns:a14="http://schemas.microsoft.com/office/drawing/2010/main" val="0"/>
+              </a:ext>
+            </a:extLst>
+          </a:blip>
+          <a:srcRect/>
+          <a:stretch>
+            <a:fillRect/>
+          </a:stretch>
+        </p:blipFill>
+        <p:spPr bwMode="auto">
+          <a:xfrm>
+            <a:off x="828675" y="1895599"/>
+            <a:ext cx="7384722" cy="1959427"/>
+          </a:xfrm>
+          <a:prstGeom prst="rect">
+            <a:avLst/>
+          </a:prstGeom>
+          <a:noFill/>
+          <a:ln>
+            <a:noFill/>
+          </a:ln>
+          <a:extLst>
+            <a:ext uri="{909E8E84-426E-40DD-AFC4-6F175D3DCCD1}">
+              <a14:hiddenFill xmlns:a14="http://schemas.microsoft.com/office/drawing/2010/main">
+                <a:solidFill>
+                  <a:schemeClr val="accent1"/>
+                </a:solidFill>
+              </a14:hiddenFill>
+            </a:ext>
+            <a:ext uri="{91240B29-F687-4F45-9708-019B960494DF}">
+              <a14:hiddenLine xmlns:a14="http://schemas.microsoft.com/office/drawing/2010/main" w="9525">
+                <a:solidFill>
+                  <a:schemeClr val="tx1"/>
+                </a:solidFill>
+                <a:miter lim="800000"/>
+                <a:headEnd/>
+                <a:tailEnd/>
+              </a14:hiddenLine>
+            </a:ext>
+          </a:extLst>
+        </p:spPr>
+      </p:pic>
+      <p:grpSp>
+        <p:nvGrpSpPr>
+          <p:cNvPr id="5" name="组合 4"/>
+          <p:cNvGrpSpPr/>
+          <p:nvPr/>
+        </p:nvGrpSpPr>
+        <p:grpSpPr>
+          <a:xfrm>
+            <a:off x="5196570" y="2728356"/>
+            <a:ext cx="1397427" cy="1306284"/>
+            <a:chOff x="5257800" y="4816929"/>
+            <a:chExt cx="1397427" cy="1306284"/>
+          </a:xfrm>
+        </p:grpSpPr>
+        <p:cxnSp>
+          <p:nvCxnSpPr>
+            <p:cNvPr id="6" name="曲线连接符 5"/>
+            <p:cNvCxnSpPr/>
+            <p:nvPr/>
+          </p:nvCxnSpPr>
+          <p:spPr>
+            <a:xfrm rot="16200000" flipH="1">
+              <a:off x="5233307" y="4841422"/>
+              <a:ext cx="914400" cy="865414"/>
+            </a:xfrm>
+            <a:prstGeom prst="curvedConnector3">
+              <a:avLst>
+                <a:gd name="adj1" fmla="val 57143"/>
+              </a:avLst>
+            </a:prstGeom>
+            <a:ln w="12700">
+              <a:solidFill>
+                <a:srgbClr val="FF0000"/>
+              </a:solidFill>
+              <a:tailEnd type="arrow"/>
+            </a:ln>
+          </p:spPr>
+          <p:style>
+            <a:lnRef idx="1">
+              <a:schemeClr val="accent1"/>
+            </a:lnRef>
+            <a:fillRef idx="0">
+              <a:schemeClr val="accent1"/>
+            </a:fillRef>
+            <a:effectRef idx="0">
+              <a:schemeClr val="accent1"/>
+            </a:effectRef>
+            <a:fontRef idx="minor">
+              <a:schemeClr val="tx1"/>
+            </a:fontRef>
+          </p:style>
+        </p:cxnSp>
+        <p:sp>
+          <p:nvSpPr>
+            <p:cNvPr id="7" name="同心圆 6"/>
+            <p:cNvSpPr/>
+            <p:nvPr/>
+          </p:nvSpPr>
+          <p:spPr>
+            <a:xfrm>
+              <a:off x="6090556" y="5698671"/>
+              <a:ext cx="435425" cy="424542"/>
+            </a:xfrm>
+            <a:prstGeom prst="donut">
+              <a:avLst>
+                <a:gd name="adj" fmla="val 1923"/>
+              </a:avLst>
+            </a:prstGeom>
+            <a:solidFill>
+              <a:srgbClr val="FF0000"/>
+            </a:solidFill>
+            <a:ln>
+              <a:solidFill>
+                <a:srgbClr val="FF0000"/>
+              </a:solidFill>
+            </a:ln>
+          </p:spPr>
+          <p:style>
+            <a:lnRef idx="2">
+              <a:schemeClr val="accent1">
+                <a:shade val="50000"/>
+              </a:schemeClr>
+            </a:lnRef>
+            <a:fillRef idx="1">
+              <a:schemeClr val="accent1"/>
+            </a:fillRef>
+            <a:effectRef idx="0">
+              <a:schemeClr val="accent1"/>
+            </a:effectRef>
+            <a:fontRef idx="minor">
+              <a:schemeClr val="lt1"/>
+            </a:fontRef>
+          </p:style>
+          <p:txBody>
+            <a:bodyPr rtlCol="0" anchor="ctr"/>
+            <a:lstStyle/>
+            <a:p>
+              <a:pPr algn="ctr"/>
+              <a:endParaRPr lang="zh-CN" altLang="en-US">
+                <a:solidFill>
+                  <a:schemeClr val="tx1"/>
+                </a:solidFill>
+              </a:endParaRPr>
+            </a:p>
+          </p:txBody>
+        </p:sp>
+        <p:sp>
+          <p:nvSpPr>
+            <p:cNvPr id="8" name="TextBox 17"/>
+            <p:cNvSpPr txBox="1"/>
+            <p:nvPr/>
+          </p:nvSpPr>
+          <p:spPr>
+            <a:xfrm>
+              <a:off x="6090532" y="5698671"/>
+              <a:ext cx="564695" cy="369332"/>
+            </a:xfrm>
+            <a:prstGeom prst="rect">
+              <a:avLst/>
+            </a:prstGeom>
+            <a:noFill/>
+          </p:spPr>
+          <p:txBody>
+            <a:bodyPr wrap="square" rtlCol="0">
+              <a:spAutoFit/>
+            </a:bodyPr>
+            <a:lstStyle/>
+            <a:p>
+              <a:r>
+                <a:rPr lang="en-US" altLang="zh-CN" dirty="0" smtClean="0">
+                  <a:latin typeface="Times New Roman" panose="02020603050405020304" pitchFamily="18" charset="0"/>
+                  <a:cs typeface="Times New Roman" panose="02020603050405020304" pitchFamily="18" charset="0"/>
+                </a:rPr>
+                <a:t>Err</a:t>
+              </a:r>
+              <a:endParaRPr lang="zh-CN" altLang="en-US" dirty="0">
+                <a:latin typeface="Times New Roman" panose="02020603050405020304" pitchFamily="18" charset="0"/>
+                <a:cs typeface="Times New Roman" panose="02020603050405020304" pitchFamily="18" charset="0"/>
+              </a:endParaRPr>
+            </a:p>
+          </p:txBody>
+        </p:sp>
+        <p:sp>
+          <p:nvSpPr>
+            <p:cNvPr id="9" name="TextBox 20"/>
+            <p:cNvSpPr txBox="1"/>
+            <p:nvPr/>
+          </p:nvSpPr>
+          <p:spPr>
+            <a:xfrm>
+              <a:off x="5747657" y="5264024"/>
+              <a:ext cx="751114" cy="369332"/>
+            </a:xfrm>
+            <a:prstGeom prst="rect">
+              <a:avLst/>
+            </a:prstGeom>
+            <a:noFill/>
+          </p:spPr>
+          <p:txBody>
+            <a:bodyPr wrap="square" rtlCol="0">
+              <a:spAutoFit/>
+            </a:bodyPr>
+            <a:lstStyle/>
+            <a:p>
+              <a:r>
+                <a:rPr lang="en-US" altLang="zh-CN" b="1" dirty="0">
+                  <a:latin typeface="Times New Roman" panose="02020603050405020304" pitchFamily="18" charset="0"/>
+                  <a:cs typeface="Times New Roman" panose="02020603050405020304" pitchFamily="18" charset="0"/>
+                </a:rPr>
+                <a:t>other</a:t>
+              </a:r>
+              <a:endParaRPr lang="zh-CN" altLang="en-US" b="1" dirty="0">
+                <a:latin typeface="Times New Roman" panose="02020603050405020304" pitchFamily="18" charset="0"/>
+                <a:cs typeface="Times New Roman" panose="02020603050405020304" pitchFamily="18" charset="0"/>
+              </a:endParaRPr>
+            </a:p>
+          </p:txBody>
+        </p:sp>
+      </p:grpSp>
+      <p:sp>
+        <p:nvSpPr>
+          <p:cNvPr id="10" name="文本框 9"/>
+          <p:cNvSpPr txBox="1"/>
+          <p:nvPr/>
+        </p:nvSpPr>
+        <p:spPr>
+          <a:xfrm>
+            <a:off x="828675" y="1401863"/>
+            <a:ext cx="1939955" cy="369332"/>
+          </a:xfrm>
+          <a:prstGeom prst="rect">
+            <a:avLst/>
+          </a:prstGeom>
+          <a:noFill/>
+        </p:spPr>
+        <p:txBody>
+          <a:bodyPr wrap="none" rtlCol="0">
+            <a:spAutoFit/>
+          </a:bodyPr>
+          <a:lstStyle/>
+          <a:p>
+            <a:r>
+              <a:rPr lang="en-US" altLang="zh-CN" b="1" dirty="0" smtClean="0"/>
+              <a:t>Unsigned number</a:t>
+            </a:r>
+            <a:endParaRPr lang="zh-CN" altLang="en-US" b="1" dirty="0"/>
+          </a:p>
+        </p:txBody>
+      </p:sp>
+      <p:sp>
+        <p:nvSpPr>
+          <p:cNvPr id="11" name="文本框 10"/>
+          <p:cNvSpPr txBox="1"/>
+          <p:nvPr/>
+        </p:nvSpPr>
+        <p:spPr>
+          <a:xfrm>
+            <a:off x="828674" y="4204851"/>
+            <a:ext cx="1354858" cy="369332"/>
+          </a:xfrm>
+          <a:prstGeom prst="rect">
+            <a:avLst/>
+          </a:prstGeom>
+          <a:noFill/>
+        </p:spPr>
+        <p:txBody>
+          <a:bodyPr wrap="none" rtlCol="0">
+            <a:spAutoFit/>
+          </a:bodyPr>
+          <a:lstStyle/>
+          <a:p>
+            <a:r>
+              <a:rPr lang="en-US" altLang="zh-CN" b="1" dirty="0" smtClean="0"/>
+              <a:t>Whitespace</a:t>
+            </a:r>
+            <a:endParaRPr lang="zh-CN" altLang="en-US" b="1" dirty="0"/>
+          </a:p>
+        </p:txBody>
+      </p:sp>
+      <p:pic>
+        <p:nvPicPr>
+          <p:cNvPr id="12" name="图片 11"/>
+          <p:cNvPicPr>
+            <a:picLocks noChangeAspect="1"/>
+          </p:cNvPicPr>
+          <p:nvPr/>
+        </p:nvPicPr>
+        <p:blipFill>
+          <a:blip r:embed="rId3"/>
+          <a:stretch>
+            <a:fillRect/>
+          </a:stretch>
+        </p:blipFill>
+        <p:spPr>
+          <a:xfrm>
+            <a:off x="1085160" y="4753981"/>
+            <a:ext cx="5352381" cy="1676190"/>
+          </a:xfrm>
+          <a:prstGeom prst="rect">
+            <a:avLst/>
+          </a:prstGeom>
+        </p:spPr>
+      </p:pic>
+    </p:spTree>
+    <p:extLst>
+      <p:ext uri="{BB962C8B-B14F-4D97-AF65-F5344CB8AC3E}">
+        <p14:creationId xmlns:p14="http://schemas.microsoft.com/office/powerpoint/2010/main" val="3001202178"/>
+      </p:ext>
+    </p:extLst>
+  </p:cSld>
+  <p:clrMapOvr>
+    <a:masterClrMapping/>
+  </p:clrMapOvr>
+  <mc:AlternateContent xmlns:mc="http://schemas.openxmlformats.org/markup-compatibility/2006" xmlns:p14="http://schemas.microsoft.com/office/powerpoint/2010/main">
+    <mc:Choice Requires="p14">
+      <p:transition spd="med" p14:dur="700">
+        <p:fade/>
+      </p:transition>
+    </mc:Choice>
+    <mc:Fallback xmlns="">
+      <p:transition spd="med">
+        <p:fade/>
+      </p:transition>
+    </mc:Fallback>
+  </mc:AlternateContent>
+  <p:timing>
+    <p:tnLst>
+      <p:par>
+        <p:cTn id="1" dur="indefinite" restart="never" nodeType="tmRoot">
+          <p:childTnLst>
+            <p:seq concurrent="1" nextAc="seek">
+              <p:cTn id="2" dur="indefinite" nodeType="mainSeq">
+                <p:childTnLst>
+                  <p:par>
+                    <p:cTn id="3" fill="hold">
+                      <p:stCondLst>
+                        <p:cond delay="indefinite"/>
+                      </p:stCondLst>
+                      <p:childTnLst>
+                        <p:par>
+                          <p:cTn id="4" fill="hold">
+                            <p:stCondLst>
+                              <p:cond delay="0"/>
+                            </p:stCondLst>
+                            <p:childTnLst>
+                              <p:par>
+                                <p:cTn id="5" presetID="10" presetClass="entr" presetSubtype="0" fill="hold" nodeType="clickEffect">
+                                  <p:stCondLst>
+                                    <p:cond delay="0"/>
+                                  </p:stCondLst>
+                                  <p:childTnLst>
+                                    <p:set>
+                                      <p:cBhvr>
+                                        <p:cTn id="6" dur="1" fill="hold">
+                                          <p:stCondLst>
+                                            <p:cond delay="0"/>
+                                          </p:stCondLst>
+                                        </p:cTn>
+                                        <p:tgtEl>
+                                          <p:spTgt spid="5"/>
+                                        </p:tgtEl>
+                                        <p:attrNameLst>
+                                          <p:attrName>style.visibility</p:attrName>
+                                        </p:attrNameLst>
+                                      </p:cBhvr>
+                                      <p:to>
+                                        <p:strVal val="visible"/>
+                                      </p:to>
+                                    </p:set>
+                                    <p:animEffect transition="in" filter="fade">
+                                      <p:cBhvr>
+                                        <p:cTn id="7" dur="500"/>
+                                        <p:tgtEl>
+                                          <p:spTgt spid="5"/>
+                                        </p:tgtEl>
+                                      </p:cBhvr>
+                                    </p:animEffect>
+                                  </p:childTnLst>
+                                </p:cTn>
+                              </p:par>
+                            </p:childTnLst>
+                          </p:cTn>
+                        </p:par>
+                      </p:childTnLst>
+                    </p:cTn>
+                  </p:par>
+                </p:childTnLst>
+              </p:cTn>
+              <p:prevCondLst>
+                <p:cond evt="onPrev" delay="0">
+                  <p:tgtEl>
+                    <p:sldTgt/>
+                  </p:tgtEl>
+                </p:cond>
+              </p:prevCondLst>
+              <p:nextCondLst>
+                <p:cond evt="onNext" delay="0">
+                  <p:tgtEl>
+                    <p:sldTgt/>
+                  </p:tgtEl>
+                </p:cond>
+              </p:nextCondLst>
+            </p:seq>
+          </p:childTnLst>
+        </p:cTn>
+      </p:par>
+    </p:tnLst>
+  </p:timing>
+</p:sld>
+</file>
+
+<file path=ppt/slides/slide28.xml><?xml version="1.0" encoding="utf-8"?>
+<p:sld xmlns:a="http://schemas.openxmlformats.org/drawingml/2006/main" xmlns:r="http://schemas.openxmlformats.org/officeDocument/2006/relationships" xmlns:p="http://schemas.openxmlformats.org/presentationml/2006/main">
+  <p:cSld>
+    <p:spTree>
+      <p:nvGrpSpPr>
+        <p:cNvPr id="1" name=""/>
+        <p:cNvGrpSpPr/>
+        <p:nvPr/>
+      </p:nvGrpSpPr>
+      <p:grpSpPr>
+        <a:xfrm>
+          <a:off x="0" y="0"/>
+          <a:ext cx="0" cy="0"/>
+          <a:chOff x="0" y="0"/>
+          <a:chExt cx="0" cy="0"/>
+        </a:xfrm>
+      </p:grpSpPr>
+      <p:sp>
+        <p:nvSpPr>
+          <p:cNvPr id="2" name="标题 1"/>
+          <p:cNvSpPr>
+            <a:spLocks noGrp="1"/>
+          </p:cNvSpPr>
+          <p:nvPr>
+            <p:ph type="title"/>
+          </p:nvPr>
+        </p:nvSpPr>
+        <p:spPr/>
+        <p:txBody>
+          <a:bodyPr/>
+          <a:lstStyle/>
+          <a:p>
+            <a:r>
+              <a:rPr lang="en-US" altLang="zh-CN" sz="2000" dirty="0"/>
+              <a:t>3.3 Transition Diagram – </a:t>
+            </a:r>
+            <a:r>
+              <a:rPr lang="en-US" altLang="zh-CN" sz="2000" dirty="0" smtClean="0"/>
+              <a:t>Architecture of a Transition-Diagram-Based Lexical Analyzer</a:t>
+            </a:r>
+            <a:endParaRPr lang="zh-CN" altLang="en-US" dirty="0"/>
+          </a:p>
+        </p:txBody>
+      </p:sp>
+      <p:pic>
+        <p:nvPicPr>
+          <p:cNvPr id="4" name="Picture 2"/>
+          <p:cNvPicPr>
+            <a:picLocks noChangeAspect="1" noChangeArrowheads="1"/>
+          </p:cNvPicPr>
+          <p:nvPr/>
+        </p:nvPicPr>
+        <p:blipFill>
+          <a:blip r:embed="rId2">
+            <a:extLst>
+              <a:ext uri="{28A0092B-C50C-407E-A947-70E740481C1C}">
+                <a14:useLocalDpi xmlns:a14="http://schemas.microsoft.com/office/drawing/2010/main" val="0"/>
+              </a:ext>
+            </a:extLst>
+          </a:blip>
+          <a:srcRect/>
+          <a:stretch>
+            <a:fillRect/>
+          </a:stretch>
+        </p:blipFill>
+        <p:spPr bwMode="auto">
+          <a:xfrm>
+            <a:off x="1374332" y="1628578"/>
+            <a:ext cx="6394197" cy="4803395"/>
+          </a:xfrm>
+          <a:prstGeom prst="rect">
+            <a:avLst/>
+          </a:prstGeom>
+          <a:noFill/>
+          <a:ln>
+            <a:noFill/>
+          </a:ln>
+          <a:extLst>
+            <a:ext uri="{909E8E84-426E-40DD-AFC4-6F175D3DCCD1}">
+              <a14:hiddenFill xmlns:a14="http://schemas.microsoft.com/office/drawing/2010/main">
+                <a:solidFill>
+                  <a:schemeClr val="accent1"/>
+                </a:solidFill>
+              </a14:hiddenFill>
+            </a:ext>
+            <a:ext uri="{91240B29-F687-4F45-9708-019B960494DF}">
+              <a14:hiddenLine xmlns:a14="http://schemas.microsoft.com/office/drawing/2010/main" w="9525">
+                <a:solidFill>
+                  <a:schemeClr val="tx1"/>
+                </a:solidFill>
+                <a:miter lim="800000"/>
+                <a:headEnd/>
+                <a:tailEnd/>
+              </a14:hiddenLine>
+            </a:ext>
+          </a:extLst>
+        </p:spPr>
+      </p:pic>
+    </p:spTree>
+    <p:extLst>
+      <p:ext uri="{BB962C8B-B14F-4D97-AF65-F5344CB8AC3E}">
+        <p14:creationId xmlns:p14="http://schemas.microsoft.com/office/powerpoint/2010/main" val="634351530"/>
+      </p:ext>
+    </p:extLst>
+  </p:cSld>
+  <p:clrMapOvr>
+    <a:masterClrMapping/>
+  </p:clrMapOvr>
+  <mc:AlternateContent xmlns:mc="http://schemas.openxmlformats.org/markup-compatibility/2006" xmlns:p14="http://schemas.microsoft.com/office/powerpoint/2010/main">
+    <mc:Choice Requires="p14">
+      <p:transition spd="med" p14:dur="700">
+        <p:fade/>
+      </p:transition>
+    </mc:Choice>
+    <mc:Fallback xmlns="">
+      <p:transition spd="med">
+        <p:fade/>
+      </p:transition>
+    </mc:Fallback>
+  </mc:AlternateContent>
+</p:sld>
+</file>
+
 <file path=ppt/slides/slide3.xml><?xml version="1.0" encoding="utf-8"?>
 <p:sld xmlns:a="http://schemas.openxmlformats.org/drawingml/2006/main" xmlns:r="http://schemas.openxmlformats.org/officeDocument/2006/relationships" xmlns:p="http://schemas.openxmlformats.org/presentationml/2006/main">
   <p:cSld>
@@ -10022,13 +15510,21 @@
           <a:p>
             <a:r>
               <a:rPr lang="en-US" altLang="zh-CN" sz="2000" dirty="0" smtClean="0"/>
-              <a:t>Regular Expression, Regular Set</a:t>
-            </a:r>
-          </a:p>
-          <a:p>
+              <a:t>Regular Expression, Regular </a:t>
+            </a:r>
             <a:r>
               <a:rPr lang="en-US" altLang="zh-CN" sz="2000" dirty="0" smtClean="0"/>
-              <a:t>Transition Diagram</a:t>
+              <a:t>Set</a:t>
+            </a:r>
+          </a:p>
+          <a:p>
+            <a:r>
+              <a:rPr lang="en-US" altLang="zh-CN" sz="2000" dirty="0" smtClean="0"/>
+              <a:t>Transition </a:t>
+            </a:r>
+            <a:r>
+              <a:rPr lang="en-US" altLang="zh-CN" sz="2000" dirty="0" smtClean="0"/>
+              <a:t>Diagram</a:t>
             </a:r>
           </a:p>
           <a:p>
@@ -13684,141 +19180,6 @@
 </file>
 
 <file path=customXml/item1.xml><?xml version="1.0" encoding="utf-8"?>
-<p:properties xmlns:p="http://schemas.microsoft.com/office/2006/metadata/properties" xmlns:xsi="http://www.w3.org/2001/XMLSchema-instance" xmlns:pc="http://schemas.microsoft.com/office/infopath/2007/PartnerControls">
-  <documentManagement>
-    <APDescription xmlns="4873beb7-5857-4685-be1f-d57550cc96cc" xsi:nil="true"/>
-    <AssetExpire xmlns="4873beb7-5857-4685-be1f-d57550cc96cc">2029-01-01T08:00:00+00:00</AssetExpire>
-    <CampaignTagsTaxHTField0 xmlns="4873beb7-5857-4685-be1f-d57550cc96cc">
-      <Terms xmlns="http://schemas.microsoft.com/office/infopath/2007/PartnerControls"/>
-    </CampaignTagsTaxHTField0>
-    <IntlLangReviewDate xmlns="4873beb7-5857-4685-be1f-d57550cc96cc" xsi:nil="true"/>
-    <TPFriendlyName xmlns="4873beb7-5857-4685-be1f-d57550cc96cc" xsi:nil="true"/>
-    <IntlLangReview xmlns="4873beb7-5857-4685-be1f-d57550cc96cc">false</IntlLangReview>
-    <LocLastLocAttemptVersionLookup xmlns="4873beb7-5857-4685-be1f-d57550cc96cc">855024</LocLastLocAttemptVersionLookup>
-    <PolicheckWords xmlns="4873beb7-5857-4685-be1f-d57550cc96cc" xsi:nil="true"/>
-    <SubmitterId xmlns="4873beb7-5857-4685-be1f-d57550cc96cc" xsi:nil="true"/>
-    <AcquiredFrom xmlns="4873beb7-5857-4685-be1f-d57550cc96cc">Internal MS</AcquiredFrom>
-    <EditorialStatus xmlns="4873beb7-5857-4685-be1f-d57550cc96cc">Complete</EditorialStatus>
-    <Markets xmlns="4873beb7-5857-4685-be1f-d57550cc96cc"/>
-    <OriginAsset xmlns="4873beb7-5857-4685-be1f-d57550cc96cc" xsi:nil="true"/>
-    <AssetStart xmlns="4873beb7-5857-4685-be1f-d57550cc96cc">2012-08-31T08:50:00+00:00</AssetStart>
-    <FriendlyTitle xmlns="4873beb7-5857-4685-be1f-d57550cc96cc" xsi:nil="true"/>
-    <MarketSpecific xmlns="4873beb7-5857-4685-be1f-d57550cc96cc">false</MarketSpecific>
-    <TPNamespace xmlns="4873beb7-5857-4685-be1f-d57550cc96cc" xsi:nil="true"/>
-    <PublishStatusLookup xmlns="4873beb7-5857-4685-be1f-d57550cc96cc">
-      <Value>1616423</Value>
-    </PublishStatusLookup>
-    <APAuthor xmlns="4873beb7-5857-4685-be1f-d57550cc96cc">
-      <UserInfo>
-        <DisplayName>REDMOND\kristaa</DisplayName>
-        <AccountId>136</AccountId>
-        <AccountType/>
-      </UserInfo>
-    </APAuthor>
-    <TPCommandLine xmlns="4873beb7-5857-4685-be1f-d57550cc96cc" xsi:nil="true"/>
-    <IntlLangReviewer xmlns="4873beb7-5857-4685-be1f-d57550cc96cc" xsi:nil="true"/>
-    <OpenTemplate xmlns="4873beb7-5857-4685-be1f-d57550cc96cc">true</OpenTemplate>
-    <CSXSubmissionDate xmlns="4873beb7-5857-4685-be1f-d57550cc96cc" xsi:nil="true"/>
-    <TaxCatchAll xmlns="4873beb7-5857-4685-be1f-d57550cc96cc"/>
-    <Manager xmlns="4873beb7-5857-4685-be1f-d57550cc96cc" xsi:nil="true"/>
-    <NumericId xmlns="4873beb7-5857-4685-be1f-d57550cc96cc" xsi:nil="true"/>
-    <ParentAssetId xmlns="4873beb7-5857-4685-be1f-d57550cc96cc" xsi:nil="true"/>
-    <OriginalSourceMarket xmlns="4873beb7-5857-4685-be1f-d57550cc96cc" xsi:nil="true"/>
-    <ApprovalStatus xmlns="4873beb7-5857-4685-be1f-d57550cc96cc">InProgress</ApprovalStatus>
-    <TPComponent xmlns="4873beb7-5857-4685-be1f-d57550cc96cc" xsi:nil="true"/>
-    <EditorialTags xmlns="4873beb7-5857-4685-be1f-d57550cc96cc" xsi:nil="true"/>
-    <TPExecutable xmlns="4873beb7-5857-4685-be1f-d57550cc96cc" xsi:nil="true"/>
-    <TPLaunchHelpLink xmlns="4873beb7-5857-4685-be1f-d57550cc96cc" xsi:nil="true"/>
-    <LocComments xmlns="4873beb7-5857-4685-be1f-d57550cc96cc" xsi:nil="true"/>
-    <LocRecommendedHandoff xmlns="4873beb7-5857-4685-be1f-d57550cc96cc" xsi:nil="true"/>
-    <SourceTitle xmlns="4873beb7-5857-4685-be1f-d57550cc96cc" xsi:nil="true"/>
-    <CSXUpdate xmlns="4873beb7-5857-4685-be1f-d57550cc96cc">false</CSXUpdate>
-    <IntlLocPriority xmlns="4873beb7-5857-4685-be1f-d57550cc96cc" xsi:nil="true"/>
-    <UAProjectedTotalWords xmlns="4873beb7-5857-4685-be1f-d57550cc96cc" xsi:nil="true"/>
-    <AssetType xmlns="4873beb7-5857-4685-be1f-d57550cc96cc">TP</AssetType>
-    <MachineTranslated xmlns="4873beb7-5857-4685-be1f-d57550cc96cc">false</MachineTranslated>
-    <OutputCachingOn xmlns="4873beb7-5857-4685-be1f-d57550cc96cc">false</OutputCachingOn>
-    <TemplateStatus xmlns="4873beb7-5857-4685-be1f-d57550cc96cc">Complete</TemplateStatus>
-    <IsSearchable xmlns="4873beb7-5857-4685-be1f-d57550cc96cc">true</IsSearchable>
-    <ContentItem xmlns="4873beb7-5857-4685-be1f-d57550cc96cc" xsi:nil="true"/>
-    <HandoffToMSDN xmlns="4873beb7-5857-4685-be1f-d57550cc96cc" xsi:nil="true"/>
-    <ShowIn xmlns="4873beb7-5857-4685-be1f-d57550cc96cc">Show everywhere</ShowIn>
-    <ThumbnailAssetId xmlns="4873beb7-5857-4685-be1f-d57550cc96cc" xsi:nil="true"/>
-    <UALocComments xmlns="4873beb7-5857-4685-be1f-d57550cc96cc" xsi:nil="true"/>
-    <UALocRecommendation xmlns="4873beb7-5857-4685-be1f-d57550cc96cc">Localize</UALocRecommendation>
-    <LastModifiedDateTime xmlns="4873beb7-5857-4685-be1f-d57550cc96cc" xsi:nil="true"/>
-    <LegacyData xmlns="4873beb7-5857-4685-be1f-d57550cc96cc" xsi:nil="true"/>
-    <LocManualTestRequired xmlns="4873beb7-5857-4685-be1f-d57550cc96cc">false</LocManualTestRequired>
-    <LocMarketGroupTiers2 xmlns="4873beb7-5857-4685-be1f-d57550cc96cc" xsi:nil="true"/>
-    <ClipArtFilename xmlns="4873beb7-5857-4685-be1f-d57550cc96cc" xsi:nil="true"/>
-    <TPApplication xmlns="4873beb7-5857-4685-be1f-d57550cc96cc" xsi:nil="true"/>
-    <CSXHash xmlns="4873beb7-5857-4685-be1f-d57550cc96cc" xsi:nil="true"/>
-    <DirectSourceMarket xmlns="4873beb7-5857-4685-be1f-d57550cc96cc" xsi:nil="true"/>
-    <PrimaryImageGen xmlns="4873beb7-5857-4685-be1f-d57550cc96cc">true</PrimaryImageGen>
-    <PlannedPubDate xmlns="4873beb7-5857-4685-be1f-d57550cc96cc" xsi:nil="true"/>
-    <CSXSubmissionMarket xmlns="4873beb7-5857-4685-be1f-d57550cc96cc" xsi:nil="true"/>
-    <Downloads xmlns="4873beb7-5857-4685-be1f-d57550cc96cc">0</Downloads>
-    <ArtSampleDocs xmlns="4873beb7-5857-4685-be1f-d57550cc96cc" xsi:nil="true"/>
-    <TrustLevel xmlns="4873beb7-5857-4685-be1f-d57550cc96cc">1 Microsoft Managed Content</TrustLevel>
-    <BlockPublish xmlns="4873beb7-5857-4685-be1f-d57550cc96cc">false</BlockPublish>
-    <TPLaunchHelpLinkType xmlns="4873beb7-5857-4685-be1f-d57550cc96cc">Template</TPLaunchHelpLinkType>
-    <LocalizationTagsTaxHTField0 xmlns="4873beb7-5857-4685-be1f-d57550cc96cc">
-      <Terms xmlns="http://schemas.microsoft.com/office/infopath/2007/PartnerControls"/>
-    </LocalizationTagsTaxHTField0>
-    <BusinessGroup xmlns="4873beb7-5857-4685-be1f-d57550cc96cc" xsi:nil="true"/>
-    <Providers xmlns="4873beb7-5857-4685-be1f-d57550cc96cc" xsi:nil="true"/>
-    <TemplateTemplateType xmlns="4873beb7-5857-4685-be1f-d57550cc96cc">PowerPoint Presentation Template</TemplateTemplateType>
-    <TimesCloned xmlns="4873beb7-5857-4685-be1f-d57550cc96cc" xsi:nil="true"/>
-    <TPAppVersion xmlns="4873beb7-5857-4685-be1f-d57550cc96cc" xsi:nil="true"/>
-    <VoteCount xmlns="4873beb7-5857-4685-be1f-d57550cc96cc" xsi:nil="true"/>
-    <AverageRating xmlns="4873beb7-5857-4685-be1f-d57550cc96cc" xsi:nil="true"/>
-    <FeatureTagsTaxHTField0 xmlns="4873beb7-5857-4685-be1f-d57550cc96cc">
-      <Terms xmlns="http://schemas.microsoft.com/office/infopath/2007/PartnerControls"/>
-    </FeatureTagsTaxHTField0>
-    <Provider xmlns="4873beb7-5857-4685-be1f-d57550cc96cc" xsi:nil="true"/>
-    <UACurrentWords xmlns="4873beb7-5857-4685-be1f-d57550cc96cc" xsi:nil="true"/>
-    <AssetId xmlns="4873beb7-5857-4685-be1f-d57550cc96cc">TP103431361</AssetId>
-    <TPClientViewer xmlns="4873beb7-5857-4685-be1f-d57550cc96cc" xsi:nil="true"/>
-    <DSATActionTaken xmlns="4873beb7-5857-4685-be1f-d57550cc96cc" xsi:nil="true"/>
-    <APEditor xmlns="4873beb7-5857-4685-be1f-d57550cc96cc">
-      <UserInfo>
-        <DisplayName/>
-        <AccountId xsi:nil="true"/>
-        <AccountType/>
-      </UserInfo>
-    </APEditor>
-    <TPInstallLocation xmlns="4873beb7-5857-4685-be1f-d57550cc96cc" xsi:nil="true"/>
-    <OOCacheId xmlns="4873beb7-5857-4685-be1f-d57550cc96cc" xsi:nil="true"/>
-    <IsDeleted xmlns="4873beb7-5857-4685-be1f-d57550cc96cc">false</IsDeleted>
-    <PublishTargets xmlns="4873beb7-5857-4685-be1f-d57550cc96cc">OfficeOnlineVNext</PublishTargets>
-    <ApprovalLog xmlns="4873beb7-5857-4685-be1f-d57550cc96cc" xsi:nil="true"/>
-    <BugNumber xmlns="4873beb7-5857-4685-be1f-d57550cc96cc" xsi:nil="true"/>
-    <CrawlForDependencies xmlns="4873beb7-5857-4685-be1f-d57550cc96cc">false</CrawlForDependencies>
-    <InternalTagsTaxHTField0 xmlns="4873beb7-5857-4685-be1f-d57550cc96cc">
-      <Terms xmlns="http://schemas.microsoft.com/office/infopath/2007/PartnerControls"/>
-    </InternalTagsTaxHTField0>
-    <LastHandOff xmlns="4873beb7-5857-4685-be1f-d57550cc96cc" xsi:nil="true"/>
-    <Milestone xmlns="4873beb7-5857-4685-be1f-d57550cc96cc" xsi:nil="true"/>
-    <OriginalRelease xmlns="4873beb7-5857-4685-be1f-d57550cc96cc">15</OriginalRelease>
-    <RecommendationsModifier xmlns="4873beb7-5857-4685-be1f-d57550cc96cc" xsi:nil="true"/>
-    <ScenarioTagsTaxHTField0 xmlns="4873beb7-5857-4685-be1f-d57550cc96cc">
-      <Terms xmlns="http://schemas.microsoft.com/office/infopath/2007/PartnerControls"/>
-    </ScenarioTagsTaxHTField0>
-    <UANotes xmlns="4873beb7-5857-4685-be1f-d57550cc96cc" xsi:nil="true"/>
-  </documentManagement>
-</p:properties>
-</file>
-
-<file path=customXml/item2.xml><?xml version="1.0" encoding="utf-8"?>
-<?mso-contentType ?>
-<FormTemplates xmlns="http://schemas.microsoft.com/sharepoint/v3/contenttype/forms">
-  <Display>DocumentLibraryForm</Display>
-  <Edit>AssetEditForm</Edit>
-  <New>DocumentLibraryForm</New>
-</FormTemplates>
-</file>
-
-<file path=customXml/item3.xml><?xml version="1.0" encoding="utf-8"?>
 <ct:contentTypeSchema xmlns:ct="http://schemas.microsoft.com/office/2006/metadata/contentType" xmlns:ma="http://schemas.microsoft.com/office/2006/metadata/properties/metaAttributes" ct:_="" ma:_="" ma:contentTypeName="TemplateFile" ma:contentTypeID="0x0101006EDDDB5EE6D98C44930B742096920B300400F5B6D36B3EF94B4E9A635CDF2A18F5B8" ma:contentTypeVersion="72" ma:contentTypeDescription="Create a new document." ma:contentTypeScope="" ma:versionID="a23e56308344d904b51738559c3d67c9">
   <xsd:schema xmlns:xsd="http://www.w3.org/2001/XMLSchema" xmlns:xs="http://www.w3.org/2001/XMLSchema" xmlns:p="http://schemas.microsoft.com/office/2006/metadata/properties" xmlns:ns2="4873beb7-5857-4685-be1f-d57550cc96cc" targetNamespace="http://schemas.microsoft.com/office/2006/metadata/properties" ma:root="true" ma:fieldsID="cd0908cc4600e77bf5da051303e00c8d" ns2:_="">
     <xsd:import namespace="4873beb7-5857-4685-be1f-d57550cc96cc"/>
@@ -14858,31 +20219,142 @@
 </ct:contentTypeSchema>
 </file>
 
-<file path=customXml/itemProps1.xml><?xml version="1.0" encoding="utf-8"?>
-<ds:datastoreItem xmlns:ds="http://schemas.openxmlformats.org/officeDocument/2006/customXml" ds:itemID="{8CDDBB83-77C1-4099-A0AA-289882E745E2}">
-  <ds:schemaRefs>
-    <ds:schemaRef ds:uri="http://schemas.microsoft.com/office/infopath/2007/PartnerControls"/>
-    <ds:schemaRef ds:uri="http://purl.org/dc/dcmitype/"/>
-    <ds:schemaRef ds:uri="http://purl.org/dc/elements/1.1/"/>
-    <ds:schemaRef ds:uri="4873beb7-5857-4685-be1f-d57550cc96cc"/>
-    <ds:schemaRef ds:uri="http://schemas.microsoft.com/office/2006/documentManagement/types"/>
-    <ds:schemaRef ds:uri="http://purl.org/dc/terms/"/>
-    <ds:schemaRef ds:uri="http://schemas.openxmlformats.org/package/2006/metadata/core-properties"/>
-    <ds:schemaRef ds:uri="http://schemas.microsoft.com/office/2006/metadata/properties"/>
-    <ds:schemaRef ds:uri="http://www.w3.org/XML/1998/namespace"/>
-  </ds:schemaRefs>
-</ds:datastoreItem>
+<file path=customXml/item2.xml><?xml version="1.0" encoding="utf-8"?>
+<?mso-contentType ?>
+<FormTemplates xmlns="http://schemas.microsoft.com/sharepoint/v3/contenttype/forms">
+  <Display>DocumentLibraryForm</Display>
+  <Edit>AssetEditForm</Edit>
+  <New>DocumentLibraryForm</New>
+</FormTemplates>
 </file>
 
-<file path=customXml/itemProps2.xml><?xml version="1.0" encoding="utf-8"?>
-<ds:datastoreItem xmlns:ds="http://schemas.openxmlformats.org/officeDocument/2006/customXml" ds:itemID="{561E720F-F05D-4536-9C34-0CFCED65D3B7}">
-  <ds:schemaRefs>
-    <ds:schemaRef ds:uri="http://schemas.microsoft.com/sharepoint/v3/contenttype/forms"/>
-  </ds:schemaRefs>
-</ds:datastoreItem>
+<file path=customXml/item3.xml><?xml version="1.0" encoding="utf-8"?>
+<p:properties xmlns:p="http://schemas.microsoft.com/office/2006/metadata/properties" xmlns:xsi="http://www.w3.org/2001/XMLSchema-instance" xmlns:pc="http://schemas.microsoft.com/office/infopath/2007/PartnerControls">
+  <documentManagement>
+    <APDescription xmlns="4873beb7-5857-4685-be1f-d57550cc96cc" xsi:nil="true"/>
+    <AssetExpire xmlns="4873beb7-5857-4685-be1f-d57550cc96cc">2029-01-01T08:00:00+00:00</AssetExpire>
+    <CampaignTagsTaxHTField0 xmlns="4873beb7-5857-4685-be1f-d57550cc96cc">
+      <Terms xmlns="http://schemas.microsoft.com/office/infopath/2007/PartnerControls"/>
+    </CampaignTagsTaxHTField0>
+    <IntlLangReviewDate xmlns="4873beb7-5857-4685-be1f-d57550cc96cc" xsi:nil="true"/>
+    <TPFriendlyName xmlns="4873beb7-5857-4685-be1f-d57550cc96cc" xsi:nil="true"/>
+    <IntlLangReview xmlns="4873beb7-5857-4685-be1f-d57550cc96cc">false</IntlLangReview>
+    <LocLastLocAttemptVersionLookup xmlns="4873beb7-5857-4685-be1f-d57550cc96cc">855024</LocLastLocAttemptVersionLookup>
+    <PolicheckWords xmlns="4873beb7-5857-4685-be1f-d57550cc96cc" xsi:nil="true"/>
+    <SubmitterId xmlns="4873beb7-5857-4685-be1f-d57550cc96cc" xsi:nil="true"/>
+    <AcquiredFrom xmlns="4873beb7-5857-4685-be1f-d57550cc96cc">Internal MS</AcquiredFrom>
+    <EditorialStatus xmlns="4873beb7-5857-4685-be1f-d57550cc96cc">Complete</EditorialStatus>
+    <Markets xmlns="4873beb7-5857-4685-be1f-d57550cc96cc"/>
+    <OriginAsset xmlns="4873beb7-5857-4685-be1f-d57550cc96cc" xsi:nil="true"/>
+    <AssetStart xmlns="4873beb7-5857-4685-be1f-d57550cc96cc">2012-08-31T08:50:00+00:00</AssetStart>
+    <FriendlyTitle xmlns="4873beb7-5857-4685-be1f-d57550cc96cc" xsi:nil="true"/>
+    <MarketSpecific xmlns="4873beb7-5857-4685-be1f-d57550cc96cc">false</MarketSpecific>
+    <TPNamespace xmlns="4873beb7-5857-4685-be1f-d57550cc96cc" xsi:nil="true"/>
+    <PublishStatusLookup xmlns="4873beb7-5857-4685-be1f-d57550cc96cc">
+      <Value>1616423</Value>
+    </PublishStatusLookup>
+    <APAuthor xmlns="4873beb7-5857-4685-be1f-d57550cc96cc">
+      <UserInfo>
+        <DisplayName>REDMOND\kristaa</DisplayName>
+        <AccountId>136</AccountId>
+        <AccountType/>
+      </UserInfo>
+    </APAuthor>
+    <TPCommandLine xmlns="4873beb7-5857-4685-be1f-d57550cc96cc" xsi:nil="true"/>
+    <IntlLangReviewer xmlns="4873beb7-5857-4685-be1f-d57550cc96cc" xsi:nil="true"/>
+    <OpenTemplate xmlns="4873beb7-5857-4685-be1f-d57550cc96cc">true</OpenTemplate>
+    <CSXSubmissionDate xmlns="4873beb7-5857-4685-be1f-d57550cc96cc" xsi:nil="true"/>
+    <TaxCatchAll xmlns="4873beb7-5857-4685-be1f-d57550cc96cc"/>
+    <Manager xmlns="4873beb7-5857-4685-be1f-d57550cc96cc" xsi:nil="true"/>
+    <NumericId xmlns="4873beb7-5857-4685-be1f-d57550cc96cc" xsi:nil="true"/>
+    <ParentAssetId xmlns="4873beb7-5857-4685-be1f-d57550cc96cc" xsi:nil="true"/>
+    <OriginalSourceMarket xmlns="4873beb7-5857-4685-be1f-d57550cc96cc" xsi:nil="true"/>
+    <ApprovalStatus xmlns="4873beb7-5857-4685-be1f-d57550cc96cc">InProgress</ApprovalStatus>
+    <TPComponent xmlns="4873beb7-5857-4685-be1f-d57550cc96cc" xsi:nil="true"/>
+    <EditorialTags xmlns="4873beb7-5857-4685-be1f-d57550cc96cc" xsi:nil="true"/>
+    <TPExecutable xmlns="4873beb7-5857-4685-be1f-d57550cc96cc" xsi:nil="true"/>
+    <TPLaunchHelpLink xmlns="4873beb7-5857-4685-be1f-d57550cc96cc" xsi:nil="true"/>
+    <LocComments xmlns="4873beb7-5857-4685-be1f-d57550cc96cc" xsi:nil="true"/>
+    <LocRecommendedHandoff xmlns="4873beb7-5857-4685-be1f-d57550cc96cc" xsi:nil="true"/>
+    <SourceTitle xmlns="4873beb7-5857-4685-be1f-d57550cc96cc" xsi:nil="true"/>
+    <CSXUpdate xmlns="4873beb7-5857-4685-be1f-d57550cc96cc">false</CSXUpdate>
+    <IntlLocPriority xmlns="4873beb7-5857-4685-be1f-d57550cc96cc" xsi:nil="true"/>
+    <UAProjectedTotalWords xmlns="4873beb7-5857-4685-be1f-d57550cc96cc" xsi:nil="true"/>
+    <AssetType xmlns="4873beb7-5857-4685-be1f-d57550cc96cc">TP</AssetType>
+    <MachineTranslated xmlns="4873beb7-5857-4685-be1f-d57550cc96cc">false</MachineTranslated>
+    <OutputCachingOn xmlns="4873beb7-5857-4685-be1f-d57550cc96cc">false</OutputCachingOn>
+    <TemplateStatus xmlns="4873beb7-5857-4685-be1f-d57550cc96cc">Complete</TemplateStatus>
+    <IsSearchable xmlns="4873beb7-5857-4685-be1f-d57550cc96cc">true</IsSearchable>
+    <ContentItem xmlns="4873beb7-5857-4685-be1f-d57550cc96cc" xsi:nil="true"/>
+    <HandoffToMSDN xmlns="4873beb7-5857-4685-be1f-d57550cc96cc" xsi:nil="true"/>
+    <ShowIn xmlns="4873beb7-5857-4685-be1f-d57550cc96cc">Show everywhere</ShowIn>
+    <ThumbnailAssetId xmlns="4873beb7-5857-4685-be1f-d57550cc96cc" xsi:nil="true"/>
+    <UALocComments xmlns="4873beb7-5857-4685-be1f-d57550cc96cc" xsi:nil="true"/>
+    <UALocRecommendation xmlns="4873beb7-5857-4685-be1f-d57550cc96cc">Localize</UALocRecommendation>
+    <LastModifiedDateTime xmlns="4873beb7-5857-4685-be1f-d57550cc96cc" xsi:nil="true"/>
+    <LegacyData xmlns="4873beb7-5857-4685-be1f-d57550cc96cc" xsi:nil="true"/>
+    <LocManualTestRequired xmlns="4873beb7-5857-4685-be1f-d57550cc96cc">false</LocManualTestRequired>
+    <LocMarketGroupTiers2 xmlns="4873beb7-5857-4685-be1f-d57550cc96cc" xsi:nil="true"/>
+    <ClipArtFilename xmlns="4873beb7-5857-4685-be1f-d57550cc96cc" xsi:nil="true"/>
+    <TPApplication xmlns="4873beb7-5857-4685-be1f-d57550cc96cc" xsi:nil="true"/>
+    <CSXHash xmlns="4873beb7-5857-4685-be1f-d57550cc96cc" xsi:nil="true"/>
+    <DirectSourceMarket xmlns="4873beb7-5857-4685-be1f-d57550cc96cc" xsi:nil="true"/>
+    <PrimaryImageGen xmlns="4873beb7-5857-4685-be1f-d57550cc96cc">true</PrimaryImageGen>
+    <PlannedPubDate xmlns="4873beb7-5857-4685-be1f-d57550cc96cc" xsi:nil="true"/>
+    <CSXSubmissionMarket xmlns="4873beb7-5857-4685-be1f-d57550cc96cc" xsi:nil="true"/>
+    <Downloads xmlns="4873beb7-5857-4685-be1f-d57550cc96cc">0</Downloads>
+    <ArtSampleDocs xmlns="4873beb7-5857-4685-be1f-d57550cc96cc" xsi:nil="true"/>
+    <TrustLevel xmlns="4873beb7-5857-4685-be1f-d57550cc96cc">1 Microsoft Managed Content</TrustLevel>
+    <BlockPublish xmlns="4873beb7-5857-4685-be1f-d57550cc96cc">false</BlockPublish>
+    <TPLaunchHelpLinkType xmlns="4873beb7-5857-4685-be1f-d57550cc96cc">Template</TPLaunchHelpLinkType>
+    <LocalizationTagsTaxHTField0 xmlns="4873beb7-5857-4685-be1f-d57550cc96cc">
+      <Terms xmlns="http://schemas.microsoft.com/office/infopath/2007/PartnerControls"/>
+    </LocalizationTagsTaxHTField0>
+    <BusinessGroup xmlns="4873beb7-5857-4685-be1f-d57550cc96cc" xsi:nil="true"/>
+    <Providers xmlns="4873beb7-5857-4685-be1f-d57550cc96cc" xsi:nil="true"/>
+    <TemplateTemplateType xmlns="4873beb7-5857-4685-be1f-d57550cc96cc">PowerPoint Presentation Template</TemplateTemplateType>
+    <TimesCloned xmlns="4873beb7-5857-4685-be1f-d57550cc96cc" xsi:nil="true"/>
+    <TPAppVersion xmlns="4873beb7-5857-4685-be1f-d57550cc96cc" xsi:nil="true"/>
+    <VoteCount xmlns="4873beb7-5857-4685-be1f-d57550cc96cc" xsi:nil="true"/>
+    <AverageRating xmlns="4873beb7-5857-4685-be1f-d57550cc96cc" xsi:nil="true"/>
+    <FeatureTagsTaxHTField0 xmlns="4873beb7-5857-4685-be1f-d57550cc96cc">
+      <Terms xmlns="http://schemas.microsoft.com/office/infopath/2007/PartnerControls"/>
+    </FeatureTagsTaxHTField0>
+    <Provider xmlns="4873beb7-5857-4685-be1f-d57550cc96cc" xsi:nil="true"/>
+    <UACurrentWords xmlns="4873beb7-5857-4685-be1f-d57550cc96cc" xsi:nil="true"/>
+    <AssetId xmlns="4873beb7-5857-4685-be1f-d57550cc96cc">TP103431361</AssetId>
+    <TPClientViewer xmlns="4873beb7-5857-4685-be1f-d57550cc96cc" xsi:nil="true"/>
+    <DSATActionTaken xmlns="4873beb7-5857-4685-be1f-d57550cc96cc" xsi:nil="true"/>
+    <APEditor xmlns="4873beb7-5857-4685-be1f-d57550cc96cc">
+      <UserInfo>
+        <DisplayName/>
+        <AccountId xsi:nil="true"/>
+        <AccountType/>
+      </UserInfo>
+    </APEditor>
+    <TPInstallLocation xmlns="4873beb7-5857-4685-be1f-d57550cc96cc" xsi:nil="true"/>
+    <OOCacheId xmlns="4873beb7-5857-4685-be1f-d57550cc96cc" xsi:nil="true"/>
+    <IsDeleted xmlns="4873beb7-5857-4685-be1f-d57550cc96cc">false</IsDeleted>
+    <PublishTargets xmlns="4873beb7-5857-4685-be1f-d57550cc96cc">OfficeOnlineVNext</PublishTargets>
+    <ApprovalLog xmlns="4873beb7-5857-4685-be1f-d57550cc96cc" xsi:nil="true"/>
+    <BugNumber xmlns="4873beb7-5857-4685-be1f-d57550cc96cc" xsi:nil="true"/>
+    <CrawlForDependencies xmlns="4873beb7-5857-4685-be1f-d57550cc96cc">false</CrawlForDependencies>
+    <InternalTagsTaxHTField0 xmlns="4873beb7-5857-4685-be1f-d57550cc96cc">
+      <Terms xmlns="http://schemas.microsoft.com/office/infopath/2007/PartnerControls"/>
+    </InternalTagsTaxHTField0>
+    <LastHandOff xmlns="4873beb7-5857-4685-be1f-d57550cc96cc" xsi:nil="true"/>
+    <Milestone xmlns="4873beb7-5857-4685-be1f-d57550cc96cc" xsi:nil="true"/>
+    <OriginalRelease xmlns="4873beb7-5857-4685-be1f-d57550cc96cc">15</OriginalRelease>
+    <RecommendationsModifier xmlns="4873beb7-5857-4685-be1f-d57550cc96cc" xsi:nil="true"/>
+    <ScenarioTagsTaxHTField0 xmlns="4873beb7-5857-4685-be1f-d57550cc96cc">
+      <Terms xmlns="http://schemas.microsoft.com/office/infopath/2007/PartnerControls"/>
+    </ScenarioTagsTaxHTField0>
+    <UANotes xmlns="4873beb7-5857-4685-be1f-d57550cc96cc" xsi:nil="true"/>
+  </documentManagement>
+</p:properties>
 </file>
 
-<file path=customXml/itemProps3.xml><?xml version="1.0" encoding="utf-8"?>
+<file path=customXml/itemProps1.xml><?xml version="1.0" encoding="utf-8"?>
 <ds:datastoreItem xmlns:ds="http://schemas.openxmlformats.org/officeDocument/2006/customXml" ds:itemID="{28C8B9CA-0273-4370-889A-FC05DA5C2FA5}">
   <ds:schemaRefs>
     <ds:schemaRef ds:uri="http://schemas.microsoft.com/office/2006/metadata/contentType"/>
@@ -14898,4 +20370,28 @@
     <ds:schemaRef ds:uri="http://schemas.microsoft.com/internal/obd"/>
   </ds:schemaRefs>
 </ds:datastoreItem>
+</file>
+
+<file path=customXml/itemProps2.xml><?xml version="1.0" encoding="utf-8"?>
+<ds:datastoreItem xmlns:ds="http://schemas.openxmlformats.org/officeDocument/2006/customXml" ds:itemID="{561E720F-F05D-4536-9C34-0CFCED65D3B7}">
+  <ds:schemaRefs>
+    <ds:schemaRef ds:uri="http://schemas.microsoft.com/sharepoint/v3/contenttype/forms"/>
+  </ds:schemaRefs>
+</ds:datastoreItem>
+</file>
+
+<file path=customXml/itemProps3.xml><?xml version="1.0" encoding="utf-8"?>
+<ds:datastoreItem xmlns:ds="http://schemas.openxmlformats.org/officeDocument/2006/customXml" ds:itemID="{8CDDBB83-77C1-4099-A0AA-289882E745E2}">
+  <ds:schemaRefs>
+    <ds:schemaRef ds:uri="http://schemas.microsoft.com/office/infopath/2007/PartnerControls"/>
+    <ds:schemaRef ds:uri="http://purl.org/dc/dcmitype/"/>
+    <ds:schemaRef ds:uri="http://purl.org/dc/elements/1.1/"/>
+    <ds:schemaRef ds:uri="4873beb7-5857-4685-be1f-d57550cc96cc"/>
+    <ds:schemaRef ds:uri="http://schemas.microsoft.com/office/2006/documentManagement/types"/>
+    <ds:schemaRef ds:uri="http://purl.org/dc/terms/"/>
+    <ds:schemaRef ds:uri="http://schemas.openxmlformats.org/package/2006/metadata/core-properties"/>
+    <ds:schemaRef ds:uri="http://schemas.microsoft.com/office/2006/metadata/properties"/>
+    <ds:schemaRef ds:uri="http://www.w3.org/XML/1998/namespace"/>
+  </ds:schemaRefs>
+</ds:datastoreItem>
 </file>
--- a/course/compiler/LectureNotes/(Spring2017)Lecture3.pptx
+++ b/course/compiler/LectureNotes/(Spring2017)Lecture3.pptx
@@ -5,10 +5,10 @@
     <p:sldMasterId id="2147483648" r:id="rId4"/>
   </p:sldMasterIdLst>
   <p:notesMasterIdLst>
-    <p:notesMasterId r:id="rId33"/>
+    <p:notesMasterId r:id="rId40"/>
   </p:notesMasterIdLst>
   <p:handoutMasterIdLst>
-    <p:handoutMasterId r:id="rId34"/>
+    <p:handoutMasterId r:id="rId41"/>
   </p:handoutMasterIdLst>
   <p:sldIdLst>
     <p:sldId id="256" r:id="rId5"/>
@@ -39,6 +39,13 @@
     <p:sldId id="285" r:id="rId30"/>
     <p:sldId id="286" r:id="rId31"/>
     <p:sldId id="287" r:id="rId32"/>
+    <p:sldId id="289" r:id="rId33"/>
+    <p:sldId id="290" r:id="rId34"/>
+    <p:sldId id="291" r:id="rId35"/>
+    <p:sldId id="288" r:id="rId36"/>
+    <p:sldId id="292" r:id="rId37"/>
+    <p:sldId id="293" r:id="rId38"/>
+    <p:sldId id="294" r:id="rId39"/>
   </p:sldIdLst>
   <p:sldSz cx="9144000" cy="6858000" type="screen4x3"/>
   <p:notesSz cx="6858000" cy="9144000"/>
@@ -3132,7 +3139,7 @@
                 <a:ea typeface="微软雅黑" panose="020B0503020204020204" pitchFamily="34" charset="-122"/>
               </a:rPr>
               <a:pPr algn="r" rtl="0"/>
-              <a:t>2017/4/18</a:t>
+              <a:t>2017/4/19</a:t>
             </a:fld>
             <a:endParaRPr lang="zh-CN" altLang="en-US" dirty="0">
               <a:latin typeface="微软雅黑" panose="020B0503020204020204" pitchFamily="34" charset="-122"/>
@@ -3319,7 +3326,7 @@
             <a:fld id="{229B22C3-6CB1-491B-AD00-E0837F23A3F3}" type="datetime1">
               <a:rPr lang="zh-CN" altLang="en-US" smtClean="0"/>
               <a:pPr/>
-              <a:t>2017/4/18</a:t>
+              <a:t>2017/4/19</a:t>
             </a:fld>
             <a:endParaRPr lang="zh-CN" altLang="en-US" dirty="0"/>
           </a:p>
@@ -3684,6 +3691,514 @@
 </p:notes>
 </file>
 
+<file path=ppt/notesSlides/notesSlide2.xml><?xml version="1.0" encoding="utf-8"?>
+<p:notes xmlns:a="http://schemas.openxmlformats.org/drawingml/2006/main" xmlns:r="http://schemas.openxmlformats.org/officeDocument/2006/relationships" xmlns:p="http://schemas.openxmlformats.org/presentationml/2006/main">
+  <p:cSld>
+    <p:spTree>
+      <p:nvGrpSpPr>
+        <p:cNvPr id="1" name=""/>
+        <p:cNvGrpSpPr/>
+        <p:nvPr/>
+      </p:nvGrpSpPr>
+      <p:grpSpPr>
+        <a:xfrm>
+          <a:off x="0" y="0"/>
+          <a:ext cx="0" cy="0"/>
+          <a:chOff x="0" y="0"/>
+          <a:chExt cx="0" cy="0"/>
+        </a:xfrm>
+      </p:grpSpPr>
+      <p:sp>
+        <p:nvSpPr>
+          <p:cNvPr id="2" name="幻灯片图像占位符 1"/>
+          <p:cNvSpPr>
+            <a:spLocks noGrp="1" noRot="1" noChangeAspect="1"/>
+          </p:cNvSpPr>
+          <p:nvPr>
+            <p:ph type="sldImg"/>
+          </p:nvPr>
+        </p:nvSpPr>
+        <p:spPr/>
+      </p:sp>
+      <p:sp>
+        <p:nvSpPr>
+          <p:cNvPr id="3" name="备注占位符 2"/>
+          <p:cNvSpPr>
+            <a:spLocks noGrp="1"/>
+          </p:cNvSpPr>
+          <p:nvPr>
+            <p:ph type="body" idx="1"/>
+          </p:nvPr>
+        </p:nvSpPr>
+        <p:spPr/>
+        <p:txBody>
+          <a:bodyPr/>
+          <a:lstStyle/>
+          <a:p>
+            <a:pPr marL="0" marR="0" lvl="0" indent="0" algn="l" defTabSz="914400" rtl="0" eaLnBrk="1" fontAlgn="auto" latinLnBrk="0" hangingPunct="1">
+              <a:lnSpc>
+                <a:spcPct val="100000"/>
+              </a:lnSpc>
+              <a:spcBef>
+                <a:spcPts val="0"/>
+              </a:spcBef>
+              <a:spcAft>
+                <a:spcPts val="0"/>
+              </a:spcAft>
+              <a:buClrTx/>
+              <a:buSzTx/>
+              <a:buFontTx/>
+              <a:buNone/>
+              <a:tabLst/>
+              <a:defRPr/>
+            </a:pPr>
+            <a:r>
+              <a:rPr lang="zh-CN" altLang="en-US" dirty="0" smtClean="0"/>
+              <a:t>这里给出一个例子。图中的</a:t>
+            </a:r>
+            <a:r>
+              <a:rPr lang="en-US" altLang="zh-CN" dirty="0" smtClean="0"/>
+              <a:t>DFA</a:t>
+            </a:r>
+            <a:r>
+              <a:rPr lang="zh-CN" altLang="en-US" dirty="0" smtClean="0"/>
+              <a:t>和</a:t>
+            </a:r>
+            <a:r>
+              <a:rPr lang="en-US" altLang="zh-CN" dirty="0" smtClean="0"/>
+              <a:t>NFA</a:t>
+            </a:r>
+            <a:r>
+              <a:rPr lang="zh-CN" altLang="en-US" dirty="0" smtClean="0"/>
+              <a:t>都是识别字符集</a:t>
+            </a:r>
+            <a:r>
+              <a:rPr lang="zh-CN" altLang="en-US" dirty="0" smtClean="0">
+                <a:latin typeface="Cambria Math"/>
+              </a:rPr>
+              <a:t>∑</a:t>
+            </a:r>
+            <a:r>
+              <a:rPr lang="en-US" altLang="zh-CN" dirty="0" smtClean="0">
+                <a:latin typeface="Cambria Math"/>
+              </a:rPr>
+              <a:t>={a, b}</a:t>
+            </a:r>
+            <a:r>
+              <a:rPr lang="zh-CN" altLang="en-US" dirty="0" smtClean="0">
+                <a:latin typeface="Cambria Math"/>
+              </a:rPr>
+              <a:t>上含有相继两个</a:t>
+            </a:r>
+            <a:r>
+              <a:rPr lang="en-US" altLang="zh-CN" dirty="0" smtClean="0">
+                <a:latin typeface="Cambria Math"/>
+              </a:rPr>
+              <a:t>a</a:t>
+            </a:r>
+            <a:r>
+              <a:rPr lang="zh-CN" altLang="en-US" dirty="0" smtClean="0">
+                <a:latin typeface="Cambria Math"/>
+              </a:rPr>
+              <a:t>或者相继两个</a:t>
+            </a:r>
+            <a:r>
+              <a:rPr lang="en-US" altLang="zh-CN" dirty="0" smtClean="0">
+                <a:latin typeface="Cambria Math"/>
+              </a:rPr>
+              <a:t>b</a:t>
+            </a:r>
+            <a:r>
+              <a:rPr lang="zh-CN" altLang="en-US" dirty="0" smtClean="0">
+                <a:latin typeface="Cambria Math"/>
+              </a:rPr>
+              <a:t>的串。可以看到，</a:t>
+            </a:r>
+            <a:r>
+              <a:rPr lang="en-US" altLang="zh-CN" dirty="0" smtClean="0">
+                <a:latin typeface="Cambria Math"/>
+              </a:rPr>
+              <a:t>DFA</a:t>
+            </a:r>
+            <a:r>
+              <a:rPr lang="zh-CN" altLang="en-US" dirty="0" smtClean="0">
+                <a:latin typeface="Cambria Math"/>
+              </a:rPr>
+              <a:t>中每个状态都对应两条弧，这两条弧上的标签分别是</a:t>
+            </a:r>
+            <a:r>
+              <a:rPr lang="en-US" altLang="zh-CN" dirty="0" smtClean="0">
+                <a:latin typeface="Cambria Math"/>
+              </a:rPr>
+              <a:t>a</a:t>
+            </a:r>
+            <a:r>
+              <a:rPr lang="zh-CN" altLang="en-US" dirty="0" smtClean="0">
+                <a:latin typeface="Cambria Math"/>
+              </a:rPr>
+              <a:t>和</a:t>
+            </a:r>
+            <a:r>
+              <a:rPr lang="en-US" altLang="zh-CN" dirty="0" smtClean="0">
+                <a:latin typeface="Cambria Math"/>
+              </a:rPr>
+              <a:t>b</a:t>
+            </a:r>
+            <a:r>
+              <a:rPr lang="zh-CN" altLang="en-US" dirty="0" smtClean="0">
+                <a:latin typeface="Cambria Math"/>
+              </a:rPr>
+              <a:t>，而</a:t>
+            </a:r>
+            <a:r>
+              <a:rPr lang="en-US" altLang="zh-CN" dirty="0" smtClean="0">
+                <a:latin typeface="Cambria Math"/>
+              </a:rPr>
+              <a:t>NFA</a:t>
+            </a:r>
+            <a:r>
+              <a:rPr lang="zh-CN" altLang="en-US" dirty="0" smtClean="0">
+                <a:latin typeface="Cambria Math"/>
+              </a:rPr>
+              <a:t>不受此限制。弧上的标记可以是</a:t>
+            </a:r>
+            <a:r>
+              <a:rPr lang="en-US" altLang="zh-CN" dirty="0" smtClean="0">
+                <a:latin typeface="Cambria Math"/>
+              </a:rPr>
+              <a:t>a</a:t>
+            </a:r>
+            <a:r>
+              <a:rPr lang="zh-CN" altLang="en-US" dirty="0" smtClean="0">
+                <a:latin typeface="Cambria Math"/>
+              </a:rPr>
+              <a:t>，也可以是</a:t>
+            </a:r>
+            <a:r>
+              <a:rPr lang="en-US" altLang="zh-CN" dirty="0" smtClean="0">
+                <a:latin typeface="Cambria Math"/>
+              </a:rPr>
+              <a:t>b</a:t>
+            </a:r>
+            <a:r>
+              <a:rPr lang="zh-CN" altLang="en-US" dirty="0" smtClean="0">
+                <a:latin typeface="Cambria Math"/>
+              </a:rPr>
+              <a:t>，或者是</a:t>
+            </a:r>
+            <a:r>
+              <a:rPr lang="en-US" altLang="zh-CN" dirty="0" smtClean="0">
+                <a:latin typeface="Cambria Math"/>
+              </a:rPr>
+              <a:t>ab</a:t>
+            </a:r>
+            <a:r>
+              <a:rPr lang="zh-CN" altLang="en-US" dirty="0" smtClean="0">
+                <a:latin typeface="Cambria Math"/>
+              </a:rPr>
+              <a:t>的串，甚至是空字</a:t>
+            </a:r>
+            <a:r>
+              <a:rPr lang="el-GR" altLang="zh-CN" dirty="0" smtClean="0">
+                <a:latin typeface="Cambria Math"/>
+                <a:ea typeface="Cambria Math"/>
+              </a:rPr>
+              <a:t>ε</a:t>
+            </a:r>
+            <a:r>
+              <a:rPr lang="zh-CN" altLang="en-US" sz="1200" kern="1200" dirty="0" smtClean="0">
+                <a:solidFill>
+                  <a:schemeClr val="tx1"/>
+                </a:solidFill>
+                <a:latin typeface="微软雅黑" panose="020B0503020204020204" pitchFamily="34" charset="-122"/>
+                <a:ea typeface="微软雅黑" panose="020B0503020204020204" pitchFamily="34" charset="-122"/>
+                <a:cs typeface="+mn-cs"/>
+              </a:rPr>
+              <a:t>，每个状态的出弧也不要求必须和字母表中的字母数一样。另外，从这个例子，我们可以直观的看到，首先</a:t>
+            </a:r>
+            <a:r>
+              <a:rPr lang="en-US" altLang="zh-CN" sz="1200" kern="1200" dirty="0" smtClean="0">
+                <a:solidFill>
+                  <a:schemeClr val="tx1"/>
+                </a:solidFill>
+                <a:latin typeface="微软雅黑" panose="020B0503020204020204" pitchFamily="34" charset="-122"/>
+                <a:ea typeface="微软雅黑" panose="020B0503020204020204" pitchFamily="34" charset="-122"/>
+                <a:cs typeface="+mn-cs"/>
+              </a:rPr>
+              <a:t>DFA</a:t>
+            </a:r>
+            <a:r>
+              <a:rPr lang="zh-CN" altLang="en-US" sz="1200" kern="1200" dirty="0" smtClean="0">
+                <a:solidFill>
+                  <a:schemeClr val="tx1"/>
+                </a:solidFill>
+                <a:latin typeface="微软雅黑" panose="020B0503020204020204" pitchFamily="34" charset="-122"/>
+                <a:ea typeface="微软雅黑" panose="020B0503020204020204" pitchFamily="34" charset="-122"/>
+                <a:cs typeface="+mn-cs"/>
+              </a:rPr>
+              <a:t>和</a:t>
+            </a:r>
+            <a:r>
+              <a:rPr lang="en-US" altLang="zh-CN" sz="1200" kern="1200" dirty="0" smtClean="0">
+                <a:solidFill>
+                  <a:schemeClr val="tx1"/>
+                </a:solidFill>
+                <a:latin typeface="微软雅黑" panose="020B0503020204020204" pitchFamily="34" charset="-122"/>
+                <a:ea typeface="微软雅黑" panose="020B0503020204020204" pitchFamily="34" charset="-122"/>
+                <a:cs typeface="+mn-cs"/>
+              </a:rPr>
+              <a:t>NFA</a:t>
+            </a:r>
+            <a:r>
+              <a:rPr lang="zh-CN" altLang="en-US" sz="1200" kern="1200" dirty="0" smtClean="0">
+                <a:solidFill>
+                  <a:schemeClr val="tx1"/>
+                </a:solidFill>
+                <a:latin typeface="微软雅黑" panose="020B0503020204020204" pitchFamily="34" charset="-122"/>
+                <a:ea typeface="微软雅黑" panose="020B0503020204020204" pitchFamily="34" charset="-122"/>
+                <a:cs typeface="+mn-cs"/>
+              </a:rPr>
+              <a:t>两者的描述能力是等价的，其次，</a:t>
+            </a:r>
+            <a:r>
+              <a:rPr lang="en-US" altLang="zh-CN" sz="1200" kern="1200" dirty="0" smtClean="0">
+                <a:solidFill>
+                  <a:schemeClr val="tx1"/>
+                </a:solidFill>
+                <a:latin typeface="微软雅黑" panose="020B0503020204020204" pitchFamily="34" charset="-122"/>
+                <a:ea typeface="微软雅黑" panose="020B0503020204020204" pitchFamily="34" charset="-122"/>
+                <a:cs typeface="+mn-cs"/>
+              </a:rPr>
+              <a:t>NFA</a:t>
+            </a:r>
+            <a:r>
+              <a:rPr lang="zh-CN" altLang="en-US" sz="1200" kern="1200" dirty="0" smtClean="0">
+                <a:solidFill>
+                  <a:schemeClr val="tx1"/>
+                </a:solidFill>
+                <a:latin typeface="微软雅黑" panose="020B0503020204020204" pitchFamily="34" charset="-122"/>
+                <a:ea typeface="微软雅黑" panose="020B0503020204020204" pitchFamily="34" charset="-122"/>
+                <a:cs typeface="+mn-cs"/>
+              </a:rPr>
+              <a:t>具备比</a:t>
+            </a:r>
+            <a:r>
+              <a:rPr lang="en-US" altLang="zh-CN" sz="1200" kern="1200" dirty="0" smtClean="0">
+                <a:solidFill>
+                  <a:schemeClr val="tx1"/>
+                </a:solidFill>
+                <a:latin typeface="微软雅黑" panose="020B0503020204020204" pitchFamily="34" charset="-122"/>
+                <a:ea typeface="微软雅黑" panose="020B0503020204020204" pitchFamily="34" charset="-122"/>
+                <a:cs typeface="+mn-cs"/>
+              </a:rPr>
+              <a:t>DFA</a:t>
+            </a:r>
+            <a:r>
+              <a:rPr lang="zh-CN" altLang="en-US" sz="1200" kern="1200" dirty="0" smtClean="0">
+                <a:solidFill>
+                  <a:schemeClr val="tx1"/>
+                </a:solidFill>
+                <a:latin typeface="微软雅黑" panose="020B0503020204020204" pitchFamily="34" charset="-122"/>
+                <a:ea typeface="微软雅黑" panose="020B0503020204020204" pitchFamily="34" charset="-122"/>
+                <a:cs typeface="+mn-cs"/>
+              </a:rPr>
+              <a:t>更好的可读性。这也就是为什么使用</a:t>
+            </a:r>
+            <a:r>
+              <a:rPr lang="en-US" altLang="zh-CN" sz="1200" kern="1200" dirty="0" smtClean="0">
+                <a:solidFill>
+                  <a:schemeClr val="tx1"/>
+                </a:solidFill>
+                <a:latin typeface="微软雅黑" panose="020B0503020204020204" pitchFamily="34" charset="-122"/>
+                <a:ea typeface="微软雅黑" panose="020B0503020204020204" pitchFamily="34" charset="-122"/>
+                <a:cs typeface="+mn-cs"/>
+              </a:rPr>
+              <a:t>NFA</a:t>
+            </a:r>
+            <a:r>
+              <a:rPr lang="zh-CN" altLang="en-US" sz="1200" kern="1200" dirty="0" smtClean="0">
+                <a:solidFill>
+                  <a:schemeClr val="tx1"/>
+                </a:solidFill>
+                <a:latin typeface="微软雅黑" panose="020B0503020204020204" pitchFamily="34" charset="-122"/>
+                <a:ea typeface="微软雅黑" panose="020B0503020204020204" pitchFamily="34" charset="-122"/>
+                <a:cs typeface="+mn-cs"/>
+              </a:rPr>
+              <a:t>来构造识别器比较方便的原因。比如这里，只要将相继的两个</a:t>
+            </a:r>
+            <a:r>
+              <a:rPr lang="en-US" altLang="zh-CN" sz="1200" kern="1200" dirty="0" smtClean="0">
+                <a:solidFill>
+                  <a:schemeClr val="tx1"/>
+                </a:solidFill>
+                <a:latin typeface="微软雅黑" panose="020B0503020204020204" pitchFamily="34" charset="-122"/>
+                <a:ea typeface="微软雅黑" panose="020B0503020204020204" pitchFamily="34" charset="-122"/>
+                <a:cs typeface="+mn-cs"/>
+              </a:rPr>
+              <a:t>a</a:t>
+            </a:r>
+            <a:r>
+              <a:rPr lang="zh-CN" altLang="en-US" sz="1200" kern="1200" baseline="0" dirty="0" smtClean="0">
+                <a:solidFill>
+                  <a:schemeClr val="tx1"/>
+                </a:solidFill>
+                <a:latin typeface="微软雅黑" panose="020B0503020204020204" pitchFamily="34" charset="-122"/>
+                <a:ea typeface="微软雅黑" panose="020B0503020204020204" pitchFamily="34" charset="-122"/>
+                <a:cs typeface="+mn-cs"/>
+              </a:rPr>
+              <a:t>和相继的两个</a:t>
+            </a:r>
+            <a:r>
+              <a:rPr lang="en-US" altLang="zh-CN" sz="1200" kern="1200" baseline="0" dirty="0" smtClean="0">
+                <a:solidFill>
+                  <a:schemeClr val="tx1"/>
+                </a:solidFill>
+                <a:latin typeface="微软雅黑" panose="020B0503020204020204" pitchFamily="34" charset="-122"/>
+                <a:ea typeface="微软雅黑" panose="020B0503020204020204" pitchFamily="34" charset="-122"/>
+                <a:cs typeface="+mn-cs"/>
+              </a:rPr>
+              <a:t>b</a:t>
+            </a:r>
+            <a:r>
+              <a:rPr lang="zh-CN" altLang="en-US" sz="1200" kern="1200" baseline="0" dirty="0" smtClean="0">
+                <a:solidFill>
+                  <a:schemeClr val="tx1"/>
+                </a:solidFill>
+                <a:latin typeface="微软雅黑" panose="020B0503020204020204" pitchFamily="34" charset="-122"/>
+                <a:ea typeface="微软雅黑" panose="020B0503020204020204" pitchFamily="34" charset="-122"/>
+                <a:cs typeface="+mn-cs"/>
+              </a:rPr>
+              <a:t>作为整个</a:t>
+            </a:r>
+            <a:r>
+              <a:rPr lang="en-US" altLang="zh-CN" sz="1200" kern="1200" baseline="0" dirty="0" smtClean="0">
+                <a:solidFill>
+                  <a:schemeClr val="tx1"/>
+                </a:solidFill>
+                <a:latin typeface="微软雅黑" panose="020B0503020204020204" pitchFamily="34" charset="-122"/>
+                <a:ea typeface="微软雅黑" panose="020B0503020204020204" pitchFamily="34" charset="-122"/>
+                <a:cs typeface="+mn-cs"/>
+              </a:rPr>
+              <a:t>NFA</a:t>
+            </a:r>
+            <a:r>
+              <a:rPr lang="zh-CN" altLang="en-US" sz="1200" kern="1200" baseline="0" dirty="0" smtClean="0">
+                <a:solidFill>
+                  <a:schemeClr val="tx1"/>
+                </a:solidFill>
+                <a:latin typeface="微软雅黑" panose="020B0503020204020204" pitchFamily="34" charset="-122"/>
+                <a:ea typeface="微软雅黑" panose="020B0503020204020204" pitchFamily="34" charset="-122"/>
+                <a:cs typeface="+mn-cs"/>
+              </a:rPr>
+              <a:t>中的两个成分，在加上收尾的开始和结束状态，就很容易构造出</a:t>
+            </a:r>
+            <a:r>
+              <a:rPr lang="en-US" altLang="zh-CN" sz="1200" kern="1200" baseline="0" dirty="0" smtClean="0">
+                <a:solidFill>
+                  <a:schemeClr val="tx1"/>
+                </a:solidFill>
+                <a:latin typeface="微软雅黑" panose="020B0503020204020204" pitchFamily="34" charset="-122"/>
+                <a:ea typeface="微软雅黑" panose="020B0503020204020204" pitchFamily="34" charset="-122"/>
+                <a:cs typeface="+mn-cs"/>
+              </a:rPr>
+              <a:t>NFA</a:t>
+            </a:r>
+            <a:r>
+              <a:rPr lang="zh-CN" altLang="en-US" sz="1200" kern="1200" baseline="0" dirty="0" smtClean="0">
+                <a:solidFill>
+                  <a:schemeClr val="tx1"/>
+                </a:solidFill>
+                <a:latin typeface="微软雅黑" panose="020B0503020204020204" pitchFamily="34" charset="-122"/>
+                <a:ea typeface="微软雅黑" panose="020B0503020204020204" pitchFamily="34" charset="-122"/>
+                <a:cs typeface="+mn-cs"/>
+              </a:rPr>
+              <a:t>，但是如果想凭空构造出</a:t>
+            </a:r>
+            <a:r>
+              <a:rPr lang="en-US" altLang="zh-CN" sz="1200" kern="1200" baseline="0" dirty="0" smtClean="0">
+                <a:solidFill>
+                  <a:schemeClr val="tx1"/>
+                </a:solidFill>
+                <a:latin typeface="微软雅黑" panose="020B0503020204020204" pitchFamily="34" charset="-122"/>
+                <a:ea typeface="微软雅黑" panose="020B0503020204020204" pitchFamily="34" charset="-122"/>
+                <a:cs typeface="+mn-cs"/>
+              </a:rPr>
+              <a:t>DFA</a:t>
+            </a:r>
+            <a:r>
+              <a:rPr lang="zh-CN" altLang="en-US" sz="1200" kern="1200" baseline="0" dirty="0" smtClean="0">
+                <a:solidFill>
+                  <a:schemeClr val="tx1"/>
+                </a:solidFill>
+                <a:latin typeface="微软雅黑" panose="020B0503020204020204" pitchFamily="34" charset="-122"/>
+                <a:ea typeface="微软雅黑" panose="020B0503020204020204" pitchFamily="34" charset="-122"/>
+                <a:cs typeface="+mn-cs"/>
+              </a:rPr>
+              <a:t>就比较困难了。但是，</a:t>
+            </a:r>
+            <a:r>
+              <a:rPr lang="en-US" altLang="zh-CN" sz="1200" kern="1200" baseline="0" dirty="0" smtClean="0">
+                <a:solidFill>
+                  <a:schemeClr val="tx1"/>
+                </a:solidFill>
+                <a:latin typeface="微软雅黑" panose="020B0503020204020204" pitchFamily="34" charset="-122"/>
+                <a:ea typeface="微软雅黑" panose="020B0503020204020204" pitchFamily="34" charset="-122"/>
+                <a:cs typeface="+mn-cs"/>
+              </a:rPr>
+              <a:t>DFA</a:t>
+            </a:r>
+            <a:r>
+              <a:rPr lang="zh-CN" altLang="en-US" sz="1200" kern="1200" baseline="0" smtClean="0">
+                <a:solidFill>
+                  <a:schemeClr val="tx1"/>
+                </a:solidFill>
+                <a:latin typeface="微软雅黑" panose="020B0503020204020204" pitchFamily="34" charset="-122"/>
+                <a:ea typeface="微软雅黑" panose="020B0503020204020204" pitchFamily="34" charset="-122"/>
+                <a:cs typeface="+mn-cs"/>
+              </a:rPr>
+              <a:t>的好处就是，它的状态转换是确定的，便于程序处理。</a:t>
+            </a:r>
+            <a:endParaRPr lang="zh-CN" altLang="en-US" smtClean="0"/>
+          </a:p>
+        </p:txBody>
+      </p:sp>
+      <p:sp>
+        <p:nvSpPr>
+          <p:cNvPr id="4" name="灯片编号占位符 3"/>
+          <p:cNvSpPr>
+            <a:spLocks noGrp="1"/>
+          </p:cNvSpPr>
+          <p:nvPr>
+            <p:ph type="sldNum" sz="quarter" idx="10"/>
+          </p:nvPr>
+        </p:nvSpPr>
+        <p:spPr/>
+        <p:txBody>
+          <a:bodyPr/>
+          <a:lstStyle/>
+          <a:p>
+            <a:fld id="{0A3C37BE-C303-496D-B5CD-85F2937540FC}" type="slidenum">
+              <a:rPr lang="en-US" altLang="zh-CN" smtClean="0"/>
+              <a:pPr/>
+              <a:t>35</a:t>
+            </a:fld>
+            <a:endParaRPr lang="en-US" altLang="zh-CN" dirty="0"/>
+          </a:p>
+        </p:txBody>
+      </p:sp>
+    </p:spTree>
+    <p:extLst>
+      <p:ext uri="{BB962C8B-B14F-4D97-AF65-F5344CB8AC3E}">
+        <p14:creationId xmlns:p14="http://schemas.microsoft.com/office/powerpoint/2010/main" val="3158193414"/>
+      </p:ext>
+    </p:extLst>
+  </p:cSld>
+  <p:clrMapOvr>
+    <a:masterClrMapping/>
+  </p:clrMapOvr>
+</p:notes>
+</file>
+
 <file path=ppt/slideLayouts/slideLayout1.xml><?xml version="1.0" encoding="utf-8"?>
 <p:sldLayout xmlns:a="http://schemas.openxmlformats.org/drawingml/2006/main" xmlns:r="http://schemas.openxmlformats.org/officeDocument/2006/relationships" xmlns:p="http://schemas.openxmlformats.org/presentationml/2006/main" showMasterSp="0" type="title" preserve="1">
   <p:cSld name="标题幻灯片">
@@ -3915,7 +4430,7 @@
             <a:fld id="{A7392AAC-879E-4B39-8824-AF6B730A809E}" type="datetime1">
               <a:rPr lang="zh-CN" altLang="en-US" smtClean="0"/>
               <a:pPr/>
-              <a:t>2017/4/18</a:t>
+              <a:t>2017/4/19</a:t>
             </a:fld>
             <a:endParaRPr lang="zh-CN" altLang="en-US" dirty="0"/>
           </a:p>
@@ -4256,7 +4771,7 @@
             <a:fld id="{7118C275-B304-48F5-8C4F-015CBCF4E7C1}" type="datetime1">
               <a:rPr lang="zh-CN" altLang="en-US" smtClean="0"/>
               <a:pPr/>
-              <a:t>2017/4/18</a:t>
+              <a:t>2017/4/19</a:t>
             </a:fld>
             <a:r>
               <a:rPr lang="zh-CN" altLang="en-US" dirty="0"/>
@@ -4462,7 +4977,7 @@
             <a:fld id="{98791AA9-DDCB-4BA8-AD1D-963A3AA00622}" type="datetime1">
               <a:rPr lang="zh-CN" altLang="en-US" smtClean="0"/>
               <a:pPr/>
-              <a:t>2017/4/18</a:t>
+              <a:t>2017/4/19</a:t>
             </a:fld>
             <a:endParaRPr lang="zh-CN" altLang="en-US" dirty="0"/>
           </a:p>
@@ -4666,7 +5181,7 @@
             <a:fld id="{9170426F-E661-472B-BE42-25E072CD46D9}" type="datetime1">
               <a:rPr lang="zh-CN" altLang="en-US" smtClean="0"/>
               <a:pPr/>
-              <a:t>2017/4/18</a:t>
+              <a:t>2017/4/19</a:t>
             </a:fld>
             <a:endParaRPr lang="zh-CN" altLang="en-US" dirty="0"/>
           </a:p>
@@ -4988,7 +5503,7 @@
             <a:fld id="{9BA78444-6099-4C0A-A3A9-C6F3C5D7F289}" type="datetime1">
               <a:rPr lang="zh-CN" altLang="en-US" smtClean="0"/>
               <a:pPr/>
-              <a:t>2017/4/18</a:t>
+              <a:t>2017/4/19</a:t>
             </a:fld>
             <a:endParaRPr lang="zh-CN" altLang="en-US" dirty="0"/>
           </a:p>
@@ -6100,7 +6615,7 @@
             <a:fld id="{AF5F6A19-70BF-4380-9A40-68C9536408C6}" type="datetime1">
               <a:rPr lang="zh-CN" altLang="en-US" smtClean="0"/>
               <a:pPr/>
-              <a:t>2017/4/18</a:t>
+              <a:t>2017/4/19</a:t>
             </a:fld>
             <a:endParaRPr lang="zh-CN" altLang="en-US" dirty="0"/>
           </a:p>
@@ -6499,7 +7014,7 @@
             <a:fld id="{6017EB90-196C-4C15-BD31-13E0E0436C73}" type="datetime1">
               <a:rPr lang="zh-CN" altLang="en-US" smtClean="0"/>
               <a:pPr/>
-              <a:t>2017/4/18</a:t>
+              <a:t>2017/4/19</a:t>
             </a:fld>
             <a:r>
               <a:rPr lang="zh-CN" altLang="en-US" dirty="0"/>
@@ -6981,7 +7496,7 @@
             <a:fld id="{C2EC0F41-B48F-4298-A7F6-618EB9D22195}" type="datetime1">
               <a:rPr lang="zh-CN" altLang="en-US" smtClean="0"/>
               <a:pPr/>
-              <a:t>2017/4/18</a:t>
+              <a:t>2017/4/19</a:t>
             </a:fld>
             <a:endParaRPr lang="zh-CN" altLang="en-US" dirty="0"/>
           </a:p>
@@ -7132,7 +7647,7 @@
             <a:fld id="{7DB2D836-56E8-4B15-857C-14B1A5B3B67B}" type="datetime1">
               <a:rPr lang="zh-CN" altLang="en-US" smtClean="0"/>
               <a:pPr/>
-              <a:t>2017/4/18</a:t>
+              <a:t>2017/4/19</a:t>
             </a:fld>
             <a:endParaRPr lang="zh-CN" altLang="en-US" dirty="0"/>
           </a:p>
@@ -7250,7 +7765,7 @@
             <a:fld id="{038D929F-7D8C-4CC3-8AC7-BB9B8FE2DEBF}" type="datetime1">
               <a:rPr lang="zh-CN" altLang="en-US" smtClean="0"/>
               <a:pPr/>
-              <a:t>2017/4/18</a:t>
+              <a:t>2017/4/19</a:t>
             </a:fld>
             <a:endParaRPr lang="zh-CN" altLang="en-US" dirty="0"/>
           </a:p>
@@ -7553,7 +8068,7 @@
             <a:fld id="{F7892ACC-8BC8-4C9E-9D2B-0669DA5038B6}" type="datetime1">
               <a:rPr lang="zh-CN" altLang="en-US" smtClean="0"/>
               <a:pPr/>
-              <a:t>2017/4/18</a:t>
+              <a:t>2017/4/19</a:t>
             </a:fld>
             <a:endParaRPr lang="zh-CN" altLang="en-US" dirty="0"/>
           </a:p>
@@ -7819,7 +8334,7 @@
             <a:fld id="{660B6A15-7713-4A08-BBFD-F297CCC2B976}" type="datetime1">
               <a:rPr lang="zh-CN" altLang="en-US" smtClean="0"/>
               <a:pPr/>
-              <a:t>2017/4/18</a:t>
+              <a:t>2017/4/19</a:t>
             </a:fld>
             <a:r>
               <a:rPr lang="zh-CN" altLang="en-US" dirty="0"/>
@@ -9846,7 +10361,7 @@
           <a:graphicData uri="http://schemas.openxmlformats.org/presentationml/2006/ole">
             <mc:AlternateContent xmlns:mc="http://schemas.openxmlformats.org/markup-compatibility/2006">
               <mc:Choice xmlns:v="urn:schemas-microsoft-com:vml" Requires="v">
-                <p:oleObj spid="_x0000_s1047" name="Equation" r:id="rId3" imgW="711000" imgH="253800" progId="Equation.DSMT4">
+                <p:oleObj spid="_x0000_s1060" name="Equation" r:id="rId3" imgW="711000" imgH="253800" progId="Equation.DSMT4">
                   <p:embed/>
                 </p:oleObj>
               </mc:Choice>
@@ -10594,7 +11109,7 @@
           <a:graphicData uri="http://schemas.openxmlformats.org/presentationml/2006/ole">
             <mc:AlternateContent xmlns:mc="http://schemas.openxmlformats.org/markup-compatibility/2006">
               <mc:Choice xmlns:v="urn:schemas-microsoft-com:vml" Requires="v">
-                <p:oleObj spid="_x0000_s2136" name="Equation" r:id="rId3" imgW="126720" imgH="152280" progId="Equation.DSMT4">
+                <p:oleObj spid="_x0000_s2201" name="Equation" r:id="rId3" imgW="126720" imgH="152280" progId="Equation.DSMT4">
                   <p:embed/>
                 </p:oleObj>
               </mc:Choice>
@@ -10675,7 +11190,7 @@
           <a:graphicData uri="http://schemas.openxmlformats.org/presentationml/2006/ole">
             <mc:AlternateContent xmlns:mc="http://schemas.openxmlformats.org/markup-compatibility/2006">
               <mc:Choice xmlns:v="urn:schemas-microsoft-com:vml" Requires="v">
-                <p:oleObj spid="_x0000_s2137" name="Equation" r:id="rId6" imgW="126720" imgH="152280" progId="Equation.DSMT4">
+                <p:oleObj spid="_x0000_s2202" name="Equation" r:id="rId6" imgW="126720" imgH="152280" progId="Equation.DSMT4">
                   <p:embed/>
                 </p:oleObj>
               </mc:Choice>
@@ -10732,7 +11247,7 @@
           <a:graphicData uri="http://schemas.openxmlformats.org/presentationml/2006/ole">
             <mc:AlternateContent xmlns:mc="http://schemas.openxmlformats.org/markup-compatibility/2006">
               <mc:Choice xmlns:v="urn:schemas-microsoft-com:vml" Requires="v">
-                <p:oleObj spid="_x0000_s2138" name="Equation" r:id="rId8" imgW="126720" imgH="177480" progId="Equation.DSMT4">
+                <p:oleObj spid="_x0000_s2203" name="Equation" r:id="rId8" imgW="126720" imgH="177480" progId="Equation.DSMT4">
                   <p:embed/>
                 </p:oleObj>
               </mc:Choice>
@@ -10789,7 +11304,7 @@
           <a:graphicData uri="http://schemas.openxmlformats.org/presentationml/2006/ole">
             <mc:AlternateContent xmlns:mc="http://schemas.openxmlformats.org/markup-compatibility/2006">
               <mc:Choice xmlns:v="urn:schemas-microsoft-com:vml" Requires="v">
-                <p:oleObj spid="_x0000_s2139" name="Equation" r:id="rId10" imgW="101520" imgH="177480" progId="Equation.DSMT4">
+                <p:oleObj spid="_x0000_s2204" name="Equation" r:id="rId10" imgW="101520" imgH="177480" progId="Equation.DSMT4">
                   <p:embed/>
                 </p:oleObj>
               </mc:Choice>
@@ -10846,7 +11361,7 @@
           <a:graphicData uri="http://schemas.openxmlformats.org/presentationml/2006/ole">
             <mc:AlternateContent xmlns:mc="http://schemas.openxmlformats.org/markup-compatibility/2006">
               <mc:Choice xmlns:v="urn:schemas-microsoft-com:vml" Requires="v">
-                <p:oleObj spid="_x0000_s2140" name="Equation" r:id="rId12" imgW="787320" imgH="177480" progId="Equation.DSMT4">
+                <p:oleObj spid="_x0000_s2205" name="Equation" r:id="rId12" imgW="787320" imgH="177480" progId="Equation.DSMT4">
                   <p:embed/>
                 </p:oleObj>
               </mc:Choice>
@@ -12242,14 +12757,7 @@
                 <a:latin typeface="Times New Roman" panose="02020603050405020304" pitchFamily="18" charset="0"/>
                 <a:cs typeface="Times New Roman" panose="02020603050405020304" pitchFamily="18" charset="0"/>
               </a:rPr>
-              <a:t>：</a:t>
-            </a:r>
-            <a:r>
-              <a:rPr lang="zh-CN" altLang="en-US" sz="2400" dirty="0" smtClean="0">
-                <a:latin typeface="Times New Roman" panose="02020603050405020304" pitchFamily="18" charset="0"/>
-                <a:cs typeface="Times New Roman" panose="02020603050405020304" pitchFamily="18" charset="0"/>
-              </a:rPr>
-              <a:t>？</a:t>
+              <a:t>：？</a:t>
             </a:r>
             <a:endParaRPr lang="en-US" altLang="zh-CN" sz="2400" dirty="0" smtClean="0">
               <a:latin typeface="Times New Roman" panose="02020603050405020304" pitchFamily="18" charset="0"/>
@@ -12301,11 +12809,6 @@
               </a:rPr>
               <a:t>Character class</a:t>
             </a:r>
-            <a:endParaRPr lang="en-US" altLang="zh-CN" sz="2400" dirty="0" smtClean="0">
-              <a:latin typeface="Times New Roman" panose="02020603050405020304" pitchFamily="18" charset="0"/>
-              <a:ea typeface="Cambria Math"/>
-              <a:cs typeface="Times New Roman" panose="02020603050405020304" pitchFamily="18" charset="0"/>
-            </a:endParaRPr>
           </a:p>
           <a:p>
             <a:pPr lvl="1"/>
@@ -12435,7 +12938,15 @@
                 <a:ea typeface="Cambria Math"/>
                 <a:cs typeface="Times New Roman" panose="02020603050405020304" pitchFamily="18" charset="0"/>
               </a:rPr>
-              <a:t> </a:t>
+              <a:t> |a</a:t>
+            </a:r>
+            <a:r>
+              <a:rPr lang="en-US" altLang="zh-CN" sz="2000" baseline="-25000" dirty="0" smtClean="0">
+                <a:latin typeface="Courier" pitchFamily="49" charset="0"/>
+                <a:ea typeface="Cambria Math"/>
+                <a:cs typeface="Times New Roman" panose="02020603050405020304" pitchFamily="18" charset="0"/>
+              </a:rPr>
+              <a:t>2</a:t>
             </a:r>
             <a:r>
               <a:rPr lang="en-US" altLang="zh-CN" sz="2000" dirty="0" smtClean="0">
@@ -12451,7 +12962,7 @@
                 <a:ea typeface="Cambria Math"/>
                 <a:cs typeface="Times New Roman" panose="02020603050405020304" pitchFamily="18" charset="0"/>
               </a:rPr>
-              <a:t>2</a:t>
+              <a:t>3</a:t>
             </a:r>
             <a:r>
               <a:rPr lang="en-US" altLang="zh-CN" sz="2000" dirty="0" smtClean="0">
@@ -12459,7 +12970,7 @@
                 <a:ea typeface="Cambria Math"/>
                 <a:cs typeface="Times New Roman" panose="02020603050405020304" pitchFamily="18" charset="0"/>
               </a:rPr>
-              <a:t>|a</a:t>
+              <a:t>|</a:t>
             </a:r>
             <a:r>
               <a:rPr lang="en-US" altLang="zh-CN" sz="2000" baseline="-25000" dirty="0" smtClean="0">
@@ -12467,7 +12978,7 @@
                 <a:ea typeface="Cambria Math"/>
                 <a:cs typeface="Times New Roman" panose="02020603050405020304" pitchFamily="18" charset="0"/>
               </a:rPr>
-              <a:t>3</a:t>
+              <a:t>...</a:t>
             </a:r>
             <a:r>
               <a:rPr lang="en-US" altLang="zh-CN" sz="2000" dirty="0" smtClean="0">
@@ -12475,7 +12986,7 @@
                 <a:ea typeface="Cambria Math"/>
                 <a:cs typeface="Times New Roman" panose="02020603050405020304" pitchFamily="18" charset="0"/>
               </a:rPr>
-              <a:t>|</a:t>
+              <a:t> |a</a:t>
             </a:r>
             <a:r>
               <a:rPr lang="en-US" altLang="zh-CN" sz="2000" baseline="-25000" dirty="0" smtClean="0">
@@ -12483,7 +12994,26 @@
                 <a:ea typeface="Cambria Math"/>
                 <a:cs typeface="Times New Roman" panose="02020603050405020304" pitchFamily="18" charset="0"/>
               </a:rPr>
-              <a:t>...</a:t>
+              <a:t>n</a:t>
+            </a:r>
+            <a:r>
+              <a:rPr lang="en-US" altLang="zh-CN" sz="2000" dirty="0" smtClean="0">
+                <a:latin typeface="Times New Roman" panose="02020603050405020304" pitchFamily="18" charset="0"/>
+                <a:ea typeface="Cambria Math"/>
+                <a:cs typeface="Times New Roman" panose="02020603050405020304" pitchFamily="18" charset="0"/>
+              </a:rPr>
+              <a:t> </a:t>
+            </a:r>
+          </a:p>
+          <a:p>
+            <a:pPr lvl="1"/>
+            <a:r>
+              <a:rPr lang="en-US" altLang="zh-CN" sz="2000" dirty="0">
+                <a:latin typeface="Times New Roman" panose="02020603050405020304" pitchFamily="18" charset="0"/>
+                <a:ea typeface="Cambria Math"/>
+                <a:cs typeface="Times New Roman" panose="02020603050405020304" pitchFamily="18" charset="0"/>
+              </a:rPr>
+              <a:t>[</a:t>
             </a:r>
             <a:r>
               <a:rPr lang="en-US" altLang="zh-CN" sz="2000" dirty="0" smtClean="0">
@@ -12491,7 +13021,55 @@
                 <a:ea typeface="Cambria Math"/>
                 <a:cs typeface="Times New Roman" panose="02020603050405020304" pitchFamily="18" charset="0"/>
               </a:rPr>
-              <a:t> |a</a:t>
+              <a:t>a-z</a:t>
+            </a:r>
+            <a:r>
+              <a:rPr lang="en-US" altLang="zh-CN" sz="2000" dirty="0" smtClean="0">
+                <a:latin typeface="Times New Roman" panose="02020603050405020304" pitchFamily="18" charset="0"/>
+                <a:ea typeface="Cambria Math"/>
+                <a:cs typeface="Times New Roman" panose="02020603050405020304" pitchFamily="18" charset="0"/>
+              </a:rPr>
+              <a:t>] </a:t>
+            </a:r>
+            <a:r>
+              <a:rPr lang="zh-CN" altLang="en-US" sz="2000" dirty="0" smtClean="0">
+                <a:latin typeface="Times New Roman" panose="02020603050405020304" pitchFamily="18" charset="0"/>
+                <a:ea typeface="Cambria Math"/>
+                <a:cs typeface="Times New Roman" panose="02020603050405020304" pitchFamily="18" charset="0"/>
+              </a:rPr>
+              <a:t>  </a:t>
+            </a:r>
+            <a:r>
+              <a:rPr lang="en-US" altLang="zh-CN" sz="2000" dirty="0">
+                <a:latin typeface="Times New Roman" panose="02020603050405020304" pitchFamily="18" charset="0"/>
+                <a:ea typeface="Cambria Math"/>
+                <a:cs typeface="Times New Roman" panose="02020603050405020304" pitchFamily="18" charset="0"/>
+              </a:rPr>
+              <a:t>is equivalent </a:t>
+            </a:r>
+            <a:r>
+              <a:rPr lang="en-US" altLang="zh-CN" sz="2000" dirty="0" smtClean="0">
+                <a:latin typeface="Times New Roman" panose="02020603050405020304" pitchFamily="18" charset="0"/>
+                <a:ea typeface="Cambria Math"/>
+                <a:cs typeface="Times New Roman" panose="02020603050405020304" pitchFamily="18" charset="0"/>
+              </a:rPr>
+              <a:t> to  </a:t>
+            </a:r>
+            <a:r>
+              <a:rPr lang="en-US" altLang="zh-CN" sz="2000" dirty="0" err="1" smtClean="0">
+                <a:latin typeface="Courier" pitchFamily="49" charset="0"/>
+                <a:ea typeface="Cambria Math"/>
+                <a:cs typeface="Times New Roman" panose="02020603050405020304" pitchFamily="18" charset="0"/>
+              </a:rPr>
+              <a:t>a|b|c</a:t>
+            </a:r>
+            <a:r>
+              <a:rPr lang="en-US" altLang="zh-CN" sz="2000" dirty="0" smtClean="0">
+                <a:latin typeface="Courier" pitchFamily="49" charset="0"/>
+                <a:ea typeface="Cambria Math"/>
+                <a:cs typeface="Times New Roman" panose="02020603050405020304" pitchFamily="18" charset="0"/>
+              </a:rPr>
+              <a:t>|</a:t>
             </a:r>
             <a:r>
               <a:rPr lang="en-US" altLang="zh-CN" sz="2000" baseline="-25000" dirty="0" smtClean="0">
@@ -12499,26 +13077,7 @@
                 <a:ea typeface="Cambria Math"/>
                 <a:cs typeface="Times New Roman" panose="02020603050405020304" pitchFamily="18" charset="0"/>
               </a:rPr>
-              <a:t>n</a:t>
-            </a:r>
-            <a:r>
-              <a:rPr lang="en-US" altLang="zh-CN" sz="2000" dirty="0" smtClean="0">
-                <a:latin typeface="Times New Roman" panose="02020603050405020304" pitchFamily="18" charset="0"/>
-                <a:ea typeface="Cambria Math"/>
-                <a:cs typeface="Times New Roman" panose="02020603050405020304" pitchFamily="18" charset="0"/>
-              </a:rPr>
-              <a:t> </a:t>
-            </a:r>
-          </a:p>
-          <a:p>
-            <a:pPr lvl="1"/>
-            <a:r>
-              <a:rPr lang="en-US" altLang="zh-CN" sz="2000" dirty="0">
-                <a:latin typeface="Times New Roman" panose="02020603050405020304" pitchFamily="18" charset="0"/>
-                <a:ea typeface="Cambria Math"/>
-                <a:cs typeface="Times New Roman" panose="02020603050405020304" pitchFamily="18" charset="0"/>
-              </a:rPr>
-              <a:t>[</a:t>
+              <a:t>...</a:t>
             </a:r>
             <a:r>
               <a:rPr lang="en-US" altLang="zh-CN" sz="2000" dirty="0" smtClean="0">
@@ -12526,79 +13085,7 @@
                 <a:ea typeface="Cambria Math"/>
                 <a:cs typeface="Times New Roman" panose="02020603050405020304" pitchFamily="18" charset="0"/>
               </a:rPr>
-              <a:t>a-z</a:t>
-            </a:r>
-            <a:r>
-              <a:rPr lang="en-US" altLang="zh-CN" sz="2000" dirty="0" smtClean="0">
-                <a:latin typeface="Times New Roman" panose="02020603050405020304" pitchFamily="18" charset="0"/>
-                <a:ea typeface="Cambria Math"/>
-                <a:cs typeface="Times New Roman" panose="02020603050405020304" pitchFamily="18" charset="0"/>
-              </a:rPr>
-              <a:t>] </a:t>
-            </a:r>
-            <a:r>
-              <a:rPr lang="zh-CN" altLang="en-US" sz="2000" dirty="0" smtClean="0">
-                <a:latin typeface="Times New Roman" panose="02020603050405020304" pitchFamily="18" charset="0"/>
-                <a:ea typeface="Cambria Math"/>
-                <a:cs typeface="Times New Roman" panose="02020603050405020304" pitchFamily="18" charset="0"/>
-              </a:rPr>
-              <a:t>  </a:t>
-            </a:r>
-            <a:r>
-              <a:rPr lang="en-US" altLang="zh-CN" sz="2000" dirty="0">
-                <a:latin typeface="Times New Roman" panose="02020603050405020304" pitchFamily="18" charset="0"/>
-                <a:ea typeface="Cambria Math"/>
-                <a:cs typeface="Times New Roman" panose="02020603050405020304" pitchFamily="18" charset="0"/>
-              </a:rPr>
-              <a:t>is equivalent </a:t>
-            </a:r>
-            <a:r>
-              <a:rPr lang="en-US" altLang="zh-CN" sz="2000" dirty="0" smtClean="0">
-                <a:latin typeface="Times New Roman" panose="02020603050405020304" pitchFamily="18" charset="0"/>
-                <a:ea typeface="Cambria Math"/>
-                <a:cs typeface="Times New Roman" panose="02020603050405020304" pitchFamily="18" charset="0"/>
-              </a:rPr>
-              <a:t> to  </a:t>
-            </a:r>
-            <a:r>
-              <a:rPr lang="en-US" altLang="zh-CN" sz="2000" dirty="0" err="1" smtClean="0">
-                <a:latin typeface="Courier" pitchFamily="49" charset="0"/>
-                <a:ea typeface="Cambria Math"/>
-                <a:cs typeface="Times New Roman" panose="02020603050405020304" pitchFamily="18" charset="0"/>
-              </a:rPr>
-              <a:t>a|b|c</a:t>
-            </a:r>
-            <a:r>
-              <a:rPr lang="en-US" altLang="zh-CN" sz="2000" dirty="0" smtClean="0">
-                <a:latin typeface="Courier" pitchFamily="49" charset="0"/>
-                <a:ea typeface="Cambria Math"/>
-                <a:cs typeface="Times New Roman" panose="02020603050405020304" pitchFamily="18" charset="0"/>
-              </a:rPr>
-              <a:t>|</a:t>
-            </a:r>
-            <a:r>
-              <a:rPr lang="en-US" altLang="zh-CN" sz="2000" baseline="-25000" dirty="0" smtClean="0">
-                <a:latin typeface="Courier" pitchFamily="49" charset="0"/>
-                <a:ea typeface="Cambria Math"/>
-                <a:cs typeface="Times New Roman" panose="02020603050405020304" pitchFamily="18" charset="0"/>
-              </a:rPr>
-              <a:t>...</a:t>
-            </a:r>
-            <a:r>
-              <a:rPr lang="en-US" altLang="zh-CN" sz="2000" dirty="0" smtClean="0">
-                <a:latin typeface="Courier" pitchFamily="49" charset="0"/>
-                <a:ea typeface="Cambria Math"/>
-                <a:cs typeface="Times New Roman" panose="02020603050405020304" pitchFamily="18" charset="0"/>
-              </a:rPr>
-              <a:t>|</a:t>
-            </a:r>
-            <a:r>
-              <a:rPr lang="en-US" altLang="zh-CN" sz="2000" dirty="0" smtClean="0">
-                <a:latin typeface="Courier" pitchFamily="49" charset="0"/>
-                <a:ea typeface="Cambria Math"/>
-                <a:cs typeface="Times New Roman" panose="02020603050405020304" pitchFamily="18" charset="0"/>
-              </a:rPr>
-              <a:t>z</a:t>
+              <a:t>|z</a:t>
             </a:r>
             <a:endParaRPr lang="en-US" altLang="zh-CN" sz="2000" dirty="0">
               <a:latin typeface="Times New Roman" panose="02020603050405020304" pitchFamily="18" charset="0"/>
@@ -12940,14 +13427,7 @@
                 <a:latin typeface="Times New Roman" panose="02020603050405020304" pitchFamily="18" charset="0"/>
                 <a:cs typeface="Times New Roman" panose="02020603050405020304" pitchFamily="18" charset="0"/>
               </a:rPr>
-              <a:t>G</a:t>
-            </a:r>
-            <a:r>
-              <a:rPr lang="en-US" altLang="zh-CN" sz="2400" dirty="0" smtClean="0">
-                <a:latin typeface="Times New Roman" panose="02020603050405020304" pitchFamily="18" charset="0"/>
-                <a:cs typeface="Times New Roman" panose="02020603050405020304" pitchFamily="18" charset="0"/>
-              </a:rPr>
-              <a:t>=(V</a:t>
+              <a:t>G=(V</a:t>
             </a:r>
             <a:r>
               <a:rPr lang="en-US" altLang="zh-CN" sz="2400" baseline="-25000" dirty="0" smtClean="0">
@@ -13449,7 +13929,6 @@
               <a:rPr lang="en-US" altLang="zh-CN" dirty="0" smtClean="0"/>
               <a:t>Regular Expression</a:t>
             </a:r>
-            <a:endParaRPr lang="en-US" altLang="zh-CN" dirty="0" smtClean="0"/>
           </a:p>
           <a:p>
             <a:pPr algn="ctr"/>
@@ -13499,7 +13978,6 @@
               <a:rPr lang="en-US" altLang="zh-CN" dirty="0" smtClean="0"/>
               <a:t>Regular Grammar</a:t>
             </a:r>
-            <a:endParaRPr lang="en-US" altLang="zh-CN" dirty="0" smtClean="0"/>
           </a:p>
         </p:txBody>
       </p:sp>
@@ -13543,7 +14021,6 @@
               <a:rPr lang="en-US" altLang="zh-CN" dirty="0" smtClean="0"/>
               <a:t>Regular Language</a:t>
             </a:r>
-            <a:endParaRPr lang="en-US" altLang="zh-CN" dirty="0" smtClean="0"/>
           </a:p>
           <a:p>
             <a:pPr algn="ctr"/>
@@ -15445,6 +15922,133 @@
 </p:sld>
 </file>
 
+<file path=ppt/slides/slide29.xml><?xml version="1.0" encoding="utf-8"?>
+<p:sld xmlns:a="http://schemas.openxmlformats.org/drawingml/2006/main" xmlns:r="http://schemas.openxmlformats.org/officeDocument/2006/relationships" xmlns:p="http://schemas.openxmlformats.org/presentationml/2006/main">
+  <p:cSld>
+    <p:spTree>
+      <p:nvGrpSpPr>
+        <p:cNvPr id="1" name=""/>
+        <p:cNvGrpSpPr/>
+        <p:nvPr/>
+      </p:nvGrpSpPr>
+      <p:grpSpPr>
+        <a:xfrm>
+          <a:off x="0" y="0"/>
+          <a:ext cx="0" cy="0"/>
+          <a:chOff x="0" y="0"/>
+          <a:chExt cx="0" cy="0"/>
+        </a:xfrm>
+      </p:grpSpPr>
+      <p:sp>
+        <p:nvSpPr>
+          <p:cNvPr id="2" name="标题 1"/>
+          <p:cNvSpPr>
+            <a:spLocks noGrp="1"/>
+          </p:cNvSpPr>
+          <p:nvPr>
+            <p:ph type="title"/>
+          </p:nvPr>
+        </p:nvSpPr>
+        <p:spPr/>
+        <p:txBody>
+          <a:bodyPr/>
+          <a:lstStyle/>
+          <a:p>
+            <a:r>
+              <a:rPr lang="en-US" altLang="zh-CN" dirty="0" smtClean="0"/>
+              <a:t>3.5 Lex</a:t>
+            </a:r>
+            <a:endParaRPr lang="zh-CN" altLang="en-US" dirty="0"/>
+          </a:p>
+        </p:txBody>
+      </p:sp>
+      <p:sp>
+        <p:nvSpPr>
+          <p:cNvPr id="3" name="内容占位符 2"/>
+          <p:cNvSpPr>
+            <a:spLocks noGrp="1"/>
+          </p:cNvSpPr>
+          <p:nvPr>
+            <p:ph idx="1"/>
+          </p:nvPr>
+        </p:nvSpPr>
+        <p:spPr/>
+        <p:txBody>
+          <a:bodyPr/>
+          <a:lstStyle/>
+          <a:p>
+            <a:r>
+              <a:rPr lang="en-US" altLang="zh-CN" dirty="0" smtClean="0"/>
+              <a:t>Lex is used to generate Lexical analyzers. Users can use Lex language to design their own Lexical analyzers.</a:t>
+            </a:r>
+          </a:p>
+          <a:p>
+            <a:pPr marL="0" indent="0">
+              <a:buNone/>
+            </a:pPr>
+            <a:r>
+              <a:rPr lang="en-US" altLang="zh-CN" dirty="0" smtClean="0"/>
+              <a:t> </a:t>
+            </a:r>
+            <a:endParaRPr lang="zh-CN" altLang="en-US" dirty="0"/>
+          </a:p>
+        </p:txBody>
+      </p:sp>
+      <p:pic>
+        <p:nvPicPr>
+          <p:cNvPr id="4" name="图片 3"/>
+          <p:cNvPicPr>
+            <a:picLocks noChangeAspect="1"/>
+          </p:cNvPicPr>
+          <p:nvPr/>
+        </p:nvPicPr>
+        <p:blipFill>
+          <a:blip r:embed="rId2">
+            <a:extLst>
+              <a:ext uri="{28A0092B-C50C-407E-A947-70E740481C1C}">
+                <a14:useLocalDpi xmlns:a14="http://schemas.microsoft.com/office/drawing/2010/main" val="0"/>
+              </a:ext>
+            </a:extLst>
+          </a:blip>
+          <a:stretch>
+            <a:fillRect/>
+          </a:stretch>
+        </p:blipFill>
+        <p:spPr>
+          <a:xfrm>
+            <a:off x="1623585" y="2133355"/>
+            <a:ext cx="6125430" cy="3505689"/>
+          </a:xfrm>
+          <a:prstGeom prst="rect">
+            <a:avLst/>
+          </a:prstGeom>
+        </p:spPr>
+      </p:pic>
+    </p:spTree>
+    <p:extLst>
+      <p:ext uri="{BB962C8B-B14F-4D97-AF65-F5344CB8AC3E}">
+        <p14:creationId xmlns:p14="http://schemas.microsoft.com/office/powerpoint/2010/main" val="2336276827"/>
+      </p:ext>
+    </p:extLst>
+  </p:cSld>
+  <p:clrMapOvr>
+    <a:masterClrMapping/>
+  </p:clrMapOvr>
+  <mc:AlternateContent xmlns:mc="http://schemas.openxmlformats.org/markup-compatibility/2006" xmlns:p14="http://schemas.microsoft.com/office/powerpoint/2010/main">
+    <mc:Choice Requires="p14">
+      <p:transition spd="med" p14:dur="700">
+        <p:fade/>
+      </p:transition>
+    </mc:Choice>
+    <mc:Fallback xmlns="">
+      <p:transition spd="med">
+        <p:fade/>
+      </p:transition>
+    </mc:Fallback>
+  </mc:AlternateContent>
+</p:sld>
+</file>
+
 <file path=ppt/slides/slide3.xml><?xml version="1.0" encoding="utf-8"?>
 <p:sld xmlns:a="http://schemas.openxmlformats.org/drawingml/2006/main" xmlns:r="http://schemas.openxmlformats.org/officeDocument/2006/relationships" xmlns:p="http://schemas.openxmlformats.org/presentationml/2006/main">
   <p:cSld>
@@ -15510,11 +16114,7 @@
           <a:p>
             <a:r>
               <a:rPr lang="en-US" altLang="zh-CN" sz="2000" dirty="0" smtClean="0"/>
-              <a:t>Regular Expression, Regular </a:t>
-            </a:r>
-            <a:r>
-              <a:rPr lang="en-US" altLang="zh-CN" sz="2000" dirty="0" smtClean="0"/>
-              <a:t>Set</a:t>
+              <a:t>Regular Expression, Regular Set</a:t>
             </a:r>
           </a:p>
           <a:p>
@@ -15526,6 +16126,13 @@
               <a:rPr lang="en-US" altLang="zh-CN" sz="2000" dirty="0" smtClean="0"/>
               <a:t>Diagram</a:t>
             </a:r>
+          </a:p>
+          <a:p>
+            <a:r>
+              <a:rPr lang="en-US" altLang="zh-CN" sz="2000" dirty="0" smtClean="0"/>
+              <a:t>Lex</a:t>
+            </a:r>
+            <a:endParaRPr lang="en-US" altLang="zh-CN" sz="2000" dirty="0" smtClean="0"/>
           </a:p>
           <a:p>
             <a:r>
@@ -15566,6 +16173,5343 @@
     <p:extLst>
       <p:ext uri="{BB962C8B-B14F-4D97-AF65-F5344CB8AC3E}">
         <p14:creationId xmlns:p14="http://schemas.microsoft.com/office/powerpoint/2010/main" val="3698798566"/>
+      </p:ext>
+    </p:extLst>
+  </p:cSld>
+  <p:clrMapOvr>
+    <a:masterClrMapping/>
+  </p:clrMapOvr>
+  <mc:AlternateContent xmlns:mc="http://schemas.openxmlformats.org/markup-compatibility/2006" xmlns:p14="http://schemas.microsoft.com/office/powerpoint/2010/main">
+    <mc:Choice Requires="p14">
+      <p:transition spd="med" p14:dur="700">
+        <p:fade/>
+      </p:transition>
+    </mc:Choice>
+    <mc:Fallback xmlns="">
+      <p:transition spd="med">
+        <p:fade/>
+      </p:transition>
+    </mc:Fallback>
+  </mc:AlternateContent>
+</p:sld>
+</file>
+
+<file path=ppt/slides/slide30.xml><?xml version="1.0" encoding="utf-8"?>
+<p:sld xmlns:a="http://schemas.openxmlformats.org/drawingml/2006/main" xmlns:r="http://schemas.openxmlformats.org/officeDocument/2006/relationships" xmlns:p="http://schemas.openxmlformats.org/presentationml/2006/main">
+  <p:cSld>
+    <p:spTree>
+      <p:nvGrpSpPr>
+        <p:cNvPr id="1" name=""/>
+        <p:cNvGrpSpPr/>
+        <p:nvPr/>
+      </p:nvGrpSpPr>
+      <p:grpSpPr>
+        <a:xfrm>
+          <a:off x="0" y="0"/>
+          <a:ext cx="0" cy="0"/>
+          <a:chOff x="0" y="0"/>
+          <a:chExt cx="0" cy="0"/>
+        </a:xfrm>
+      </p:grpSpPr>
+      <p:sp>
+        <p:nvSpPr>
+          <p:cNvPr id="2" name="标题 1"/>
+          <p:cNvSpPr>
+            <a:spLocks noGrp="1"/>
+          </p:cNvSpPr>
+          <p:nvPr>
+            <p:ph type="title"/>
+          </p:nvPr>
+        </p:nvSpPr>
+        <p:spPr/>
+        <p:txBody>
+          <a:bodyPr/>
+          <a:lstStyle/>
+          <a:p>
+            <a:r>
+              <a:rPr lang="en-US" altLang="zh-CN" dirty="0" smtClean="0"/>
+              <a:t>3.5 Lex</a:t>
+            </a:r>
+            <a:endParaRPr lang="zh-CN" altLang="en-US" dirty="0"/>
+          </a:p>
+        </p:txBody>
+      </p:sp>
+      <p:sp>
+        <p:nvSpPr>
+          <p:cNvPr id="3" name="内容占位符 2"/>
+          <p:cNvSpPr>
+            <a:spLocks noGrp="1"/>
+          </p:cNvSpPr>
+          <p:nvPr>
+            <p:ph idx="1"/>
+          </p:nvPr>
+        </p:nvSpPr>
+        <p:spPr/>
+        <p:txBody>
+          <a:bodyPr/>
+          <a:lstStyle/>
+          <a:p>
+            <a:r>
+              <a:rPr lang="en-US" altLang="zh-CN" dirty="0" smtClean="0"/>
+              <a:t>A Lex program has the following form:</a:t>
+            </a:r>
+          </a:p>
+          <a:p>
+            <a:pPr marL="0" indent="0">
+              <a:spcBef>
+                <a:spcPts val="0"/>
+              </a:spcBef>
+              <a:buNone/>
+            </a:pPr>
+            <a:r>
+              <a:rPr lang="en-US" altLang="zh-CN" sz="2000" dirty="0" smtClean="0">
+                <a:latin typeface="Courier New" panose="02070309020205020404" pitchFamily="49" charset="0"/>
+                <a:cs typeface="Courier New" panose="02070309020205020404" pitchFamily="49" charset="0"/>
+              </a:rPr>
+              <a:t>            declarations</a:t>
+            </a:r>
+          </a:p>
+          <a:p>
+            <a:pPr marL="0" indent="0">
+              <a:spcBef>
+                <a:spcPts val="0"/>
+              </a:spcBef>
+              <a:buNone/>
+            </a:pPr>
+            <a:r>
+              <a:rPr lang="en-US" altLang="zh-CN" sz="2000" dirty="0">
+                <a:latin typeface="Courier New" panose="02070309020205020404" pitchFamily="49" charset="0"/>
+                <a:cs typeface="Courier New" panose="02070309020205020404" pitchFamily="49" charset="0"/>
+              </a:rPr>
+              <a:t> </a:t>
+            </a:r>
+            <a:r>
+              <a:rPr lang="en-US" altLang="zh-CN" sz="2000" dirty="0" smtClean="0">
+                <a:latin typeface="Courier New" panose="02070309020205020404" pitchFamily="49" charset="0"/>
+                <a:cs typeface="Courier New" panose="02070309020205020404" pitchFamily="49" charset="0"/>
+              </a:rPr>
+              <a:t>           %%</a:t>
+            </a:r>
+          </a:p>
+          <a:p>
+            <a:pPr marL="0" indent="0">
+              <a:spcBef>
+                <a:spcPts val="0"/>
+              </a:spcBef>
+              <a:buNone/>
+            </a:pPr>
+            <a:r>
+              <a:rPr lang="en-US" altLang="zh-CN" sz="2000" dirty="0">
+                <a:latin typeface="Courier New" panose="02070309020205020404" pitchFamily="49" charset="0"/>
+                <a:cs typeface="Courier New" panose="02070309020205020404" pitchFamily="49" charset="0"/>
+              </a:rPr>
+              <a:t> </a:t>
+            </a:r>
+            <a:r>
+              <a:rPr lang="en-US" altLang="zh-CN" sz="2000" dirty="0" smtClean="0">
+                <a:latin typeface="Courier New" panose="02070309020205020404" pitchFamily="49" charset="0"/>
+                <a:cs typeface="Courier New" panose="02070309020205020404" pitchFamily="49" charset="0"/>
+              </a:rPr>
+              <a:t>           translation rules</a:t>
+            </a:r>
+          </a:p>
+          <a:p>
+            <a:pPr marL="0" indent="0">
+              <a:spcBef>
+                <a:spcPts val="0"/>
+              </a:spcBef>
+              <a:buNone/>
+            </a:pPr>
+            <a:r>
+              <a:rPr lang="en-US" altLang="zh-CN" sz="2000" dirty="0">
+                <a:latin typeface="Courier New" panose="02070309020205020404" pitchFamily="49" charset="0"/>
+                <a:cs typeface="Courier New" panose="02070309020205020404" pitchFamily="49" charset="0"/>
+              </a:rPr>
+              <a:t> </a:t>
+            </a:r>
+            <a:r>
+              <a:rPr lang="en-US" altLang="zh-CN" sz="2000" dirty="0" smtClean="0">
+                <a:latin typeface="Courier New" panose="02070309020205020404" pitchFamily="49" charset="0"/>
+                <a:cs typeface="Courier New" panose="02070309020205020404" pitchFamily="49" charset="0"/>
+              </a:rPr>
+              <a:t>           %%</a:t>
+            </a:r>
+          </a:p>
+          <a:p>
+            <a:pPr marL="0" indent="0">
+              <a:spcBef>
+                <a:spcPts val="0"/>
+              </a:spcBef>
+              <a:buNone/>
+            </a:pPr>
+            <a:r>
+              <a:rPr lang="en-US" altLang="zh-CN" sz="2000" dirty="0">
+                <a:latin typeface="Courier New" panose="02070309020205020404" pitchFamily="49" charset="0"/>
+                <a:cs typeface="Courier New" panose="02070309020205020404" pitchFamily="49" charset="0"/>
+              </a:rPr>
+              <a:t> </a:t>
+            </a:r>
+            <a:r>
+              <a:rPr lang="en-US" altLang="zh-CN" sz="2000" dirty="0" smtClean="0">
+                <a:latin typeface="Courier New" panose="02070309020205020404" pitchFamily="49" charset="0"/>
+                <a:cs typeface="Courier New" panose="02070309020205020404" pitchFamily="49" charset="0"/>
+              </a:rPr>
+              <a:t>           auxiliary functions</a:t>
+            </a:r>
+          </a:p>
+          <a:p>
+            <a:pPr marL="0" indent="0">
+              <a:spcBef>
+                <a:spcPts val="0"/>
+              </a:spcBef>
+              <a:buNone/>
+            </a:pPr>
+            <a:endParaRPr lang="en-US" altLang="zh-CN" sz="2000" dirty="0">
+              <a:latin typeface="Courier New" panose="02070309020205020404" pitchFamily="49" charset="0"/>
+              <a:cs typeface="Courier New" panose="02070309020205020404" pitchFamily="49" charset="0"/>
+            </a:endParaRPr>
+          </a:p>
+          <a:p>
+            <a:r>
+              <a:rPr lang="en-US" altLang="zh-CN" dirty="0"/>
+              <a:t>The translation rules each have the </a:t>
+            </a:r>
+            <a:r>
+              <a:rPr lang="en-US" altLang="zh-CN" dirty="0" smtClean="0"/>
+              <a:t>form</a:t>
+            </a:r>
+          </a:p>
+          <a:p>
+            <a:pPr marL="0" indent="0">
+              <a:spcBef>
+                <a:spcPts val="0"/>
+              </a:spcBef>
+              <a:buNone/>
+            </a:pPr>
+            <a:r>
+              <a:rPr lang="en-US" altLang="zh-CN" sz="2000" dirty="0">
+                <a:latin typeface="Courier New" panose="02070309020205020404" pitchFamily="49" charset="0"/>
+                <a:cs typeface="Courier New" panose="02070309020205020404" pitchFamily="49" charset="0"/>
+              </a:rPr>
+              <a:t> </a:t>
+            </a:r>
+            <a:r>
+              <a:rPr lang="en-US" altLang="zh-CN" sz="2000" dirty="0">
+                <a:latin typeface="Courier New" panose="02070309020205020404" pitchFamily="49" charset="0"/>
+                <a:cs typeface="Courier New" panose="02070309020205020404" pitchFamily="49" charset="0"/>
+              </a:rPr>
+              <a:t>          </a:t>
+            </a:r>
+            <a:r>
+              <a:rPr lang="en-US" altLang="zh-CN" sz="2000" dirty="0" smtClean="0">
+                <a:latin typeface="Courier New" panose="02070309020205020404" pitchFamily="49" charset="0"/>
+                <a:cs typeface="Courier New" panose="02070309020205020404" pitchFamily="49" charset="0"/>
+              </a:rPr>
+              <a:t> Pattern </a:t>
+            </a:r>
+            <a:r>
+              <a:rPr lang="en-US" altLang="zh-CN" sz="2000" dirty="0">
+                <a:latin typeface="Courier New" panose="02070309020205020404" pitchFamily="49" charset="0"/>
+                <a:cs typeface="Courier New" panose="02070309020205020404" pitchFamily="49" charset="0"/>
+              </a:rPr>
+              <a:t>{Action</a:t>
+            </a:r>
+            <a:r>
+              <a:rPr lang="en-US" altLang="zh-CN" sz="2000" dirty="0" smtClean="0">
+                <a:latin typeface="Courier New" panose="02070309020205020404" pitchFamily="49" charset="0"/>
+                <a:cs typeface="Courier New" panose="02070309020205020404" pitchFamily="49" charset="0"/>
+              </a:rPr>
+              <a:t>}</a:t>
+            </a:r>
+            <a:endParaRPr lang="en-US" altLang="zh-CN" sz="2000" dirty="0">
+              <a:latin typeface="Courier New" panose="02070309020205020404" pitchFamily="49" charset="0"/>
+              <a:cs typeface="Courier New" panose="02070309020205020404" pitchFamily="49" charset="0"/>
+            </a:endParaRPr>
+          </a:p>
+        </p:txBody>
+      </p:sp>
+    </p:spTree>
+    <p:extLst>
+      <p:ext uri="{BB962C8B-B14F-4D97-AF65-F5344CB8AC3E}">
+        <p14:creationId xmlns:p14="http://schemas.microsoft.com/office/powerpoint/2010/main" val="3236581106"/>
+      </p:ext>
+    </p:extLst>
+  </p:cSld>
+  <p:clrMapOvr>
+    <a:masterClrMapping/>
+  </p:clrMapOvr>
+  <mc:AlternateContent xmlns:mc="http://schemas.openxmlformats.org/markup-compatibility/2006" xmlns:p14="http://schemas.microsoft.com/office/powerpoint/2010/main">
+    <mc:Choice Requires="p14">
+      <p:transition spd="med" p14:dur="700">
+        <p:fade/>
+      </p:transition>
+    </mc:Choice>
+    <mc:Fallback xmlns="">
+      <p:transition spd="med">
+        <p:fade/>
+      </p:transition>
+    </mc:Fallback>
+  </mc:AlternateContent>
+  <p:timing>
+    <p:tnLst>
+      <p:par>
+        <p:cTn id="1" dur="indefinite" restart="never" nodeType="tmRoot"/>
+      </p:par>
+    </p:tnLst>
+  </p:timing>
+</p:sld>
+</file>
+
+<file path=ppt/slides/slide31.xml><?xml version="1.0" encoding="utf-8"?>
+<p:sld xmlns:a="http://schemas.openxmlformats.org/drawingml/2006/main" xmlns:r="http://schemas.openxmlformats.org/officeDocument/2006/relationships" xmlns:p="http://schemas.openxmlformats.org/presentationml/2006/main">
+  <p:cSld>
+    <p:spTree>
+      <p:nvGrpSpPr>
+        <p:cNvPr id="1" name=""/>
+        <p:cNvGrpSpPr/>
+        <p:nvPr/>
+      </p:nvGrpSpPr>
+      <p:grpSpPr>
+        <a:xfrm>
+          <a:off x="0" y="0"/>
+          <a:ext cx="0" cy="0"/>
+          <a:chOff x="0" y="0"/>
+          <a:chExt cx="0" cy="0"/>
+        </a:xfrm>
+      </p:grpSpPr>
+      <p:sp>
+        <p:nvSpPr>
+          <p:cNvPr id="2" name="标题 1"/>
+          <p:cNvSpPr>
+            <a:spLocks noGrp="1"/>
+          </p:cNvSpPr>
+          <p:nvPr>
+            <p:ph type="title"/>
+          </p:nvPr>
+        </p:nvSpPr>
+        <p:spPr/>
+        <p:txBody>
+          <a:bodyPr/>
+          <a:lstStyle/>
+          <a:p>
+            <a:r>
+              <a:rPr lang="en-US" altLang="zh-CN" dirty="0" smtClean="0"/>
+              <a:t>3.5 Lex</a:t>
+            </a:r>
+            <a:endParaRPr lang="zh-CN" altLang="en-US" dirty="0"/>
+          </a:p>
+        </p:txBody>
+      </p:sp>
+      <p:pic>
+        <p:nvPicPr>
+          <p:cNvPr id="4" name="图片 3"/>
+          <p:cNvPicPr>
+            <a:picLocks noChangeAspect="1"/>
+          </p:cNvPicPr>
+          <p:nvPr/>
+        </p:nvPicPr>
+        <p:blipFill>
+          <a:blip r:embed="rId2">
+            <a:extLst>
+              <a:ext uri="{28A0092B-C50C-407E-A947-70E740481C1C}">
+                <a14:useLocalDpi xmlns:a14="http://schemas.microsoft.com/office/drawing/2010/main" val="0"/>
+              </a:ext>
+            </a:extLst>
+          </a:blip>
+          <a:stretch>
+            <a:fillRect/>
+          </a:stretch>
+        </p:blipFill>
+        <p:spPr>
+          <a:xfrm>
+            <a:off x="2213264" y="1"/>
+            <a:ext cx="4457700" cy="6857999"/>
+          </a:xfrm>
+          <a:prstGeom prst="rect">
+            <a:avLst/>
+          </a:prstGeom>
+        </p:spPr>
+      </p:pic>
+      <p:sp>
+        <p:nvSpPr>
+          <p:cNvPr id="5" name="文本框 4"/>
+          <p:cNvSpPr txBox="1"/>
+          <p:nvPr/>
+        </p:nvSpPr>
+        <p:spPr>
+          <a:xfrm>
+            <a:off x="6297621" y="1361209"/>
+            <a:ext cx="2389909" cy="3693319"/>
+          </a:xfrm>
+          <a:prstGeom prst="rect">
+            <a:avLst/>
+          </a:prstGeom>
+          <a:noFill/>
+        </p:spPr>
+        <p:txBody>
+          <a:bodyPr wrap="square" rtlCol="0">
+            <a:spAutoFit/>
+          </a:bodyPr>
+          <a:lstStyle/>
+          <a:p>
+            <a:r>
+              <a:rPr lang="en-US" altLang="zh-CN" b="1" dirty="0" smtClean="0">
+                <a:solidFill>
+                  <a:srgbClr val="7030A0"/>
+                </a:solidFill>
+              </a:rPr>
+              <a:t>Conflict Resolution</a:t>
+            </a:r>
+          </a:p>
+          <a:p>
+            <a:endParaRPr lang="en-US" altLang="zh-CN" dirty="0"/>
+          </a:p>
+          <a:p>
+            <a:pPr marL="342900" indent="-342900">
+              <a:buAutoNum type="arabicParenBoth"/>
+            </a:pPr>
+            <a:r>
+              <a:rPr lang="en-US" altLang="zh-CN" dirty="0" smtClean="0">
+                <a:solidFill>
+                  <a:srgbClr val="00B050"/>
+                </a:solidFill>
+              </a:rPr>
+              <a:t>Always </a:t>
+            </a:r>
+            <a:r>
+              <a:rPr lang="en-US" altLang="zh-CN" dirty="0">
+                <a:solidFill>
+                  <a:srgbClr val="00B050"/>
+                </a:solidFill>
+              </a:rPr>
+              <a:t>prefer a longer prefix to a shorter </a:t>
+            </a:r>
+            <a:r>
+              <a:rPr lang="en-US" altLang="zh-CN" dirty="0" smtClean="0">
+                <a:solidFill>
+                  <a:srgbClr val="00B050"/>
+                </a:solidFill>
+              </a:rPr>
+              <a:t>prefix;</a:t>
+            </a:r>
+          </a:p>
+          <a:p>
+            <a:pPr marL="342900" indent="-342900">
+              <a:buAutoNum type="arabicParenBoth"/>
+            </a:pPr>
+            <a:r>
+              <a:rPr lang="en-US" altLang="zh-CN" dirty="0">
+                <a:solidFill>
+                  <a:srgbClr val="00B050"/>
+                </a:solidFill>
+              </a:rPr>
+              <a:t>If the longest possible prefix matches two or more patterns, prefer </a:t>
+            </a:r>
+            <a:r>
+              <a:rPr lang="en-US" altLang="zh-CN" dirty="0" smtClean="0">
+                <a:solidFill>
+                  <a:srgbClr val="00B050"/>
+                </a:solidFill>
+              </a:rPr>
+              <a:t>the pattern </a:t>
+            </a:r>
+            <a:r>
+              <a:rPr lang="en-US" altLang="zh-CN" dirty="0">
+                <a:solidFill>
+                  <a:srgbClr val="00B050"/>
+                </a:solidFill>
+              </a:rPr>
+              <a:t>listed first in the Lex </a:t>
+            </a:r>
+            <a:r>
+              <a:rPr lang="en-US" altLang="zh-CN" dirty="0" smtClean="0">
+                <a:solidFill>
+                  <a:srgbClr val="00B050"/>
+                </a:solidFill>
+              </a:rPr>
+              <a:t>program.</a:t>
+            </a:r>
+            <a:endParaRPr lang="zh-CN" altLang="en-US" dirty="0">
+              <a:solidFill>
+                <a:srgbClr val="00B050"/>
+              </a:solidFill>
+            </a:endParaRPr>
+          </a:p>
+        </p:txBody>
+      </p:sp>
+    </p:spTree>
+    <p:extLst>
+      <p:ext uri="{BB962C8B-B14F-4D97-AF65-F5344CB8AC3E}">
+        <p14:creationId xmlns:p14="http://schemas.microsoft.com/office/powerpoint/2010/main" val="2391421880"/>
+      </p:ext>
+    </p:extLst>
+  </p:cSld>
+  <p:clrMapOvr>
+    <a:masterClrMapping/>
+  </p:clrMapOvr>
+  <mc:AlternateContent xmlns:mc="http://schemas.openxmlformats.org/markup-compatibility/2006" xmlns:p14="http://schemas.microsoft.com/office/powerpoint/2010/main">
+    <mc:Choice Requires="p14">
+      <p:transition spd="med" p14:dur="700">
+        <p:fade/>
+      </p:transition>
+    </mc:Choice>
+    <mc:Fallback xmlns="">
+      <p:transition spd="med">
+        <p:fade/>
+      </p:transition>
+    </mc:Fallback>
+  </mc:AlternateContent>
+  <p:timing>
+    <p:tnLst>
+      <p:par>
+        <p:cTn id="1" dur="indefinite" restart="never" nodeType="tmRoot"/>
+      </p:par>
+    </p:tnLst>
+  </p:timing>
+</p:sld>
+</file>
+
+<file path=ppt/slides/slide32.xml><?xml version="1.0" encoding="utf-8"?>
+<p:sld xmlns:a="http://schemas.openxmlformats.org/drawingml/2006/main" xmlns:r="http://schemas.openxmlformats.org/officeDocument/2006/relationships" xmlns:p="http://schemas.openxmlformats.org/presentationml/2006/main">
+  <p:cSld>
+    <p:spTree>
+      <p:nvGrpSpPr>
+        <p:cNvPr id="1" name=""/>
+        <p:cNvGrpSpPr/>
+        <p:nvPr/>
+      </p:nvGrpSpPr>
+      <p:grpSpPr>
+        <a:xfrm>
+          <a:off x="0" y="0"/>
+          <a:ext cx="0" cy="0"/>
+          <a:chOff x="0" y="0"/>
+          <a:chExt cx="0" cy="0"/>
+        </a:xfrm>
+      </p:grpSpPr>
+      <p:sp>
+        <p:nvSpPr>
+          <p:cNvPr id="2" name="标题 1"/>
+          <p:cNvSpPr>
+            <a:spLocks noGrp="1"/>
+          </p:cNvSpPr>
+          <p:nvPr>
+            <p:ph type="title"/>
+          </p:nvPr>
+        </p:nvSpPr>
+        <p:spPr/>
+        <p:txBody>
+          <a:bodyPr/>
+          <a:lstStyle/>
+          <a:p>
+            <a:r>
+              <a:rPr lang="en-US" altLang="zh-CN" dirty="0" smtClean="0"/>
+              <a:t>3.5 DFA and NFA – introduction</a:t>
+            </a:r>
+            <a:endParaRPr lang="zh-CN" altLang="en-US" dirty="0"/>
+          </a:p>
+        </p:txBody>
+      </p:sp>
+      <p:grpSp>
+        <p:nvGrpSpPr>
+          <p:cNvPr id="4" name="组合 3"/>
+          <p:cNvGrpSpPr/>
+          <p:nvPr/>
+        </p:nvGrpSpPr>
+        <p:grpSpPr>
+          <a:xfrm>
+            <a:off x="540327" y="3714734"/>
+            <a:ext cx="2300845" cy="1772807"/>
+            <a:chOff x="540327" y="3714734"/>
+            <a:chExt cx="2300845" cy="1772807"/>
+          </a:xfrm>
+        </p:grpSpPr>
+        <p:sp>
+          <p:nvSpPr>
+            <p:cNvPr id="5" name="矩形 4"/>
+            <p:cNvSpPr/>
+            <p:nvPr/>
+          </p:nvSpPr>
+          <p:spPr>
+            <a:xfrm>
+              <a:off x="540327" y="3714734"/>
+              <a:ext cx="2300845" cy="849086"/>
+            </a:xfrm>
+            <a:prstGeom prst="rect">
+              <a:avLst/>
+            </a:prstGeom>
+          </p:spPr>
+          <p:style>
+            <a:lnRef idx="3">
+              <a:schemeClr val="lt1"/>
+            </a:lnRef>
+            <a:fillRef idx="1">
+              <a:schemeClr val="accent2"/>
+            </a:fillRef>
+            <a:effectRef idx="1">
+              <a:schemeClr val="accent2"/>
+            </a:effectRef>
+            <a:fontRef idx="minor">
+              <a:schemeClr val="lt1"/>
+            </a:fontRef>
+          </p:style>
+          <p:txBody>
+            <a:bodyPr rtlCol="0" anchor="ctr"/>
+            <a:lstStyle/>
+            <a:p>
+              <a:pPr algn="ctr"/>
+              <a:r>
+                <a:rPr lang="en-US" altLang="zh-CN" dirty="0" smtClean="0"/>
+                <a:t>Regular Expression</a:t>
+              </a:r>
+              <a:endParaRPr lang="en-US" altLang="zh-CN" dirty="0" smtClean="0"/>
+            </a:p>
+            <a:p>
+              <a:pPr algn="ctr"/>
+              <a:r>
+                <a:rPr lang="en-US" altLang="zh-CN" dirty="0" smtClean="0"/>
+                <a:t>Regular Definition</a:t>
+              </a:r>
+              <a:endParaRPr lang="zh-CN" altLang="en-US" dirty="0"/>
+            </a:p>
+          </p:txBody>
+        </p:sp>
+        <p:sp>
+          <p:nvSpPr>
+            <p:cNvPr id="6" name="矩形 5"/>
+            <p:cNvSpPr/>
+            <p:nvPr/>
+          </p:nvSpPr>
+          <p:spPr>
+            <a:xfrm>
+              <a:off x="540327" y="4638455"/>
+              <a:ext cx="2300845" cy="849086"/>
+            </a:xfrm>
+            <a:prstGeom prst="rect">
+              <a:avLst/>
+            </a:prstGeom>
+          </p:spPr>
+          <p:style>
+            <a:lnRef idx="3">
+              <a:schemeClr val="lt1"/>
+            </a:lnRef>
+            <a:fillRef idx="1">
+              <a:schemeClr val="accent6"/>
+            </a:fillRef>
+            <a:effectRef idx="1">
+              <a:schemeClr val="accent6"/>
+            </a:effectRef>
+            <a:fontRef idx="minor">
+              <a:schemeClr val="lt1"/>
+            </a:fontRef>
+          </p:style>
+          <p:txBody>
+            <a:bodyPr rtlCol="0" anchor="ctr"/>
+            <a:lstStyle/>
+            <a:p>
+              <a:pPr algn="ctr"/>
+              <a:r>
+                <a:rPr lang="en-US" altLang="zh-CN" dirty="0" smtClean="0"/>
+                <a:t>Formal and accurate</a:t>
+              </a:r>
+              <a:endParaRPr lang="en-US" altLang="zh-CN" dirty="0" smtClean="0"/>
+            </a:p>
+          </p:txBody>
+        </p:sp>
+      </p:grpSp>
+      <p:grpSp>
+        <p:nvGrpSpPr>
+          <p:cNvPr id="7" name="组合 6"/>
+          <p:cNvGrpSpPr/>
+          <p:nvPr/>
+        </p:nvGrpSpPr>
+        <p:grpSpPr>
+          <a:xfrm>
+            <a:off x="3687540" y="1755315"/>
+            <a:ext cx="1747157" cy="1698172"/>
+            <a:chOff x="3687540" y="1755315"/>
+            <a:chExt cx="1747157" cy="1698172"/>
+          </a:xfrm>
+        </p:grpSpPr>
+        <p:sp>
+          <p:nvSpPr>
+            <p:cNvPr id="8" name="矩形 7"/>
+            <p:cNvSpPr/>
+            <p:nvPr/>
+          </p:nvSpPr>
+          <p:spPr>
+            <a:xfrm>
+              <a:off x="3687540" y="2604401"/>
+              <a:ext cx="1747157" cy="849086"/>
+            </a:xfrm>
+            <a:prstGeom prst="rect">
+              <a:avLst/>
+            </a:prstGeom>
+          </p:spPr>
+          <p:style>
+            <a:lnRef idx="3">
+              <a:schemeClr val="lt1"/>
+            </a:lnRef>
+            <a:fillRef idx="1">
+              <a:schemeClr val="accent2"/>
+            </a:fillRef>
+            <a:effectRef idx="1">
+              <a:schemeClr val="accent2"/>
+            </a:effectRef>
+            <a:fontRef idx="minor">
+              <a:schemeClr val="lt1"/>
+            </a:fontRef>
+          </p:style>
+          <p:txBody>
+            <a:bodyPr rtlCol="0" anchor="ctr"/>
+            <a:lstStyle/>
+            <a:p>
+              <a:pPr algn="ctr"/>
+              <a:r>
+                <a:rPr lang="en-US" altLang="zh-CN" dirty="0" smtClean="0"/>
+                <a:t>Regular Grammar</a:t>
+              </a:r>
+              <a:endParaRPr lang="en-US" altLang="zh-CN" dirty="0" smtClean="0"/>
+            </a:p>
+          </p:txBody>
+        </p:sp>
+        <p:sp>
+          <p:nvSpPr>
+            <p:cNvPr id="9" name="矩形 8"/>
+            <p:cNvSpPr/>
+            <p:nvPr/>
+          </p:nvSpPr>
+          <p:spPr>
+            <a:xfrm>
+              <a:off x="3687540" y="1755315"/>
+              <a:ext cx="1747157" cy="849086"/>
+            </a:xfrm>
+            <a:prstGeom prst="rect">
+              <a:avLst/>
+            </a:prstGeom>
+          </p:spPr>
+          <p:style>
+            <a:lnRef idx="3">
+              <a:schemeClr val="lt1"/>
+            </a:lnRef>
+            <a:fillRef idx="1">
+              <a:schemeClr val="accent6"/>
+            </a:fillRef>
+            <a:effectRef idx="1">
+              <a:schemeClr val="accent6"/>
+            </a:effectRef>
+            <a:fontRef idx="minor">
+              <a:schemeClr val="lt1"/>
+            </a:fontRef>
+          </p:style>
+          <p:txBody>
+            <a:bodyPr rtlCol="0" anchor="ctr"/>
+            <a:lstStyle/>
+            <a:p>
+              <a:pPr algn="ctr"/>
+              <a:r>
+                <a:rPr lang="en-US" altLang="zh-CN" dirty="0" smtClean="0"/>
+                <a:t>Formal and accurate</a:t>
+              </a:r>
+              <a:endParaRPr lang="en-US" altLang="zh-CN" dirty="0" smtClean="0"/>
+            </a:p>
+          </p:txBody>
+        </p:sp>
+      </p:grpSp>
+      <p:grpSp>
+        <p:nvGrpSpPr>
+          <p:cNvPr id="10" name="组合 9"/>
+          <p:cNvGrpSpPr/>
+          <p:nvPr/>
+        </p:nvGrpSpPr>
+        <p:grpSpPr>
+          <a:xfrm>
+            <a:off x="2835268" y="3502477"/>
+            <a:ext cx="2714006" cy="1187282"/>
+            <a:chOff x="2835268" y="3502477"/>
+            <a:chExt cx="2714006" cy="1187282"/>
+          </a:xfrm>
+        </p:grpSpPr>
+        <p:sp>
+          <p:nvSpPr>
+            <p:cNvPr id="11" name="下箭头 10"/>
+            <p:cNvSpPr/>
+            <p:nvPr/>
+          </p:nvSpPr>
+          <p:spPr>
+            <a:xfrm rot="10800000">
+              <a:off x="4371647" y="3502477"/>
+              <a:ext cx="525907" cy="635871"/>
+            </a:xfrm>
+            <a:prstGeom prst="downArrow">
+              <a:avLst/>
+            </a:prstGeom>
+          </p:spPr>
+          <p:style>
+            <a:lnRef idx="1">
+              <a:schemeClr val="accent5"/>
+            </a:lnRef>
+            <a:fillRef idx="2">
+              <a:schemeClr val="accent5"/>
+            </a:fillRef>
+            <a:effectRef idx="1">
+              <a:schemeClr val="accent5"/>
+            </a:effectRef>
+            <a:fontRef idx="minor">
+              <a:schemeClr val="dk1"/>
+            </a:fontRef>
+          </p:style>
+          <p:txBody>
+            <a:bodyPr rtlCol="0" anchor="ctr"/>
+            <a:lstStyle/>
+            <a:p>
+              <a:pPr algn="ctr"/>
+              <a:endParaRPr lang="zh-CN" altLang="en-US" dirty="0"/>
+            </a:p>
+          </p:txBody>
+        </p:sp>
+        <p:sp>
+          <p:nvSpPr>
+            <p:cNvPr id="12" name="TextBox 14"/>
+            <p:cNvSpPr txBox="1"/>
+            <p:nvPr/>
+          </p:nvSpPr>
+          <p:spPr>
+            <a:xfrm>
+              <a:off x="4311435" y="3747391"/>
+              <a:ext cx="1237839" cy="369332"/>
+            </a:xfrm>
+            <a:prstGeom prst="rect">
+              <a:avLst/>
+            </a:prstGeom>
+            <a:noFill/>
+          </p:spPr>
+          <p:txBody>
+            <a:bodyPr wrap="none" rtlCol="0">
+              <a:spAutoFit/>
+            </a:bodyPr>
+            <a:lstStyle/>
+            <a:p>
+              <a:r>
+                <a:rPr lang="en-US" altLang="zh-CN" b="1" dirty="0" smtClean="0"/>
+                <a:t>recognize</a:t>
+              </a:r>
+              <a:endParaRPr lang="zh-CN" altLang="en-US" b="1" dirty="0"/>
+            </a:p>
+          </p:txBody>
+        </p:sp>
+        <p:sp>
+          <p:nvSpPr>
+            <p:cNvPr id="13" name="下箭头 12"/>
+            <p:cNvSpPr/>
+            <p:nvPr/>
+          </p:nvSpPr>
+          <p:spPr>
+            <a:xfrm rot="6575539">
+              <a:off x="3072476" y="3953552"/>
+              <a:ext cx="525907" cy="946508"/>
+            </a:xfrm>
+            <a:prstGeom prst="downArrow">
+              <a:avLst/>
+            </a:prstGeom>
+          </p:spPr>
+          <p:style>
+            <a:lnRef idx="1">
+              <a:schemeClr val="accent5"/>
+            </a:lnRef>
+            <a:fillRef idx="2">
+              <a:schemeClr val="accent5"/>
+            </a:fillRef>
+            <a:effectRef idx="1">
+              <a:schemeClr val="accent5"/>
+            </a:effectRef>
+            <a:fontRef idx="minor">
+              <a:schemeClr val="dk1"/>
+            </a:fontRef>
+          </p:style>
+          <p:txBody>
+            <a:bodyPr rtlCol="0" anchor="ctr"/>
+            <a:lstStyle/>
+            <a:p>
+              <a:pPr algn="ctr"/>
+              <a:endParaRPr lang="zh-CN" altLang="en-US" dirty="0"/>
+            </a:p>
+          </p:txBody>
+        </p:sp>
+        <p:sp>
+          <p:nvSpPr>
+            <p:cNvPr id="14" name="TextBox 16"/>
+            <p:cNvSpPr txBox="1"/>
+            <p:nvPr/>
+          </p:nvSpPr>
+          <p:spPr>
+            <a:xfrm>
+              <a:off x="2835268" y="3985676"/>
+              <a:ext cx="1237839" cy="369332"/>
+            </a:xfrm>
+            <a:prstGeom prst="rect">
+              <a:avLst/>
+            </a:prstGeom>
+            <a:noFill/>
+          </p:spPr>
+          <p:txBody>
+            <a:bodyPr wrap="none" rtlCol="0">
+              <a:spAutoFit/>
+            </a:bodyPr>
+            <a:lstStyle/>
+            <a:p>
+              <a:r>
+                <a:rPr lang="en-US" altLang="zh-CN" b="1" dirty="0" smtClean="0"/>
+                <a:t>recognize</a:t>
+              </a:r>
+              <a:endParaRPr lang="zh-CN" altLang="en-US" b="1" dirty="0"/>
+            </a:p>
+          </p:txBody>
+        </p:sp>
+      </p:grpSp>
+      <p:grpSp>
+        <p:nvGrpSpPr>
+          <p:cNvPr id="15" name="组合 14"/>
+          <p:cNvGrpSpPr/>
+          <p:nvPr/>
+        </p:nvGrpSpPr>
+        <p:grpSpPr>
+          <a:xfrm>
+            <a:off x="3598469" y="4186366"/>
+            <a:ext cx="1950805" cy="2048407"/>
+            <a:chOff x="3598469" y="4186366"/>
+            <a:chExt cx="1950805" cy="2048407"/>
+          </a:xfrm>
+        </p:grpSpPr>
+        <p:sp>
+          <p:nvSpPr>
+            <p:cNvPr id="16" name="椭圆 15"/>
+            <p:cNvSpPr/>
+            <p:nvPr/>
+          </p:nvSpPr>
+          <p:spPr>
+            <a:xfrm>
+              <a:off x="3598469" y="4186366"/>
+              <a:ext cx="1950805" cy="1191985"/>
+            </a:xfrm>
+            <a:prstGeom prst="ellipse">
+              <a:avLst/>
+            </a:prstGeom>
+          </p:spPr>
+          <p:style>
+            <a:lnRef idx="2">
+              <a:schemeClr val="accent1">
+                <a:shade val="50000"/>
+              </a:schemeClr>
+            </a:lnRef>
+            <a:fillRef idx="1">
+              <a:schemeClr val="accent1"/>
+            </a:fillRef>
+            <a:effectRef idx="0">
+              <a:schemeClr val="accent1"/>
+            </a:effectRef>
+            <a:fontRef idx="minor">
+              <a:schemeClr val="lt1"/>
+            </a:fontRef>
+          </p:style>
+          <p:txBody>
+            <a:bodyPr rtlCol="0" anchor="ctr"/>
+            <a:lstStyle/>
+            <a:p>
+              <a:pPr algn="ctr"/>
+              <a:r>
+                <a:rPr lang="en-US" altLang="zh-CN" dirty="0" smtClean="0"/>
+                <a:t>Transition Diagram</a:t>
+              </a:r>
+              <a:endParaRPr lang="en-US" altLang="zh-CN" dirty="0" smtClean="0"/>
+            </a:p>
+          </p:txBody>
+        </p:sp>
+        <p:sp>
+          <p:nvSpPr>
+            <p:cNvPr id="17" name="矩形 16"/>
+            <p:cNvSpPr/>
+            <p:nvPr/>
+          </p:nvSpPr>
+          <p:spPr>
+            <a:xfrm>
+              <a:off x="3869459" y="5385687"/>
+              <a:ext cx="1600196" cy="849086"/>
+            </a:xfrm>
+            <a:prstGeom prst="rect">
+              <a:avLst/>
+            </a:prstGeom>
+          </p:spPr>
+          <p:style>
+            <a:lnRef idx="3">
+              <a:schemeClr val="lt1"/>
+            </a:lnRef>
+            <a:fillRef idx="1">
+              <a:schemeClr val="accent6"/>
+            </a:fillRef>
+            <a:effectRef idx="1">
+              <a:schemeClr val="accent6"/>
+            </a:effectRef>
+            <a:fontRef idx="minor">
+              <a:schemeClr val="lt1"/>
+            </a:fontRef>
+          </p:style>
+          <p:txBody>
+            <a:bodyPr rtlCol="0" anchor="ctr"/>
+            <a:lstStyle/>
+            <a:p>
+              <a:pPr algn="ctr"/>
+              <a:r>
+                <a:rPr lang="en-US" altLang="zh-CN" dirty="0" smtClean="0"/>
+                <a:t>informal</a:t>
+              </a:r>
+              <a:r>
+                <a:rPr lang="zh-CN" altLang="en-US" dirty="0" smtClean="0"/>
+                <a:t>，</a:t>
+              </a:r>
+              <a:r>
+                <a:rPr lang="en-US" altLang="zh-CN" dirty="0" smtClean="0"/>
+                <a:t>inaccurate</a:t>
+              </a:r>
+              <a:r>
+                <a:rPr lang="zh-CN" altLang="en-US" dirty="0" smtClean="0"/>
+                <a:t>（</a:t>
+              </a:r>
+              <a:r>
+                <a:rPr lang="en-US" altLang="zh-CN" dirty="0" smtClean="0"/>
+                <a:t>technique</a:t>
+              </a:r>
+              <a:r>
+                <a:rPr lang="zh-CN" altLang="en-US" dirty="0" smtClean="0"/>
+                <a:t>）</a:t>
+              </a:r>
+              <a:endParaRPr lang="en-US" altLang="zh-CN" dirty="0" smtClean="0"/>
+            </a:p>
+          </p:txBody>
+        </p:sp>
+      </p:grpSp>
+      <p:grpSp>
+        <p:nvGrpSpPr>
+          <p:cNvPr id="18" name="组合 17"/>
+          <p:cNvGrpSpPr/>
+          <p:nvPr/>
+        </p:nvGrpSpPr>
+        <p:grpSpPr>
+          <a:xfrm>
+            <a:off x="5264932" y="4279965"/>
+            <a:ext cx="1305218" cy="696139"/>
+            <a:chOff x="5264932" y="4292224"/>
+            <a:chExt cx="1305218" cy="696139"/>
+          </a:xfrm>
+        </p:grpSpPr>
+        <p:sp>
+          <p:nvSpPr>
+            <p:cNvPr id="19" name="右箭头 18"/>
+            <p:cNvSpPr/>
+            <p:nvPr/>
+          </p:nvSpPr>
+          <p:spPr>
+            <a:xfrm>
+              <a:off x="5508180" y="4563820"/>
+              <a:ext cx="818722" cy="424543"/>
+            </a:xfrm>
+            <a:prstGeom prst="rightArrow">
+              <a:avLst/>
+            </a:prstGeom>
+          </p:spPr>
+          <p:style>
+            <a:lnRef idx="1">
+              <a:schemeClr val="accent5"/>
+            </a:lnRef>
+            <a:fillRef idx="2">
+              <a:schemeClr val="accent5"/>
+            </a:fillRef>
+            <a:effectRef idx="1">
+              <a:schemeClr val="accent5"/>
+            </a:effectRef>
+            <a:fontRef idx="minor">
+              <a:schemeClr val="dk1"/>
+            </a:fontRef>
+          </p:style>
+          <p:txBody>
+            <a:bodyPr rtlCol="0" anchor="ctr"/>
+            <a:lstStyle/>
+            <a:p>
+              <a:pPr algn="ctr"/>
+              <a:endParaRPr lang="zh-CN" altLang="en-US"/>
+            </a:p>
+          </p:txBody>
+        </p:sp>
+        <p:sp>
+          <p:nvSpPr>
+            <p:cNvPr id="20" name="TextBox 20"/>
+            <p:cNvSpPr txBox="1"/>
+            <p:nvPr/>
+          </p:nvSpPr>
+          <p:spPr>
+            <a:xfrm>
+              <a:off x="5264932" y="4292224"/>
+              <a:ext cx="1305218" cy="369332"/>
+            </a:xfrm>
+            <a:prstGeom prst="rect">
+              <a:avLst/>
+            </a:prstGeom>
+            <a:noFill/>
+          </p:spPr>
+          <p:txBody>
+            <a:bodyPr wrap="square" rtlCol="0">
+              <a:spAutoFit/>
+            </a:bodyPr>
+            <a:lstStyle/>
+            <a:p>
+              <a:r>
+                <a:rPr lang="en-US" altLang="zh-CN" b="1" dirty="0" smtClean="0"/>
+                <a:t>Formalize</a:t>
+              </a:r>
+              <a:endParaRPr lang="zh-CN" altLang="en-US" b="1" dirty="0"/>
+            </a:p>
+          </p:txBody>
+        </p:sp>
+      </p:grpSp>
+      <p:grpSp>
+        <p:nvGrpSpPr>
+          <p:cNvPr id="21" name="组合 20"/>
+          <p:cNvGrpSpPr/>
+          <p:nvPr/>
+        </p:nvGrpSpPr>
+        <p:grpSpPr>
+          <a:xfrm>
+            <a:off x="6412727" y="4204397"/>
+            <a:ext cx="1796144" cy="1717202"/>
+            <a:chOff x="6365427" y="4335223"/>
+            <a:chExt cx="1796144" cy="1717202"/>
+          </a:xfrm>
+        </p:grpSpPr>
+        <p:sp>
+          <p:nvSpPr>
+            <p:cNvPr id="22" name="矩形 21"/>
+            <p:cNvSpPr/>
+            <p:nvPr/>
+          </p:nvSpPr>
+          <p:spPr>
+            <a:xfrm>
+              <a:off x="6365427" y="4335223"/>
+              <a:ext cx="1747157" cy="849086"/>
+            </a:xfrm>
+            <a:prstGeom prst="rect">
+              <a:avLst/>
+            </a:prstGeom>
+          </p:spPr>
+          <p:style>
+            <a:lnRef idx="2">
+              <a:schemeClr val="accent5">
+                <a:shade val="50000"/>
+              </a:schemeClr>
+            </a:lnRef>
+            <a:fillRef idx="1">
+              <a:schemeClr val="accent5"/>
+            </a:fillRef>
+            <a:effectRef idx="0">
+              <a:schemeClr val="accent5"/>
+            </a:effectRef>
+            <a:fontRef idx="minor">
+              <a:schemeClr val="lt1"/>
+            </a:fontRef>
+          </p:style>
+          <p:txBody>
+            <a:bodyPr rtlCol="0" anchor="ctr"/>
+            <a:lstStyle/>
+            <a:p>
+              <a:pPr algn="ctr"/>
+              <a:r>
+                <a:rPr lang="en-US" altLang="zh-CN" dirty="0" smtClean="0">
+                  <a:solidFill>
+                    <a:srgbClr val="0070C0"/>
+                  </a:solidFill>
+                </a:rPr>
+                <a:t>Finite Automata</a:t>
+              </a:r>
+              <a:endParaRPr lang="en-US" altLang="zh-CN" dirty="0" smtClean="0">
+                <a:solidFill>
+                  <a:srgbClr val="0070C0"/>
+                </a:solidFill>
+              </a:endParaRPr>
+            </a:p>
+          </p:txBody>
+        </p:sp>
+        <p:sp>
+          <p:nvSpPr>
+            <p:cNvPr id="23" name="矩形 22"/>
+            <p:cNvSpPr/>
+            <p:nvPr/>
+          </p:nvSpPr>
+          <p:spPr>
+            <a:xfrm>
+              <a:off x="6375889" y="5203339"/>
+              <a:ext cx="1785682" cy="849086"/>
+            </a:xfrm>
+            <a:prstGeom prst="rect">
+              <a:avLst/>
+            </a:prstGeom>
+          </p:spPr>
+          <p:style>
+            <a:lnRef idx="3">
+              <a:schemeClr val="lt1"/>
+            </a:lnRef>
+            <a:fillRef idx="1">
+              <a:schemeClr val="accent6"/>
+            </a:fillRef>
+            <a:effectRef idx="1">
+              <a:schemeClr val="accent6"/>
+            </a:effectRef>
+            <a:fontRef idx="minor">
+              <a:schemeClr val="lt1"/>
+            </a:fontRef>
+          </p:style>
+          <p:txBody>
+            <a:bodyPr rtlCol="0" anchor="ctr"/>
+            <a:lstStyle/>
+            <a:p>
+              <a:pPr algn="ctr"/>
+              <a:r>
+                <a:rPr lang="en-US" altLang="zh-CN" dirty="0" smtClean="0"/>
+                <a:t>Formal, accurate</a:t>
+              </a:r>
+              <a:endParaRPr lang="en-US" altLang="zh-CN" dirty="0"/>
+            </a:p>
+            <a:p>
+              <a:pPr algn="ctr"/>
+              <a:r>
+                <a:rPr lang="zh-CN" altLang="en-US" dirty="0" smtClean="0"/>
+                <a:t>（</a:t>
+              </a:r>
+              <a:r>
+                <a:rPr lang="en-US" altLang="zh-CN" dirty="0" smtClean="0"/>
+                <a:t>technique</a:t>
+              </a:r>
+              <a:r>
+                <a:rPr lang="zh-CN" altLang="en-US" dirty="0" smtClean="0"/>
+                <a:t>）</a:t>
+              </a:r>
+              <a:endParaRPr lang="en-US" altLang="zh-CN" dirty="0" smtClean="0"/>
+            </a:p>
+          </p:txBody>
+        </p:sp>
+      </p:grpSp>
+    </p:spTree>
+    <p:extLst>
+      <p:ext uri="{BB962C8B-B14F-4D97-AF65-F5344CB8AC3E}">
+        <p14:creationId xmlns:p14="http://schemas.microsoft.com/office/powerpoint/2010/main" val="917060660"/>
+      </p:ext>
+    </p:extLst>
+  </p:cSld>
+  <p:clrMapOvr>
+    <a:masterClrMapping/>
+  </p:clrMapOvr>
+  <mc:AlternateContent xmlns:mc="http://schemas.openxmlformats.org/markup-compatibility/2006" xmlns:p14="http://schemas.microsoft.com/office/powerpoint/2010/main">
+    <mc:Choice Requires="p14">
+      <p:transition spd="med" p14:dur="700">
+        <p:fade/>
+      </p:transition>
+    </mc:Choice>
+    <mc:Fallback xmlns="">
+      <p:transition spd="med">
+        <p:fade/>
+      </p:transition>
+    </mc:Fallback>
+  </mc:AlternateContent>
+  <p:timing>
+    <p:tnLst>
+      <p:par>
+        <p:cTn id="1" dur="indefinite" restart="never" nodeType="tmRoot">
+          <p:childTnLst>
+            <p:seq concurrent="1" nextAc="seek">
+              <p:cTn id="2" dur="indefinite" nodeType="mainSeq">
+                <p:childTnLst>
+                  <p:par>
+                    <p:cTn id="3" fill="hold">
+                      <p:stCondLst>
+                        <p:cond delay="indefinite"/>
+                      </p:stCondLst>
+                      <p:childTnLst>
+                        <p:par>
+                          <p:cTn id="4" fill="hold">
+                            <p:stCondLst>
+                              <p:cond delay="0"/>
+                            </p:stCondLst>
+                            <p:childTnLst>
+                              <p:par>
+                                <p:cTn id="5" presetID="10" presetClass="entr" presetSubtype="0" fill="hold" nodeType="clickEffect">
+                                  <p:stCondLst>
+                                    <p:cond delay="0"/>
+                                  </p:stCondLst>
+                                  <p:childTnLst>
+                                    <p:set>
+                                      <p:cBhvr>
+                                        <p:cTn id="6" dur="1" fill="hold">
+                                          <p:stCondLst>
+                                            <p:cond delay="0"/>
+                                          </p:stCondLst>
+                                        </p:cTn>
+                                        <p:tgtEl>
+                                          <p:spTgt spid="15"/>
+                                        </p:tgtEl>
+                                        <p:attrNameLst>
+                                          <p:attrName>style.visibility</p:attrName>
+                                        </p:attrNameLst>
+                                      </p:cBhvr>
+                                      <p:to>
+                                        <p:strVal val="visible"/>
+                                      </p:to>
+                                    </p:set>
+                                    <p:animEffect transition="in" filter="fade">
+                                      <p:cBhvr>
+                                        <p:cTn id="7" dur="500"/>
+                                        <p:tgtEl>
+                                          <p:spTgt spid="15"/>
+                                        </p:tgtEl>
+                                      </p:cBhvr>
+                                    </p:animEffect>
+                                  </p:childTnLst>
+                                </p:cTn>
+                              </p:par>
+                            </p:childTnLst>
+                          </p:cTn>
+                        </p:par>
+                      </p:childTnLst>
+                    </p:cTn>
+                  </p:par>
+                  <p:par>
+                    <p:cTn id="8" fill="hold">
+                      <p:stCondLst>
+                        <p:cond delay="indefinite"/>
+                      </p:stCondLst>
+                      <p:childTnLst>
+                        <p:par>
+                          <p:cTn id="9" fill="hold">
+                            <p:stCondLst>
+                              <p:cond delay="0"/>
+                            </p:stCondLst>
+                            <p:childTnLst>
+                              <p:par>
+                                <p:cTn id="10" presetID="10" presetClass="entr" presetSubtype="0" fill="hold" nodeType="clickEffect">
+                                  <p:stCondLst>
+                                    <p:cond delay="0"/>
+                                  </p:stCondLst>
+                                  <p:childTnLst>
+                                    <p:set>
+                                      <p:cBhvr>
+                                        <p:cTn id="11" dur="1" fill="hold">
+                                          <p:stCondLst>
+                                            <p:cond delay="0"/>
+                                          </p:stCondLst>
+                                        </p:cTn>
+                                        <p:tgtEl>
+                                          <p:spTgt spid="10"/>
+                                        </p:tgtEl>
+                                        <p:attrNameLst>
+                                          <p:attrName>style.visibility</p:attrName>
+                                        </p:attrNameLst>
+                                      </p:cBhvr>
+                                      <p:to>
+                                        <p:strVal val="visible"/>
+                                      </p:to>
+                                    </p:set>
+                                    <p:animEffect transition="in" filter="fade">
+                                      <p:cBhvr>
+                                        <p:cTn id="12" dur="500"/>
+                                        <p:tgtEl>
+                                          <p:spTgt spid="10"/>
+                                        </p:tgtEl>
+                                      </p:cBhvr>
+                                    </p:animEffect>
+                                  </p:childTnLst>
+                                </p:cTn>
+                              </p:par>
+                            </p:childTnLst>
+                          </p:cTn>
+                        </p:par>
+                      </p:childTnLst>
+                    </p:cTn>
+                  </p:par>
+                  <p:par>
+                    <p:cTn id="13" fill="hold">
+                      <p:stCondLst>
+                        <p:cond delay="indefinite"/>
+                      </p:stCondLst>
+                      <p:childTnLst>
+                        <p:par>
+                          <p:cTn id="14" fill="hold">
+                            <p:stCondLst>
+                              <p:cond delay="0"/>
+                            </p:stCondLst>
+                            <p:childTnLst>
+                              <p:par>
+                                <p:cTn id="15" presetID="10" presetClass="entr" presetSubtype="0" fill="hold" nodeType="clickEffect">
+                                  <p:stCondLst>
+                                    <p:cond delay="0"/>
+                                  </p:stCondLst>
+                                  <p:childTnLst>
+                                    <p:set>
+                                      <p:cBhvr>
+                                        <p:cTn id="16" dur="1" fill="hold">
+                                          <p:stCondLst>
+                                            <p:cond delay="0"/>
+                                          </p:stCondLst>
+                                        </p:cTn>
+                                        <p:tgtEl>
+                                          <p:spTgt spid="18"/>
+                                        </p:tgtEl>
+                                        <p:attrNameLst>
+                                          <p:attrName>style.visibility</p:attrName>
+                                        </p:attrNameLst>
+                                      </p:cBhvr>
+                                      <p:to>
+                                        <p:strVal val="visible"/>
+                                      </p:to>
+                                    </p:set>
+                                    <p:animEffect transition="in" filter="fade">
+                                      <p:cBhvr>
+                                        <p:cTn id="17" dur="500"/>
+                                        <p:tgtEl>
+                                          <p:spTgt spid="18"/>
+                                        </p:tgtEl>
+                                      </p:cBhvr>
+                                    </p:animEffect>
+                                  </p:childTnLst>
+                                </p:cTn>
+                              </p:par>
+                            </p:childTnLst>
+                          </p:cTn>
+                        </p:par>
+                      </p:childTnLst>
+                    </p:cTn>
+                  </p:par>
+                  <p:par>
+                    <p:cTn id="18" fill="hold">
+                      <p:stCondLst>
+                        <p:cond delay="indefinite"/>
+                      </p:stCondLst>
+                      <p:childTnLst>
+                        <p:par>
+                          <p:cTn id="19" fill="hold">
+                            <p:stCondLst>
+                              <p:cond delay="0"/>
+                            </p:stCondLst>
+                            <p:childTnLst>
+                              <p:par>
+                                <p:cTn id="20" presetID="10" presetClass="entr" presetSubtype="0" fill="hold" nodeType="clickEffect">
+                                  <p:stCondLst>
+                                    <p:cond delay="0"/>
+                                  </p:stCondLst>
+                                  <p:childTnLst>
+                                    <p:set>
+                                      <p:cBhvr>
+                                        <p:cTn id="21" dur="1" fill="hold">
+                                          <p:stCondLst>
+                                            <p:cond delay="0"/>
+                                          </p:stCondLst>
+                                        </p:cTn>
+                                        <p:tgtEl>
+                                          <p:spTgt spid="21"/>
+                                        </p:tgtEl>
+                                        <p:attrNameLst>
+                                          <p:attrName>style.visibility</p:attrName>
+                                        </p:attrNameLst>
+                                      </p:cBhvr>
+                                      <p:to>
+                                        <p:strVal val="visible"/>
+                                      </p:to>
+                                    </p:set>
+                                    <p:animEffect transition="in" filter="fade">
+                                      <p:cBhvr>
+                                        <p:cTn id="22" dur="500"/>
+                                        <p:tgtEl>
+                                          <p:spTgt spid="21"/>
+                                        </p:tgtEl>
+                                      </p:cBhvr>
+                                    </p:animEffect>
+                                  </p:childTnLst>
+                                </p:cTn>
+                              </p:par>
+                            </p:childTnLst>
+                          </p:cTn>
+                        </p:par>
+                      </p:childTnLst>
+                    </p:cTn>
+                  </p:par>
+                </p:childTnLst>
+              </p:cTn>
+              <p:prevCondLst>
+                <p:cond evt="onPrev" delay="0">
+                  <p:tgtEl>
+                    <p:sldTgt/>
+                  </p:tgtEl>
+                </p:cond>
+              </p:prevCondLst>
+              <p:nextCondLst>
+                <p:cond evt="onNext" delay="0">
+                  <p:tgtEl>
+                    <p:sldTgt/>
+                  </p:tgtEl>
+                </p:cond>
+              </p:nextCondLst>
+            </p:seq>
+          </p:childTnLst>
+        </p:cTn>
+      </p:par>
+    </p:tnLst>
+  </p:timing>
+</p:sld>
+</file>
+
+<file path=ppt/slides/slide33.xml><?xml version="1.0" encoding="utf-8"?>
+<p:sld xmlns:a="http://schemas.openxmlformats.org/drawingml/2006/main" xmlns:r="http://schemas.openxmlformats.org/officeDocument/2006/relationships" xmlns:p="http://schemas.openxmlformats.org/presentationml/2006/main">
+  <p:cSld>
+    <p:spTree>
+      <p:nvGrpSpPr>
+        <p:cNvPr id="1" name=""/>
+        <p:cNvGrpSpPr/>
+        <p:nvPr/>
+      </p:nvGrpSpPr>
+      <p:grpSpPr>
+        <a:xfrm>
+          <a:off x="0" y="0"/>
+          <a:ext cx="0" cy="0"/>
+          <a:chOff x="0" y="0"/>
+          <a:chExt cx="0" cy="0"/>
+        </a:xfrm>
+      </p:grpSpPr>
+      <p:sp>
+        <p:nvSpPr>
+          <p:cNvPr id="2" name="标题 1"/>
+          <p:cNvSpPr>
+            <a:spLocks noGrp="1"/>
+          </p:cNvSpPr>
+          <p:nvPr>
+            <p:ph type="title"/>
+          </p:nvPr>
+        </p:nvSpPr>
+        <p:spPr/>
+        <p:txBody>
+          <a:bodyPr/>
+          <a:lstStyle/>
+          <a:p>
+            <a:r>
+              <a:rPr lang="en-US" altLang="zh-CN" dirty="0"/>
+              <a:t>3.5 DFA and NFA – </a:t>
+            </a:r>
+            <a:r>
+              <a:rPr lang="en-US" altLang="zh-CN" dirty="0" smtClean="0"/>
+              <a:t>description</a:t>
+            </a:r>
+            <a:endParaRPr lang="zh-CN" altLang="en-US" dirty="0"/>
+          </a:p>
+        </p:txBody>
+      </p:sp>
+      <p:sp>
+        <p:nvSpPr>
+          <p:cNvPr id="3" name="内容占位符 2"/>
+          <p:cNvSpPr>
+            <a:spLocks noGrp="1"/>
+          </p:cNvSpPr>
+          <p:nvPr>
+            <p:ph idx="1"/>
+          </p:nvPr>
+        </p:nvSpPr>
+        <p:spPr/>
+        <p:txBody>
+          <a:bodyPr>
+            <a:normAutofit/>
+          </a:bodyPr>
+          <a:lstStyle/>
+          <a:p>
+            <a:r>
+              <a:rPr lang="en-US" altLang="zh-CN" sz="2000" i="1" dirty="0">
+                <a:solidFill>
+                  <a:srgbClr val="7030A0"/>
+                </a:solidFill>
+              </a:rPr>
+              <a:t>Finite automata </a:t>
+            </a:r>
+            <a:r>
+              <a:rPr lang="en-US" altLang="zh-CN" sz="2000" dirty="0"/>
+              <a:t>are recognizers; they simply say "yes" or "no" about </a:t>
+            </a:r>
+            <a:r>
+              <a:rPr lang="en-US" altLang="zh-CN" sz="2000" dirty="0" smtClean="0"/>
+              <a:t>each possible </a:t>
+            </a:r>
+            <a:r>
+              <a:rPr lang="en-US" altLang="zh-CN" sz="2000" dirty="0"/>
+              <a:t>input </a:t>
+            </a:r>
+            <a:r>
+              <a:rPr lang="en-US" altLang="zh-CN" sz="2000" dirty="0" smtClean="0"/>
+              <a:t>string</a:t>
+            </a:r>
+          </a:p>
+          <a:p>
+            <a:r>
+              <a:rPr lang="en-US" altLang="zh-CN" sz="2000" dirty="0" smtClean="0"/>
+              <a:t>Finite automata come in two flavors:</a:t>
+            </a:r>
+          </a:p>
+          <a:p>
+            <a:pPr lvl="1"/>
+            <a:r>
+              <a:rPr lang="en-US" altLang="zh-CN" sz="1700" dirty="0" smtClean="0"/>
+              <a:t>(1) </a:t>
+            </a:r>
+            <a:r>
+              <a:rPr lang="en-US" altLang="zh-CN" sz="1700" dirty="0" smtClean="0">
+                <a:solidFill>
+                  <a:srgbClr val="FF0000"/>
+                </a:solidFill>
+              </a:rPr>
+              <a:t>Deterministic finite automata (</a:t>
+            </a:r>
+            <a:r>
+              <a:rPr lang="en-US" altLang="zh-CN" sz="1700" dirty="0">
+                <a:solidFill>
+                  <a:srgbClr val="FF0000"/>
+                </a:solidFill>
+              </a:rPr>
+              <a:t>DFA) </a:t>
+            </a:r>
+            <a:r>
+              <a:rPr lang="en-US" altLang="zh-CN" sz="1700" dirty="0"/>
+              <a:t>have, for each state, and for</a:t>
+            </a:r>
+          </a:p>
+          <a:p>
+            <a:pPr marL="342900" lvl="1" indent="0">
+              <a:buNone/>
+            </a:pPr>
+            <a:r>
+              <a:rPr lang="en-US" altLang="zh-CN" sz="1700" dirty="0"/>
+              <a:t>each symbol of its input alphabet exactly one edge with that symbol</a:t>
+            </a:r>
+          </a:p>
+          <a:p>
+            <a:pPr marL="342900" lvl="1" indent="0">
+              <a:buNone/>
+            </a:pPr>
+            <a:r>
+              <a:rPr lang="en-US" altLang="zh-CN" sz="1700" dirty="0"/>
+              <a:t>leaving that state</a:t>
+            </a:r>
+            <a:endParaRPr lang="en-US" altLang="zh-CN" sz="1700" dirty="0" smtClean="0"/>
+          </a:p>
+          <a:p>
+            <a:pPr lvl="1"/>
+            <a:r>
+              <a:rPr lang="en-US" altLang="zh-CN" sz="1700" dirty="0" smtClean="0"/>
+              <a:t>(2) </a:t>
+            </a:r>
+            <a:r>
+              <a:rPr lang="en-US" altLang="zh-CN" sz="1700" dirty="0" smtClean="0">
+                <a:solidFill>
+                  <a:srgbClr val="FF0000"/>
+                </a:solidFill>
+              </a:rPr>
+              <a:t>Nondeterministic finite automata (</a:t>
+            </a:r>
+            <a:r>
+              <a:rPr lang="en-US" altLang="zh-CN" sz="1700" dirty="0">
+                <a:solidFill>
+                  <a:srgbClr val="FF0000"/>
+                </a:solidFill>
+              </a:rPr>
+              <a:t>NFA) </a:t>
+            </a:r>
+            <a:r>
+              <a:rPr lang="en-US" altLang="zh-CN" sz="1700" dirty="0"/>
+              <a:t>have no restrictions on </a:t>
+            </a:r>
+            <a:r>
+              <a:rPr lang="en-US" altLang="zh-CN" sz="1700" dirty="0" smtClean="0"/>
+              <a:t>the labels </a:t>
+            </a:r>
+            <a:r>
+              <a:rPr lang="en-US" altLang="zh-CN" sz="1700" dirty="0"/>
+              <a:t>of their edges. A symbol can label several edges out of </a:t>
+            </a:r>
+            <a:r>
+              <a:rPr lang="en-US" altLang="zh-CN" sz="1700" dirty="0" smtClean="0"/>
+              <a:t>the same </a:t>
+            </a:r>
+            <a:r>
+              <a:rPr lang="en-US" altLang="zh-CN" sz="1700" dirty="0"/>
+              <a:t>state, </a:t>
+            </a:r>
+            <a:r>
+              <a:rPr lang="en-US" altLang="zh-CN" sz="1700" dirty="0" smtClean="0"/>
+              <a:t>and </a:t>
+            </a:r>
+            <a:r>
+              <a:rPr lang="en-US" altLang="zh-CN" sz="1700" b="1" dirty="0" smtClean="0">
+                <a:sym typeface="Symbol" panose="05050102010706020507" pitchFamily="18" charset="2"/>
+              </a:rPr>
+              <a:t></a:t>
+            </a:r>
+            <a:r>
+              <a:rPr lang="en-US" altLang="zh-CN" sz="1700" dirty="0" smtClean="0"/>
+              <a:t>, </a:t>
+            </a:r>
+            <a:r>
+              <a:rPr lang="en-US" altLang="zh-CN" sz="1700" dirty="0"/>
+              <a:t>the empty string, is </a:t>
+            </a:r>
+            <a:r>
+              <a:rPr lang="en-US" altLang="zh-CN" sz="1700" dirty="0" smtClean="0"/>
+              <a:t>a </a:t>
+            </a:r>
+            <a:r>
+              <a:rPr lang="en-US" altLang="zh-CN" sz="1700" dirty="0"/>
+              <a:t>possible </a:t>
+            </a:r>
+            <a:r>
+              <a:rPr lang="en-US" altLang="zh-CN" sz="1700" dirty="0" smtClean="0"/>
+              <a:t>label.</a:t>
+            </a:r>
+          </a:p>
+          <a:p>
+            <a:pPr lvl="1"/>
+            <a:endParaRPr lang="en-US" altLang="zh-CN" sz="1700" dirty="0"/>
+          </a:p>
+          <a:p>
+            <a:r>
+              <a:rPr lang="en-US" altLang="zh-CN" sz="2000" dirty="0"/>
+              <a:t>Conclusion: Both deterministic and nondeterministic finite automata are capable of </a:t>
+            </a:r>
+            <a:r>
+              <a:rPr lang="en-US" altLang="zh-CN" sz="2000" dirty="0" smtClean="0"/>
+              <a:t>recognizing the </a:t>
+            </a:r>
+            <a:r>
+              <a:rPr lang="en-US" altLang="zh-CN" sz="2000" dirty="0"/>
+              <a:t>same </a:t>
+            </a:r>
+            <a:r>
+              <a:rPr lang="en-US" altLang="zh-CN" sz="2000" dirty="0" smtClean="0"/>
+              <a:t>languages.</a:t>
+            </a:r>
+            <a:endParaRPr lang="zh-CN" altLang="en-US" sz="2000" dirty="0"/>
+          </a:p>
+        </p:txBody>
+      </p:sp>
+    </p:spTree>
+    <p:extLst>
+      <p:ext uri="{BB962C8B-B14F-4D97-AF65-F5344CB8AC3E}">
+        <p14:creationId xmlns:p14="http://schemas.microsoft.com/office/powerpoint/2010/main" val="4003195196"/>
+      </p:ext>
+    </p:extLst>
+  </p:cSld>
+  <p:clrMapOvr>
+    <a:masterClrMapping/>
+  </p:clrMapOvr>
+  <mc:AlternateContent xmlns:mc="http://schemas.openxmlformats.org/markup-compatibility/2006" xmlns:p14="http://schemas.microsoft.com/office/powerpoint/2010/main">
+    <mc:Choice Requires="p14">
+      <p:transition spd="med" p14:dur="700">
+        <p:fade/>
+      </p:transition>
+    </mc:Choice>
+    <mc:Fallback xmlns="">
+      <p:transition spd="med">
+        <p:fade/>
+      </p:transition>
+    </mc:Fallback>
+  </mc:AlternateContent>
+</p:sld>
+</file>
+
+<file path=ppt/slides/slide34.xml><?xml version="1.0" encoding="utf-8"?>
+<p:sld xmlns:a="http://schemas.openxmlformats.org/drawingml/2006/main" xmlns:r="http://schemas.openxmlformats.org/officeDocument/2006/relationships" xmlns:p="http://schemas.openxmlformats.org/presentationml/2006/main">
+  <p:cSld>
+    <p:spTree>
+      <p:nvGrpSpPr>
+        <p:cNvPr id="1" name=""/>
+        <p:cNvGrpSpPr/>
+        <p:nvPr/>
+      </p:nvGrpSpPr>
+      <p:grpSpPr>
+        <a:xfrm>
+          <a:off x="0" y="0"/>
+          <a:ext cx="0" cy="0"/>
+          <a:chOff x="0" y="0"/>
+          <a:chExt cx="0" cy="0"/>
+        </a:xfrm>
+      </p:grpSpPr>
+      <p:sp>
+        <p:nvSpPr>
+          <p:cNvPr id="2" name="标题 1"/>
+          <p:cNvSpPr>
+            <a:spLocks noGrp="1"/>
+          </p:cNvSpPr>
+          <p:nvPr>
+            <p:ph type="title"/>
+          </p:nvPr>
+        </p:nvSpPr>
+        <p:spPr/>
+        <p:txBody>
+          <a:bodyPr/>
+          <a:lstStyle/>
+          <a:p>
+            <a:r>
+              <a:rPr lang="en-US" altLang="zh-CN" dirty="0"/>
+              <a:t>3.5 DFA and NFA – </a:t>
+            </a:r>
+            <a:r>
+              <a:rPr lang="en-US" altLang="zh-CN" dirty="0" smtClean="0"/>
+              <a:t>definition</a:t>
+            </a:r>
+            <a:endParaRPr lang="zh-CN" altLang="en-US" dirty="0"/>
+          </a:p>
+        </p:txBody>
+      </p:sp>
+      <p:sp>
+        <p:nvSpPr>
+          <p:cNvPr id="4" name="内容占位符 4"/>
+          <p:cNvSpPr>
+            <a:spLocks noGrp="1"/>
+          </p:cNvSpPr>
+          <p:nvPr>
+            <p:ph sz="half" idx="1"/>
+          </p:nvPr>
+        </p:nvSpPr>
+        <p:spPr>
+          <a:xfrm>
+            <a:off x="828675" y="1600201"/>
+            <a:ext cx="3686175" cy="4571999"/>
+          </a:xfrm>
+        </p:spPr>
+        <p:txBody>
+          <a:bodyPr>
+            <a:noAutofit/>
+          </a:bodyPr>
+          <a:lstStyle/>
+          <a:p>
+            <a:r>
+              <a:rPr lang="en-US" altLang="zh-CN" sz="2000" b="1" dirty="0" smtClean="0"/>
+              <a:t>DFA</a:t>
+            </a:r>
+            <a:r>
+              <a:rPr lang="zh-CN" altLang="en-US" sz="2000" b="1" dirty="0" smtClean="0"/>
+              <a:t> </a:t>
+            </a:r>
+            <a:endParaRPr lang="en-US" altLang="zh-CN" sz="2000" b="1" dirty="0" smtClean="0"/>
+          </a:p>
+          <a:p>
+            <a:pPr marL="0" indent="0">
+              <a:buNone/>
+            </a:pPr>
+            <a:r>
+              <a:rPr lang="en-US" altLang="zh-CN" sz="2000" dirty="0" smtClean="0">
+                <a:latin typeface="Times New Roman" panose="02020603050405020304" pitchFamily="18" charset="0"/>
+                <a:cs typeface="Times New Roman" panose="02020603050405020304" pitchFamily="18" charset="0"/>
+              </a:rPr>
+              <a:t>M={S, </a:t>
+            </a:r>
+            <a:r>
+              <a:rPr lang="zh-CN" altLang="en-US" sz="2000" dirty="0" smtClean="0">
+                <a:latin typeface="Times New Roman" panose="02020603050405020304" pitchFamily="18" charset="0"/>
+                <a:cs typeface="Times New Roman" panose="02020603050405020304" pitchFamily="18" charset="0"/>
+              </a:rPr>
+              <a:t>∑</a:t>
+            </a:r>
+            <a:r>
+              <a:rPr lang="en-US" altLang="zh-CN" sz="2000" dirty="0" smtClean="0">
+                <a:latin typeface="Times New Roman" panose="02020603050405020304" pitchFamily="18" charset="0"/>
+                <a:cs typeface="Times New Roman" panose="02020603050405020304" pitchFamily="18" charset="0"/>
+              </a:rPr>
+              <a:t>, </a:t>
+            </a:r>
+            <a:r>
+              <a:rPr lang="el-GR" altLang="zh-CN" sz="2000" dirty="0" smtClean="0">
+                <a:latin typeface="Times New Roman" panose="02020603050405020304" pitchFamily="18" charset="0"/>
+                <a:ea typeface="Cambria Math"/>
+                <a:cs typeface="Times New Roman" panose="02020603050405020304" pitchFamily="18" charset="0"/>
+              </a:rPr>
+              <a:t>δ</a:t>
+            </a:r>
+            <a:r>
+              <a:rPr lang="en-US" altLang="zh-CN" sz="2000" dirty="0" smtClean="0">
+                <a:latin typeface="Times New Roman" panose="02020603050405020304" pitchFamily="18" charset="0"/>
+                <a:ea typeface="Cambria Math"/>
+                <a:cs typeface="Times New Roman" panose="02020603050405020304" pitchFamily="18" charset="0"/>
+              </a:rPr>
+              <a:t>, s</a:t>
+            </a:r>
+            <a:r>
+              <a:rPr lang="en-US" altLang="zh-CN" sz="2000" baseline="-25000" dirty="0" smtClean="0">
+                <a:latin typeface="Times New Roman" panose="02020603050405020304" pitchFamily="18" charset="0"/>
+                <a:ea typeface="Cambria Math"/>
+                <a:cs typeface="Times New Roman" panose="02020603050405020304" pitchFamily="18" charset="0"/>
+              </a:rPr>
+              <a:t>0</a:t>
+            </a:r>
+            <a:r>
+              <a:rPr lang="en-US" altLang="zh-CN" sz="2000" dirty="0" smtClean="0">
+                <a:latin typeface="Times New Roman" panose="02020603050405020304" pitchFamily="18" charset="0"/>
+                <a:ea typeface="Cambria Math"/>
+                <a:cs typeface="Times New Roman" panose="02020603050405020304" pitchFamily="18" charset="0"/>
+              </a:rPr>
+              <a:t>, F</a:t>
+            </a:r>
+            <a:r>
+              <a:rPr lang="en-US" altLang="zh-CN" sz="2000" dirty="0" smtClean="0">
+                <a:latin typeface="Times New Roman" panose="02020603050405020304" pitchFamily="18" charset="0"/>
+                <a:cs typeface="Times New Roman" panose="02020603050405020304" pitchFamily="18" charset="0"/>
+              </a:rPr>
+              <a:t>}</a:t>
+            </a:r>
+          </a:p>
+          <a:p>
+            <a:pPr marL="457200" indent="-457200">
+              <a:buAutoNum type="arabicParenBoth"/>
+            </a:pPr>
+            <a:r>
+              <a:rPr lang="en-US" altLang="zh-CN" sz="2000" dirty="0" smtClean="0">
+                <a:latin typeface="Times New Roman" panose="02020603050405020304" pitchFamily="18" charset="0"/>
+                <a:cs typeface="Times New Roman" panose="02020603050405020304" pitchFamily="18" charset="0"/>
+              </a:rPr>
+              <a:t>S: a set of finite state</a:t>
+            </a:r>
+            <a:endParaRPr lang="en-US" altLang="zh-CN" sz="2000" dirty="0" smtClean="0">
+              <a:latin typeface="Times New Roman" panose="02020603050405020304" pitchFamily="18" charset="0"/>
+              <a:cs typeface="Times New Roman" panose="02020603050405020304" pitchFamily="18" charset="0"/>
+            </a:endParaRPr>
+          </a:p>
+          <a:p>
+            <a:pPr marL="457200" indent="-457200">
+              <a:buAutoNum type="arabicParenBoth"/>
+            </a:pPr>
+            <a:r>
+              <a:rPr lang="zh-CN" altLang="en-US" sz="2000" dirty="0" smtClean="0">
+                <a:latin typeface="Times New Roman" panose="02020603050405020304" pitchFamily="18" charset="0"/>
+                <a:cs typeface="Times New Roman" panose="02020603050405020304" pitchFamily="18" charset="0"/>
+              </a:rPr>
+              <a:t>∑</a:t>
+            </a:r>
+            <a:r>
+              <a:rPr lang="en-US" altLang="zh-CN" sz="2000" dirty="0">
+                <a:latin typeface="Times New Roman" panose="02020603050405020304" pitchFamily="18" charset="0"/>
+                <a:cs typeface="Times New Roman" panose="02020603050405020304" pitchFamily="18" charset="0"/>
+              </a:rPr>
+              <a:t> </a:t>
+            </a:r>
+            <a:r>
+              <a:rPr lang="en-US" altLang="zh-CN" sz="2000" dirty="0" smtClean="0">
+                <a:latin typeface="Times New Roman" panose="02020603050405020304" pitchFamily="18" charset="0"/>
+                <a:cs typeface="Times New Roman" panose="02020603050405020304" pitchFamily="18" charset="0"/>
+              </a:rPr>
+              <a:t>is finite alphabet, where each element is a input symbol.</a:t>
+            </a:r>
+          </a:p>
+          <a:p>
+            <a:pPr marL="457200" indent="-457200">
+              <a:buAutoNum type="arabicParenBoth"/>
+            </a:pPr>
+            <a:r>
+              <a:rPr lang="zh-CN" altLang="en-US" sz="2000" dirty="0" smtClean="0">
+                <a:solidFill>
+                  <a:srgbClr val="00B050"/>
+                </a:solidFill>
+                <a:latin typeface="Times New Roman" panose="02020603050405020304" pitchFamily="18" charset="0"/>
+                <a:cs typeface="Times New Roman" panose="02020603050405020304" pitchFamily="18" charset="0"/>
+              </a:rPr>
+              <a:t> </a:t>
+            </a:r>
+            <a:r>
+              <a:rPr lang="el-GR" altLang="zh-CN" sz="2000" dirty="0" smtClean="0">
+                <a:solidFill>
+                  <a:srgbClr val="00B050"/>
+                </a:solidFill>
+                <a:latin typeface="Times New Roman" panose="02020603050405020304" pitchFamily="18" charset="0"/>
+                <a:ea typeface="Cambria Math"/>
+                <a:cs typeface="Times New Roman" panose="02020603050405020304" pitchFamily="18" charset="0"/>
+              </a:rPr>
+              <a:t>δ</a:t>
+            </a:r>
+            <a:r>
+              <a:rPr lang="en-US" altLang="zh-CN" sz="2000" dirty="0" smtClean="0">
+                <a:solidFill>
+                  <a:srgbClr val="00B050"/>
+                </a:solidFill>
+                <a:latin typeface="Times New Roman" panose="02020603050405020304" pitchFamily="18" charset="0"/>
+                <a:ea typeface="Cambria Math"/>
+                <a:cs typeface="Times New Roman" panose="02020603050405020304" pitchFamily="18" charset="0"/>
+              </a:rPr>
+              <a:t> is a mapping from S</a:t>
+            </a:r>
+            <a:r>
+              <a:rPr lang="zh-CN" altLang="en-US" sz="2000" dirty="0" smtClean="0">
+                <a:solidFill>
+                  <a:srgbClr val="00B050"/>
+                </a:solidFill>
+                <a:latin typeface="Times New Roman" panose="02020603050405020304" pitchFamily="18" charset="0"/>
+                <a:cs typeface="Times New Roman" panose="02020603050405020304" pitchFamily="18" charset="0"/>
+              </a:rPr>
+              <a:t> </a:t>
+            </a:r>
+            <a:r>
+              <a:rPr lang="en-US" altLang="zh-CN" sz="2000" dirty="0">
+                <a:solidFill>
+                  <a:srgbClr val="00B050"/>
+                </a:solidFill>
+                <a:latin typeface="Times New Roman" panose="02020603050405020304" pitchFamily="18" charset="0"/>
+                <a:cs typeface="Times New Roman" panose="02020603050405020304" pitchFamily="18" charset="0"/>
+              </a:rPr>
+              <a:t>×</a:t>
+            </a:r>
+            <a:r>
+              <a:rPr lang="zh-CN" altLang="en-US" sz="2000" dirty="0" smtClean="0">
+                <a:solidFill>
+                  <a:srgbClr val="00B050"/>
+                </a:solidFill>
+                <a:latin typeface="Times New Roman" panose="02020603050405020304" pitchFamily="18" charset="0"/>
+                <a:cs typeface="Times New Roman" panose="02020603050405020304" pitchFamily="18" charset="0"/>
+              </a:rPr>
+              <a:t>∑ </a:t>
+            </a:r>
+            <a:r>
+              <a:rPr lang="en-US" altLang="zh-CN" sz="2000" dirty="0" smtClean="0">
+                <a:solidFill>
+                  <a:srgbClr val="00B050"/>
+                </a:solidFill>
+                <a:latin typeface="Times New Roman" panose="02020603050405020304" pitchFamily="18" charset="0"/>
+                <a:cs typeface="Times New Roman" panose="02020603050405020304" pitchFamily="18" charset="0"/>
+              </a:rPr>
+              <a:t>to one state in S</a:t>
+            </a:r>
+            <a:r>
+              <a:rPr lang="zh-CN" altLang="en-US" sz="2000" dirty="0" smtClean="0">
+                <a:solidFill>
+                  <a:srgbClr val="00B050"/>
+                </a:solidFill>
+                <a:latin typeface="Times New Roman" panose="02020603050405020304" pitchFamily="18" charset="0"/>
+                <a:cs typeface="Times New Roman" panose="02020603050405020304" pitchFamily="18" charset="0"/>
+              </a:rPr>
+              <a:t>。</a:t>
+            </a:r>
+            <a:r>
+              <a:rPr lang="el-GR" altLang="zh-CN" sz="2000" dirty="0" smtClean="0">
+                <a:solidFill>
+                  <a:srgbClr val="00B050"/>
+                </a:solidFill>
+                <a:latin typeface="Times New Roman" panose="02020603050405020304" pitchFamily="18" charset="0"/>
+                <a:ea typeface="Cambria Math"/>
+                <a:cs typeface="Times New Roman" panose="02020603050405020304" pitchFamily="18" charset="0"/>
+              </a:rPr>
+              <a:t> </a:t>
+            </a:r>
+            <a:r>
+              <a:rPr lang="el-GR" altLang="zh-CN" sz="2000" dirty="0" smtClean="0">
+                <a:solidFill>
+                  <a:srgbClr val="00B050"/>
+                </a:solidFill>
+                <a:latin typeface="Times New Roman" panose="02020603050405020304" pitchFamily="18" charset="0"/>
+                <a:ea typeface="Cambria Math"/>
+                <a:cs typeface="Times New Roman" panose="02020603050405020304" pitchFamily="18" charset="0"/>
+              </a:rPr>
+              <a:t>δ</a:t>
+            </a:r>
+            <a:r>
+              <a:rPr lang="en-US" altLang="zh-CN" sz="2000" dirty="0" smtClean="0">
+                <a:solidFill>
+                  <a:srgbClr val="00B050"/>
+                </a:solidFill>
+                <a:latin typeface="Times New Roman" panose="02020603050405020304" pitchFamily="18" charset="0"/>
+                <a:ea typeface="Cambria Math"/>
+                <a:cs typeface="Times New Roman" panose="02020603050405020304" pitchFamily="18" charset="0"/>
+              </a:rPr>
+              <a:t>(s, a)=s</a:t>
+            </a:r>
+            <a:r>
+              <a:rPr lang="en-US" altLang="zh-CN" sz="2000" dirty="0" smtClean="0">
+                <a:solidFill>
+                  <a:srgbClr val="00B050"/>
+                </a:solidFill>
+                <a:latin typeface="Times New Roman" panose="02020603050405020304" pitchFamily="18" charset="0"/>
+                <a:ea typeface="Cambria Math"/>
+                <a:cs typeface="Times New Roman" panose="02020603050405020304" pitchFamily="18" charset="0"/>
+              </a:rPr>
+              <a:t>’</a:t>
+            </a:r>
+            <a:r>
+              <a:rPr lang="zh-CN" altLang="en-US" sz="2000" dirty="0" smtClean="0">
+                <a:solidFill>
+                  <a:srgbClr val="00B050"/>
+                </a:solidFill>
+                <a:latin typeface="Times New Roman" panose="02020603050405020304" pitchFamily="18" charset="0"/>
+                <a:ea typeface="Cambria Math"/>
+                <a:cs typeface="Times New Roman" panose="02020603050405020304" pitchFamily="18" charset="0"/>
+              </a:rPr>
+              <a:t> ：</a:t>
+            </a:r>
+            <a:r>
+              <a:rPr lang="en-US" altLang="zh-CN" sz="2000" dirty="0" smtClean="0">
+                <a:solidFill>
+                  <a:srgbClr val="00B050"/>
+                </a:solidFill>
+                <a:latin typeface="Times New Roman" panose="02020603050405020304" pitchFamily="18" charset="0"/>
+                <a:ea typeface="Cambria Math"/>
+                <a:cs typeface="Times New Roman" panose="02020603050405020304" pitchFamily="18" charset="0"/>
+              </a:rPr>
+              <a:t>when current state is s</a:t>
+            </a:r>
+            <a:r>
+              <a:rPr lang="zh-CN" altLang="en-US" sz="2000" dirty="0" smtClean="0">
+                <a:solidFill>
+                  <a:srgbClr val="00B050"/>
+                </a:solidFill>
+                <a:latin typeface="Times New Roman" panose="02020603050405020304" pitchFamily="18" charset="0"/>
+                <a:ea typeface="Cambria Math"/>
+                <a:cs typeface="Times New Roman" panose="02020603050405020304" pitchFamily="18" charset="0"/>
+              </a:rPr>
+              <a:t>，</a:t>
+            </a:r>
+            <a:r>
+              <a:rPr lang="en-US" altLang="zh-CN" sz="2000" dirty="0" smtClean="0">
+                <a:solidFill>
+                  <a:srgbClr val="00B050"/>
+                </a:solidFill>
+                <a:latin typeface="Times New Roman" panose="02020603050405020304" pitchFamily="18" charset="0"/>
+                <a:ea typeface="Cambria Math"/>
+                <a:cs typeface="Times New Roman" panose="02020603050405020304" pitchFamily="18" charset="0"/>
+              </a:rPr>
+              <a:t>if the input symbol is a </a:t>
+            </a:r>
+            <a:r>
+              <a:rPr lang="en-US" altLang="zh-CN" sz="2000" dirty="0" smtClean="0">
+                <a:solidFill>
+                  <a:srgbClr val="00B050"/>
+                </a:solidFill>
+                <a:latin typeface="Times New Roman" panose="02020603050405020304" pitchFamily="18" charset="0"/>
+                <a:ea typeface="Cambria Math"/>
+                <a:cs typeface="Times New Roman" panose="02020603050405020304" pitchFamily="18" charset="0"/>
+              </a:rPr>
+              <a:t>, then the transition of the next state is s’</a:t>
+            </a:r>
+            <a:endParaRPr lang="en-US" altLang="zh-CN" sz="2000" dirty="0" smtClean="0">
+              <a:solidFill>
+                <a:srgbClr val="00B050"/>
+              </a:solidFill>
+              <a:latin typeface="Times New Roman" panose="02020603050405020304" pitchFamily="18" charset="0"/>
+              <a:ea typeface="Cambria Math"/>
+              <a:cs typeface="Times New Roman" panose="02020603050405020304" pitchFamily="18" charset="0"/>
+            </a:endParaRPr>
+          </a:p>
+          <a:p>
+            <a:pPr marL="457200" indent="-457200">
+              <a:buAutoNum type="arabicParenBoth"/>
+            </a:pPr>
+            <a:r>
+              <a:rPr lang="en-US" altLang="zh-CN" sz="2000" dirty="0" smtClean="0">
+                <a:solidFill>
+                  <a:srgbClr val="00B050"/>
+                </a:solidFill>
+                <a:latin typeface="Times New Roman" panose="02020603050405020304" pitchFamily="18" charset="0"/>
+                <a:ea typeface="Cambria Math"/>
+                <a:cs typeface="Times New Roman" panose="02020603050405020304" pitchFamily="18" charset="0"/>
+              </a:rPr>
+              <a:t>s</a:t>
+            </a:r>
+            <a:r>
+              <a:rPr lang="en-US" altLang="zh-CN" sz="2000" baseline="-25000" dirty="0" smtClean="0">
+                <a:solidFill>
+                  <a:srgbClr val="00B050"/>
+                </a:solidFill>
+                <a:latin typeface="Times New Roman" panose="02020603050405020304" pitchFamily="18" charset="0"/>
+                <a:ea typeface="Cambria Math"/>
+                <a:cs typeface="Times New Roman" panose="02020603050405020304" pitchFamily="18" charset="0"/>
+              </a:rPr>
+              <a:t>0</a:t>
+            </a:r>
+            <a:r>
+              <a:rPr lang="en-US" altLang="zh-CN" sz="2000" dirty="0" smtClean="0">
+                <a:solidFill>
+                  <a:srgbClr val="00B050"/>
+                </a:solidFill>
+                <a:latin typeface="Cambria Math"/>
+                <a:ea typeface="Cambria Math"/>
+                <a:cs typeface="Times New Roman" panose="02020603050405020304" pitchFamily="18" charset="0"/>
+              </a:rPr>
+              <a:t>∊</a:t>
+            </a:r>
+            <a:r>
+              <a:rPr lang="en-US" altLang="zh-CN" sz="2000" dirty="0" smtClean="0">
+                <a:solidFill>
+                  <a:srgbClr val="00B050"/>
+                </a:solidFill>
+                <a:latin typeface="Cambria Math"/>
+                <a:ea typeface="Cambria Math"/>
+                <a:cs typeface="Times New Roman" panose="02020603050405020304" pitchFamily="18" charset="0"/>
+              </a:rPr>
+              <a:t>S is a unique start state</a:t>
+            </a:r>
+            <a:endParaRPr lang="en-US" altLang="zh-CN" sz="2000" dirty="0">
+              <a:solidFill>
+                <a:srgbClr val="00B050"/>
+              </a:solidFill>
+              <a:latin typeface="Cambria Math"/>
+              <a:ea typeface="Cambria Math"/>
+              <a:cs typeface="Times New Roman" panose="02020603050405020304" pitchFamily="18" charset="0"/>
+            </a:endParaRPr>
+          </a:p>
+          <a:p>
+            <a:pPr marL="457200" indent="-457200">
+              <a:buAutoNum type="arabicParenBoth"/>
+            </a:pPr>
+            <a:r>
+              <a:rPr lang="en-US" altLang="zh-CN" sz="2000" dirty="0" smtClean="0">
+                <a:latin typeface="Cambria Math"/>
+                <a:ea typeface="Cambria Math"/>
+                <a:cs typeface="Times New Roman" panose="02020603050405020304" pitchFamily="18" charset="0"/>
+              </a:rPr>
+              <a:t>F</a:t>
+            </a:r>
+            <a:r>
+              <a:rPr lang="en-US" altLang="zh-CN" sz="2000" dirty="0" smtClean="0">
+                <a:latin typeface="Cambria Math"/>
+                <a:ea typeface="Cambria Math"/>
+                <a:cs typeface="Times New Roman" panose="02020603050405020304" pitchFamily="18" charset="0"/>
+              </a:rPr>
+              <a:t>⊆</a:t>
+            </a:r>
+            <a:r>
+              <a:rPr lang="en-US" altLang="zh-CN" sz="2000" dirty="0" smtClean="0">
+                <a:latin typeface="Cambria Math"/>
+                <a:ea typeface="Cambria Math"/>
+                <a:cs typeface="Times New Roman" panose="02020603050405020304" pitchFamily="18" charset="0"/>
+              </a:rPr>
+              <a:t>S</a:t>
+            </a:r>
+            <a:r>
+              <a:rPr lang="zh-CN" altLang="en-US" sz="2000" dirty="0">
+                <a:latin typeface="Cambria Math"/>
+                <a:ea typeface="Cambria Math"/>
+                <a:cs typeface="Times New Roman" panose="02020603050405020304" pitchFamily="18" charset="0"/>
+              </a:rPr>
+              <a:t> </a:t>
+            </a:r>
+            <a:r>
+              <a:rPr lang="en-US" altLang="zh-CN" sz="2000" dirty="0" smtClean="0">
+                <a:latin typeface="Cambria Math"/>
+                <a:ea typeface="Cambria Math"/>
+                <a:cs typeface="Times New Roman" panose="02020603050405020304" pitchFamily="18" charset="0"/>
+              </a:rPr>
+              <a:t>is a set of final states</a:t>
+            </a:r>
+            <a:r>
+              <a:rPr lang="zh-CN" altLang="en-US" sz="2000" dirty="0" smtClean="0">
+                <a:latin typeface="Cambria Math"/>
+                <a:ea typeface="Cambria Math"/>
+                <a:cs typeface="Times New Roman" panose="02020603050405020304" pitchFamily="18" charset="0"/>
+              </a:rPr>
+              <a:t>（</a:t>
+            </a:r>
+            <a:r>
+              <a:rPr lang="en-US" altLang="zh-CN" sz="2000" dirty="0" smtClean="0">
+                <a:latin typeface="Cambria Math"/>
+                <a:ea typeface="Cambria Math"/>
+                <a:cs typeface="Times New Roman" panose="02020603050405020304" pitchFamily="18" charset="0"/>
+              </a:rPr>
+              <a:t>can be empty </a:t>
+            </a:r>
+            <a:r>
+              <a:rPr lang="zh-CN" altLang="en-US" sz="2000" dirty="0" smtClean="0">
+                <a:latin typeface="Cambria Math"/>
+                <a:ea typeface="Cambria Math"/>
+                <a:cs typeface="Times New Roman" panose="02020603050405020304" pitchFamily="18" charset="0"/>
+              </a:rPr>
+              <a:t>）</a:t>
+            </a:r>
+            <a:endParaRPr lang="en-US" altLang="zh-CN" sz="2000" dirty="0" smtClean="0">
+              <a:latin typeface="Times New Roman" panose="02020603050405020304" pitchFamily="18" charset="0"/>
+              <a:cs typeface="Times New Roman" panose="02020603050405020304" pitchFamily="18" charset="0"/>
+            </a:endParaRPr>
+          </a:p>
+        </p:txBody>
+      </p:sp>
+      <p:sp>
+        <p:nvSpPr>
+          <p:cNvPr id="5" name="内容占位符 4"/>
+          <p:cNvSpPr txBox="1">
+            <a:spLocks/>
+          </p:cNvSpPr>
+          <p:nvPr/>
+        </p:nvSpPr>
+        <p:spPr>
+          <a:xfrm>
+            <a:off x="4901418" y="1600200"/>
+            <a:ext cx="3686175" cy="4571999"/>
+          </a:xfrm>
+          <a:prstGeom prst="rect">
+            <a:avLst/>
+          </a:prstGeom>
+        </p:spPr>
+        <p:txBody>
+          <a:bodyPr vert="horz" lIns="0" tIns="45720" rIns="0" bIns="45720" rtlCol="0">
+            <a:normAutofit/>
+          </a:bodyPr>
+          <a:lstStyle>
+            <a:lvl1pPr marL="171450" indent="-171450" algn="l" defTabSz="685800" rtl="0" eaLnBrk="1" latinLnBrk="0" hangingPunct="1">
+              <a:lnSpc>
+                <a:spcPct val="90000"/>
+              </a:lnSpc>
+              <a:spcBef>
+                <a:spcPts val="1350"/>
+              </a:spcBef>
+              <a:buFont typeface="Wingdings" panose="05000000000000000000" pitchFamily="2" charset="2"/>
+              <a:buChar char="§"/>
+              <a:defRPr sz="1500" kern="1200">
+                <a:solidFill>
+                  <a:schemeClr val="tx1"/>
+                </a:solidFill>
+                <a:latin typeface="微软雅黑" panose="020B0503020204020204" pitchFamily="34" charset="-122"/>
+                <a:ea typeface="微软雅黑" panose="020B0503020204020204" pitchFamily="34" charset="-122"/>
+                <a:cs typeface="+mn-cs"/>
+              </a:defRPr>
+            </a:lvl1pPr>
+            <a:lvl2pPr marL="514350" indent="-171450" algn="l" defTabSz="685800" rtl="0" eaLnBrk="1" latinLnBrk="0" hangingPunct="1">
+              <a:lnSpc>
+                <a:spcPct val="90000"/>
+              </a:lnSpc>
+              <a:spcBef>
+                <a:spcPts val="450"/>
+              </a:spcBef>
+              <a:buFont typeface="Wingdings" panose="05000000000000000000" pitchFamily="2" charset="2"/>
+              <a:buChar char="§"/>
+              <a:defRPr sz="1200" kern="1200">
+                <a:solidFill>
+                  <a:schemeClr val="tx1"/>
+                </a:solidFill>
+                <a:latin typeface="微软雅黑" panose="020B0503020204020204" pitchFamily="34" charset="-122"/>
+                <a:ea typeface="微软雅黑" panose="020B0503020204020204" pitchFamily="34" charset="-122"/>
+                <a:cs typeface="+mn-cs"/>
+              </a:defRPr>
+            </a:lvl2pPr>
+            <a:lvl3pPr marL="857250" indent="-171450" algn="l" defTabSz="685800" rtl="0" eaLnBrk="1" latinLnBrk="0" hangingPunct="1">
+              <a:lnSpc>
+                <a:spcPct val="90000"/>
+              </a:lnSpc>
+              <a:spcBef>
+                <a:spcPts val="450"/>
+              </a:spcBef>
+              <a:buFont typeface="Wingdings" panose="05000000000000000000" pitchFamily="2" charset="2"/>
+              <a:buChar char="§"/>
+              <a:defRPr sz="1050" kern="1200">
+                <a:solidFill>
+                  <a:schemeClr val="tx1"/>
+                </a:solidFill>
+                <a:latin typeface="微软雅黑" panose="020B0503020204020204" pitchFamily="34" charset="-122"/>
+                <a:ea typeface="微软雅黑" panose="020B0503020204020204" pitchFamily="34" charset="-122"/>
+                <a:cs typeface="+mn-cs"/>
+              </a:defRPr>
+            </a:lvl3pPr>
+            <a:lvl4pPr marL="1200150" indent="-171450" algn="l" defTabSz="685800" rtl="0" eaLnBrk="1" latinLnBrk="0" hangingPunct="1">
+              <a:lnSpc>
+                <a:spcPct val="90000"/>
+              </a:lnSpc>
+              <a:spcBef>
+                <a:spcPts val="450"/>
+              </a:spcBef>
+              <a:buFont typeface="Wingdings" panose="05000000000000000000" pitchFamily="2" charset="2"/>
+              <a:buChar char="§"/>
+              <a:defRPr sz="1050" kern="1200">
+                <a:solidFill>
+                  <a:schemeClr val="tx1"/>
+                </a:solidFill>
+                <a:latin typeface="微软雅黑" panose="020B0503020204020204" pitchFamily="34" charset="-122"/>
+                <a:ea typeface="微软雅黑" panose="020B0503020204020204" pitchFamily="34" charset="-122"/>
+                <a:cs typeface="+mn-cs"/>
+              </a:defRPr>
+            </a:lvl4pPr>
+            <a:lvl5pPr marL="1543050" indent="-171450" algn="l" defTabSz="685800" rtl="0" eaLnBrk="1" latinLnBrk="0" hangingPunct="1">
+              <a:lnSpc>
+                <a:spcPct val="90000"/>
+              </a:lnSpc>
+              <a:spcBef>
+                <a:spcPts val="450"/>
+              </a:spcBef>
+              <a:buFont typeface="Wingdings" panose="05000000000000000000" pitchFamily="2" charset="2"/>
+              <a:buChar char="§"/>
+              <a:defRPr sz="1050" kern="1200">
+                <a:solidFill>
+                  <a:schemeClr val="tx1"/>
+                </a:solidFill>
+                <a:latin typeface="微软雅黑" panose="020B0503020204020204" pitchFamily="34" charset="-122"/>
+                <a:ea typeface="微软雅黑" panose="020B0503020204020204" pitchFamily="34" charset="-122"/>
+                <a:cs typeface="+mn-cs"/>
+              </a:defRPr>
+            </a:lvl5pPr>
+            <a:lvl6pPr marL="1885950" indent="-171450" algn="l" defTabSz="685800" rtl="0" eaLnBrk="1" latinLnBrk="0" hangingPunct="1">
+              <a:lnSpc>
+                <a:spcPct val="90000"/>
+              </a:lnSpc>
+              <a:spcBef>
+                <a:spcPts val="375"/>
+              </a:spcBef>
+              <a:buFont typeface="Wingdings" panose="05000000000000000000" pitchFamily="2" charset="2"/>
+              <a:buChar char="§"/>
+              <a:defRPr sz="1050" kern="1200">
+                <a:solidFill>
+                  <a:schemeClr val="tx1"/>
+                </a:solidFill>
+                <a:latin typeface="微软雅黑" panose="020B0503020204020204" pitchFamily="34" charset="-122"/>
+                <a:ea typeface="微软雅黑" panose="020B0503020204020204" pitchFamily="34" charset="-122"/>
+                <a:cs typeface="+mn-cs"/>
+              </a:defRPr>
+            </a:lvl6pPr>
+            <a:lvl7pPr marL="2228850" indent="-171450" algn="l" defTabSz="685800" rtl="0" eaLnBrk="1" latinLnBrk="0" hangingPunct="1">
+              <a:lnSpc>
+                <a:spcPct val="90000"/>
+              </a:lnSpc>
+              <a:spcBef>
+                <a:spcPts val="375"/>
+              </a:spcBef>
+              <a:buFont typeface="Wingdings" panose="05000000000000000000" pitchFamily="2" charset="2"/>
+              <a:buChar char="§"/>
+              <a:defRPr sz="1050" kern="1200">
+                <a:solidFill>
+                  <a:schemeClr val="tx1"/>
+                </a:solidFill>
+                <a:latin typeface="微软雅黑" panose="020B0503020204020204" pitchFamily="34" charset="-122"/>
+                <a:ea typeface="微软雅黑" panose="020B0503020204020204" pitchFamily="34" charset="-122"/>
+                <a:cs typeface="+mn-cs"/>
+              </a:defRPr>
+            </a:lvl7pPr>
+            <a:lvl8pPr marL="2571750" indent="-171450" algn="l" defTabSz="685800" rtl="0" eaLnBrk="1" latinLnBrk="0" hangingPunct="1">
+              <a:lnSpc>
+                <a:spcPct val="90000"/>
+              </a:lnSpc>
+              <a:spcBef>
+                <a:spcPts val="375"/>
+              </a:spcBef>
+              <a:buFont typeface="Wingdings" panose="05000000000000000000" pitchFamily="2" charset="2"/>
+              <a:buChar char="§"/>
+              <a:defRPr sz="1050" kern="1200">
+                <a:solidFill>
+                  <a:schemeClr val="tx1"/>
+                </a:solidFill>
+                <a:latin typeface="微软雅黑" panose="020B0503020204020204" pitchFamily="34" charset="-122"/>
+                <a:ea typeface="微软雅黑" panose="020B0503020204020204" pitchFamily="34" charset="-122"/>
+                <a:cs typeface="+mn-cs"/>
+              </a:defRPr>
+            </a:lvl8pPr>
+            <a:lvl9pPr marL="2914650" indent="-171450" algn="l" defTabSz="685800" rtl="0" eaLnBrk="1" latinLnBrk="0" hangingPunct="1">
+              <a:lnSpc>
+                <a:spcPct val="90000"/>
+              </a:lnSpc>
+              <a:spcBef>
+                <a:spcPts val="375"/>
+              </a:spcBef>
+              <a:buFont typeface="Wingdings" panose="05000000000000000000" pitchFamily="2" charset="2"/>
+              <a:buChar char="§"/>
+              <a:defRPr sz="1050" kern="1200">
+                <a:solidFill>
+                  <a:schemeClr val="tx1"/>
+                </a:solidFill>
+                <a:latin typeface="微软雅黑" panose="020B0503020204020204" pitchFamily="34" charset="-122"/>
+                <a:ea typeface="微软雅黑" panose="020B0503020204020204" pitchFamily="34" charset="-122"/>
+                <a:cs typeface="+mn-cs"/>
+              </a:defRPr>
+            </a:lvl9pPr>
+          </a:lstStyle>
+          <a:p>
+            <a:r>
+              <a:rPr lang="en-US" altLang="zh-CN" sz="2000" b="1" dirty="0" smtClean="0"/>
+              <a:t>NFA</a:t>
+            </a:r>
+          </a:p>
+          <a:p>
+            <a:pPr marL="0" indent="0">
+              <a:buFont typeface="Wingdings" panose="05000000000000000000" pitchFamily="2" charset="2"/>
+              <a:buNone/>
+            </a:pPr>
+            <a:r>
+              <a:rPr lang="en-US" altLang="zh-CN" sz="2000" dirty="0" smtClean="0">
+                <a:latin typeface="Times New Roman" panose="02020603050405020304" pitchFamily="18" charset="0"/>
+                <a:cs typeface="Times New Roman" panose="02020603050405020304" pitchFamily="18" charset="0"/>
+              </a:rPr>
+              <a:t>M={S, </a:t>
+            </a:r>
+            <a:r>
+              <a:rPr lang="zh-CN" altLang="en-US" sz="2000" dirty="0" smtClean="0">
+                <a:latin typeface="Times New Roman" panose="02020603050405020304" pitchFamily="18" charset="0"/>
+                <a:cs typeface="Times New Roman" panose="02020603050405020304" pitchFamily="18" charset="0"/>
+              </a:rPr>
+              <a:t>∑</a:t>
+            </a:r>
+            <a:r>
+              <a:rPr lang="en-US" altLang="zh-CN" sz="2000" dirty="0" smtClean="0">
+                <a:latin typeface="Times New Roman" panose="02020603050405020304" pitchFamily="18" charset="0"/>
+                <a:cs typeface="Times New Roman" panose="02020603050405020304" pitchFamily="18" charset="0"/>
+              </a:rPr>
+              <a:t>, </a:t>
+            </a:r>
+            <a:r>
+              <a:rPr lang="el-GR" altLang="zh-CN" sz="2000" dirty="0" smtClean="0">
+                <a:latin typeface="Times New Roman" panose="02020603050405020304" pitchFamily="18" charset="0"/>
+                <a:ea typeface="Cambria Math"/>
+                <a:cs typeface="Times New Roman" panose="02020603050405020304" pitchFamily="18" charset="0"/>
+              </a:rPr>
+              <a:t>δ</a:t>
+            </a:r>
+            <a:r>
+              <a:rPr lang="en-US" altLang="zh-CN" sz="2000" dirty="0" smtClean="0">
+                <a:latin typeface="Times New Roman" panose="02020603050405020304" pitchFamily="18" charset="0"/>
+                <a:ea typeface="Cambria Math"/>
+                <a:cs typeface="Times New Roman" panose="02020603050405020304" pitchFamily="18" charset="0"/>
+              </a:rPr>
+              <a:t>, S</a:t>
+            </a:r>
+            <a:r>
+              <a:rPr lang="en-US" altLang="zh-CN" sz="2000" baseline="-25000" dirty="0" smtClean="0">
+                <a:latin typeface="Times New Roman" panose="02020603050405020304" pitchFamily="18" charset="0"/>
+                <a:ea typeface="Cambria Math"/>
+                <a:cs typeface="Times New Roman" panose="02020603050405020304" pitchFamily="18" charset="0"/>
+              </a:rPr>
+              <a:t>0</a:t>
+            </a:r>
+            <a:r>
+              <a:rPr lang="en-US" altLang="zh-CN" sz="2000" dirty="0" smtClean="0">
+                <a:latin typeface="Times New Roman" panose="02020603050405020304" pitchFamily="18" charset="0"/>
+                <a:ea typeface="Cambria Math"/>
+                <a:cs typeface="Times New Roman" panose="02020603050405020304" pitchFamily="18" charset="0"/>
+              </a:rPr>
+              <a:t>, F</a:t>
+            </a:r>
+            <a:r>
+              <a:rPr lang="en-US" altLang="zh-CN" sz="2000" dirty="0" smtClean="0">
+                <a:latin typeface="Times New Roman" panose="02020603050405020304" pitchFamily="18" charset="0"/>
+                <a:cs typeface="Times New Roman" panose="02020603050405020304" pitchFamily="18" charset="0"/>
+              </a:rPr>
+              <a:t>}</a:t>
+            </a:r>
+          </a:p>
+          <a:p>
+            <a:pPr marL="457200" indent="-457200">
+              <a:buFont typeface="Wingdings" panose="05000000000000000000" pitchFamily="2" charset="2"/>
+              <a:buAutoNum type="arabicParenBoth"/>
+            </a:pPr>
+            <a:r>
+              <a:rPr lang="en-US" altLang="zh-CN" sz="2000" dirty="0" smtClean="0">
+                <a:latin typeface="Times New Roman" panose="02020603050405020304" pitchFamily="18" charset="0"/>
+                <a:cs typeface="Times New Roman" panose="02020603050405020304" pitchFamily="18" charset="0"/>
+              </a:rPr>
+              <a:t>S: a set of finite state</a:t>
+            </a:r>
+          </a:p>
+          <a:p>
+            <a:pPr marL="457200" indent="-457200">
+              <a:buAutoNum type="arabicParenBoth"/>
+            </a:pPr>
+            <a:r>
+              <a:rPr lang="zh-CN" altLang="en-US" sz="2000" dirty="0">
+                <a:latin typeface="Times New Roman" panose="02020603050405020304" pitchFamily="18" charset="0"/>
+                <a:cs typeface="Times New Roman" panose="02020603050405020304" pitchFamily="18" charset="0"/>
+              </a:rPr>
+              <a:t>∑</a:t>
+            </a:r>
+            <a:r>
+              <a:rPr lang="en-US" altLang="zh-CN" sz="2000" dirty="0">
+                <a:latin typeface="Times New Roman" panose="02020603050405020304" pitchFamily="18" charset="0"/>
+                <a:cs typeface="Times New Roman" panose="02020603050405020304" pitchFamily="18" charset="0"/>
+              </a:rPr>
+              <a:t> is finite alphabet, where each element is a input letter.</a:t>
+            </a:r>
+          </a:p>
+          <a:p>
+            <a:pPr marL="457200" indent="-457200">
+              <a:buFont typeface="Wingdings" panose="05000000000000000000" pitchFamily="2" charset="2"/>
+              <a:buAutoNum type="arabicParenBoth"/>
+            </a:pPr>
+            <a:r>
+              <a:rPr lang="el-GR" altLang="zh-CN" sz="2000" dirty="0" smtClean="0">
+                <a:solidFill>
+                  <a:srgbClr val="00B0F0"/>
+                </a:solidFill>
+                <a:latin typeface="Times New Roman" panose="02020603050405020304" pitchFamily="18" charset="0"/>
+                <a:ea typeface="Cambria Math"/>
+                <a:cs typeface="Times New Roman" panose="02020603050405020304" pitchFamily="18" charset="0"/>
+              </a:rPr>
+              <a:t>δ</a:t>
+            </a:r>
+            <a:r>
+              <a:rPr lang="en-US" altLang="zh-CN" sz="2000" dirty="0" smtClean="0">
+                <a:solidFill>
+                  <a:srgbClr val="00B0F0"/>
+                </a:solidFill>
+                <a:latin typeface="Times New Roman" panose="02020603050405020304" pitchFamily="18" charset="0"/>
+                <a:ea typeface="Cambria Math"/>
+                <a:cs typeface="Times New Roman" panose="02020603050405020304" pitchFamily="18" charset="0"/>
+              </a:rPr>
+              <a:t> is a mapping from S</a:t>
+            </a:r>
+            <a:r>
+              <a:rPr lang="zh-CN" altLang="en-US" sz="2000" dirty="0" smtClean="0">
+                <a:solidFill>
+                  <a:srgbClr val="00B0F0"/>
+                </a:solidFill>
+                <a:latin typeface="Times New Roman" panose="02020603050405020304" pitchFamily="18" charset="0"/>
+                <a:cs typeface="Times New Roman" panose="02020603050405020304" pitchFamily="18" charset="0"/>
+              </a:rPr>
+              <a:t> </a:t>
+            </a:r>
+            <a:r>
+              <a:rPr lang="en-US" altLang="zh-CN" sz="2000" dirty="0" smtClean="0">
+                <a:solidFill>
+                  <a:srgbClr val="00B0F0"/>
+                </a:solidFill>
+                <a:latin typeface="Times New Roman" panose="02020603050405020304" pitchFamily="18" charset="0"/>
+                <a:cs typeface="Times New Roman" panose="02020603050405020304" pitchFamily="18" charset="0"/>
+              </a:rPr>
+              <a:t>×</a:t>
+            </a:r>
+            <a:r>
+              <a:rPr lang="zh-CN" altLang="en-US" sz="2000" dirty="0" smtClean="0">
+                <a:solidFill>
+                  <a:srgbClr val="00B0F0"/>
+                </a:solidFill>
+                <a:latin typeface="Times New Roman" panose="02020603050405020304" pitchFamily="18" charset="0"/>
+                <a:cs typeface="Times New Roman" panose="02020603050405020304" pitchFamily="18" charset="0"/>
+              </a:rPr>
+              <a:t>∑* </a:t>
+            </a:r>
+            <a:r>
+              <a:rPr lang="en-US" altLang="zh-CN" sz="2000" dirty="0" smtClean="0">
+                <a:solidFill>
+                  <a:srgbClr val="00B0F0"/>
+                </a:solidFill>
+                <a:latin typeface="Times New Roman" panose="02020603050405020304" pitchFamily="18" charset="0"/>
+                <a:cs typeface="Times New Roman" panose="02020603050405020304" pitchFamily="18" charset="0"/>
+              </a:rPr>
+              <a:t>to a subset of S</a:t>
+            </a:r>
+            <a:r>
+              <a:rPr lang="zh-CN" altLang="en-US" sz="2000" dirty="0" smtClean="0">
+                <a:solidFill>
+                  <a:srgbClr val="00B0F0"/>
+                </a:solidFill>
+                <a:latin typeface="Times New Roman" panose="02020603050405020304" pitchFamily="18" charset="0"/>
+                <a:cs typeface="Times New Roman" panose="02020603050405020304" pitchFamily="18" charset="0"/>
+              </a:rPr>
+              <a:t>，</a:t>
+            </a:r>
+            <a:r>
+              <a:rPr lang="en-US" altLang="zh-CN" sz="2000" dirty="0" smtClean="0">
+                <a:solidFill>
+                  <a:srgbClr val="00B0F0"/>
+                </a:solidFill>
+                <a:latin typeface="Times New Roman" panose="02020603050405020304" pitchFamily="18" charset="0"/>
+                <a:cs typeface="Times New Roman" panose="02020603050405020304" pitchFamily="18" charset="0"/>
+              </a:rPr>
+              <a:t>i.e., </a:t>
+            </a:r>
+            <a:r>
+              <a:rPr lang="el-GR" altLang="zh-CN" sz="2000" dirty="0" smtClean="0">
+                <a:solidFill>
+                  <a:srgbClr val="00B0F0"/>
+                </a:solidFill>
+                <a:latin typeface="Times New Roman" panose="02020603050405020304" pitchFamily="18" charset="0"/>
+                <a:ea typeface="Cambria Math"/>
+                <a:cs typeface="Times New Roman" panose="02020603050405020304" pitchFamily="18" charset="0"/>
+              </a:rPr>
+              <a:t> δ</a:t>
+            </a:r>
+            <a:r>
+              <a:rPr lang="en-US" altLang="zh-CN" sz="2000" dirty="0" smtClean="0">
+                <a:solidFill>
+                  <a:srgbClr val="00B0F0"/>
+                </a:solidFill>
+                <a:latin typeface="Times New Roman" panose="02020603050405020304" pitchFamily="18" charset="0"/>
+                <a:ea typeface="Cambria Math"/>
+                <a:cs typeface="Times New Roman" panose="02020603050405020304" pitchFamily="18" charset="0"/>
+              </a:rPr>
+              <a:t>: S</a:t>
+            </a:r>
+            <a:r>
+              <a:rPr lang="zh-CN" altLang="en-US" sz="2000" dirty="0" smtClean="0">
+                <a:solidFill>
+                  <a:srgbClr val="00B0F0"/>
+                </a:solidFill>
+                <a:latin typeface="Times New Roman" panose="02020603050405020304" pitchFamily="18" charset="0"/>
+                <a:cs typeface="Times New Roman" panose="02020603050405020304" pitchFamily="18" charset="0"/>
+              </a:rPr>
+              <a:t> </a:t>
+            </a:r>
+            <a:r>
+              <a:rPr lang="en-US" altLang="zh-CN" sz="2000" dirty="0" smtClean="0">
+                <a:solidFill>
+                  <a:srgbClr val="00B0F0"/>
+                </a:solidFill>
+                <a:latin typeface="Times New Roman" panose="02020603050405020304" pitchFamily="18" charset="0"/>
+                <a:cs typeface="Times New Roman" panose="02020603050405020304" pitchFamily="18" charset="0"/>
+              </a:rPr>
+              <a:t>×</a:t>
+            </a:r>
+            <a:r>
+              <a:rPr lang="zh-CN" altLang="en-US" sz="2000" dirty="0" smtClean="0">
+                <a:solidFill>
+                  <a:srgbClr val="00B0F0"/>
+                </a:solidFill>
+                <a:latin typeface="Times New Roman" panose="02020603050405020304" pitchFamily="18" charset="0"/>
+                <a:cs typeface="Times New Roman" panose="02020603050405020304" pitchFamily="18" charset="0"/>
+              </a:rPr>
+              <a:t>∑*</a:t>
+            </a:r>
+            <a:r>
+              <a:rPr lang="en-US" altLang="zh-CN" sz="2000" i="1" dirty="0" smtClean="0">
+                <a:solidFill>
+                  <a:srgbClr val="00B0F0"/>
+                </a:solidFill>
+                <a:latin typeface="Times New Roman" panose="02020603050405020304" pitchFamily="18" charset="0"/>
+                <a:ea typeface="Cambria Math"/>
+                <a:cs typeface="Times New Roman" panose="02020603050405020304" pitchFamily="18" charset="0"/>
+              </a:rPr>
+              <a:t> →2</a:t>
+            </a:r>
+            <a:r>
+              <a:rPr lang="en-US" altLang="zh-CN" sz="2000" i="1" baseline="30000" dirty="0" smtClean="0">
+                <a:solidFill>
+                  <a:srgbClr val="00B0F0"/>
+                </a:solidFill>
+                <a:latin typeface="Times New Roman" panose="02020603050405020304" pitchFamily="18" charset="0"/>
+                <a:ea typeface="Cambria Math"/>
+                <a:cs typeface="Times New Roman" panose="02020603050405020304" pitchFamily="18" charset="0"/>
+              </a:rPr>
+              <a:t>S</a:t>
+            </a:r>
+            <a:endParaRPr lang="en-US" altLang="zh-CN" sz="2000" dirty="0" smtClean="0">
+              <a:solidFill>
+                <a:srgbClr val="00B0F0"/>
+              </a:solidFill>
+              <a:latin typeface="Times New Roman" panose="02020603050405020304" pitchFamily="18" charset="0"/>
+              <a:cs typeface="Times New Roman" panose="02020603050405020304" pitchFamily="18" charset="0"/>
+            </a:endParaRPr>
+          </a:p>
+          <a:p>
+            <a:pPr marL="457200" indent="-457200">
+              <a:buFont typeface="Wingdings" panose="05000000000000000000" pitchFamily="2" charset="2"/>
+              <a:buAutoNum type="arabicParenBoth"/>
+            </a:pPr>
+            <a:r>
+              <a:rPr lang="en-US" altLang="zh-CN" sz="2000" dirty="0" smtClean="0">
+                <a:solidFill>
+                  <a:srgbClr val="00B0F0"/>
+                </a:solidFill>
+                <a:latin typeface="Times New Roman" panose="02020603050405020304" pitchFamily="18" charset="0"/>
+                <a:ea typeface="Cambria Math"/>
+                <a:cs typeface="Times New Roman" panose="02020603050405020304" pitchFamily="18" charset="0"/>
+              </a:rPr>
+              <a:t>S</a:t>
+            </a:r>
+            <a:r>
+              <a:rPr lang="en-US" altLang="zh-CN" sz="2000" baseline="-25000" dirty="0" smtClean="0">
+                <a:solidFill>
+                  <a:srgbClr val="00B0F0"/>
+                </a:solidFill>
+                <a:latin typeface="Times New Roman" panose="02020603050405020304" pitchFamily="18" charset="0"/>
+                <a:ea typeface="Cambria Math"/>
+                <a:cs typeface="Times New Roman" panose="02020603050405020304" pitchFamily="18" charset="0"/>
+              </a:rPr>
+              <a:t>0</a:t>
+            </a:r>
+            <a:r>
+              <a:rPr lang="en-US" altLang="zh-CN" sz="2000" dirty="0" smtClean="0">
+                <a:solidFill>
+                  <a:srgbClr val="00B0F0"/>
+                </a:solidFill>
+                <a:latin typeface="Cambria Math"/>
+                <a:ea typeface="Cambria Math"/>
+                <a:cs typeface="Times New Roman" panose="02020603050405020304" pitchFamily="18" charset="0"/>
+              </a:rPr>
+              <a:t> ⊆ S</a:t>
+            </a:r>
+            <a:r>
+              <a:rPr lang="zh-CN" altLang="en-US" sz="2000" dirty="0">
+                <a:solidFill>
+                  <a:srgbClr val="00B0F0"/>
+                </a:solidFill>
+                <a:latin typeface="Cambria Math"/>
+                <a:ea typeface="Cambria Math"/>
+                <a:cs typeface="Times New Roman" panose="02020603050405020304" pitchFamily="18" charset="0"/>
+              </a:rPr>
+              <a:t> </a:t>
+            </a:r>
+            <a:r>
+              <a:rPr lang="en-US" altLang="zh-CN" sz="2000" dirty="0" smtClean="0">
+                <a:solidFill>
+                  <a:srgbClr val="00B0F0"/>
+                </a:solidFill>
+                <a:latin typeface="Cambria Math"/>
+                <a:ea typeface="Cambria Math"/>
+                <a:cs typeface="Times New Roman" panose="02020603050405020304" pitchFamily="18" charset="0"/>
+              </a:rPr>
+              <a:t>is a non-empty set of start stats</a:t>
+            </a:r>
+          </a:p>
+          <a:p>
+            <a:pPr marL="457200" indent="-457200">
+              <a:buFont typeface="Wingdings" panose="05000000000000000000" pitchFamily="2" charset="2"/>
+              <a:buAutoNum type="arabicParenBoth"/>
+            </a:pPr>
+            <a:r>
+              <a:rPr lang="en-US" altLang="zh-CN" sz="2000" dirty="0" smtClean="0">
+                <a:latin typeface="Cambria Math"/>
+                <a:ea typeface="Cambria Math"/>
+                <a:cs typeface="Times New Roman" panose="02020603050405020304" pitchFamily="18" charset="0"/>
+              </a:rPr>
+              <a:t>F⊆S</a:t>
+            </a:r>
+            <a:r>
+              <a:rPr lang="zh-CN" altLang="en-US" sz="2000" dirty="0">
+                <a:latin typeface="Cambria Math"/>
+                <a:ea typeface="Cambria Math"/>
+                <a:cs typeface="Times New Roman" panose="02020603050405020304" pitchFamily="18" charset="0"/>
+              </a:rPr>
+              <a:t> </a:t>
+            </a:r>
+            <a:r>
+              <a:rPr lang="en-US" altLang="zh-CN" sz="2000" dirty="0" smtClean="0">
+                <a:latin typeface="Cambria Math"/>
+                <a:ea typeface="Cambria Math"/>
+                <a:cs typeface="Times New Roman" panose="02020603050405020304" pitchFamily="18" charset="0"/>
+              </a:rPr>
+              <a:t>is a set of final states (can be empty).</a:t>
+            </a:r>
+            <a:endParaRPr lang="en-US" altLang="zh-CN" sz="2000" dirty="0" smtClean="0">
+              <a:latin typeface="Times New Roman" panose="02020603050405020304" pitchFamily="18" charset="0"/>
+              <a:cs typeface="Times New Roman" panose="02020603050405020304" pitchFamily="18" charset="0"/>
+            </a:endParaRPr>
+          </a:p>
+        </p:txBody>
+      </p:sp>
+    </p:spTree>
+    <p:extLst>
+      <p:ext uri="{BB962C8B-B14F-4D97-AF65-F5344CB8AC3E}">
+        <p14:creationId xmlns:p14="http://schemas.microsoft.com/office/powerpoint/2010/main" val="553781"/>
+      </p:ext>
+    </p:extLst>
+  </p:cSld>
+  <p:clrMapOvr>
+    <a:masterClrMapping/>
+  </p:clrMapOvr>
+  <mc:AlternateContent xmlns:mc="http://schemas.openxmlformats.org/markup-compatibility/2006" xmlns:p14="http://schemas.microsoft.com/office/powerpoint/2010/main">
+    <mc:Choice Requires="p14">
+      <p:transition spd="med" p14:dur="700">
+        <p:fade/>
+      </p:transition>
+    </mc:Choice>
+    <mc:Fallback xmlns="">
+      <p:transition spd="med">
+        <p:fade/>
+      </p:transition>
+    </mc:Fallback>
+  </mc:AlternateContent>
+</p:sld>
+</file>
+
+<file path=ppt/slides/slide35.xml><?xml version="1.0" encoding="utf-8"?>
+<p:sld xmlns:a="http://schemas.openxmlformats.org/drawingml/2006/main" xmlns:r="http://schemas.openxmlformats.org/officeDocument/2006/relationships" xmlns:p="http://schemas.openxmlformats.org/presentationml/2006/main">
+  <p:cSld>
+    <p:spTree>
+      <p:nvGrpSpPr>
+        <p:cNvPr id="1" name=""/>
+        <p:cNvGrpSpPr/>
+        <p:nvPr/>
+      </p:nvGrpSpPr>
+      <p:grpSpPr>
+        <a:xfrm>
+          <a:off x="0" y="0"/>
+          <a:ext cx="0" cy="0"/>
+          <a:chOff x="0" y="0"/>
+          <a:chExt cx="0" cy="0"/>
+        </a:xfrm>
+      </p:grpSpPr>
+      <p:sp>
+        <p:nvSpPr>
+          <p:cNvPr id="2" name="标题 1"/>
+          <p:cNvSpPr>
+            <a:spLocks noGrp="1"/>
+          </p:cNvSpPr>
+          <p:nvPr>
+            <p:ph type="title"/>
+          </p:nvPr>
+        </p:nvSpPr>
+        <p:spPr/>
+        <p:txBody>
+          <a:bodyPr/>
+          <a:lstStyle/>
+          <a:p>
+            <a:r>
+              <a:rPr lang="en-US" altLang="zh-CN" dirty="0"/>
+              <a:t>3.5 DFA and NFA – </a:t>
+            </a:r>
+            <a:r>
+              <a:rPr lang="en-US" altLang="zh-CN" dirty="0" smtClean="0"/>
+              <a:t>Example</a:t>
+            </a:r>
+            <a:endParaRPr lang="zh-CN" altLang="en-US" dirty="0"/>
+          </a:p>
+        </p:txBody>
+      </p:sp>
+      <p:sp>
+        <p:nvSpPr>
+          <p:cNvPr id="3" name="内容占位符 2"/>
+          <p:cNvSpPr>
+            <a:spLocks noGrp="1"/>
+          </p:cNvSpPr>
+          <p:nvPr>
+            <p:ph idx="1"/>
+          </p:nvPr>
+        </p:nvSpPr>
+        <p:spPr/>
+        <p:txBody>
+          <a:bodyPr>
+            <a:normAutofit/>
+          </a:bodyPr>
+          <a:lstStyle/>
+          <a:p>
+            <a:r>
+              <a:rPr lang="en-US" altLang="zh-CN" sz="2000" dirty="0" smtClean="0"/>
+              <a:t>Recognize strings on </a:t>
+            </a:r>
+            <a:r>
+              <a:rPr lang="zh-CN" altLang="en-US" sz="2000" dirty="0">
+                <a:latin typeface="Cambria Math"/>
+              </a:rPr>
+              <a:t>∑</a:t>
+            </a:r>
+            <a:r>
+              <a:rPr lang="en-US" altLang="zh-CN" sz="2000" dirty="0">
+                <a:latin typeface="Cambria Math"/>
+              </a:rPr>
+              <a:t>={a, b</a:t>
+            </a:r>
+            <a:r>
+              <a:rPr lang="en-US" altLang="zh-CN" sz="2000" dirty="0" smtClean="0">
+                <a:latin typeface="Cambria Math"/>
+              </a:rPr>
+              <a:t>} </a:t>
+            </a:r>
+            <a:r>
+              <a:rPr lang="en-US" altLang="zh-CN" sz="2000" dirty="0" smtClean="0"/>
+              <a:t>that include two consecutive a or two consecutive b</a:t>
+            </a:r>
+            <a:endParaRPr lang="zh-CN" altLang="en-US" sz="2000" dirty="0"/>
+          </a:p>
+        </p:txBody>
+      </p:sp>
+      <p:sp>
+        <p:nvSpPr>
+          <p:cNvPr id="4" name="内容占位符 5"/>
+          <p:cNvSpPr txBox="1">
+            <a:spLocks/>
+          </p:cNvSpPr>
+          <p:nvPr/>
+        </p:nvSpPr>
+        <p:spPr>
+          <a:xfrm>
+            <a:off x="829135" y="1918256"/>
+            <a:ext cx="7486650" cy="489857"/>
+          </a:xfrm>
+          <a:prstGeom prst="rect">
+            <a:avLst/>
+          </a:prstGeom>
+        </p:spPr>
+        <p:txBody>
+          <a:bodyPr vert="horz" lIns="0" tIns="45720" rIns="0" bIns="45720" rtlCol="0">
+            <a:normAutofit/>
+          </a:bodyPr>
+          <a:lstStyle>
+            <a:lvl1pPr marL="228600" indent="-228600" algn="l" defTabSz="914400" rtl="0" eaLnBrk="1" latinLnBrk="0" hangingPunct="1">
+              <a:lnSpc>
+                <a:spcPct val="90000"/>
+              </a:lnSpc>
+              <a:spcBef>
+                <a:spcPts val="1800"/>
+              </a:spcBef>
+              <a:buFont typeface="Wingdings" panose="05000000000000000000" pitchFamily="2" charset="2"/>
+              <a:buChar char="§"/>
+              <a:defRPr lang="zh-CN" sz="2000" kern="1200">
+                <a:solidFill>
+                  <a:schemeClr val="tx1"/>
+                </a:solidFill>
+                <a:latin typeface="Microsoft YaHei UI" panose="020B0503020204020204" pitchFamily="34" charset="-122"/>
+                <a:ea typeface="Microsoft YaHei UI" panose="020B0503020204020204" pitchFamily="34" charset="-122"/>
+                <a:cs typeface="+mn-cs"/>
+              </a:defRPr>
+            </a:lvl1pPr>
+            <a:lvl2pPr marL="685800" indent="-228600" algn="l" defTabSz="914400" rtl="0" eaLnBrk="1" latinLnBrk="0" hangingPunct="1">
+              <a:lnSpc>
+                <a:spcPct val="90000"/>
+              </a:lnSpc>
+              <a:spcBef>
+                <a:spcPts val="600"/>
+              </a:spcBef>
+              <a:buFont typeface="Wingdings" panose="05000000000000000000" pitchFamily="2" charset="2"/>
+              <a:buChar char="§"/>
+              <a:defRPr lang="zh-CN" sz="1600" kern="1200">
+                <a:solidFill>
+                  <a:schemeClr val="tx1"/>
+                </a:solidFill>
+                <a:latin typeface="Microsoft YaHei UI" panose="020B0503020204020204" pitchFamily="34" charset="-122"/>
+                <a:ea typeface="Microsoft YaHei UI" panose="020B0503020204020204" pitchFamily="34" charset="-122"/>
+                <a:cs typeface="+mn-cs"/>
+              </a:defRPr>
+            </a:lvl2pPr>
+            <a:lvl3pPr marL="1143000" indent="-228600" algn="l" defTabSz="914400" rtl="0" eaLnBrk="1" latinLnBrk="0" hangingPunct="1">
+              <a:lnSpc>
+                <a:spcPct val="90000"/>
+              </a:lnSpc>
+              <a:spcBef>
+                <a:spcPts val="600"/>
+              </a:spcBef>
+              <a:buFont typeface="Wingdings" panose="05000000000000000000" pitchFamily="2" charset="2"/>
+              <a:buChar char="§"/>
+              <a:defRPr lang="zh-CN" sz="1400" kern="1200">
+                <a:solidFill>
+                  <a:schemeClr val="tx1"/>
+                </a:solidFill>
+                <a:latin typeface="Microsoft YaHei UI" panose="020B0503020204020204" pitchFamily="34" charset="-122"/>
+                <a:ea typeface="Microsoft YaHei UI" panose="020B0503020204020204" pitchFamily="34" charset="-122"/>
+                <a:cs typeface="+mn-cs"/>
+              </a:defRPr>
+            </a:lvl3pPr>
+            <a:lvl4pPr marL="1600200" indent="-228600" algn="l" defTabSz="914400" rtl="0" eaLnBrk="1" latinLnBrk="0" hangingPunct="1">
+              <a:lnSpc>
+                <a:spcPct val="90000"/>
+              </a:lnSpc>
+              <a:spcBef>
+                <a:spcPts val="600"/>
+              </a:spcBef>
+              <a:buFont typeface="Wingdings" panose="05000000000000000000" pitchFamily="2" charset="2"/>
+              <a:buChar char="§"/>
+              <a:defRPr lang="zh-CN" sz="1400" kern="1200">
+                <a:solidFill>
+                  <a:schemeClr val="tx1"/>
+                </a:solidFill>
+                <a:latin typeface="Microsoft YaHei UI" panose="020B0503020204020204" pitchFamily="34" charset="-122"/>
+                <a:ea typeface="Microsoft YaHei UI" panose="020B0503020204020204" pitchFamily="34" charset="-122"/>
+                <a:cs typeface="+mn-cs"/>
+              </a:defRPr>
+            </a:lvl4pPr>
+            <a:lvl5pPr marL="2057400" indent="-228600" algn="l" defTabSz="914400" rtl="0" eaLnBrk="1" latinLnBrk="0" hangingPunct="1">
+              <a:lnSpc>
+                <a:spcPct val="90000"/>
+              </a:lnSpc>
+              <a:spcBef>
+                <a:spcPts val="600"/>
+              </a:spcBef>
+              <a:buFont typeface="Wingdings" panose="05000000000000000000" pitchFamily="2" charset="2"/>
+              <a:buChar char="§"/>
+              <a:defRPr lang="zh-CN" sz="1400" kern="1200">
+                <a:solidFill>
+                  <a:schemeClr val="tx1"/>
+                </a:solidFill>
+                <a:latin typeface="Microsoft YaHei UI" panose="020B0503020204020204" pitchFamily="34" charset="-122"/>
+                <a:ea typeface="Microsoft YaHei UI" panose="020B0503020204020204" pitchFamily="34" charset="-122"/>
+                <a:cs typeface="+mn-cs"/>
+              </a:defRPr>
+            </a:lvl5pPr>
+            <a:lvl6pPr marL="2514600" indent="-228600" algn="l" defTabSz="914400" rtl="0" eaLnBrk="1" latinLnBrk="0" hangingPunct="1">
+              <a:lnSpc>
+                <a:spcPct val="90000"/>
+              </a:lnSpc>
+              <a:spcBef>
+                <a:spcPts val="500"/>
+              </a:spcBef>
+              <a:buFont typeface="Wingdings" panose="05000000000000000000" pitchFamily="2" charset="2"/>
+              <a:buChar char="§"/>
+              <a:defRPr lang="zh-CN" sz="1400" kern="1200">
+                <a:solidFill>
+                  <a:schemeClr val="tx1"/>
+                </a:solidFill>
+                <a:latin typeface="Microsoft YaHei UI" panose="020B0503020204020204" pitchFamily="34" charset="-122"/>
+                <a:ea typeface="Microsoft YaHei UI" panose="020B0503020204020204" pitchFamily="34" charset="-122"/>
+                <a:cs typeface="+mn-cs"/>
+              </a:defRPr>
+            </a:lvl6pPr>
+            <a:lvl7pPr marL="2971800" indent="-228600" algn="l" defTabSz="914400" rtl="0" eaLnBrk="1" latinLnBrk="0" hangingPunct="1">
+              <a:lnSpc>
+                <a:spcPct val="90000"/>
+              </a:lnSpc>
+              <a:spcBef>
+                <a:spcPts val="500"/>
+              </a:spcBef>
+              <a:buFont typeface="Wingdings" panose="05000000000000000000" pitchFamily="2" charset="2"/>
+              <a:buChar char="§"/>
+              <a:defRPr lang="zh-CN" sz="1400" kern="1200">
+                <a:solidFill>
+                  <a:schemeClr val="tx1"/>
+                </a:solidFill>
+                <a:latin typeface="Microsoft YaHei UI" panose="020B0503020204020204" pitchFamily="34" charset="-122"/>
+                <a:ea typeface="Microsoft YaHei UI" panose="020B0503020204020204" pitchFamily="34" charset="-122"/>
+                <a:cs typeface="+mn-cs"/>
+              </a:defRPr>
+            </a:lvl7pPr>
+            <a:lvl8pPr marL="3429000" indent="-228600" algn="l" defTabSz="914400" rtl="0" eaLnBrk="1" latinLnBrk="0" hangingPunct="1">
+              <a:lnSpc>
+                <a:spcPct val="90000"/>
+              </a:lnSpc>
+              <a:spcBef>
+                <a:spcPts val="500"/>
+              </a:spcBef>
+              <a:buFont typeface="Wingdings" panose="05000000000000000000" pitchFamily="2" charset="2"/>
+              <a:buChar char="§"/>
+              <a:defRPr lang="zh-CN" sz="1400" kern="1200">
+                <a:solidFill>
+                  <a:schemeClr val="tx1"/>
+                </a:solidFill>
+                <a:latin typeface="Microsoft YaHei UI" panose="020B0503020204020204" pitchFamily="34" charset="-122"/>
+                <a:ea typeface="Microsoft YaHei UI" panose="020B0503020204020204" pitchFamily="34" charset="-122"/>
+                <a:cs typeface="+mn-cs"/>
+              </a:defRPr>
+            </a:lvl8pPr>
+            <a:lvl9pPr marL="3886200" indent="-228600" algn="l" defTabSz="914400" rtl="0" eaLnBrk="1" latinLnBrk="0" hangingPunct="1">
+              <a:lnSpc>
+                <a:spcPct val="90000"/>
+              </a:lnSpc>
+              <a:spcBef>
+                <a:spcPts val="500"/>
+              </a:spcBef>
+              <a:buFont typeface="Wingdings" panose="05000000000000000000" pitchFamily="2" charset="2"/>
+              <a:buChar char="§"/>
+              <a:defRPr lang="zh-CN" sz="1400" kern="1200">
+                <a:solidFill>
+                  <a:schemeClr val="tx1"/>
+                </a:solidFill>
+                <a:latin typeface="Microsoft YaHei UI" panose="020B0503020204020204" pitchFamily="34" charset="-122"/>
+                <a:ea typeface="Microsoft YaHei UI" panose="020B0503020204020204" pitchFamily="34" charset="-122"/>
+                <a:cs typeface="+mn-cs"/>
+              </a:defRPr>
+            </a:lvl9pPr>
+          </a:lstStyle>
+          <a:p>
+            <a:r>
+              <a:rPr lang="en-US" altLang="zh-CN" dirty="0" smtClean="0">
+                <a:latin typeface="Cambria Math"/>
+              </a:rPr>
+              <a:t>DFA</a:t>
+            </a:r>
+            <a:endParaRPr lang="zh-CN" altLang="en-US" dirty="0">
+              <a:latin typeface="Cambria Math"/>
+            </a:endParaRPr>
+          </a:p>
+        </p:txBody>
+      </p:sp>
+      <p:grpSp>
+        <p:nvGrpSpPr>
+          <p:cNvPr id="5" name="组合 4"/>
+          <p:cNvGrpSpPr/>
+          <p:nvPr/>
+        </p:nvGrpSpPr>
+        <p:grpSpPr>
+          <a:xfrm>
+            <a:off x="2661595" y="2073954"/>
+            <a:ext cx="3583128" cy="2068057"/>
+            <a:chOff x="2661595" y="2073954"/>
+            <a:chExt cx="3583128" cy="2068057"/>
+          </a:xfrm>
+        </p:grpSpPr>
+        <p:sp>
+          <p:nvSpPr>
+            <p:cNvPr id="6" name="椭圆 5"/>
+            <p:cNvSpPr/>
+            <p:nvPr/>
+          </p:nvSpPr>
+          <p:spPr>
+            <a:xfrm>
+              <a:off x="3940666" y="2149928"/>
+              <a:ext cx="522514" cy="555171"/>
+            </a:xfrm>
+            <a:prstGeom prst="ellipse">
+              <a:avLst/>
+            </a:prstGeom>
+          </p:spPr>
+          <p:style>
+            <a:lnRef idx="2">
+              <a:schemeClr val="accent1">
+                <a:shade val="50000"/>
+              </a:schemeClr>
+            </a:lnRef>
+            <a:fillRef idx="1">
+              <a:schemeClr val="accent1"/>
+            </a:fillRef>
+            <a:effectRef idx="0">
+              <a:schemeClr val="accent1"/>
+            </a:effectRef>
+            <a:fontRef idx="minor">
+              <a:schemeClr val="lt1"/>
+            </a:fontRef>
+          </p:style>
+          <p:txBody>
+            <a:bodyPr rtlCol="0" anchor="ctr"/>
+            <a:lstStyle/>
+            <a:p>
+              <a:pPr algn="ctr"/>
+              <a:r>
+                <a:rPr lang="en-US" altLang="zh-CN" dirty="0" smtClean="0"/>
+                <a:t>1</a:t>
+              </a:r>
+              <a:endParaRPr lang="zh-CN" altLang="en-US" dirty="0"/>
+            </a:p>
+          </p:txBody>
+        </p:sp>
+        <p:sp>
+          <p:nvSpPr>
+            <p:cNvPr id="7" name="弧形 6"/>
+            <p:cNvSpPr/>
+            <p:nvPr/>
+          </p:nvSpPr>
+          <p:spPr>
+            <a:xfrm rot="18233383">
+              <a:off x="3480591" y="2430929"/>
+              <a:ext cx="1860064" cy="1146113"/>
+            </a:xfrm>
+            <a:prstGeom prst="arc">
+              <a:avLst>
+                <a:gd name="adj1" fmla="val 10758434"/>
+                <a:gd name="adj2" fmla="val 19520976"/>
+              </a:avLst>
+            </a:prstGeom>
+            <a:ln>
+              <a:solidFill>
+                <a:schemeClr val="accent1"/>
+              </a:solidFill>
+              <a:headEnd type="stealth" w="lg" len="lg"/>
+              <a:tailEnd type="none" w="lg" len="lg"/>
+            </a:ln>
+          </p:spPr>
+          <p:style>
+            <a:lnRef idx="1">
+              <a:schemeClr val="accent1"/>
+            </a:lnRef>
+            <a:fillRef idx="0">
+              <a:schemeClr val="accent1"/>
+            </a:fillRef>
+            <a:effectRef idx="0">
+              <a:schemeClr val="accent1"/>
+            </a:effectRef>
+            <a:fontRef idx="minor">
+              <a:schemeClr val="tx1"/>
+            </a:fontRef>
+          </p:style>
+          <p:txBody>
+            <a:bodyPr rtlCol="0" anchor="ctr"/>
+            <a:lstStyle/>
+            <a:p>
+              <a:pPr algn="ctr"/>
+              <a:endParaRPr lang="zh-CN" altLang="en-US"/>
+            </a:p>
+          </p:txBody>
+        </p:sp>
+        <p:sp>
+          <p:nvSpPr>
+            <p:cNvPr id="8" name="弧形 7"/>
+            <p:cNvSpPr/>
+            <p:nvPr/>
+          </p:nvSpPr>
+          <p:spPr>
+            <a:xfrm rot="2955178">
+              <a:off x="4129406" y="2471056"/>
+              <a:ext cx="1406978" cy="805541"/>
+            </a:xfrm>
+            <a:prstGeom prst="arc">
+              <a:avLst>
+                <a:gd name="adj1" fmla="val 11014732"/>
+                <a:gd name="adj2" fmla="val 18874635"/>
+              </a:avLst>
+            </a:prstGeom>
+            <a:ln>
+              <a:solidFill>
+                <a:schemeClr val="accent1"/>
+              </a:solidFill>
+              <a:tailEnd type="stealth" w="lg" len="lg"/>
+            </a:ln>
+          </p:spPr>
+          <p:style>
+            <a:lnRef idx="1">
+              <a:schemeClr val="accent1"/>
+            </a:lnRef>
+            <a:fillRef idx="0">
+              <a:schemeClr val="accent1"/>
+            </a:fillRef>
+            <a:effectRef idx="0">
+              <a:schemeClr val="accent1"/>
+            </a:effectRef>
+            <a:fontRef idx="minor">
+              <a:schemeClr val="tx1"/>
+            </a:fontRef>
+          </p:style>
+          <p:txBody>
+            <a:bodyPr rtlCol="0" anchor="ctr"/>
+            <a:lstStyle/>
+            <a:p>
+              <a:pPr algn="ctr"/>
+              <a:endParaRPr lang="zh-CN" altLang="en-US"/>
+            </a:p>
+          </p:txBody>
+        </p:sp>
+        <p:grpSp>
+          <p:nvGrpSpPr>
+            <p:cNvPr id="9" name="组合 8"/>
+            <p:cNvGrpSpPr/>
+            <p:nvPr/>
+          </p:nvGrpSpPr>
+          <p:grpSpPr>
+            <a:xfrm>
+              <a:off x="2661595" y="2242847"/>
+              <a:ext cx="3583128" cy="1899164"/>
+              <a:chOff x="2661595" y="2242847"/>
+              <a:chExt cx="3583128" cy="1899164"/>
+            </a:xfrm>
+          </p:grpSpPr>
+          <p:sp>
+            <p:nvSpPr>
+              <p:cNvPr id="10" name="椭圆 9"/>
+              <p:cNvSpPr/>
+              <p:nvPr/>
+            </p:nvSpPr>
+            <p:spPr>
+              <a:xfrm>
+                <a:off x="2661595" y="2906486"/>
+                <a:ext cx="522514" cy="555171"/>
+              </a:xfrm>
+              <a:prstGeom prst="ellipse">
+                <a:avLst/>
+              </a:prstGeom>
+            </p:spPr>
+            <p:style>
+              <a:lnRef idx="2">
+                <a:schemeClr val="accent1">
+                  <a:shade val="50000"/>
+                </a:schemeClr>
+              </a:lnRef>
+              <a:fillRef idx="1">
+                <a:schemeClr val="accent1"/>
+              </a:fillRef>
+              <a:effectRef idx="0">
+                <a:schemeClr val="accent1"/>
+              </a:effectRef>
+              <a:fontRef idx="minor">
+                <a:schemeClr val="lt1"/>
+              </a:fontRef>
+            </p:style>
+            <p:txBody>
+              <a:bodyPr rtlCol="0" anchor="ctr"/>
+              <a:lstStyle/>
+              <a:p>
+                <a:pPr algn="ctr"/>
+                <a:r>
+                  <a:rPr lang="en-US" altLang="zh-CN" dirty="0" smtClean="0"/>
+                  <a:t>0</a:t>
+                </a:r>
+                <a:endParaRPr lang="zh-CN" altLang="en-US" dirty="0"/>
+              </a:p>
+            </p:txBody>
+          </p:sp>
+          <p:sp>
+            <p:nvSpPr>
+              <p:cNvPr id="11" name="椭圆 10"/>
+              <p:cNvSpPr/>
+              <p:nvPr/>
+            </p:nvSpPr>
+            <p:spPr>
+              <a:xfrm>
+                <a:off x="3940666" y="3586840"/>
+                <a:ext cx="522514" cy="555171"/>
+              </a:xfrm>
+              <a:prstGeom prst="ellipse">
+                <a:avLst/>
+              </a:prstGeom>
+            </p:spPr>
+            <p:style>
+              <a:lnRef idx="2">
+                <a:schemeClr val="accent1">
+                  <a:shade val="50000"/>
+                </a:schemeClr>
+              </a:lnRef>
+              <a:fillRef idx="1">
+                <a:schemeClr val="accent1"/>
+              </a:fillRef>
+              <a:effectRef idx="0">
+                <a:schemeClr val="accent1"/>
+              </a:effectRef>
+              <a:fontRef idx="minor">
+                <a:schemeClr val="lt1"/>
+              </a:fontRef>
+            </p:style>
+            <p:txBody>
+              <a:bodyPr rtlCol="0" anchor="ctr"/>
+              <a:lstStyle/>
+              <a:p>
+                <a:pPr algn="ctr"/>
+                <a:r>
+                  <a:rPr lang="en-US" altLang="zh-CN" dirty="0" smtClean="0"/>
+                  <a:t>2</a:t>
+                </a:r>
+                <a:endParaRPr lang="zh-CN" altLang="en-US" dirty="0"/>
+              </a:p>
+            </p:txBody>
+          </p:sp>
+          <p:sp>
+            <p:nvSpPr>
+              <p:cNvPr id="12" name="同心圆 11"/>
+              <p:cNvSpPr/>
+              <p:nvPr/>
+            </p:nvSpPr>
+            <p:spPr>
+              <a:xfrm>
+                <a:off x="5110881" y="2873826"/>
+                <a:ext cx="620485" cy="555171"/>
+              </a:xfrm>
+              <a:prstGeom prst="donut">
+                <a:avLst/>
+              </a:prstGeom>
+            </p:spPr>
+            <p:style>
+              <a:lnRef idx="2">
+                <a:schemeClr val="accent1">
+                  <a:shade val="50000"/>
+                </a:schemeClr>
+              </a:lnRef>
+              <a:fillRef idx="1">
+                <a:schemeClr val="accent1"/>
+              </a:fillRef>
+              <a:effectRef idx="0">
+                <a:schemeClr val="accent1"/>
+              </a:effectRef>
+              <a:fontRef idx="minor">
+                <a:schemeClr val="lt1"/>
+              </a:fontRef>
+            </p:style>
+            <p:txBody>
+              <a:bodyPr rtlCol="0" anchor="ctr"/>
+              <a:lstStyle/>
+              <a:p>
+                <a:pPr algn="ctr"/>
+                <a:r>
+                  <a:rPr lang="en-US" altLang="zh-CN" dirty="0" smtClean="0">
+                    <a:solidFill>
+                      <a:schemeClr val="tx1"/>
+                    </a:solidFill>
+                  </a:rPr>
+                  <a:t>3</a:t>
+                </a:r>
+                <a:endParaRPr lang="zh-CN" altLang="en-US" dirty="0">
+                  <a:solidFill>
+                    <a:schemeClr val="tx1"/>
+                  </a:solidFill>
+                </a:endParaRPr>
+              </a:p>
+            </p:txBody>
+          </p:sp>
+          <p:sp>
+            <p:nvSpPr>
+              <p:cNvPr id="13" name="弧形 12"/>
+              <p:cNvSpPr/>
+              <p:nvPr/>
+            </p:nvSpPr>
+            <p:spPr>
+              <a:xfrm rot="20959810">
+                <a:off x="2934176" y="2271202"/>
+                <a:ext cx="1145722" cy="879152"/>
+              </a:xfrm>
+              <a:prstGeom prst="arc">
+                <a:avLst>
+                  <a:gd name="adj1" fmla="val 10549658"/>
+                  <a:gd name="adj2" fmla="val 19869875"/>
+                </a:avLst>
+              </a:prstGeom>
+              <a:ln>
+                <a:solidFill>
+                  <a:schemeClr val="accent1"/>
+                </a:solidFill>
+                <a:tailEnd type="stealth" w="lg" len="lg"/>
+              </a:ln>
+            </p:spPr>
+            <p:style>
+              <a:lnRef idx="1">
+                <a:schemeClr val="accent1"/>
+              </a:lnRef>
+              <a:fillRef idx="0">
+                <a:schemeClr val="accent1"/>
+              </a:fillRef>
+              <a:effectRef idx="0">
+                <a:schemeClr val="accent1"/>
+              </a:effectRef>
+              <a:fontRef idx="minor">
+                <a:schemeClr val="tx1"/>
+              </a:fontRef>
+            </p:style>
+            <p:txBody>
+              <a:bodyPr rtlCol="0" anchor="ctr"/>
+              <a:lstStyle/>
+              <a:p>
+                <a:pPr algn="ctr"/>
+                <a:endParaRPr lang="zh-CN" altLang="en-US"/>
+              </a:p>
+            </p:txBody>
+          </p:sp>
+          <p:sp>
+            <p:nvSpPr>
+              <p:cNvPr id="14" name="弧形 13"/>
+              <p:cNvSpPr/>
+              <p:nvPr/>
+            </p:nvSpPr>
+            <p:spPr>
+              <a:xfrm rot="13449588">
+                <a:off x="2921238" y="2978097"/>
+                <a:ext cx="1279071" cy="1146113"/>
+              </a:xfrm>
+              <a:prstGeom prst="arc">
+                <a:avLst>
+                  <a:gd name="adj1" fmla="val 11097107"/>
+                  <a:gd name="adj2" fmla="val 19520976"/>
+                </a:avLst>
+              </a:prstGeom>
+              <a:ln>
+                <a:solidFill>
+                  <a:schemeClr val="accent1"/>
+                </a:solidFill>
+                <a:headEnd type="stealth" w="lg" len="lg"/>
+                <a:tailEnd type="none" w="lg" len="lg"/>
+              </a:ln>
+            </p:spPr>
+            <p:style>
+              <a:lnRef idx="1">
+                <a:schemeClr val="accent1"/>
+              </a:lnRef>
+              <a:fillRef idx="0">
+                <a:schemeClr val="accent1"/>
+              </a:fillRef>
+              <a:effectRef idx="0">
+                <a:schemeClr val="accent1"/>
+              </a:effectRef>
+              <a:fontRef idx="minor">
+                <a:schemeClr val="tx1"/>
+              </a:fontRef>
+            </p:style>
+            <p:txBody>
+              <a:bodyPr rtlCol="0" anchor="ctr"/>
+              <a:lstStyle/>
+              <a:p>
+                <a:pPr algn="ctr"/>
+                <a:endParaRPr lang="zh-CN" altLang="en-US"/>
+              </a:p>
+            </p:txBody>
+          </p:sp>
+          <p:sp>
+            <p:nvSpPr>
+              <p:cNvPr id="15" name="弧形 14"/>
+              <p:cNvSpPr/>
+              <p:nvPr/>
+            </p:nvSpPr>
+            <p:spPr>
+              <a:xfrm rot="6133254">
+                <a:off x="3741459" y="2969474"/>
+                <a:ext cx="1144069" cy="605590"/>
+              </a:xfrm>
+              <a:prstGeom prst="arc">
+                <a:avLst>
+                  <a:gd name="adj1" fmla="val 10392476"/>
+                  <a:gd name="adj2" fmla="val 20518722"/>
+                </a:avLst>
+              </a:prstGeom>
+              <a:ln>
+                <a:solidFill>
+                  <a:schemeClr val="accent1"/>
+                </a:solidFill>
+                <a:headEnd type="stealth" w="lg" len="lg"/>
+                <a:tailEnd type="none" w="lg" len="lg"/>
+              </a:ln>
+            </p:spPr>
+            <p:style>
+              <a:lnRef idx="1">
+                <a:schemeClr val="accent1"/>
+              </a:lnRef>
+              <a:fillRef idx="0">
+                <a:schemeClr val="accent1"/>
+              </a:fillRef>
+              <a:effectRef idx="0">
+                <a:schemeClr val="accent1"/>
+              </a:effectRef>
+              <a:fontRef idx="minor">
+                <a:schemeClr val="tx1"/>
+              </a:fontRef>
+            </p:style>
+            <p:txBody>
+              <a:bodyPr rtlCol="0" anchor="ctr"/>
+              <a:lstStyle/>
+              <a:p>
+                <a:pPr algn="ctr"/>
+                <a:endParaRPr lang="zh-CN" altLang="en-US"/>
+              </a:p>
+            </p:txBody>
+          </p:sp>
+          <p:sp>
+            <p:nvSpPr>
+              <p:cNvPr id="16" name="弧形 15"/>
+              <p:cNvSpPr/>
+              <p:nvPr/>
+            </p:nvSpPr>
+            <p:spPr>
+              <a:xfrm rot="8733925">
+                <a:off x="4395725" y="3309698"/>
+                <a:ext cx="935027" cy="573056"/>
+              </a:xfrm>
+              <a:prstGeom prst="arc">
+                <a:avLst>
+                  <a:gd name="adj1" fmla="val 11620110"/>
+                  <a:gd name="adj2" fmla="val 21195134"/>
+                </a:avLst>
+              </a:prstGeom>
+              <a:ln>
+                <a:solidFill>
+                  <a:schemeClr val="accent1"/>
+                </a:solidFill>
+                <a:headEnd type="stealth" w="lg" len="lg"/>
+                <a:tailEnd type="none" w="lg" len="lg"/>
+              </a:ln>
+            </p:spPr>
+            <p:style>
+              <a:lnRef idx="1">
+                <a:schemeClr val="accent1"/>
+              </a:lnRef>
+              <a:fillRef idx="0">
+                <a:schemeClr val="accent1"/>
+              </a:fillRef>
+              <a:effectRef idx="0">
+                <a:schemeClr val="accent1"/>
+              </a:effectRef>
+              <a:fontRef idx="minor">
+                <a:schemeClr val="tx1"/>
+              </a:fontRef>
+            </p:style>
+            <p:txBody>
+              <a:bodyPr rtlCol="0" anchor="ctr"/>
+              <a:lstStyle/>
+              <a:p>
+                <a:pPr algn="ctr"/>
+                <a:endParaRPr lang="zh-CN" altLang="en-US"/>
+              </a:p>
+            </p:txBody>
+          </p:sp>
+          <p:sp>
+            <p:nvSpPr>
+              <p:cNvPr id="17" name="弧形 16"/>
+              <p:cNvSpPr/>
+              <p:nvPr/>
+            </p:nvSpPr>
+            <p:spPr>
+              <a:xfrm rot="8733925">
+                <a:off x="5610861" y="2666666"/>
+                <a:ext cx="362981" cy="573056"/>
+              </a:xfrm>
+              <a:prstGeom prst="arc">
+                <a:avLst>
+                  <a:gd name="adj1" fmla="val 2969480"/>
+                  <a:gd name="adj2" fmla="val 18590008"/>
+                </a:avLst>
+              </a:prstGeom>
+              <a:ln>
+                <a:solidFill>
+                  <a:schemeClr val="accent1"/>
+                </a:solidFill>
+                <a:headEnd type="stealth" w="lg" len="lg"/>
+                <a:tailEnd type="none" w="lg" len="lg"/>
+              </a:ln>
+            </p:spPr>
+            <p:style>
+              <a:lnRef idx="1">
+                <a:schemeClr val="accent1"/>
+              </a:lnRef>
+              <a:fillRef idx="0">
+                <a:schemeClr val="accent1"/>
+              </a:fillRef>
+              <a:effectRef idx="0">
+                <a:schemeClr val="accent1"/>
+              </a:effectRef>
+              <a:fontRef idx="minor">
+                <a:schemeClr val="tx1"/>
+              </a:fontRef>
+            </p:style>
+            <p:txBody>
+              <a:bodyPr rtlCol="0" anchor="ctr"/>
+              <a:lstStyle/>
+              <a:p>
+                <a:pPr algn="ctr"/>
+                <a:endParaRPr lang="zh-CN" altLang="en-US"/>
+              </a:p>
+            </p:txBody>
+          </p:sp>
+          <p:sp>
+            <p:nvSpPr>
+              <p:cNvPr id="18" name="TextBox 20"/>
+              <p:cNvSpPr txBox="1"/>
+              <p:nvPr/>
+            </p:nvSpPr>
+            <p:spPr>
+              <a:xfrm>
+                <a:off x="3092833" y="2242847"/>
+                <a:ext cx="316112" cy="369332"/>
+              </a:xfrm>
+              <a:prstGeom prst="rect">
+                <a:avLst/>
+              </a:prstGeom>
+              <a:noFill/>
+            </p:spPr>
+            <p:txBody>
+              <a:bodyPr wrap="none" rtlCol="0">
+                <a:spAutoFit/>
+              </a:bodyPr>
+              <a:lstStyle/>
+              <a:p>
+                <a:r>
+                  <a:rPr lang="en-US" altLang="zh-CN" dirty="0" smtClean="0"/>
+                  <a:t>a</a:t>
+                </a:r>
+                <a:endParaRPr lang="zh-CN" altLang="en-US" dirty="0"/>
+              </a:p>
+            </p:txBody>
+          </p:sp>
+          <p:sp>
+            <p:nvSpPr>
+              <p:cNvPr id="19" name="TextBox 21"/>
+              <p:cNvSpPr txBox="1"/>
+              <p:nvPr/>
+            </p:nvSpPr>
+            <p:spPr>
+              <a:xfrm>
+                <a:off x="3127114" y="3679759"/>
+                <a:ext cx="316112" cy="369332"/>
+              </a:xfrm>
+              <a:prstGeom prst="rect">
+                <a:avLst/>
+              </a:prstGeom>
+              <a:noFill/>
+            </p:spPr>
+            <p:txBody>
+              <a:bodyPr wrap="none" rtlCol="0">
+                <a:spAutoFit/>
+              </a:bodyPr>
+              <a:lstStyle/>
+              <a:p>
+                <a:r>
+                  <a:rPr lang="en-US" altLang="zh-CN" dirty="0"/>
+                  <a:t>b</a:t>
+                </a:r>
+                <a:endParaRPr lang="zh-CN" altLang="en-US" dirty="0"/>
+              </a:p>
+            </p:txBody>
+          </p:sp>
+          <p:sp>
+            <p:nvSpPr>
+              <p:cNvPr id="20" name="TextBox 22"/>
+              <p:cNvSpPr txBox="1"/>
+              <p:nvPr/>
+            </p:nvSpPr>
+            <p:spPr>
+              <a:xfrm>
+                <a:off x="4572460" y="2999405"/>
+                <a:ext cx="316112" cy="369332"/>
+              </a:xfrm>
+              <a:prstGeom prst="rect">
+                <a:avLst/>
+              </a:prstGeom>
+              <a:noFill/>
+            </p:spPr>
+            <p:txBody>
+              <a:bodyPr wrap="none" rtlCol="0">
+                <a:spAutoFit/>
+              </a:bodyPr>
+              <a:lstStyle/>
+              <a:p>
+                <a:r>
+                  <a:rPr lang="en-US" altLang="zh-CN" dirty="0" smtClean="0"/>
+                  <a:t>a</a:t>
+                </a:r>
+                <a:endParaRPr lang="zh-CN" altLang="en-US" dirty="0"/>
+              </a:p>
+            </p:txBody>
+          </p:sp>
+          <p:sp>
+            <p:nvSpPr>
+              <p:cNvPr id="21" name="TextBox 23"/>
+              <p:cNvSpPr txBox="1"/>
+              <p:nvPr/>
+            </p:nvSpPr>
+            <p:spPr>
+              <a:xfrm>
+                <a:off x="3443226" y="2939139"/>
+                <a:ext cx="316112" cy="369332"/>
+              </a:xfrm>
+              <a:prstGeom prst="rect">
+                <a:avLst/>
+              </a:prstGeom>
+              <a:noFill/>
+            </p:spPr>
+            <p:txBody>
+              <a:bodyPr wrap="none" rtlCol="0">
+                <a:spAutoFit/>
+              </a:bodyPr>
+              <a:lstStyle/>
+              <a:p>
+                <a:r>
+                  <a:rPr lang="en-US" altLang="zh-CN" dirty="0"/>
+                  <a:t>b</a:t>
+                </a:r>
+                <a:endParaRPr lang="zh-CN" altLang="en-US" dirty="0"/>
+              </a:p>
+            </p:txBody>
+          </p:sp>
+          <p:sp>
+            <p:nvSpPr>
+              <p:cNvPr id="22" name="TextBox 24"/>
+              <p:cNvSpPr txBox="1"/>
+              <p:nvPr/>
+            </p:nvSpPr>
+            <p:spPr>
+              <a:xfrm>
+                <a:off x="5012129" y="2242847"/>
+                <a:ext cx="316112" cy="369332"/>
+              </a:xfrm>
+              <a:prstGeom prst="rect">
+                <a:avLst/>
+              </a:prstGeom>
+              <a:noFill/>
+            </p:spPr>
+            <p:txBody>
+              <a:bodyPr wrap="none" rtlCol="0">
+                <a:spAutoFit/>
+              </a:bodyPr>
+              <a:lstStyle/>
+              <a:p>
+                <a:r>
+                  <a:rPr lang="en-US" altLang="zh-CN" dirty="0" smtClean="0"/>
+                  <a:t>a</a:t>
+                </a:r>
+                <a:endParaRPr lang="zh-CN" altLang="en-US" dirty="0"/>
+              </a:p>
+            </p:txBody>
+          </p:sp>
+          <p:sp>
+            <p:nvSpPr>
+              <p:cNvPr id="23" name="TextBox 25"/>
+              <p:cNvSpPr txBox="1"/>
+              <p:nvPr/>
+            </p:nvSpPr>
+            <p:spPr>
+              <a:xfrm>
+                <a:off x="5044787" y="3677871"/>
+                <a:ext cx="316112" cy="369332"/>
+              </a:xfrm>
+              <a:prstGeom prst="rect">
+                <a:avLst/>
+              </a:prstGeom>
+              <a:noFill/>
+            </p:spPr>
+            <p:txBody>
+              <a:bodyPr wrap="none" rtlCol="0">
+                <a:spAutoFit/>
+              </a:bodyPr>
+              <a:lstStyle/>
+              <a:p>
+                <a:r>
+                  <a:rPr lang="en-US" altLang="zh-CN" dirty="0"/>
+                  <a:t>b</a:t>
+                </a:r>
+                <a:endParaRPr lang="zh-CN" altLang="en-US" dirty="0"/>
+              </a:p>
+            </p:txBody>
+          </p:sp>
+          <p:sp>
+            <p:nvSpPr>
+              <p:cNvPr id="24" name="弧形 23"/>
+              <p:cNvSpPr/>
+              <p:nvPr/>
+            </p:nvSpPr>
+            <p:spPr>
+              <a:xfrm rot="2955178">
+                <a:off x="5439937" y="3283947"/>
+                <a:ext cx="520136" cy="422693"/>
+              </a:xfrm>
+              <a:prstGeom prst="arc">
+                <a:avLst>
+                  <a:gd name="adj1" fmla="val 13813867"/>
+                  <a:gd name="adj2" fmla="val 8441562"/>
+                </a:avLst>
+              </a:prstGeom>
+              <a:ln>
+                <a:solidFill>
+                  <a:schemeClr val="accent1"/>
+                </a:solidFill>
+                <a:tailEnd type="stealth" w="lg" len="lg"/>
+              </a:ln>
+            </p:spPr>
+            <p:style>
+              <a:lnRef idx="1">
+                <a:schemeClr val="accent1"/>
+              </a:lnRef>
+              <a:fillRef idx="0">
+                <a:schemeClr val="accent1"/>
+              </a:fillRef>
+              <a:effectRef idx="0">
+                <a:schemeClr val="accent1"/>
+              </a:effectRef>
+              <a:fontRef idx="minor">
+                <a:schemeClr val="tx1"/>
+              </a:fontRef>
+            </p:style>
+            <p:txBody>
+              <a:bodyPr rtlCol="0" anchor="ctr"/>
+              <a:lstStyle/>
+              <a:p>
+                <a:pPr algn="ctr"/>
+                <a:endParaRPr lang="zh-CN" altLang="en-US"/>
+              </a:p>
+            </p:txBody>
+          </p:sp>
+          <p:sp>
+            <p:nvSpPr>
+              <p:cNvPr id="25" name="TextBox 29"/>
+              <p:cNvSpPr txBox="1"/>
+              <p:nvPr/>
+            </p:nvSpPr>
+            <p:spPr>
+              <a:xfrm>
+                <a:off x="5928611" y="2693041"/>
+                <a:ext cx="316112" cy="369332"/>
+              </a:xfrm>
+              <a:prstGeom prst="rect">
+                <a:avLst/>
+              </a:prstGeom>
+              <a:noFill/>
+            </p:spPr>
+            <p:txBody>
+              <a:bodyPr wrap="none" rtlCol="0">
+                <a:spAutoFit/>
+              </a:bodyPr>
+              <a:lstStyle/>
+              <a:p>
+                <a:r>
+                  <a:rPr lang="en-US" altLang="zh-CN" dirty="0" smtClean="0"/>
+                  <a:t>a</a:t>
+                </a:r>
+                <a:endParaRPr lang="zh-CN" altLang="en-US" dirty="0"/>
+              </a:p>
+            </p:txBody>
+          </p:sp>
+          <p:sp>
+            <p:nvSpPr>
+              <p:cNvPr id="26" name="TextBox 30"/>
+              <p:cNvSpPr txBox="1"/>
+              <p:nvPr/>
+            </p:nvSpPr>
+            <p:spPr>
+              <a:xfrm>
+                <a:off x="5871817" y="3445324"/>
+                <a:ext cx="316112" cy="369332"/>
+              </a:xfrm>
+              <a:prstGeom prst="rect">
+                <a:avLst/>
+              </a:prstGeom>
+              <a:noFill/>
+            </p:spPr>
+            <p:txBody>
+              <a:bodyPr wrap="none" rtlCol="0">
+                <a:spAutoFit/>
+              </a:bodyPr>
+              <a:lstStyle/>
+              <a:p>
+                <a:r>
+                  <a:rPr lang="en-US" altLang="zh-CN" dirty="0"/>
+                  <a:t>b</a:t>
+                </a:r>
+                <a:endParaRPr lang="zh-CN" altLang="en-US" dirty="0"/>
+              </a:p>
+            </p:txBody>
+          </p:sp>
+        </p:grpSp>
+      </p:grpSp>
+      <p:cxnSp>
+        <p:nvCxnSpPr>
+          <p:cNvPr id="27" name="直接箭头连接符 26"/>
+          <p:cNvCxnSpPr>
+            <a:endCxn id="10" idx="2"/>
+          </p:cNvCxnSpPr>
+          <p:nvPr/>
+        </p:nvCxnSpPr>
+        <p:spPr>
+          <a:xfrm>
+            <a:off x="2122714" y="3184071"/>
+            <a:ext cx="538881" cy="1"/>
+          </a:xfrm>
+          <a:prstGeom prst="straightConnector1">
+            <a:avLst/>
+          </a:prstGeom>
+          <a:ln>
+            <a:solidFill>
+              <a:schemeClr val="accent1"/>
+            </a:solidFill>
+            <a:tailEnd type="arrow"/>
+          </a:ln>
+        </p:spPr>
+        <p:style>
+          <a:lnRef idx="1">
+            <a:schemeClr val="accent1"/>
+          </a:lnRef>
+          <a:fillRef idx="0">
+            <a:schemeClr val="accent1"/>
+          </a:fillRef>
+          <a:effectRef idx="0">
+            <a:schemeClr val="accent1"/>
+          </a:effectRef>
+          <a:fontRef idx="minor">
+            <a:schemeClr val="tx1"/>
+          </a:fontRef>
+        </p:style>
+      </p:cxnSp>
+      <p:sp>
+        <p:nvSpPr>
+          <p:cNvPr id="28" name="TextBox 74"/>
+          <p:cNvSpPr txBox="1"/>
+          <p:nvPr/>
+        </p:nvSpPr>
+        <p:spPr>
+          <a:xfrm>
+            <a:off x="2032368" y="2819319"/>
+            <a:ext cx="670376" cy="369332"/>
+          </a:xfrm>
+          <a:prstGeom prst="rect">
+            <a:avLst/>
+          </a:prstGeom>
+          <a:noFill/>
+        </p:spPr>
+        <p:txBody>
+          <a:bodyPr wrap="none" rtlCol="0">
+            <a:spAutoFit/>
+          </a:bodyPr>
+          <a:lstStyle/>
+          <a:p>
+            <a:r>
+              <a:rPr lang="en-US" altLang="zh-CN" dirty="0"/>
+              <a:t>start</a:t>
+            </a:r>
+            <a:endParaRPr lang="zh-CN" altLang="en-US" dirty="0"/>
+          </a:p>
+        </p:txBody>
+      </p:sp>
+      <p:sp>
+        <p:nvSpPr>
+          <p:cNvPr id="29" name="椭圆 28"/>
+          <p:cNvSpPr/>
+          <p:nvPr/>
+        </p:nvSpPr>
+        <p:spPr>
+          <a:xfrm>
+            <a:off x="4582936" y="4670033"/>
+            <a:ext cx="522514" cy="555171"/>
+          </a:xfrm>
+          <a:prstGeom prst="ellipse">
+            <a:avLst/>
+          </a:prstGeom>
+        </p:spPr>
+        <p:style>
+          <a:lnRef idx="2">
+            <a:schemeClr val="accent1">
+              <a:shade val="50000"/>
+            </a:schemeClr>
+          </a:lnRef>
+          <a:fillRef idx="1">
+            <a:schemeClr val="accent1"/>
+          </a:fillRef>
+          <a:effectRef idx="0">
+            <a:schemeClr val="accent1"/>
+          </a:effectRef>
+          <a:fontRef idx="minor">
+            <a:schemeClr val="lt1"/>
+          </a:fontRef>
+        </p:style>
+        <p:txBody>
+          <a:bodyPr rtlCol="0" anchor="ctr"/>
+          <a:lstStyle/>
+          <a:p>
+            <a:pPr algn="ctr"/>
+            <a:r>
+              <a:rPr lang="en-US" altLang="zh-CN" dirty="0"/>
+              <a:t>3</a:t>
+            </a:r>
+            <a:endParaRPr lang="zh-CN" altLang="en-US" dirty="0"/>
+          </a:p>
+        </p:txBody>
+      </p:sp>
+      <p:sp>
+        <p:nvSpPr>
+          <p:cNvPr id="30" name="弧形 29"/>
+          <p:cNvSpPr/>
+          <p:nvPr/>
+        </p:nvSpPr>
+        <p:spPr>
+          <a:xfrm rot="2955178">
+            <a:off x="4771676" y="4991161"/>
+            <a:ext cx="1406978" cy="805541"/>
+          </a:xfrm>
+          <a:prstGeom prst="arc">
+            <a:avLst>
+              <a:gd name="adj1" fmla="val 11014732"/>
+              <a:gd name="adj2" fmla="val 18874635"/>
+            </a:avLst>
+          </a:prstGeom>
+          <a:ln>
+            <a:solidFill>
+              <a:schemeClr val="accent1"/>
+            </a:solidFill>
+            <a:tailEnd type="stealth" w="lg" len="lg"/>
+          </a:ln>
+        </p:spPr>
+        <p:style>
+          <a:lnRef idx="1">
+            <a:schemeClr val="accent1"/>
+          </a:lnRef>
+          <a:fillRef idx="0">
+            <a:schemeClr val="accent1"/>
+          </a:fillRef>
+          <a:effectRef idx="0">
+            <a:schemeClr val="accent1"/>
+          </a:effectRef>
+          <a:fontRef idx="minor">
+            <a:schemeClr val="tx1"/>
+          </a:fontRef>
+        </p:style>
+        <p:txBody>
+          <a:bodyPr rtlCol="0" anchor="ctr"/>
+          <a:lstStyle/>
+          <a:p>
+            <a:pPr algn="ctr"/>
+            <a:endParaRPr lang="zh-CN" altLang="en-US"/>
+          </a:p>
+        </p:txBody>
+      </p:sp>
+      <p:sp>
+        <p:nvSpPr>
+          <p:cNvPr id="31" name="椭圆 30"/>
+          <p:cNvSpPr/>
+          <p:nvPr/>
+        </p:nvSpPr>
+        <p:spPr>
+          <a:xfrm>
+            <a:off x="3303865" y="5426591"/>
+            <a:ext cx="522514" cy="555171"/>
+          </a:xfrm>
+          <a:prstGeom prst="ellipse">
+            <a:avLst/>
+          </a:prstGeom>
+        </p:spPr>
+        <p:style>
+          <a:lnRef idx="2">
+            <a:schemeClr val="accent1">
+              <a:shade val="50000"/>
+            </a:schemeClr>
+          </a:lnRef>
+          <a:fillRef idx="1">
+            <a:schemeClr val="accent1"/>
+          </a:fillRef>
+          <a:effectRef idx="0">
+            <a:schemeClr val="accent1"/>
+          </a:effectRef>
+          <a:fontRef idx="minor">
+            <a:schemeClr val="lt1"/>
+          </a:fontRef>
+        </p:style>
+        <p:txBody>
+          <a:bodyPr rtlCol="0" anchor="ctr"/>
+          <a:lstStyle/>
+          <a:p>
+            <a:pPr algn="ctr"/>
+            <a:r>
+              <a:rPr lang="en-US" altLang="zh-CN" dirty="0" smtClean="0"/>
+              <a:t>1</a:t>
+            </a:r>
+            <a:endParaRPr lang="zh-CN" altLang="en-US" dirty="0"/>
+          </a:p>
+        </p:txBody>
+      </p:sp>
+      <p:sp>
+        <p:nvSpPr>
+          <p:cNvPr id="32" name="椭圆 31"/>
+          <p:cNvSpPr/>
+          <p:nvPr/>
+        </p:nvSpPr>
+        <p:spPr>
+          <a:xfrm>
+            <a:off x="4582936" y="6106945"/>
+            <a:ext cx="522514" cy="555171"/>
+          </a:xfrm>
+          <a:prstGeom prst="ellipse">
+            <a:avLst/>
+          </a:prstGeom>
+        </p:spPr>
+        <p:style>
+          <a:lnRef idx="2">
+            <a:schemeClr val="accent1">
+              <a:shade val="50000"/>
+            </a:schemeClr>
+          </a:lnRef>
+          <a:fillRef idx="1">
+            <a:schemeClr val="accent1"/>
+          </a:fillRef>
+          <a:effectRef idx="0">
+            <a:schemeClr val="accent1"/>
+          </a:effectRef>
+          <a:fontRef idx="minor">
+            <a:schemeClr val="lt1"/>
+          </a:fontRef>
+        </p:style>
+        <p:txBody>
+          <a:bodyPr rtlCol="0" anchor="ctr"/>
+          <a:lstStyle/>
+          <a:p>
+            <a:pPr algn="ctr"/>
+            <a:r>
+              <a:rPr lang="en-US" altLang="zh-CN" dirty="0"/>
+              <a:t>4</a:t>
+            </a:r>
+            <a:endParaRPr lang="zh-CN" altLang="en-US" dirty="0"/>
+          </a:p>
+        </p:txBody>
+      </p:sp>
+      <p:sp>
+        <p:nvSpPr>
+          <p:cNvPr id="33" name="弧形 32"/>
+          <p:cNvSpPr/>
+          <p:nvPr/>
+        </p:nvSpPr>
+        <p:spPr>
+          <a:xfrm rot="20959810">
+            <a:off x="3576446" y="4791307"/>
+            <a:ext cx="1145722" cy="879152"/>
+          </a:xfrm>
+          <a:prstGeom prst="arc">
+            <a:avLst>
+              <a:gd name="adj1" fmla="val 10549658"/>
+              <a:gd name="adj2" fmla="val 19869875"/>
+            </a:avLst>
+          </a:prstGeom>
+          <a:ln>
+            <a:solidFill>
+              <a:schemeClr val="accent1"/>
+            </a:solidFill>
+            <a:tailEnd type="stealth" w="lg" len="lg"/>
+          </a:ln>
+        </p:spPr>
+        <p:style>
+          <a:lnRef idx="1">
+            <a:schemeClr val="accent1"/>
+          </a:lnRef>
+          <a:fillRef idx="0">
+            <a:schemeClr val="accent1"/>
+          </a:fillRef>
+          <a:effectRef idx="0">
+            <a:schemeClr val="accent1"/>
+          </a:effectRef>
+          <a:fontRef idx="minor">
+            <a:schemeClr val="tx1"/>
+          </a:fontRef>
+        </p:style>
+        <p:txBody>
+          <a:bodyPr rtlCol="0" anchor="ctr"/>
+          <a:lstStyle/>
+          <a:p>
+            <a:pPr algn="ctr"/>
+            <a:endParaRPr lang="zh-CN" altLang="en-US"/>
+          </a:p>
+        </p:txBody>
+      </p:sp>
+      <p:sp>
+        <p:nvSpPr>
+          <p:cNvPr id="34" name="弧形 33"/>
+          <p:cNvSpPr/>
+          <p:nvPr/>
+        </p:nvSpPr>
+        <p:spPr>
+          <a:xfrm rot="13449588">
+            <a:off x="3563508" y="5498202"/>
+            <a:ext cx="1279071" cy="1146113"/>
+          </a:xfrm>
+          <a:prstGeom prst="arc">
+            <a:avLst>
+              <a:gd name="adj1" fmla="val 11097107"/>
+              <a:gd name="adj2" fmla="val 19520976"/>
+            </a:avLst>
+          </a:prstGeom>
+          <a:ln>
+            <a:solidFill>
+              <a:schemeClr val="accent1"/>
+            </a:solidFill>
+            <a:headEnd type="stealth" w="lg" len="lg"/>
+            <a:tailEnd type="none" w="lg" len="lg"/>
+          </a:ln>
+        </p:spPr>
+        <p:style>
+          <a:lnRef idx="1">
+            <a:schemeClr val="accent1"/>
+          </a:lnRef>
+          <a:fillRef idx="0">
+            <a:schemeClr val="accent1"/>
+          </a:fillRef>
+          <a:effectRef idx="0">
+            <a:schemeClr val="accent1"/>
+          </a:effectRef>
+          <a:fontRef idx="minor">
+            <a:schemeClr val="tx1"/>
+          </a:fontRef>
+        </p:style>
+        <p:txBody>
+          <a:bodyPr rtlCol="0" anchor="ctr"/>
+          <a:lstStyle/>
+          <a:p>
+            <a:pPr algn="ctr"/>
+            <a:endParaRPr lang="zh-CN" altLang="en-US"/>
+          </a:p>
+        </p:txBody>
+      </p:sp>
+      <p:sp>
+        <p:nvSpPr>
+          <p:cNvPr id="35" name="弧形 34"/>
+          <p:cNvSpPr/>
+          <p:nvPr/>
+        </p:nvSpPr>
+        <p:spPr>
+          <a:xfrm rot="8733925">
+            <a:off x="5037995" y="5829803"/>
+            <a:ext cx="935027" cy="573056"/>
+          </a:xfrm>
+          <a:prstGeom prst="arc">
+            <a:avLst>
+              <a:gd name="adj1" fmla="val 11620110"/>
+              <a:gd name="adj2" fmla="val 21195134"/>
+            </a:avLst>
+          </a:prstGeom>
+          <a:ln>
+            <a:solidFill>
+              <a:schemeClr val="accent1"/>
+            </a:solidFill>
+            <a:headEnd type="stealth" w="lg" len="lg"/>
+            <a:tailEnd type="none" w="lg" len="lg"/>
+          </a:ln>
+        </p:spPr>
+        <p:style>
+          <a:lnRef idx="1">
+            <a:schemeClr val="accent1"/>
+          </a:lnRef>
+          <a:fillRef idx="0">
+            <a:schemeClr val="accent1"/>
+          </a:fillRef>
+          <a:effectRef idx="0">
+            <a:schemeClr val="accent1"/>
+          </a:effectRef>
+          <a:fontRef idx="minor">
+            <a:schemeClr val="tx1"/>
+          </a:fontRef>
+        </p:style>
+        <p:txBody>
+          <a:bodyPr rtlCol="0" anchor="ctr"/>
+          <a:lstStyle/>
+          <a:p>
+            <a:pPr algn="ctr"/>
+            <a:endParaRPr lang="zh-CN" altLang="en-US"/>
+          </a:p>
+        </p:txBody>
+      </p:sp>
+      <p:sp>
+        <p:nvSpPr>
+          <p:cNvPr id="36" name="弧形 35"/>
+          <p:cNvSpPr/>
+          <p:nvPr/>
+        </p:nvSpPr>
+        <p:spPr>
+          <a:xfrm rot="8733925">
+            <a:off x="7164205" y="5172717"/>
+            <a:ext cx="362981" cy="573056"/>
+          </a:xfrm>
+          <a:prstGeom prst="arc">
+            <a:avLst>
+              <a:gd name="adj1" fmla="val 2969480"/>
+              <a:gd name="adj2" fmla="val 18590008"/>
+            </a:avLst>
+          </a:prstGeom>
+          <a:ln>
+            <a:solidFill>
+              <a:schemeClr val="accent1"/>
+            </a:solidFill>
+            <a:headEnd type="stealth" w="lg" len="lg"/>
+            <a:tailEnd type="none" w="lg" len="lg"/>
+          </a:ln>
+        </p:spPr>
+        <p:style>
+          <a:lnRef idx="1">
+            <a:schemeClr val="accent1"/>
+          </a:lnRef>
+          <a:fillRef idx="0">
+            <a:schemeClr val="accent1"/>
+          </a:fillRef>
+          <a:effectRef idx="0">
+            <a:schemeClr val="accent1"/>
+          </a:effectRef>
+          <a:fontRef idx="minor">
+            <a:schemeClr val="tx1"/>
+          </a:fontRef>
+        </p:style>
+        <p:txBody>
+          <a:bodyPr rtlCol="0" anchor="ctr"/>
+          <a:lstStyle/>
+          <a:p>
+            <a:pPr algn="ctr"/>
+            <a:endParaRPr lang="zh-CN" altLang="en-US"/>
+          </a:p>
+        </p:txBody>
+      </p:sp>
+      <p:sp>
+        <p:nvSpPr>
+          <p:cNvPr id="37" name="TextBox 90"/>
+          <p:cNvSpPr txBox="1"/>
+          <p:nvPr/>
+        </p:nvSpPr>
+        <p:spPr>
+          <a:xfrm>
+            <a:off x="3735103" y="4762952"/>
+            <a:ext cx="316112" cy="369332"/>
+          </a:xfrm>
+          <a:prstGeom prst="rect">
+            <a:avLst/>
+          </a:prstGeom>
+          <a:noFill/>
+        </p:spPr>
+        <p:txBody>
+          <a:bodyPr wrap="none" rtlCol="0">
+            <a:spAutoFit/>
+          </a:bodyPr>
+          <a:lstStyle/>
+          <a:p>
+            <a:r>
+              <a:rPr lang="en-US" altLang="zh-CN" dirty="0" smtClean="0"/>
+              <a:t>a</a:t>
+            </a:r>
+            <a:endParaRPr lang="zh-CN" altLang="en-US" dirty="0"/>
+          </a:p>
+        </p:txBody>
+      </p:sp>
+      <p:sp>
+        <p:nvSpPr>
+          <p:cNvPr id="38" name="TextBox 91"/>
+          <p:cNvSpPr txBox="1"/>
+          <p:nvPr/>
+        </p:nvSpPr>
+        <p:spPr>
+          <a:xfrm>
+            <a:off x="3769384" y="6199864"/>
+            <a:ext cx="316112" cy="369332"/>
+          </a:xfrm>
+          <a:prstGeom prst="rect">
+            <a:avLst/>
+          </a:prstGeom>
+          <a:noFill/>
+        </p:spPr>
+        <p:txBody>
+          <a:bodyPr wrap="none" rtlCol="0">
+            <a:spAutoFit/>
+          </a:bodyPr>
+          <a:lstStyle/>
+          <a:p>
+            <a:r>
+              <a:rPr lang="en-US" altLang="zh-CN" dirty="0"/>
+              <a:t>b</a:t>
+            </a:r>
+            <a:endParaRPr lang="zh-CN" altLang="en-US" dirty="0"/>
+          </a:p>
+        </p:txBody>
+      </p:sp>
+      <p:sp>
+        <p:nvSpPr>
+          <p:cNvPr id="39" name="TextBox 94"/>
+          <p:cNvSpPr txBox="1"/>
+          <p:nvPr/>
+        </p:nvSpPr>
+        <p:spPr>
+          <a:xfrm>
+            <a:off x="5654399" y="4762952"/>
+            <a:ext cx="316112" cy="369332"/>
+          </a:xfrm>
+          <a:prstGeom prst="rect">
+            <a:avLst/>
+          </a:prstGeom>
+          <a:noFill/>
+        </p:spPr>
+        <p:txBody>
+          <a:bodyPr wrap="none" rtlCol="0">
+            <a:spAutoFit/>
+          </a:bodyPr>
+          <a:lstStyle/>
+          <a:p>
+            <a:r>
+              <a:rPr lang="en-US" altLang="zh-CN" dirty="0" smtClean="0"/>
+              <a:t>a</a:t>
+            </a:r>
+            <a:endParaRPr lang="zh-CN" altLang="en-US" dirty="0"/>
+          </a:p>
+        </p:txBody>
+      </p:sp>
+      <p:sp>
+        <p:nvSpPr>
+          <p:cNvPr id="40" name="TextBox 95"/>
+          <p:cNvSpPr txBox="1"/>
+          <p:nvPr/>
+        </p:nvSpPr>
+        <p:spPr>
+          <a:xfrm>
+            <a:off x="5687057" y="6197976"/>
+            <a:ext cx="316112" cy="369332"/>
+          </a:xfrm>
+          <a:prstGeom prst="rect">
+            <a:avLst/>
+          </a:prstGeom>
+          <a:noFill/>
+        </p:spPr>
+        <p:txBody>
+          <a:bodyPr wrap="none" rtlCol="0">
+            <a:spAutoFit/>
+          </a:bodyPr>
+          <a:lstStyle/>
+          <a:p>
+            <a:r>
+              <a:rPr lang="en-US" altLang="zh-CN" dirty="0"/>
+              <a:t>b</a:t>
+            </a:r>
+            <a:endParaRPr lang="zh-CN" altLang="en-US" dirty="0"/>
+          </a:p>
+        </p:txBody>
+      </p:sp>
+      <p:sp>
+        <p:nvSpPr>
+          <p:cNvPr id="41" name="弧形 40"/>
+          <p:cNvSpPr/>
+          <p:nvPr/>
+        </p:nvSpPr>
+        <p:spPr>
+          <a:xfrm rot="2955178">
+            <a:off x="7005104" y="5843708"/>
+            <a:ext cx="520136" cy="422693"/>
+          </a:xfrm>
+          <a:prstGeom prst="arc">
+            <a:avLst>
+              <a:gd name="adj1" fmla="val 13813867"/>
+              <a:gd name="adj2" fmla="val 8441562"/>
+            </a:avLst>
+          </a:prstGeom>
+          <a:ln>
+            <a:solidFill>
+              <a:schemeClr val="accent1"/>
+            </a:solidFill>
+            <a:tailEnd type="stealth" w="lg" len="lg"/>
+          </a:ln>
+        </p:spPr>
+        <p:style>
+          <a:lnRef idx="1">
+            <a:schemeClr val="accent1"/>
+          </a:lnRef>
+          <a:fillRef idx="0">
+            <a:schemeClr val="accent1"/>
+          </a:fillRef>
+          <a:effectRef idx="0">
+            <a:schemeClr val="accent1"/>
+          </a:effectRef>
+          <a:fontRef idx="minor">
+            <a:schemeClr val="tx1"/>
+          </a:fontRef>
+        </p:style>
+        <p:txBody>
+          <a:bodyPr rtlCol="0" anchor="ctr"/>
+          <a:lstStyle/>
+          <a:p>
+            <a:pPr algn="ctr"/>
+            <a:endParaRPr lang="zh-CN" altLang="en-US"/>
+          </a:p>
+        </p:txBody>
+      </p:sp>
+      <p:sp>
+        <p:nvSpPr>
+          <p:cNvPr id="42" name="TextBox 98"/>
+          <p:cNvSpPr txBox="1"/>
+          <p:nvPr/>
+        </p:nvSpPr>
+        <p:spPr>
+          <a:xfrm>
+            <a:off x="7436984" y="5072928"/>
+            <a:ext cx="316112" cy="369332"/>
+          </a:xfrm>
+          <a:prstGeom prst="rect">
+            <a:avLst/>
+          </a:prstGeom>
+          <a:noFill/>
+        </p:spPr>
+        <p:txBody>
+          <a:bodyPr wrap="none" rtlCol="0">
+            <a:spAutoFit/>
+          </a:bodyPr>
+          <a:lstStyle/>
+          <a:p>
+            <a:r>
+              <a:rPr lang="en-US" altLang="zh-CN" dirty="0" smtClean="0"/>
+              <a:t>a</a:t>
+            </a:r>
+            <a:endParaRPr lang="zh-CN" altLang="en-US" dirty="0"/>
+          </a:p>
+        </p:txBody>
+      </p:sp>
+      <p:sp>
+        <p:nvSpPr>
+          <p:cNvPr id="43" name="TextBox 99"/>
+          <p:cNvSpPr txBox="1"/>
+          <p:nvPr/>
+        </p:nvSpPr>
+        <p:spPr>
+          <a:xfrm>
+            <a:off x="7436984" y="5819365"/>
+            <a:ext cx="316112" cy="369332"/>
+          </a:xfrm>
+          <a:prstGeom prst="rect">
+            <a:avLst/>
+          </a:prstGeom>
+          <a:noFill/>
+        </p:spPr>
+        <p:txBody>
+          <a:bodyPr wrap="none" rtlCol="0">
+            <a:spAutoFit/>
+          </a:bodyPr>
+          <a:lstStyle/>
+          <a:p>
+            <a:r>
+              <a:rPr lang="en-US" altLang="zh-CN" dirty="0"/>
+              <a:t>b</a:t>
+            </a:r>
+            <a:endParaRPr lang="zh-CN" altLang="en-US" dirty="0"/>
+          </a:p>
+        </p:txBody>
+      </p:sp>
+      <p:sp>
+        <p:nvSpPr>
+          <p:cNvPr id="44" name="椭圆 43"/>
+          <p:cNvSpPr/>
+          <p:nvPr/>
+        </p:nvSpPr>
+        <p:spPr>
+          <a:xfrm>
+            <a:off x="5649172" y="5393933"/>
+            <a:ext cx="522514" cy="555171"/>
+          </a:xfrm>
+          <a:prstGeom prst="ellipse">
+            <a:avLst/>
+          </a:prstGeom>
+        </p:spPr>
+        <p:style>
+          <a:lnRef idx="2">
+            <a:schemeClr val="accent1">
+              <a:shade val="50000"/>
+            </a:schemeClr>
+          </a:lnRef>
+          <a:fillRef idx="1">
+            <a:schemeClr val="accent1"/>
+          </a:fillRef>
+          <a:effectRef idx="0">
+            <a:schemeClr val="accent1"/>
+          </a:effectRef>
+          <a:fontRef idx="minor">
+            <a:schemeClr val="lt1"/>
+          </a:fontRef>
+        </p:style>
+        <p:txBody>
+          <a:bodyPr rtlCol="0" anchor="ctr"/>
+          <a:lstStyle/>
+          <a:p>
+            <a:pPr algn="ctr"/>
+            <a:r>
+              <a:rPr lang="en-US" altLang="zh-CN" dirty="0" smtClean="0"/>
+              <a:t>2</a:t>
+            </a:r>
+            <a:endParaRPr lang="zh-CN" altLang="en-US" dirty="0"/>
+          </a:p>
+        </p:txBody>
+      </p:sp>
+      <p:sp>
+        <p:nvSpPr>
+          <p:cNvPr id="45" name="椭圆 44"/>
+          <p:cNvSpPr/>
+          <p:nvPr/>
+        </p:nvSpPr>
+        <p:spPr>
+          <a:xfrm>
+            <a:off x="2220702" y="5453476"/>
+            <a:ext cx="522514" cy="555171"/>
+          </a:xfrm>
+          <a:prstGeom prst="ellipse">
+            <a:avLst/>
+          </a:prstGeom>
+        </p:spPr>
+        <p:style>
+          <a:lnRef idx="2">
+            <a:schemeClr val="accent1">
+              <a:shade val="50000"/>
+            </a:schemeClr>
+          </a:lnRef>
+          <a:fillRef idx="1">
+            <a:schemeClr val="accent1"/>
+          </a:fillRef>
+          <a:effectRef idx="0">
+            <a:schemeClr val="accent1"/>
+          </a:effectRef>
+          <a:fontRef idx="minor">
+            <a:schemeClr val="lt1"/>
+          </a:fontRef>
+        </p:style>
+        <p:txBody>
+          <a:bodyPr rtlCol="0" anchor="ctr"/>
+          <a:lstStyle/>
+          <a:p>
+            <a:pPr algn="ctr"/>
+            <a:r>
+              <a:rPr lang="en-US" altLang="zh-CN" dirty="0" smtClean="0"/>
+              <a:t>5</a:t>
+            </a:r>
+            <a:endParaRPr lang="zh-CN" altLang="en-US" dirty="0"/>
+          </a:p>
+        </p:txBody>
+      </p:sp>
+      <p:sp>
+        <p:nvSpPr>
+          <p:cNvPr id="46" name="同心圆 45"/>
+          <p:cNvSpPr/>
+          <p:nvPr/>
+        </p:nvSpPr>
+        <p:spPr>
+          <a:xfrm>
+            <a:off x="6672143" y="5393931"/>
+            <a:ext cx="620485" cy="555171"/>
+          </a:xfrm>
+          <a:prstGeom prst="donut">
+            <a:avLst/>
+          </a:prstGeom>
+        </p:spPr>
+        <p:style>
+          <a:lnRef idx="2">
+            <a:schemeClr val="accent1">
+              <a:shade val="50000"/>
+            </a:schemeClr>
+          </a:lnRef>
+          <a:fillRef idx="1">
+            <a:schemeClr val="accent1"/>
+          </a:fillRef>
+          <a:effectRef idx="0">
+            <a:schemeClr val="accent1"/>
+          </a:effectRef>
+          <a:fontRef idx="minor">
+            <a:schemeClr val="lt1"/>
+          </a:fontRef>
+        </p:style>
+        <p:txBody>
+          <a:bodyPr rtlCol="0" anchor="ctr"/>
+          <a:lstStyle/>
+          <a:p>
+            <a:pPr algn="ctr"/>
+            <a:r>
+              <a:rPr lang="en-US" altLang="zh-CN" dirty="0" smtClean="0">
+                <a:solidFill>
+                  <a:schemeClr val="tx1"/>
+                </a:solidFill>
+              </a:rPr>
+              <a:t>6</a:t>
+            </a:r>
+            <a:endParaRPr lang="zh-CN" altLang="en-US" dirty="0">
+              <a:solidFill>
+                <a:schemeClr val="tx1"/>
+              </a:solidFill>
+            </a:endParaRPr>
+          </a:p>
+        </p:txBody>
+      </p:sp>
+      <p:sp>
+        <p:nvSpPr>
+          <p:cNvPr id="47" name="弧形 46"/>
+          <p:cNvSpPr/>
+          <p:nvPr/>
+        </p:nvSpPr>
+        <p:spPr>
+          <a:xfrm rot="5702527">
+            <a:off x="2301805" y="5121660"/>
+            <a:ext cx="329482" cy="429727"/>
+          </a:xfrm>
+          <a:prstGeom prst="arc">
+            <a:avLst>
+              <a:gd name="adj1" fmla="val 2969480"/>
+              <a:gd name="adj2" fmla="val 18590008"/>
+            </a:avLst>
+          </a:prstGeom>
+          <a:ln>
+            <a:solidFill>
+              <a:schemeClr val="accent1"/>
+            </a:solidFill>
+            <a:headEnd type="stealth" w="lg" len="lg"/>
+            <a:tailEnd type="none" w="lg" len="lg"/>
+          </a:ln>
+        </p:spPr>
+        <p:style>
+          <a:lnRef idx="1">
+            <a:schemeClr val="accent1"/>
+          </a:lnRef>
+          <a:fillRef idx="0">
+            <a:schemeClr val="accent1"/>
+          </a:fillRef>
+          <a:effectRef idx="0">
+            <a:schemeClr val="accent1"/>
+          </a:effectRef>
+          <a:fontRef idx="minor">
+            <a:schemeClr val="tx1"/>
+          </a:fontRef>
+        </p:style>
+        <p:txBody>
+          <a:bodyPr rtlCol="0" anchor="ctr"/>
+          <a:lstStyle/>
+          <a:p>
+            <a:pPr algn="ctr"/>
+            <a:endParaRPr lang="zh-CN" altLang="en-US"/>
+          </a:p>
+        </p:txBody>
+      </p:sp>
+      <p:sp>
+        <p:nvSpPr>
+          <p:cNvPr id="48" name="弧形 47"/>
+          <p:cNvSpPr/>
+          <p:nvPr/>
+        </p:nvSpPr>
+        <p:spPr>
+          <a:xfrm rot="5400000">
+            <a:off x="2214554" y="5953569"/>
+            <a:ext cx="450237" cy="422693"/>
+          </a:xfrm>
+          <a:prstGeom prst="arc">
+            <a:avLst>
+              <a:gd name="adj1" fmla="val 13813867"/>
+              <a:gd name="adj2" fmla="val 8441562"/>
+            </a:avLst>
+          </a:prstGeom>
+          <a:ln>
+            <a:solidFill>
+              <a:schemeClr val="accent1"/>
+            </a:solidFill>
+            <a:tailEnd type="stealth" w="lg" len="lg"/>
+          </a:ln>
+        </p:spPr>
+        <p:style>
+          <a:lnRef idx="1">
+            <a:schemeClr val="accent1"/>
+          </a:lnRef>
+          <a:fillRef idx="0">
+            <a:schemeClr val="accent1"/>
+          </a:fillRef>
+          <a:effectRef idx="0">
+            <a:schemeClr val="accent1"/>
+          </a:effectRef>
+          <a:fontRef idx="minor">
+            <a:schemeClr val="tx1"/>
+          </a:fontRef>
+        </p:style>
+        <p:txBody>
+          <a:bodyPr rtlCol="0" anchor="ctr"/>
+          <a:lstStyle/>
+          <a:p>
+            <a:pPr algn="ctr"/>
+            <a:endParaRPr lang="zh-CN" altLang="en-US"/>
+          </a:p>
+        </p:txBody>
+      </p:sp>
+      <p:sp>
+        <p:nvSpPr>
+          <p:cNvPr id="49" name="TextBox 106"/>
+          <p:cNvSpPr txBox="1"/>
+          <p:nvPr/>
+        </p:nvSpPr>
+        <p:spPr>
+          <a:xfrm>
+            <a:off x="2308490" y="4865078"/>
+            <a:ext cx="316112" cy="369332"/>
+          </a:xfrm>
+          <a:prstGeom prst="rect">
+            <a:avLst/>
+          </a:prstGeom>
+          <a:noFill/>
+        </p:spPr>
+        <p:txBody>
+          <a:bodyPr wrap="none" rtlCol="0">
+            <a:spAutoFit/>
+          </a:bodyPr>
+          <a:lstStyle/>
+          <a:p>
+            <a:r>
+              <a:rPr lang="en-US" altLang="zh-CN" dirty="0" smtClean="0"/>
+              <a:t>a</a:t>
+            </a:r>
+            <a:endParaRPr lang="zh-CN" altLang="en-US" dirty="0"/>
+          </a:p>
+        </p:txBody>
+      </p:sp>
+      <p:sp>
+        <p:nvSpPr>
+          <p:cNvPr id="50" name="TextBox 107"/>
+          <p:cNvSpPr txBox="1"/>
+          <p:nvPr/>
+        </p:nvSpPr>
+        <p:spPr>
+          <a:xfrm>
+            <a:off x="2308395" y="6317660"/>
+            <a:ext cx="316112" cy="369332"/>
+          </a:xfrm>
+          <a:prstGeom prst="rect">
+            <a:avLst/>
+          </a:prstGeom>
+          <a:noFill/>
+        </p:spPr>
+        <p:txBody>
+          <a:bodyPr wrap="none" rtlCol="0">
+            <a:spAutoFit/>
+          </a:bodyPr>
+          <a:lstStyle/>
+          <a:p>
+            <a:r>
+              <a:rPr lang="en-US" altLang="zh-CN" dirty="0"/>
+              <a:t>b</a:t>
+            </a:r>
+            <a:endParaRPr lang="zh-CN" altLang="en-US" dirty="0"/>
+          </a:p>
+        </p:txBody>
+      </p:sp>
+      <p:cxnSp>
+        <p:nvCxnSpPr>
+          <p:cNvPr id="51" name="直接箭头连接符 50"/>
+          <p:cNvCxnSpPr>
+            <a:endCxn id="31" idx="2"/>
+          </p:cNvCxnSpPr>
+          <p:nvPr/>
+        </p:nvCxnSpPr>
+        <p:spPr>
+          <a:xfrm flipV="1">
+            <a:off x="2764984" y="5704177"/>
+            <a:ext cx="538881" cy="43210"/>
+          </a:xfrm>
+          <a:prstGeom prst="straightConnector1">
+            <a:avLst/>
+          </a:prstGeom>
+          <a:ln>
+            <a:solidFill>
+              <a:schemeClr val="accent1"/>
+            </a:solidFill>
+            <a:tailEnd type="stealth" w="lg" len="lg"/>
+          </a:ln>
+        </p:spPr>
+        <p:style>
+          <a:lnRef idx="1">
+            <a:schemeClr val="accent1"/>
+          </a:lnRef>
+          <a:fillRef idx="0">
+            <a:schemeClr val="accent1"/>
+          </a:fillRef>
+          <a:effectRef idx="0">
+            <a:schemeClr val="accent1"/>
+          </a:effectRef>
+          <a:fontRef idx="minor">
+            <a:schemeClr val="tx1"/>
+          </a:fontRef>
+        </p:style>
+      </p:cxnSp>
+      <p:cxnSp>
+        <p:nvCxnSpPr>
+          <p:cNvPr id="52" name="直接箭头连接符 51"/>
+          <p:cNvCxnSpPr/>
+          <p:nvPr/>
+        </p:nvCxnSpPr>
+        <p:spPr>
+          <a:xfrm flipV="1">
+            <a:off x="6168288" y="5660966"/>
+            <a:ext cx="538881" cy="43210"/>
+          </a:xfrm>
+          <a:prstGeom prst="straightConnector1">
+            <a:avLst/>
+          </a:prstGeom>
+          <a:ln>
+            <a:solidFill>
+              <a:schemeClr val="accent1"/>
+            </a:solidFill>
+            <a:tailEnd type="stealth" w="lg" len="lg"/>
+          </a:ln>
+        </p:spPr>
+        <p:style>
+          <a:lnRef idx="1">
+            <a:schemeClr val="accent1"/>
+          </a:lnRef>
+          <a:fillRef idx="0">
+            <a:schemeClr val="accent1"/>
+          </a:fillRef>
+          <a:effectRef idx="0">
+            <a:schemeClr val="accent1"/>
+          </a:effectRef>
+          <a:fontRef idx="minor">
+            <a:schemeClr val="tx1"/>
+          </a:fontRef>
+        </p:style>
+      </p:cxnSp>
+      <p:sp>
+        <p:nvSpPr>
+          <p:cNvPr id="53" name="TextBox 112"/>
+          <p:cNvSpPr txBox="1"/>
+          <p:nvPr/>
+        </p:nvSpPr>
+        <p:spPr>
+          <a:xfrm>
+            <a:off x="2854600" y="5334390"/>
+            <a:ext cx="287258" cy="369332"/>
+          </a:xfrm>
+          <a:prstGeom prst="rect">
+            <a:avLst/>
+          </a:prstGeom>
+          <a:noFill/>
+        </p:spPr>
+        <p:txBody>
+          <a:bodyPr wrap="none" rtlCol="0">
+            <a:spAutoFit/>
+          </a:bodyPr>
+          <a:lstStyle/>
+          <a:p>
+            <a:r>
+              <a:rPr lang="el-GR" altLang="zh-CN" dirty="0" smtClean="0">
+                <a:latin typeface="Cambria Math"/>
+                <a:ea typeface="Cambria Math"/>
+              </a:rPr>
+              <a:t>ε</a:t>
+            </a:r>
+            <a:endParaRPr lang="zh-CN" altLang="en-US" dirty="0"/>
+          </a:p>
+        </p:txBody>
+      </p:sp>
+      <p:sp>
+        <p:nvSpPr>
+          <p:cNvPr id="54" name="TextBox 113"/>
+          <p:cNvSpPr txBox="1"/>
+          <p:nvPr/>
+        </p:nvSpPr>
+        <p:spPr>
+          <a:xfrm>
+            <a:off x="6270720" y="5378055"/>
+            <a:ext cx="287258" cy="369332"/>
+          </a:xfrm>
+          <a:prstGeom prst="rect">
+            <a:avLst/>
+          </a:prstGeom>
+          <a:noFill/>
+        </p:spPr>
+        <p:txBody>
+          <a:bodyPr wrap="none" rtlCol="0">
+            <a:spAutoFit/>
+          </a:bodyPr>
+          <a:lstStyle/>
+          <a:p>
+            <a:r>
+              <a:rPr lang="el-GR" altLang="zh-CN" dirty="0" smtClean="0">
+                <a:latin typeface="Cambria Math"/>
+                <a:ea typeface="Cambria Math"/>
+              </a:rPr>
+              <a:t>ε</a:t>
+            </a:r>
+            <a:endParaRPr lang="zh-CN" altLang="en-US" dirty="0"/>
+          </a:p>
+        </p:txBody>
+      </p:sp>
+      <p:sp>
+        <p:nvSpPr>
+          <p:cNvPr id="55" name="TextBox 114"/>
+          <p:cNvSpPr txBox="1"/>
+          <p:nvPr/>
+        </p:nvSpPr>
+        <p:spPr>
+          <a:xfrm>
+            <a:off x="1449637" y="5393931"/>
+            <a:ext cx="670376" cy="369332"/>
+          </a:xfrm>
+          <a:prstGeom prst="rect">
+            <a:avLst/>
+          </a:prstGeom>
+          <a:noFill/>
+        </p:spPr>
+        <p:txBody>
+          <a:bodyPr wrap="none" rtlCol="0">
+            <a:spAutoFit/>
+          </a:bodyPr>
+          <a:lstStyle/>
+          <a:p>
+            <a:r>
+              <a:rPr lang="en-US" altLang="zh-CN" dirty="0"/>
+              <a:t>start</a:t>
+            </a:r>
+            <a:endParaRPr lang="zh-CN" altLang="en-US" dirty="0"/>
+          </a:p>
+        </p:txBody>
+      </p:sp>
+      <p:cxnSp>
+        <p:nvCxnSpPr>
+          <p:cNvPr id="56" name="直接箭头连接符 55"/>
+          <p:cNvCxnSpPr/>
+          <p:nvPr/>
+        </p:nvCxnSpPr>
+        <p:spPr>
+          <a:xfrm>
+            <a:off x="1681821" y="5752829"/>
+            <a:ext cx="538881" cy="1"/>
+          </a:xfrm>
+          <a:prstGeom prst="straightConnector1">
+            <a:avLst/>
+          </a:prstGeom>
+          <a:ln>
+            <a:solidFill>
+              <a:schemeClr val="accent1"/>
+            </a:solidFill>
+            <a:tailEnd type="arrow"/>
+          </a:ln>
+        </p:spPr>
+        <p:style>
+          <a:lnRef idx="1">
+            <a:schemeClr val="accent1"/>
+          </a:lnRef>
+          <a:fillRef idx="0">
+            <a:schemeClr val="accent1"/>
+          </a:fillRef>
+          <a:effectRef idx="0">
+            <a:schemeClr val="accent1"/>
+          </a:effectRef>
+          <a:fontRef idx="minor">
+            <a:schemeClr val="tx1"/>
+          </a:fontRef>
+        </p:style>
+      </p:cxnSp>
+      <p:sp>
+        <p:nvSpPr>
+          <p:cNvPr id="57" name="内容占位符 5"/>
+          <p:cNvSpPr txBox="1">
+            <a:spLocks/>
+          </p:cNvSpPr>
+          <p:nvPr/>
+        </p:nvSpPr>
+        <p:spPr>
+          <a:xfrm>
+            <a:off x="826807" y="4202985"/>
+            <a:ext cx="7486650" cy="489857"/>
+          </a:xfrm>
+          <a:prstGeom prst="rect">
+            <a:avLst/>
+          </a:prstGeom>
+        </p:spPr>
+        <p:txBody>
+          <a:bodyPr vert="horz" lIns="0" tIns="45720" rIns="0" bIns="45720" rtlCol="0">
+            <a:normAutofit/>
+          </a:bodyPr>
+          <a:lstStyle>
+            <a:lvl1pPr marL="228600" indent="-228600" algn="l" defTabSz="914400" rtl="0" eaLnBrk="1" latinLnBrk="0" hangingPunct="1">
+              <a:lnSpc>
+                <a:spcPct val="90000"/>
+              </a:lnSpc>
+              <a:spcBef>
+                <a:spcPts val="1800"/>
+              </a:spcBef>
+              <a:buFont typeface="Wingdings" panose="05000000000000000000" pitchFamily="2" charset="2"/>
+              <a:buChar char="§"/>
+              <a:defRPr lang="zh-CN" sz="2000" kern="1200">
+                <a:solidFill>
+                  <a:schemeClr val="tx1"/>
+                </a:solidFill>
+                <a:latin typeface="Microsoft YaHei UI" panose="020B0503020204020204" pitchFamily="34" charset="-122"/>
+                <a:ea typeface="Microsoft YaHei UI" panose="020B0503020204020204" pitchFamily="34" charset="-122"/>
+                <a:cs typeface="+mn-cs"/>
+              </a:defRPr>
+            </a:lvl1pPr>
+            <a:lvl2pPr marL="685800" indent="-228600" algn="l" defTabSz="914400" rtl="0" eaLnBrk="1" latinLnBrk="0" hangingPunct="1">
+              <a:lnSpc>
+                <a:spcPct val="90000"/>
+              </a:lnSpc>
+              <a:spcBef>
+                <a:spcPts val="600"/>
+              </a:spcBef>
+              <a:buFont typeface="Wingdings" panose="05000000000000000000" pitchFamily="2" charset="2"/>
+              <a:buChar char="§"/>
+              <a:defRPr lang="zh-CN" sz="1600" kern="1200">
+                <a:solidFill>
+                  <a:schemeClr val="tx1"/>
+                </a:solidFill>
+                <a:latin typeface="Microsoft YaHei UI" panose="020B0503020204020204" pitchFamily="34" charset="-122"/>
+                <a:ea typeface="Microsoft YaHei UI" panose="020B0503020204020204" pitchFamily="34" charset="-122"/>
+                <a:cs typeface="+mn-cs"/>
+              </a:defRPr>
+            </a:lvl2pPr>
+            <a:lvl3pPr marL="1143000" indent="-228600" algn="l" defTabSz="914400" rtl="0" eaLnBrk="1" latinLnBrk="0" hangingPunct="1">
+              <a:lnSpc>
+                <a:spcPct val="90000"/>
+              </a:lnSpc>
+              <a:spcBef>
+                <a:spcPts val="600"/>
+              </a:spcBef>
+              <a:buFont typeface="Wingdings" panose="05000000000000000000" pitchFamily="2" charset="2"/>
+              <a:buChar char="§"/>
+              <a:defRPr lang="zh-CN" sz="1400" kern="1200">
+                <a:solidFill>
+                  <a:schemeClr val="tx1"/>
+                </a:solidFill>
+                <a:latin typeface="Microsoft YaHei UI" panose="020B0503020204020204" pitchFamily="34" charset="-122"/>
+                <a:ea typeface="Microsoft YaHei UI" panose="020B0503020204020204" pitchFamily="34" charset="-122"/>
+                <a:cs typeface="+mn-cs"/>
+              </a:defRPr>
+            </a:lvl3pPr>
+            <a:lvl4pPr marL="1600200" indent="-228600" algn="l" defTabSz="914400" rtl="0" eaLnBrk="1" latinLnBrk="0" hangingPunct="1">
+              <a:lnSpc>
+                <a:spcPct val="90000"/>
+              </a:lnSpc>
+              <a:spcBef>
+                <a:spcPts val="600"/>
+              </a:spcBef>
+              <a:buFont typeface="Wingdings" panose="05000000000000000000" pitchFamily="2" charset="2"/>
+              <a:buChar char="§"/>
+              <a:defRPr lang="zh-CN" sz="1400" kern="1200">
+                <a:solidFill>
+                  <a:schemeClr val="tx1"/>
+                </a:solidFill>
+                <a:latin typeface="Microsoft YaHei UI" panose="020B0503020204020204" pitchFamily="34" charset="-122"/>
+                <a:ea typeface="Microsoft YaHei UI" panose="020B0503020204020204" pitchFamily="34" charset="-122"/>
+                <a:cs typeface="+mn-cs"/>
+              </a:defRPr>
+            </a:lvl4pPr>
+            <a:lvl5pPr marL="2057400" indent="-228600" algn="l" defTabSz="914400" rtl="0" eaLnBrk="1" latinLnBrk="0" hangingPunct="1">
+              <a:lnSpc>
+                <a:spcPct val="90000"/>
+              </a:lnSpc>
+              <a:spcBef>
+                <a:spcPts val="600"/>
+              </a:spcBef>
+              <a:buFont typeface="Wingdings" panose="05000000000000000000" pitchFamily="2" charset="2"/>
+              <a:buChar char="§"/>
+              <a:defRPr lang="zh-CN" sz="1400" kern="1200">
+                <a:solidFill>
+                  <a:schemeClr val="tx1"/>
+                </a:solidFill>
+                <a:latin typeface="Microsoft YaHei UI" panose="020B0503020204020204" pitchFamily="34" charset="-122"/>
+                <a:ea typeface="Microsoft YaHei UI" panose="020B0503020204020204" pitchFamily="34" charset="-122"/>
+                <a:cs typeface="+mn-cs"/>
+              </a:defRPr>
+            </a:lvl5pPr>
+            <a:lvl6pPr marL="2514600" indent="-228600" algn="l" defTabSz="914400" rtl="0" eaLnBrk="1" latinLnBrk="0" hangingPunct="1">
+              <a:lnSpc>
+                <a:spcPct val="90000"/>
+              </a:lnSpc>
+              <a:spcBef>
+                <a:spcPts val="500"/>
+              </a:spcBef>
+              <a:buFont typeface="Wingdings" panose="05000000000000000000" pitchFamily="2" charset="2"/>
+              <a:buChar char="§"/>
+              <a:defRPr lang="zh-CN" sz="1400" kern="1200">
+                <a:solidFill>
+                  <a:schemeClr val="tx1"/>
+                </a:solidFill>
+                <a:latin typeface="Microsoft YaHei UI" panose="020B0503020204020204" pitchFamily="34" charset="-122"/>
+                <a:ea typeface="Microsoft YaHei UI" panose="020B0503020204020204" pitchFamily="34" charset="-122"/>
+                <a:cs typeface="+mn-cs"/>
+              </a:defRPr>
+            </a:lvl6pPr>
+            <a:lvl7pPr marL="2971800" indent="-228600" algn="l" defTabSz="914400" rtl="0" eaLnBrk="1" latinLnBrk="0" hangingPunct="1">
+              <a:lnSpc>
+                <a:spcPct val="90000"/>
+              </a:lnSpc>
+              <a:spcBef>
+                <a:spcPts val="500"/>
+              </a:spcBef>
+              <a:buFont typeface="Wingdings" panose="05000000000000000000" pitchFamily="2" charset="2"/>
+              <a:buChar char="§"/>
+              <a:defRPr lang="zh-CN" sz="1400" kern="1200">
+                <a:solidFill>
+                  <a:schemeClr val="tx1"/>
+                </a:solidFill>
+                <a:latin typeface="Microsoft YaHei UI" panose="020B0503020204020204" pitchFamily="34" charset="-122"/>
+                <a:ea typeface="Microsoft YaHei UI" panose="020B0503020204020204" pitchFamily="34" charset="-122"/>
+                <a:cs typeface="+mn-cs"/>
+              </a:defRPr>
+            </a:lvl7pPr>
+            <a:lvl8pPr marL="3429000" indent="-228600" algn="l" defTabSz="914400" rtl="0" eaLnBrk="1" latinLnBrk="0" hangingPunct="1">
+              <a:lnSpc>
+                <a:spcPct val="90000"/>
+              </a:lnSpc>
+              <a:spcBef>
+                <a:spcPts val="500"/>
+              </a:spcBef>
+              <a:buFont typeface="Wingdings" panose="05000000000000000000" pitchFamily="2" charset="2"/>
+              <a:buChar char="§"/>
+              <a:defRPr lang="zh-CN" sz="1400" kern="1200">
+                <a:solidFill>
+                  <a:schemeClr val="tx1"/>
+                </a:solidFill>
+                <a:latin typeface="Microsoft YaHei UI" panose="020B0503020204020204" pitchFamily="34" charset="-122"/>
+                <a:ea typeface="Microsoft YaHei UI" panose="020B0503020204020204" pitchFamily="34" charset="-122"/>
+                <a:cs typeface="+mn-cs"/>
+              </a:defRPr>
+            </a:lvl8pPr>
+            <a:lvl9pPr marL="3886200" indent="-228600" algn="l" defTabSz="914400" rtl="0" eaLnBrk="1" latinLnBrk="0" hangingPunct="1">
+              <a:lnSpc>
+                <a:spcPct val="90000"/>
+              </a:lnSpc>
+              <a:spcBef>
+                <a:spcPts val="500"/>
+              </a:spcBef>
+              <a:buFont typeface="Wingdings" panose="05000000000000000000" pitchFamily="2" charset="2"/>
+              <a:buChar char="§"/>
+              <a:defRPr lang="zh-CN" sz="1400" kern="1200">
+                <a:solidFill>
+                  <a:schemeClr val="tx1"/>
+                </a:solidFill>
+                <a:latin typeface="Microsoft YaHei UI" panose="020B0503020204020204" pitchFamily="34" charset="-122"/>
+                <a:ea typeface="Microsoft YaHei UI" panose="020B0503020204020204" pitchFamily="34" charset="-122"/>
+                <a:cs typeface="+mn-cs"/>
+              </a:defRPr>
+            </a:lvl9pPr>
+          </a:lstStyle>
+          <a:p>
+            <a:r>
+              <a:rPr lang="en-US" altLang="zh-CN" dirty="0">
+                <a:latin typeface="Cambria Math"/>
+              </a:rPr>
+              <a:t>N</a:t>
+            </a:r>
+            <a:r>
+              <a:rPr lang="en-US" altLang="zh-CN" dirty="0" smtClean="0">
+                <a:latin typeface="Cambria Math"/>
+              </a:rPr>
+              <a:t>FA</a:t>
+            </a:r>
+            <a:endParaRPr lang="zh-CN" altLang="en-US" dirty="0">
+              <a:latin typeface="Cambria Math"/>
+            </a:endParaRPr>
+          </a:p>
+        </p:txBody>
+      </p:sp>
+    </p:spTree>
+    <p:extLst>
+      <p:ext uri="{BB962C8B-B14F-4D97-AF65-F5344CB8AC3E}">
+        <p14:creationId xmlns:p14="http://schemas.microsoft.com/office/powerpoint/2010/main" val="1260164316"/>
       </p:ext>
     </p:extLst>
   </p:cSld>
@@ -19180,6 +25124,15 @@
 </file>
 
 <file path=customXml/item1.xml><?xml version="1.0" encoding="utf-8"?>
+<?mso-contentType ?>
+<FormTemplates xmlns="http://schemas.microsoft.com/sharepoint/v3/contenttype/forms">
+  <Display>DocumentLibraryForm</Display>
+  <Edit>AssetEditForm</Edit>
+  <New>DocumentLibraryForm</New>
+</FormTemplates>
+</file>
+
+<file path=customXml/item2.xml><?xml version="1.0" encoding="utf-8"?>
 <ct:contentTypeSchema xmlns:ct="http://schemas.microsoft.com/office/2006/metadata/contentType" xmlns:ma="http://schemas.microsoft.com/office/2006/metadata/properties/metaAttributes" ct:_="" ma:_="" ma:contentTypeName="TemplateFile" ma:contentTypeID="0x0101006EDDDB5EE6D98C44930B742096920B300400F5B6D36B3EF94B4E9A635CDF2A18F5B8" ma:contentTypeVersion="72" ma:contentTypeDescription="Create a new document." ma:contentTypeScope="" ma:versionID="a23e56308344d904b51738559c3d67c9">
   <xsd:schema xmlns:xsd="http://www.w3.org/2001/XMLSchema" xmlns:xs="http://www.w3.org/2001/XMLSchema" xmlns:p="http://schemas.microsoft.com/office/2006/metadata/properties" xmlns:ns2="4873beb7-5857-4685-be1f-d57550cc96cc" targetNamespace="http://schemas.microsoft.com/office/2006/metadata/properties" ma:root="true" ma:fieldsID="cd0908cc4600e77bf5da051303e00c8d" ns2:_="">
     <xsd:import namespace="4873beb7-5857-4685-be1f-d57550cc96cc"/>
@@ -20219,15 +26172,6 @@
 </ct:contentTypeSchema>
 </file>
 
-<file path=customXml/item2.xml><?xml version="1.0" encoding="utf-8"?>
-<?mso-contentType ?>
-<FormTemplates xmlns="http://schemas.microsoft.com/sharepoint/v3/contenttype/forms">
-  <Display>DocumentLibraryForm</Display>
-  <Edit>AssetEditForm</Edit>
-  <New>DocumentLibraryForm</New>
-</FormTemplates>
-</file>
-
 <file path=customXml/item3.xml><?xml version="1.0" encoding="utf-8"?>
 <p:properties xmlns:p="http://schemas.microsoft.com/office/2006/metadata/properties" xmlns:xsi="http://www.w3.org/2001/XMLSchema-instance" xmlns:pc="http://schemas.microsoft.com/office/infopath/2007/PartnerControls">
   <documentManagement>
@@ -20355,6 +26299,14 @@
 </file>
 
 <file path=customXml/itemProps1.xml><?xml version="1.0" encoding="utf-8"?>
+<ds:datastoreItem xmlns:ds="http://schemas.openxmlformats.org/officeDocument/2006/customXml" ds:itemID="{561E720F-F05D-4536-9C34-0CFCED65D3B7}">
+  <ds:schemaRefs>
+    <ds:schemaRef ds:uri="http://schemas.microsoft.com/sharepoint/v3/contenttype/forms"/>
+  </ds:schemaRefs>
+</ds:datastoreItem>
+</file>
+
+<file path=customXml/itemProps2.xml><?xml version="1.0" encoding="utf-8"?>
 <ds:datastoreItem xmlns:ds="http://schemas.openxmlformats.org/officeDocument/2006/customXml" ds:itemID="{28C8B9CA-0273-4370-889A-FC05DA5C2FA5}">
   <ds:schemaRefs>
     <ds:schemaRef ds:uri="http://schemas.microsoft.com/office/2006/metadata/contentType"/>
@@ -20368,14 +26320,6 @@
     <ds:schemaRef ds:uri="http://purl.org/dc/elements/1.1/"/>
     <ds:schemaRef ds:uri="http://purl.org/dc/terms/"/>
     <ds:schemaRef ds:uri="http://schemas.microsoft.com/internal/obd"/>
-  </ds:schemaRefs>
-</ds:datastoreItem>
-</file>
-
-<file path=customXml/itemProps2.xml><?xml version="1.0" encoding="utf-8"?>
-<ds:datastoreItem xmlns:ds="http://schemas.openxmlformats.org/officeDocument/2006/customXml" ds:itemID="{561E720F-F05D-4536-9C34-0CFCED65D3B7}">
-  <ds:schemaRefs>
-    <ds:schemaRef ds:uri="http://schemas.microsoft.com/sharepoint/v3/contenttype/forms"/>
   </ds:schemaRefs>
 </ds:datastoreItem>
 </file>
